--- a/TEChallengeCommonAbstractModels.pptx
+++ b/TEChallengeCommonAbstractModels.pptx
@@ -14,7 +14,7 @@
     <p:sldId id="259" r:id="rId5"/>
     <p:sldId id="260" r:id="rId6"/>
     <p:sldId id="261" r:id="rId7"/>
-    <p:sldId id="262" r:id="rId8"/>
+    <p:sldId id="265" r:id="rId8"/>
     <p:sldId id="263" r:id="rId9"/>
     <p:sldId id="264" r:id="rId10"/>
   </p:sldIdLst>
@@ -216,7 +216,7 @@
           <a:p>
             <a:fld id="{8F755A85-8CA7-429D-9199-7310C15E75F3}" type="datetimeFigureOut">
               <a:rPr lang="en-US" smtClean="0"/>
-              <a:t>9/14/16</a:t>
+              <a:t>10/4/2016</a:t>
             </a:fld>
             <a:endParaRPr lang="en-US"/>
           </a:p>
@@ -557,7 +557,7 @@
     </p:spTree>
     <p:extLst>
       <p:ext uri="{BB962C8B-B14F-4D97-AF65-F5344CB8AC3E}">
-        <p14:creationId xmlns:p14="http://schemas.microsoft.com/office/powerpoint/2010/main" val="682086167"/>
+        <p14:creationId xmlns:p14="http://schemas.microsoft.com/office/powerpoint/2010/main" val="1713816153"/>
       </p:ext>
     </p:extLst>
   </p:cSld>
@@ -2756,7 +2756,7 @@
           <a:noFill/>
           <a:extLst>
             <a:ext uri="{909E8E84-426E-40dd-AFC4-6F175D3DCCD1}">
-              <a14:hiddenFill xmlns:a14="http://schemas.microsoft.com/office/drawing/2010/main" xmlns="">
+              <a14:hiddenFill xmlns="" xmlns:a14="http://schemas.microsoft.com/office/drawing/2010/main">
                 <a:solidFill>
                   <a:srgbClr val="FFFFFF"/>
                 </a:solidFill>
@@ -3289,13 +3289,6 @@
   <p:clrMapOvr>
     <a:masterClrMapping/>
   </p:clrMapOvr>
-  <p:timing>
-    <p:tnLst>
-      <p:par>
-        <p:cTn id="1" dur="indefinite" restart="never" nodeType="tmRoot"/>
-      </p:par>
-    </p:tnLst>
-  </p:timing>
 </p:sld>
 </file>
 
@@ -3475,13 +3468,6 @@
   <p:clrMapOvr>
     <a:masterClrMapping/>
   </p:clrMapOvr>
-  <p:timing>
-    <p:tnLst>
-      <p:par>
-        <p:cTn id="1" dur="indefinite" restart="never" nodeType="tmRoot"/>
-      </p:par>
-    </p:tnLst>
-  </p:timing>
 </p:sld>
 </file>
 
@@ -6928,13 +6914,6 @@
   <p:clrMapOvr>
     <a:masterClrMapping/>
   </p:clrMapOvr>
-  <p:timing>
-    <p:tnLst>
-      <p:par>
-        <p:cTn id="1" dur="indefinite" restart="never" nodeType="tmRoot"/>
-      </p:par>
-    </p:tnLst>
-  </p:timing>
 </p:sld>
 </file>
 
@@ -7036,13 +7015,6 @@
   <p:clrMapOvr>
     <a:masterClrMapping/>
   </p:clrMapOvr>
-  <p:timing>
-    <p:tnLst>
-      <p:par>
-        <p:cTn id="1" dur="indefinite" restart="never" nodeType="tmRoot"/>
-      </p:par>
-    </p:tnLst>
-  </p:timing>
 </p:sld>
 </file>
 
@@ -7144,13 +7116,6 @@
   <p:clrMapOvr>
     <a:masterClrMapping/>
   </p:clrMapOvr>
-  <p:timing>
-    <p:tnLst>
-      <p:par>
-        <p:cTn id="1" dur="indefinite" restart="never" nodeType="tmRoot"/>
-      </p:par>
-    </p:tnLst>
-  </p:timing>
 </p:sld>
 </file>
 
@@ -8493,13 +8458,6 @@
   <p:clrMapOvr>
     <a:masterClrMapping/>
   </p:clrMapOvr>
-  <p:timing>
-    <p:tnLst>
-      <p:par>
-        <p:cTn id="1" dur="indefinite" restart="never" nodeType="tmRoot"/>
-      </p:par>
-    </p:tnLst>
-  </p:timing>
 </p:sld>
 </file>
 
@@ -11462,10 +11420,10 @@
         </p:nvGrpSpPr>
         <p:grpSpPr>
           <a:xfrm>
-            <a:off x="1576827" y="5117225"/>
-            <a:ext cx="8335654" cy="1380841"/>
-            <a:chOff x="1810933" y="5271618"/>
-            <a:chExt cx="8335654" cy="1380841"/>
+            <a:off x="623452" y="5117225"/>
+            <a:ext cx="9289029" cy="1284208"/>
+            <a:chOff x="857558" y="5271618"/>
+            <a:chExt cx="9289029" cy="1284208"/>
           </a:xfrm>
         </p:grpSpPr>
         <p:sp>
@@ -11476,7 +11434,7 @@
           </p:nvSpPr>
           <p:spPr>
             <a:xfrm>
-              <a:off x="1997033" y="6458357"/>
+              <a:off x="1871048" y="6390574"/>
               <a:ext cx="81159" cy="79237"/>
             </a:xfrm>
             <a:prstGeom prst="hexagon">
@@ -11519,7 +11477,7 @@
           </p:nvSpPr>
           <p:spPr>
             <a:xfrm>
-              <a:off x="1997033" y="6251680"/>
+              <a:off x="908644" y="6106276"/>
               <a:ext cx="101448" cy="68792"/>
             </a:xfrm>
             <a:prstGeom prst="rect">
@@ -11693,7 +11651,7 @@
           </p:nvSpPr>
           <p:spPr>
             <a:xfrm>
-              <a:off x="1951403" y="5868765"/>
+              <a:off x="857558" y="5782484"/>
               <a:ext cx="182607" cy="182607"/>
             </a:xfrm>
             <a:prstGeom prst="diamond">
@@ -11736,7 +11694,7 @@
           </p:nvSpPr>
           <p:spPr>
             <a:xfrm>
-              <a:off x="1971671" y="5577681"/>
+              <a:off x="863325" y="5506425"/>
               <a:ext cx="152172" cy="172489"/>
             </a:xfrm>
             <a:prstGeom prst="parallelogram">
@@ -11888,7 +11846,7 @@
           </p:nvSpPr>
           <p:spPr>
             <a:xfrm>
-              <a:off x="2169769" y="5555958"/>
+              <a:off x="1061423" y="5484702"/>
               <a:ext cx="1274708" cy="253916"/>
             </a:xfrm>
             <a:prstGeom prst="rect">
@@ -11917,7 +11875,7 @@
           </p:nvSpPr>
           <p:spPr>
             <a:xfrm>
-              <a:off x="2166151" y="5869200"/>
+              <a:off x="1072306" y="5782919"/>
               <a:ext cx="1168910" cy="253916"/>
             </a:xfrm>
             <a:prstGeom prst="rect">
@@ -11946,7 +11904,7 @@
           </p:nvSpPr>
           <p:spPr>
             <a:xfrm>
-              <a:off x="2166151" y="6183636"/>
+              <a:off x="1077762" y="6038232"/>
               <a:ext cx="1566454" cy="253916"/>
             </a:xfrm>
             <a:prstGeom prst="rect">
@@ -11975,7 +11933,7 @@
           </p:nvSpPr>
           <p:spPr>
             <a:xfrm>
-              <a:off x="2168152" y="6390849"/>
+              <a:off x="1974802" y="6294216"/>
               <a:ext cx="1338828" cy="261610"/>
             </a:xfrm>
             <a:prstGeom prst="rect">
@@ -12788,6 +12746,35 @@
             </a:p>
           </p:txBody>
         </p:sp>
+        <p:sp>
+          <p:nvSpPr>
+            <p:cNvPr id="137" name="TextBox 136"/>
+            <p:cNvSpPr txBox="1"/>
+            <p:nvPr/>
+          </p:nvSpPr>
+          <p:spPr>
+            <a:xfrm>
+              <a:off x="2572070" y="5484247"/>
+              <a:ext cx="867545" cy="253916"/>
+            </a:xfrm>
+            <a:prstGeom prst="rect">
+              <a:avLst/>
+            </a:prstGeom>
+            <a:noFill/>
+          </p:spPr>
+          <p:txBody>
+            <a:bodyPr wrap="none" rtlCol="0">
+              <a:spAutoFit/>
+            </a:bodyPr>
+            <a:lstStyle/>
+            <a:p>
+              <a:r>
+                <a:rPr lang="en-US" sz="1050" dirty="0"/>
+                <a:t>Bulk Power</a:t>
+              </a:r>
+            </a:p>
+          </p:txBody>
+        </p:sp>
       </p:grpSp>
       <p:sp>
         <p:nvSpPr>
@@ -12798,7 +12785,7 @@
         <p:spPr>
           <a:xfrm>
             <a:off x="398277" y="1096993"/>
-            <a:ext cx="4205980" cy="3754874"/>
+            <a:ext cx="4205980" cy="3970318"/>
           </a:xfrm>
           <a:prstGeom prst="rect">
             <a:avLst/>
@@ -12822,7 +12809,7 @@
           <a:p>
             <a:r>
               <a:rPr lang="en-US" sz="1400" dirty="0"/>
-              <a:t>The distribution system has one uncontrollable load (Resource).</a:t>
+              <a:t>The distribution system has one uncontrollable load (Resource) and one source of bulk power (Resource).</a:t>
             </a:r>
           </a:p>
           <a:p>
@@ -12999,23 +12986,140 @@
           </a:p>
         </p:txBody>
       </p:sp>
+      <p:sp>
+        <p:nvSpPr>
+          <p:cNvPr id="118" name="Diamond 117"/>
+          <p:cNvSpPr/>
+          <p:nvPr/>
+        </p:nvSpPr>
+        <p:spPr>
+          <a:xfrm>
+            <a:off x="4687717" y="2102004"/>
+            <a:ext cx="274320" cy="274320"/>
+          </a:xfrm>
+          <a:prstGeom prst="diamond">
+            <a:avLst/>
+          </a:prstGeom>
+          <a:solidFill>
+            <a:srgbClr val="CC66FF"/>
+          </a:solidFill>
+        </p:spPr>
+        <p:style>
+          <a:lnRef idx="2">
+            <a:schemeClr val="dk1">
+              <a:shade val="50000"/>
+            </a:schemeClr>
+          </a:lnRef>
+          <a:fillRef idx="1">
+            <a:schemeClr val="dk1"/>
+          </a:fillRef>
+          <a:effectRef idx="0">
+            <a:schemeClr val="dk1"/>
+          </a:effectRef>
+          <a:fontRef idx="minor">
+            <a:schemeClr val="lt1"/>
+          </a:fontRef>
+        </p:style>
+        <p:txBody>
+          <a:bodyPr rtlCol="0" anchor="ctr"/>
+          <a:lstStyle/>
+          <a:p>
+            <a:pPr algn="ctr"/>
+            <a:endParaRPr lang="en-US"/>
+          </a:p>
+        </p:txBody>
+      </p:sp>
+      <p:cxnSp>
+        <p:nvCxnSpPr>
+          <p:cNvPr id="119" name="Straight Connector 118"/>
+          <p:cNvCxnSpPr>
+            <a:stCxn id="6" idx="2"/>
+            <a:endCxn id="118" idx="3"/>
+          </p:cNvCxnSpPr>
+          <p:nvPr/>
+        </p:nvCxnSpPr>
+        <p:spPr>
+          <a:xfrm flipH="1">
+            <a:off x="4962037" y="2227083"/>
+            <a:ext cx="273252" cy="12081"/>
+          </a:xfrm>
+          <a:prstGeom prst="line">
+            <a:avLst/>
+          </a:prstGeom>
+          <a:ln>
+            <a:solidFill>
+              <a:srgbClr val="5B9BD5"/>
+            </a:solidFill>
+          </a:ln>
+        </p:spPr>
+        <p:style>
+          <a:lnRef idx="1">
+            <a:schemeClr val="dk1"/>
+          </a:lnRef>
+          <a:fillRef idx="0">
+            <a:schemeClr val="dk1"/>
+          </a:fillRef>
+          <a:effectRef idx="0">
+            <a:schemeClr val="dk1"/>
+          </a:effectRef>
+          <a:fontRef idx="minor">
+            <a:schemeClr val="tx1"/>
+          </a:fontRef>
+        </p:style>
+      </p:cxnSp>
+      <p:sp>
+        <p:nvSpPr>
+          <p:cNvPr id="124" name="Diamond 123"/>
+          <p:cNvSpPr/>
+          <p:nvPr/>
+        </p:nvSpPr>
+        <p:spPr>
+          <a:xfrm>
+            <a:off x="2164210" y="5372867"/>
+            <a:ext cx="185808" cy="185808"/>
+          </a:xfrm>
+          <a:prstGeom prst="diamond">
+            <a:avLst/>
+          </a:prstGeom>
+          <a:solidFill>
+            <a:srgbClr val="CC66FF"/>
+          </a:solidFill>
+        </p:spPr>
+        <p:style>
+          <a:lnRef idx="2">
+            <a:schemeClr val="dk1">
+              <a:shade val="50000"/>
+            </a:schemeClr>
+          </a:lnRef>
+          <a:fillRef idx="1">
+            <a:schemeClr val="dk1"/>
+          </a:fillRef>
+          <a:effectRef idx="0">
+            <a:schemeClr val="dk1"/>
+          </a:effectRef>
+          <a:fontRef idx="minor">
+            <a:schemeClr val="lt1"/>
+          </a:fontRef>
+        </p:style>
+        <p:txBody>
+          <a:bodyPr rtlCol="0" anchor="ctr"/>
+          <a:lstStyle/>
+          <a:p>
+            <a:pPr algn="ctr"/>
+            <a:endParaRPr lang="en-US"/>
+          </a:p>
+        </p:txBody>
+      </p:sp>
     </p:spTree>
     <p:extLst>
       <p:ext uri="{BB962C8B-B14F-4D97-AF65-F5344CB8AC3E}">
-        <p14:creationId xmlns:p14="http://schemas.microsoft.com/office/powerpoint/2010/main" val="1973744722"/>
+        <p14:creationId xmlns:p14="http://schemas.microsoft.com/office/powerpoint/2010/main" val="1801594675"/>
       </p:ext>
     </p:extLst>
   </p:cSld>
   <p:clrMapOvr>
     <a:masterClrMapping/>
   </p:clrMapOvr>
-  <p:timing>
-    <p:tnLst>
-      <p:par>
-        <p:cTn id="1" dur="indefinite" restart="never" nodeType="tmRoot"/>
-      </p:par>
-    </p:tnLst>
-  </p:timing>
 </p:sld>
 </file>
 
@@ -13166,13 +13270,6 @@
   <p:clrMapOvr>
     <a:masterClrMapping/>
   </p:clrMapOvr>
-  <p:timing>
-    <p:tnLst>
-      <p:par>
-        <p:cTn id="1" dur="indefinite" restart="never" nodeType="tmRoot"/>
-      </p:par>
-    </p:tnLst>
-  </p:timing>
 </p:sld>
 </file>
 
@@ -13300,13 +13397,6 @@
   <p:clrMapOvr>
     <a:masterClrMapping/>
   </p:clrMapOvr>
-  <p:timing>
-    <p:tnLst>
-      <p:par>
-        <p:cTn id="1" dur="indefinite" restart="never" nodeType="tmRoot"/>
-      </p:par>
-    </p:tnLst>
-  </p:timing>
 </p:sld>
 </file>
 

--- a/TEChallengeCommonAbstractModels.pptx
+++ b/TEChallengeCommonAbstractModels.pptx
@@ -216,7 +216,7 @@
           <a:p>
             <a:fld id="{8F755A85-8CA7-429D-9199-7310C15E75F3}" type="datetimeFigureOut">
               <a:rPr lang="en-US" smtClean="0"/>
-              <a:t>10/4/2016</a:t>
+              <a:t>4/8/2017</a:t>
             </a:fld>
             <a:endParaRPr lang="en-US"/>
           </a:p>
@@ -2756,7 +2756,7 @@
           <a:noFill/>
           <a:extLst>
             <a:ext uri="{909E8E84-426E-40dd-AFC4-6F175D3DCCD1}">
-              <a14:hiddenFill xmlns="" xmlns:a14="http://schemas.microsoft.com/office/drawing/2010/main">
+              <a14:hiddenFill xmlns:a14="http://schemas.microsoft.com/office/drawing/2010/main" xmlns="">
                 <a:solidFill>
                   <a:srgbClr val="FFFFFF"/>
                 </a:solidFill>
@@ -3488,37 +3488,197 @@
           <a:chExt cx="0" cy="0"/>
         </a:xfrm>
       </p:grpSpPr>
+      <p:sp>
+        <p:nvSpPr>
+          <p:cNvPr id="15" name="Title 14"/>
+          <p:cNvSpPr>
+            <a:spLocks noGrp="1"/>
+          </p:cNvSpPr>
+          <p:nvPr>
+            <p:ph type="title"/>
+          </p:nvPr>
+        </p:nvSpPr>
+        <p:spPr>
+          <a:xfrm>
+            <a:off x="838200" y="365126"/>
+            <a:ext cx="10515600" cy="575800"/>
+          </a:xfrm>
+        </p:spPr>
+        <p:txBody>
+          <a:bodyPr>
+            <a:normAutofit fontScale="90000"/>
+          </a:bodyPr>
+          <a:lstStyle/>
+          <a:p>
+            <a:r>
+              <a:rPr lang="en-US" dirty="0"/>
+              <a:t>Notional Topology of A TE Simulation</a:t>
+            </a:r>
+          </a:p>
+        </p:txBody>
+      </p:sp>
       <p:grpSp>
         <p:nvGrpSpPr>
-          <p:cNvPr id="8" name="Group 7"/>
+          <p:cNvPr id="39" name="Group 38"/>
           <p:cNvGrpSpPr/>
           <p:nvPr/>
         </p:nvGrpSpPr>
         <p:grpSpPr>
           <a:xfrm>
-            <a:off x="6942718" y="5029593"/>
-            <a:ext cx="4723910" cy="1471867"/>
-            <a:chOff x="1737672" y="4959255"/>
-            <a:chExt cx="4723910" cy="1471867"/>
+            <a:off x="1031857" y="1223050"/>
+            <a:ext cx="10634771" cy="5278410"/>
+            <a:chOff x="1031857" y="1223050"/>
+            <a:chExt cx="10634771" cy="5278410"/>
           </a:xfrm>
         </p:grpSpPr>
+        <p:cxnSp>
+          <p:nvCxnSpPr>
+            <p:cNvPr id="123" name="Straight Connector 122"/>
+            <p:cNvCxnSpPr>
+              <a:stCxn id="98" idx="1"/>
+              <a:endCxn id="125" idx="3"/>
+            </p:cNvCxnSpPr>
+            <p:nvPr/>
+          </p:nvCxnSpPr>
+          <p:spPr>
+            <a:xfrm flipH="1">
+              <a:off x="2675574" y="2207102"/>
+              <a:ext cx="1473630" cy="6349"/>
+            </a:xfrm>
+            <a:prstGeom prst="line">
+              <a:avLst/>
+            </a:prstGeom>
+            <a:ln w="28575"/>
+          </p:spPr>
+          <p:style>
+            <a:lnRef idx="3">
+              <a:schemeClr val="accent2"/>
+            </a:lnRef>
+            <a:fillRef idx="0">
+              <a:schemeClr val="accent2"/>
+            </a:fillRef>
+            <a:effectRef idx="2">
+              <a:schemeClr val="accent2"/>
+            </a:effectRef>
+            <a:fontRef idx="minor">
+              <a:schemeClr val="tx1"/>
+            </a:fontRef>
+          </p:style>
+        </p:cxnSp>
+        <p:cxnSp>
+          <p:nvCxnSpPr>
+            <p:cNvPr id="95" name="Straight Connector 94"/>
+            <p:cNvCxnSpPr/>
+            <p:nvPr/>
+          </p:nvCxnSpPr>
+          <p:spPr>
+            <a:xfrm flipH="1">
+              <a:off x="5067532" y="3689228"/>
+              <a:ext cx="1696867" cy="487219"/>
+            </a:xfrm>
+            <a:prstGeom prst="line">
+              <a:avLst/>
+            </a:prstGeom>
+            <a:ln w="28575"/>
+          </p:spPr>
+          <p:style>
+            <a:lnRef idx="3">
+              <a:schemeClr val="accent2"/>
+            </a:lnRef>
+            <a:fillRef idx="0">
+              <a:schemeClr val="accent2"/>
+            </a:fillRef>
+            <a:effectRef idx="2">
+              <a:schemeClr val="accent2"/>
+            </a:effectRef>
+            <a:fontRef idx="minor">
+              <a:schemeClr val="tx1"/>
+            </a:fontRef>
+          </p:style>
+        </p:cxnSp>
+        <p:cxnSp>
+          <p:nvCxnSpPr>
+            <p:cNvPr id="96" name="Straight Connector 95"/>
+            <p:cNvCxnSpPr>
+              <a:stCxn id="2" idx="2"/>
+              <a:endCxn id="106" idx="0"/>
+            </p:cNvCxnSpPr>
+            <p:nvPr/>
+          </p:nvCxnSpPr>
+          <p:spPr>
+            <a:xfrm flipH="1">
+              <a:off x="2254927" y="2371360"/>
+              <a:ext cx="1203" cy="173766"/>
+            </a:xfrm>
+            <a:prstGeom prst="line">
+              <a:avLst/>
+            </a:prstGeom>
+            <a:ln w="28575" cap="rnd"/>
+          </p:spPr>
+          <p:style>
+            <a:lnRef idx="1">
+              <a:schemeClr val="accent1"/>
+            </a:lnRef>
+            <a:fillRef idx="0">
+              <a:schemeClr val="accent1"/>
+            </a:fillRef>
+            <a:effectRef idx="0">
+              <a:schemeClr val="accent1"/>
+            </a:effectRef>
+            <a:fontRef idx="minor">
+              <a:schemeClr val="tx1"/>
+            </a:fontRef>
+          </p:style>
+        </p:cxnSp>
+        <p:cxnSp>
+          <p:nvCxnSpPr>
+            <p:cNvPr id="100" name="Straight Connector 99"/>
+            <p:cNvCxnSpPr/>
+            <p:nvPr/>
+          </p:nvCxnSpPr>
+          <p:spPr>
+            <a:xfrm>
+              <a:off x="4614815" y="3546384"/>
+              <a:ext cx="0" cy="450906"/>
+            </a:xfrm>
+            <a:prstGeom prst="line">
+              <a:avLst/>
+            </a:prstGeom>
+            <a:ln w="28575" cap="rnd"/>
+          </p:spPr>
+          <p:style>
+            <a:lnRef idx="1">
+              <a:schemeClr val="accent1"/>
+            </a:lnRef>
+            <a:fillRef idx="0">
+              <a:schemeClr val="accent1"/>
+            </a:fillRef>
+            <a:effectRef idx="0">
+              <a:schemeClr val="accent1"/>
+            </a:effectRef>
+            <a:fontRef idx="minor">
+              <a:schemeClr val="tx1"/>
+            </a:fontRef>
+          </p:style>
+        </p:cxnSp>
         <p:sp>
           <p:nvSpPr>
-            <p:cNvPr id="89" name="Rectangle 88"/>
+            <p:cNvPr id="2" name="Rectangle 1"/>
             <p:cNvSpPr/>
             <p:nvPr/>
           </p:nvSpPr>
           <p:spPr>
             <a:xfrm>
-              <a:off x="4382446" y="5265653"/>
+              <a:off x="1976499" y="2055541"/>
               <a:ext cx="559261" cy="315819"/>
             </a:xfrm>
             <a:prstGeom prst="rect">
               <a:avLst/>
             </a:prstGeom>
             <a:solidFill>
-              <a:srgbClr val="7030A0"/>
+              <a:srgbClr val="CC66FF"/>
             </a:solidFill>
+            <a:ln cap="rnd"/>
           </p:spPr>
           <p:style>
             <a:lnRef idx="2">
@@ -3543,28 +3703,126 @@
               <a:pPr algn="ctr"/>
               <a:r>
                 <a:rPr lang="en-US" sz="800" dirty="0"/>
-                <a:t>Resource: Load</a:t>
+                <a:t>Bulk Generator</a:t>
               </a:r>
             </a:p>
           </p:txBody>
         </p:sp>
+        <p:cxnSp>
+          <p:nvCxnSpPr>
+            <p:cNvPr id="11" name="Straight Connector 10"/>
+            <p:cNvCxnSpPr>
+              <a:endCxn id="86" idx="1"/>
+            </p:cNvCxnSpPr>
+            <p:nvPr/>
+          </p:nvCxnSpPr>
+          <p:spPr>
+            <a:xfrm flipV="1">
+              <a:off x="4614815" y="2996266"/>
+              <a:ext cx="562023" cy="5834"/>
+            </a:xfrm>
+            <a:prstGeom prst="line">
+              <a:avLst/>
+            </a:prstGeom>
+            <a:ln w="28575" cap="rnd"/>
+          </p:spPr>
+          <p:style>
+            <a:lnRef idx="1">
+              <a:schemeClr val="accent1"/>
+            </a:lnRef>
+            <a:fillRef idx="0">
+              <a:schemeClr val="accent1"/>
+            </a:fillRef>
+            <a:effectRef idx="0">
+              <a:schemeClr val="accent1"/>
+            </a:effectRef>
+            <a:fontRef idx="minor">
+              <a:schemeClr val="tx1"/>
+            </a:fontRef>
+          </p:style>
+        </p:cxnSp>
+        <p:cxnSp>
+          <p:nvCxnSpPr>
+            <p:cNvPr id="16" name="Straight Connector 15"/>
+            <p:cNvCxnSpPr/>
+            <p:nvPr/>
+          </p:nvCxnSpPr>
+          <p:spPr>
+            <a:xfrm>
+              <a:off x="4614815" y="3002100"/>
+              <a:ext cx="0" cy="544284"/>
+            </a:xfrm>
+            <a:prstGeom prst="line">
+              <a:avLst/>
+            </a:prstGeom>
+            <a:ln w="28575" cap="rnd"/>
+          </p:spPr>
+          <p:style>
+            <a:lnRef idx="1">
+              <a:schemeClr val="accent1"/>
+            </a:lnRef>
+            <a:fillRef idx="0">
+              <a:schemeClr val="accent1"/>
+            </a:fillRef>
+            <a:effectRef idx="0">
+              <a:schemeClr val="accent1"/>
+            </a:effectRef>
+            <a:fontRef idx="minor">
+              <a:schemeClr val="tx1"/>
+            </a:fontRef>
+          </p:style>
+        </p:cxnSp>
+        <p:cxnSp>
+          <p:nvCxnSpPr>
+            <p:cNvPr id="58" name="Straight Connector 57"/>
+            <p:cNvCxnSpPr>
+              <a:stCxn id="85" idx="2"/>
+            </p:cNvCxnSpPr>
+            <p:nvPr/>
+          </p:nvCxnSpPr>
+          <p:spPr>
+            <a:xfrm flipH="1">
+              <a:off x="2245095" y="3418935"/>
+              <a:ext cx="14159" cy="1201185"/>
+            </a:xfrm>
+            <a:prstGeom prst="line">
+              <a:avLst/>
+            </a:prstGeom>
+            <a:ln w="28575" cap="rnd"/>
+          </p:spPr>
+          <p:style>
+            <a:lnRef idx="1">
+              <a:schemeClr val="accent1"/>
+            </a:lnRef>
+            <a:fillRef idx="0">
+              <a:schemeClr val="accent1"/>
+            </a:fillRef>
+            <a:effectRef idx="0">
+              <a:schemeClr val="accent1"/>
+            </a:effectRef>
+            <a:fontRef idx="minor">
+              <a:schemeClr val="tx1"/>
+            </a:fontRef>
+          </p:style>
+        </p:cxnSp>
         <p:sp>
           <p:nvSpPr>
-            <p:cNvPr id="90" name="Rectangle 89"/>
+            <p:cNvPr id="84" name="Rectangle 83"/>
             <p:cNvSpPr/>
             <p:nvPr/>
           </p:nvSpPr>
           <p:spPr>
             <a:xfrm>
-              <a:off x="5022052" y="5265653"/>
+              <a:off x="5528990" y="3388475"/>
               <a:ext cx="559261" cy="315819"/>
             </a:xfrm>
             <a:prstGeom prst="rect">
               <a:avLst/>
             </a:prstGeom>
             <a:solidFill>
-              <a:srgbClr val="CC66FF"/>
+              <a:srgbClr val="7030A0"/>
             </a:solidFill>
+            <a:ln cap="rnd"/>
           </p:spPr>
           <p:style>
             <a:lnRef idx="2">
@@ -3589,28 +3847,29 @@
               <a:pPr algn="ctr"/>
               <a:r>
                 <a:rPr lang="en-US" sz="800" dirty="0"/>
-                <a:t>Resource: DER</a:t>
+                <a:t>Industrial Load</a:t>
               </a:r>
             </a:p>
           </p:txBody>
         </p:sp>
         <p:sp>
           <p:nvSpPr>
-            <p:cNvPr id="91" name="Rectangle 90"/>
+            <p:cNvPr id="86" name="Rectangle 85"/>
             <p:cNvSpPr/>
             <p:nvPr/>
           </p:nvSpPr>
           <p:spPr>
             <a:xfrm>
-              <a:off x="3237500" y="5360259"/>
-              <a:ext cx="153538" cy="141364"/>
+              <a:off x="5176838" y="2838356"/>
+              <a:ext cx="576623" cy="315819"/>
             </a:xfrm>
             <a:prstGeom prst="rect">
               <a:avLst/>
             </a:prstGeom>
             <a:solidFill>
-              <a:schemeClr val="accent2"/>
+              <a:srgbClr val="CC66FF"/>
             </a:solidFill>
+            <a:ln cap="rnd"/>
           </p:spPr>
           <p:style>
             <a:lnRef idx="2">
@@ -3629,59 +3888,36 @@
             </a:fontRef>
           </p:style>
           <p:txBody>
-            <a:bodyPr rtlCol="0" anchor="ctr"/>
+            <a:bodyPr lIns="0" tIns="0" rIns="0" bIns="0" rtlCol="0" anchor="ctr"/>
             <a:lstStyle/>
             <a:p>
               <a:pPr algn="ctr"/>
-              <a:endParaRPr lang="en-US"/>
+              <a:r>
+                <a:rPr lang="en-US" sz="800" dirty="0" err="1"/>
+                <a:t>Microturbine</a:t>
+              </a:r>
+              <a:endParaRPr lang="en-US" sz="800" dirty="0"/>
             </a:p>
           </p:txBody>
         </p:sp>
         <p:sp>
           <p:nvSpPr>
-            <p:cNvPr id="92" name="TextBox 91"/>
-            <p:cNvSpPr txBox="1"/>
-            <p:nvPr/>
-          </p:nvSpPr>
-          <p:spPr>
-            <a:xfrm>
-              <a:off x="2855145" y="4959255"/>
-              <a:ext cx="918247" cy="415498"/>
-            </a:xfrm>
-            <a:prstGeom prst="rect">
-              <a:avLst/>
-            </a:prstGeom>
-            <a:noFill/>
-          </p:spPr>
-          <p:txBody>
-            <a:bodyPr wrap="square" rtlCol="0">
-              <a:spAutoFit/>
-            </a:bodyPr>
-            <a:lstStyle/>
-            <a:p>
-              <a:pPr algn="ctr"/>
-              <a:r>
-                <a:rPr lang="en-US" sz="1050" dirty="0"/>
-                <a:t>Microgrid PCC</a:t>
-              </a:r>
-            </a:p>
-          </p:txBody>
-        </p:sp>
-        <p:sp>
-          <p:nvSpPr>
-            <p:cNvPr id="93" name="Oval 92"/>
+            <p:cNvPr id="87" name="Rectangle 86"/>
             <p:cNvSpPr/>
             <p:nvPr/>
           </p:nvSpPr>
           <p:spPr>
             <a:xfrm>
-              <a:off x="3684856" y="5363038"/>
-              <a:ext cx="195241" cy="195241"/>
+              <a:off x="4374983" y="3997290"/>
+              <a:ext cx="557784" cy="320040"/>
             </a:xfrm>
-            <a:prstGeom prst="ellipse">
+            <a:prstGeom prst="rect">
               <a:avLst/>
             </a:prstGeom>
-            <a:ln w="28575"/>
+            <a:solidFill>
+              <a:srgbClr val="CC66FF"/>
+            </a:solidFill>
+            <a:ln cap="rnd"/>
           </p:spPr>
           <p:style>
             <a:lnRef idx="2">
@@ -3700,95 +3936,60 @@
             </a:fontRef>
           </p:style>
           <p:txBody>
-            <a:bodyPr rtlCol="0" anchor="ctr"/>
-            <a:lstStyle/>
-            <a:p>
-              <a:pPr algn="ctr"/>
-              <a:endParaRPr lang="en-US" dirty="0"/>
-            </a:p>
-          </p:txBody>
-        </p:sp>
-        <p:sp>
-          <p:nvSpPr>
-            <p:cNvPr id="94" name="TextBox 93"/>
-            <p:cNvSpPr txBox="1"/>
-            <p:nvPr/>
-          </p:nvSpPr>
-          <p:spPr>
-            <a:xfrm>
-              <a:off x="3487642" y="4964063"/>
-              <a:ext cx="613530" cy="415498"/>
-            </a:xfrm>
-            <a:prstGeom prst="rect">
-              <a:avLst/>
-            </a:prstGeom>
-            <a:noFill/>
-          </p:spPr>
-          <p:txBody>
-            <a:bodyPr wrap="square" rtlCol="0">
-              <a:spAutoFit/>
-            </a:bodyPr>
+            <a:bodyPr lIns="0" tIns="0" rIns="0" bIns="0" rtlCol="0" anchor="ctr"/>
             <a:lstStyle/>
             <a:p>
               <a:pPr algn="ctr"/>
               <a:r>
-                <a:rPr lang="en-US" sz="1050" dirty="0"/>
-                <a:t>Grid Node</a:t>
+                <a:rPr lang="en-US" sz="800" dirty="0"/>
+                <a:t>Storage</a:t>
               </a:r>
             </a:p>
           </p:txBody>
         </p:sp>
+        <p:cxnSp>
+          <p:nvCxnSpPr>
+            <p:cNvPr id="120" name="Straight Connector 119"/>
+            <p:cNvCxnSpPr>
+              <a:stCxn id="84" idx="1"/>
+            </p:cNvCxnSpPr>
+            <p:nvPr/>
+          </p:nvCxnSpPr>
+          <p:spPr>
+            <a:xfrm flipH="1">
+              <a:off x="4614815" y="3546385"/>
+              <a:ext cx="914175" cy="0"/>
+            </a:xfrm>
+            <a:prstGeom prst="line">
+              <a:avLst/>
+            </a:prstGeom>
+            <a:ln w="28575" cap="rnd"/>
+          </p:spPr>
+          <p:style>
+            <a:lnRef idx="1">
+              <a:schemeClr val="accent1"/>
+            </a:lnRef>
+            <a:fillRef idx="0">
+              <a:schemeClr val="accent1"/>
+            </a:fillRef>
+            <a:effectRef idx="0">
+              <a:schemeClr val="accent1"/>
+            </a:effectRef>
+            <a:fontRef idx="minor">
+              <a:schemeClr val="tx1"/>
+            </a:fontRef>
+          </p:style>
+        </p:cxnSp>
         <p:sp>
           <p:nvSpPr>
-            <p:cNvPr id="141" name="Rectangle 140"/>
+            <p:cNvPr id="69" name="Rectangle 68"/>
             <p:cNvSpPr/>
             <p:nvPr/>
           </p:nvSpPr>
           <p:spPr>
             <a:xfrm>
-              <a:off x="1737843" y="4977425"/>
-              <a:ext cx="4723739" cy="1453697"/>
-            </a:xfrm>
-            <a:prstGeom prst="rect">
-              <a:avLst/>
-            </a:prstGeom>
-            <a:noFill/>
-          </p:spPr>
-          <p:style>
-            <a:lnRef idx="2">
-              <a:schemeClr val="accent1"/>
-            </a:lnRef>
-            <a:fillRef idx="1">
-              <a:schemeClr val="lt1"/>
-            </a:fillRef>
-            <a:effectRef idx="0">
-              <a:schemeClr val="accent1"/>
-            </a:effectRef>
-            <a:fontRef idx="minor">
-              <a:schemeClr val="dk1"/>
-            </a:fontRef>
-          </p:style>
-          <p:txBody>
-            <a:bodyPr rtlCol="0" anchor="t"/>
-            <a:lstStyle/>
-            <a:p>
-              <a:r>
-                <a:rPr lang="en-US" dirty="0"/>
-                <a:t>Key</a:t>
-              </a:r>
-            </a:p>
-          </p:txBody>
-        </p:sp>
-        <p:sp>
-          <p:nvSpPr>
-            <p:cNvPr id="61" name="Rectangle 60"/>
-            <p:cNvSpPr/>
-            <p:nvPr/>
-          </p:nvSpPr>
-          <p:spPr>
-            <a:xfrm>
-              <a:off x="4819086" y="5944599"/>
-              <a:ext cx="603656" cy="315819"/>
+              <a:off x="6764399" y="3511891"/>
+              <a:ext cx="559261" cy="315819"/>
             </a:xfrm>
             <a:prstGeom prst="rect">
               <a:avLst/>
@@ -3821,21 +4022,139 @@
               <a:pPr algn="ctr"/>
               <a:r>
                 <a:rPr lang="en-US" sz="800" dirty="0"/>
-                <a:t>Supervisory Controller</a:t>
+                <a:t>Industrial Customer</a:t>
               </a:r>
             </a:p>
           </p:txBody>
         </p:sp>
         <p:cxnSp>
           <p:nvCxnSpPr>
-            <p:cNvPr id="145" name="Straight Connector 144"/>
-            <p:cNvCxnSpPr/>
+            <p:cNvPr id="4" name="Straight Connector 3"/>
+            <p:cNvCxnSpPr>
+              <a:stCxn id="69" idx="1"/>
+              <a:endCxn id="128" idx="3"/>
+            </p:cNvCxnSpPr>
             <p:nvPr/>
           </p:nvCxnSpPr>
           <p:spPr>
-            <a:xfrm flipH="1">
-              <a:off x="1910691" y="5504920"/>
-              <a:ext cx="841702" cy="0"/>
+            <a:xfrm flipH="1" flipV="1">
+              <a:off x="5882056" y="2995191"/>
+              <a:ext cx="882343" cy="674610"/>
+            </a:xfrm>
+            <a:prstGeom prst="line">
+              <a:avLst/>
+            </a:prstGeom>
+            <a:ln w="28575"/>
+          </p:spPr>
+          <p:style>
+            <a:lnRef idx="3">
+              <a:schemeClr val="accent2"/>
+            </a:lnRef>
+            <a:fillRef idx="0">
+              <a:schemeClr val="accent2"/>
+            </a:fillRef>
+            <a:effectRef idx="2">
+              <a:schemeClr val="accent2"/>
+            </a:effectRef>
+            <a:fontRef idx="minor">
+              <a:schemeClr val="tx1"/>
+            </a:fontRef>
+          </p:style>
+        </p:cxnSp>
+        <p:cxnSp>
+          <p:nvCxnSpPr>
+            <p:cNvPr id="77" name="Straight Connector 76"/>
+            <p:cNvCxnSpPr>
+              <a:stCxn id="69" idx="1"/>
+              <a:endCxn id="127" idx="3"/>
+            </p:cNvCxnSpPr>
+            <p:nvPr/>
+          </p:nvCxnSpPr>
+          <p:spPr>
+            <a:xfrm flipH="1" flipV="1">
+              <a:off x="6223873" y="3547792"/>
+              <a:ext cx="540526" cy="122009"/>
+            </a:xfrm>
+            <a:prstGeom prst="line">
+              <a:avLst/>
+            </a:prstGeom>
+            <a:ln w="28575"/>
+          </p:spPr>
+          <p:style>
+            <a:lnRef idx="3">
+              <a:schemeClr val="accent2"/>
+            </a:lnRef>
+            <a:fillRef idx="0">
+              <a:schemeClr val="accent2"/>
+            </a:fillRef>
+            <a:effectRef idx="2">
+              <a:schemeClr val="accent2"/>
+            </a:effectRef>
+            <a:fontRef idx="minor">
+              <a:schemeClr val="tx1"/>
+            </a:fontRef>
+          </p:style>
+        </p:cxnSp>
+        <p:sp>
+          <p:nvSpPr>
+            <p:cNvPr id="98" name="Rectangle 97"/>
+            <p:cNvSpPr/>
+            <p:nvPr/>
+          </p:nvSpPr>
+          <p:spPr>
+            <a:xfrm>
+              <a:off x="4149204" y="2049192"/>
+              <a:ext cx="559261" cy="315819"/>
+            </a:xfrm>
+            <a:prstGeom prst="rect">
+              <a:avLst/>
+            </a:prstGeom>
+            <a:solidFill>
+              <a:srgbClr val="FFC000"/>
+            </a:solidFill>
+            <a:ln cap="rnd"/>
+          </p:spPr>
+          <p:style>
+            <a:lnRef idx="2">
+              <a:schemeClr val="accent1">
+                <a:shade val="50000"/>
+              </a:schemeClr>
+            </a:lnRef>
+            <a:fillRef idx="1">
+              <a:schemeClr val="accent1"/>
+            </a:fillRef>
+            <a:effectRef idx="0">
+              <a:schemeClr val="accent1"/>
+            </a:effectRef>
+            <a:fontRef idx="minor">
+              <a:schemeClr val="lt1"/>
+            </a:fontRef>
+          </p:style>
+          <p:txBody>
+            <a:bodyPr lIns="0" tIns="0" rIns="0" bIns="0" rtlCol="0" anchor="ctr"/>
+            <a:lstStyle/>
+            <a:p>
+              <a:pPr algn="ctr"/>
+              <a:r>
+                <a:rPr lang="en-US" sz="800" dirty="0"/>
+                <a:t>Grid Controller</a:t>
+              </a:r>
+            </a:p>
+          </p:txBody>
+        </p:sp>
+        <p:cxnSp>
+          <p:nvCxnSpPr>
+            <p:cNvPr id="174" name="Straight Connector 173"/>
+            <p:cNvCxnSpPr>
+              <a:stCxn id="85" idx="3"/>
+              <a:endCxn id="107" idx="2"/>
+            </p:cNvCxnSpPr>
+            <p:nvPr/>
+          </p:nvCxnSpPr>
+          <p:spPr>
+            <a:xfrm flipV="1">
+              <a:off x="2402102" y="3272611"/>
+              <a:ext cx="858817" cy="14802"/>
             </a:xfrm>
             <a:prstGeom prst="line">
               <a:avLst/>
@@ -3859,59 +4178,166 @@
         </p:cxnSp>
         <p:sp>
           <p:nvSpPr>
-            <p:cNvPr id="146" name="TextBox 145"/>
-            <p:cNvSpPr txBox="1"/>
+            <p:cNvPr id="85" name="Rectangle 84"/>
+            <p:cNvSpPr/>
             <p:nvPr/>
           </p:nvSpPr>
           <p:spPr>
             <a:xfrm>
-              <a:off x="1812030" y="5465452"/>
-              <a:ext cx="1060631" cy="253916"/>
+              <a:off x="2116406" y="3155891"/>
+              <a:ext cx="285696" cy="263044"/>
             </a:xfrm>
             <a:prstGeom prst="rect">
               <a:avLst/>
             </a:prstGeom>
-            <a:noFill/>
+            <a:solidFill>
+              <a:schemeClr val="accent2"/>
+            </a:solidFill>
+            <a:ln cap="rnd"/>
           </p:spPr>
+          <p:style>
+            <a:lnRef idx="2">
+              <a:schemeClr val="accent1">
+                <a:shade val="50000"/>
+              </a:schemeClr>
+            </a:lnRef>
+            <a:fillRef idx="1">
+              <a:schemeClr val="accent1"/>
+            </a:fillRef>
+            <a:effectRef idx="0">
+              <a:schemeClr val="accent1"/>
+            </a:effectRef>
+            <a:fontRef idx="minor">
+              <a:schemeClr val="lt1"/>
+            </a:fontRef>
+          </p:style>
           <p:txBody>
-            <a:bodyPr wrap="square" rtlCol="0">
-              <a:spAutoFit/>
-            </a:bodyPr>
+            <a:bodyPr rtlCol="0" anchor="ctr"/>
             <a:lstStyle/>
             <a:p>
               <a:pPr algn="ctr"/>
               <a:r>
-                <a:rPr lang="en-US" sz="1050" dirty="0"/>
-                <a:t>Grid + Controls</a:t>
+                <a:rPr lang="en-US" sz="1600" dirty="0"/>
+                <a:t>2</a:t>
+              </a:r>
+            </a:p>
+          </p:txBody>
+        </p:sp>
+        <p:sp>
+          <p:nvSpPr>
+            <p:cNvPr id="106" name="Oval 105"/>
+            <p:cNvSpPr/>
+            <p:nvPr/>
+          </p:nvSpPr>
+          <p:spPr>
+            <a:xfrm>
+              <a:off x="2151426" y="2545126"/>
+              <a:ext cx="207001" cy="207001"/>
+            </a:xfrm>
+            <a:prstGeom prst="ellipse">
+              <a:avLst/>
+            </a:prstGeom>
+            <a:ln w="28575" cap="rnd"/>
+          </p:spPr>
+          <p:style>
+            <a:lnRef idx="2">
+              <a:schemeClr val="accent1">
+                <a:shade val="50000"/>
+              </a:schemeClr>
+            </a:lnRef>
+            <a:fillRef idx="1">
+              <a:schemeClr val="accent1"/>
+            </a:fillRef>
+            <a:effectRef idx="0">
+              <a:schemeClr val="accent1"/>
+            </a:effectRef>
+            <a:fontRef idx="minor">
+              <a:schemeClr val="lt1"/>
+            </a:fontRef>
+          </p:style>
+          <p:txBody>
+            <a:bodyPr rtlCol="0" anchor="ctr"/>
+            <a:lstStyle/>
+            <a:p>
+              <a:pPr algn="ctr"/>
+              <a:r>
+                <a:rPr lang="en-US" sz="1600" dirty="0"/>
+                <a:t>2</a:t>
+              </a:r>
+            </a:p>
+          </p:txBody>
+        </p:sp>
+        <p:sp>
+          <p:nvSpPr>
+            <p:cNvPr id="107" name="Oval 106"/>
+            <p:cNvSpPr/>
+            <p:nvPr/>
+          </p:nvSpPr>
+          <p:spPr>
+            <a:xfrm>
+              <a:off x="3260919" y="3169110"/>
+              <a:ext cx="207001" cy="207001"/>
+            </a:xfrm>
+            <a:prstGeom prst="ellipse">
+              <a:avLst/>
+            </a:prstGeom>
+            <a:ln w="28575" cap="rnd"/>
+          </p:spPr>
+          <p:style>
+            <a:lnRef idx="2">
+              <a:schemeClr val="accent1">
+                <a:shade val="50000"/>
+              </a:schemeClr>
+            </a:lnRef>
+            <a:fillRef idx="1">
+              <a:schemeClr val="accent1"/>
+            </a:fillRef>
+            <a:effectRef idx="0">
+              <a:schemeClr val="accent1"/>
+            </a:effectRef>
+            <a:fontRef idx="minor">
+              <a:schemeClr val="lt1"/>
+            </a:fontRef>
+          </p:style>
+          <p:txBody>
+            <a:bodyPr rtlCol="0" anchor="ctr"/>
+            <a:lstStyle/>
+            <a:p>
+              <a:pPr algn="ctr"/>
+              <a:r>
+                <a:rPr lang="en-US" sz="1600" dirty="0"/>
+                <a:t>3</a:t>
               </a:r>
             </a:p>
           </p:txBody>
         </p:sp>
         <p:cxnSp>
           <p:nvCxnSpPr>
-            <p:cNvPr id="153" name="Straight Connector 152"/>
-            <p:cNvCxnSpPr/>
+            <p:cNvPr id="122" name="Straight Connector 121"/>
+            <p:cNvCxnSpPr>
+              <a:stCxn id="107" idx="6"/>
+            </p:cNvCxnSpPr>
             <p:nvPr/>
           </p:nvCxnSpPr>
           <p:spPr>
             <a:xfrm>
-              <a:off x="1910691" y="5875676"/>
-              <a:ext cx="848508" cy="0"/>
+              <a:off x="3467920" y="3272611"/>
+              <a:ext cx="1139331" cy="0"/>
             </a:xfrm>
             <a:prstGeom prst="line">
               <a:avLst/>
             </a:prstGeom>
-            <a:ln w="28575"/>
+            <a:ln w="28575" cap="rnd"/>
           </p:spPr>
           <p:style>
-            <a:lnRef idx="3">
-              <a:schemeClr val="accent2"/>
+            <a:lnRef idx="1">
+              <a:schemeClr val="accent1"/>
             </a:lnRef>
             <a:fillRef idx="0">
-              <a:schemeClr val="accent2"/>
+              <a:schemeClr val="accent1"/>
             </a:fillRef>
-            <a:effectRef idx="2">
-              <a:schemeClr val="accent2"/>
+            <a:effectRef idx="0">
+              <a:schemeClr val="accent1"/>
             </a:effectRef>
             <a:fontRef idx="minor">
               <a:schemeClr val="tx1"/>
@@ -3920,44 +4346,14 @@
         </p:cxnSp>
         <p:sp>
           <p:nvSpPr>
-            <p:cNvPr id="154" name="TextBox 153"/>
-            <p:cNvSpPr txBox="1"/>
-            <p:nvPr/>
-          </p:nvSpPr>
-          <p:spPr>
-            <a:xfrm>
-              <a:off x="1804986" y="5846353"/>
-              <a:ext cx="1060631" cy="253916"/>
-            </a:xfrm>
-            <a:prstGeom prst="rect">
-              <a:avLst/>
-            </a:prstGeom>
-            <a:noFill/>
-          </p:spPr>
-          <p:txBody>
-            <a:bodyPr wrap="square" rtlCol="0">
-              <a:spAutoFit/>
-            </a:bodyPr>
-            <a:lstStyle/>
-            <a:p>
-              <a:pPr algn="ctr"/>
-              <a:r>
-                <a:rPr lang="en-US" sz="1050" dirty="0"/>
-                <a:t>Manages</a:t>
-              </a:r>
-            </a:p>
-          </p:txBody>
-        </p:sp>
-        <p:sp>
-          <p:nvSpPr>
-            <p:cNvPr id="105" name="Rectangle 104"/>
+            <p:cNvPr id="125" name="Rectangle 124"/>
             <p:cNvSpPr/>
             <p:nvPr/>
           </p:nvSpPr>
           <p:spPr>
             <a:xfrm>
-              <a:off x="5751164" y="5270126"/>
-              <a:ext cx="559261" cy="315819"/>
+              <a:off x="2544437" y="2055541"/>
+              <a:ext cx="131137" cy="315819"/>
             </a:xfrm>
             <a:prstGeom prst="rect">
               <a:avLst/>
@@ -3990,29 +4386,241 @@
             <a:lstStyle/>
             <a:p>
               <a:pPr algn="ctr"/>
+              <a:endParaRPr lang="en-US" sz="800" dirty="0"/>
+            </a:p>
+          </p:txBody>
+        </p:sp>
+        <p:sp>
+          <p:nvSpPr>
+            <p:cNvPr id="126" name="Rectangle 125"/>
+            <p:cNvSpPr/>
+            <p:nvPr/>
+          </p:nvSpPr>
+          <p:spPr>
+            <a:xfrm>
+              <a:off x="4936395" y="3997290"/>
+              <a:ext cx="131137" cy="315819"/>
+            </a:xfrm>
+            <a:prstGeom prst="rect">
+              <a:avLst/>
+            </a:prstGeom>
+            <a:solidFill>
+              <a:schemeClr val="accent2">
+                <a:lumMod val="75000"/>
+              </a:schemeClr>
+            </a:solidFill>
+            <a:ln cap="rnd"/>
+          </p:spPr>
+          <p:style>
+            <a:lnRef idx="2">
+              <a:schemeClr val="accent1">
+                <a:shade val="50000"/>
+              </a:schemeClr>
+            </a:lnRef>
+            <a:fillRef idx="1">
+              <a:schemeClr val="accent1"/>
+            </a:fillRef>
+            <a:effectRef idx="0">
+              <a:schemeClr val="accent1"/>
+            </a:effectRef>
+            <a:fontRef idx="minor">
+              <a:schemeClr val="lt1"/>
+            </a:fontRef>
+          </p:style>
+          <p:txBody>
+            <a:bodyPr lIns="0" tIns="0" rIns="0" bIns="0" rtlCol="0" anchor="ctr"/>
+            <a:lstStyle/>
+            <a:p>
+              <a:pPr algn="ctr"/>
+              <a:endParaRPr lang="en-US" sz="800" dirty="0"/>
+            </a:p>
+          </p:txBody>
+        </p:sp>
+        <p:sp>
+          <p:nvSpPr>
+            <p:cNvPr id="127" name="Rectangle 126"/>
+            <p:cNvSpPr/>
+            <p:nvPr/>
+          </p:nvSpPr>
+          <p:spPr>
+            <a:xfrm>
+              <a:off x="6092736" y="3389882"/>
+              <a:ext cx="131137" cy="315819"/>
+            </a:xfrm>
+            <a:prstGeom prst="rect">
+              <a:avLst/>
+            </a:prstGeom>
+            <a:solidFill>
+              <a:schemeClr val="accent2">
+                <a:lumMod val="75000"/>
+              </a:schemeClr>
+            </a:solidFill>
+            <a:ln cap="rnd"/>
+          </p:spPr>
+          <p:style>
+            <a:lnRef idx="2">
+              <a:schemeClr val="accent1">
+                <a:shade val="50000"/>
+              </a:schemeClr>
+            </a:lnRef>
+            <a:fillRef idx="1">
+              <a:schemeClr val="accent1"/>
+            </a:fillRef>
+            <a:effectRef idx="0">
+              <a:schemeClr val="accent1"/>
+            </a:effectRef>
+            <a:fontRef idx="minor">
+              <a:schemeClr val="lt1"/>
+            </a:fontRef>
+          </p:style>
+          <p:txBody>
+            <a:bodyPr lIns="0" tIns="0" rIns="0" bIns="0" rtlCol="0" anchor="ctr"/>
+            <a:lstStyle/>
+            <a:p>
+              <a:pPr algn="ctr"/>
+              <a:endParaRPr lang="en-US" sz="800" dirty="0"/>
+            </a:p>
+          </p:txBody>
+        </p:sp>
+        <p:sp>
+          <p:nvSpPr>
+            <p:cNvPr id="128" name="Rectangle 127"/>
+            <p:cNvSpPr/>
+            <p:nvPr/>
+          </p:nvSpPr>
+          <p:spPr>
+            <a:xfrm>
+              <a:off x="5750919" y="2837281"/>
+              <a:ext cx="131137" cy="315819"/>
+            </a:xfrm>
+            <a:prstGeom prst="rect">
+              <a:avLst/>
+            </a:prstGeom>
+            <a:solidFill>
+              <a:schemeClr val="accent2">
+                <a:lumMod val="75000"/>
+              </a:schemeClr>
+            </a:solidFill>
+            <a:ln cap="rnd"/>
+          </p:spPr>
+          <p:style>
+            <a:lnRef idx="2">
+              <a:schemeClr val="accent1">
+                <a:shade val="50000"/>
+              </a:schemeClr>
+            </a:lnRef>
+            <a:fillRef idx="1">
+              <a:schemeClr val="accent1"/>
+            </a:fillRef>
+            <a:effectRef idx="0">
+              <a:schemeClr val="accent1"/>
+            </a:effectRef>
+            <a:fontRef idx="minor">
+              <a:schemeClr val="lt1"/>
+            </a:fontRef>
+          </p:style>
+          <p:txBody>
+            <a:bodyPr lIns="0" tIns="0" rIns="0" bIns="0" rtlCol="0" anchor="ctr"/>
+            <a:lstStyle/>
+            <a:p>
+              <a:pPr algn="ctr"/>
+              <a:endParaRPr lang="en-US" sz="800" dirty="0"/>
+            </a:p>
+          </p:txBody>
+        </p:sp>
+        <p:cxnSp>
+          <p:nvCxnSpPr>
+            <p:cNvPr id="13" name="Straight Connector 12"/>
+            <p:cNvCxnSpPr>
+              <a:endCxn id="66" idx="6"/>
+            </p:cNvCxnSpPr>
+            <p:nvPr/>
+          </p:nvCxnSpPr>
+          <p:spPr>
+            <a:xfrm>
+              <a:off x="2253952" y="4620120"/>
+              <a:ext cx="158722" cy="0"/>
+            </a:xfrm>
+            <a:prstGeom prst="line">
+              <a:avLst/>
+            </a:prstGeom>
+            <a:ln w="28575" cap="rnd"/>
+          </p:spPr>
+          <p:style>
+            <a:lnRef idx="1">
+              <a:schemeClr val="accent1"/>
+            </a:lnRef>
+            <a:fillRef idx="0">
+              <a:schemeClr val="accent1"/>
+            </a:fillRef>
+            <a:effectRef idx="0">
+              <a:schemeClr val="accent1"/>
+            </a:effectRef>
+            <a:fontRef idx="minor">
+              <a:schemeClr val="tx1"/>
+            </a:fontRef>
+          </p:style>
+        </p:cxnSp>
+        <p:sp>
+          <p:nvSpPr>
+            <p:cNvPr id="66" name="Oval 65"/>
+            <p:cNvSpPr/>
+            <p:nvPr/>
+          </p:nvSpPr>
+          <p:spPr>
+            <a:xfrm flipH="1">
+              <a:off x="2412674" y="4516619"/>
+              <a:ext cx="207001" cy="207001"/>
+            </a:xfrm>
+            <a:prstGeom prst="ellipse">
+              <a:avLst/>
+            </a:prstGeom>
+            <a:ln w="28575" cap="rnd"/>
+          </p:spPr>
+          <p:style>
+            <a:lnRef idx="2">
+              <a:schemeClr val="accent1">
+                <a:shade val="50000"/>
+              </a:schemeClr>
+            </a:lnRef>
+            <a:fillRef idx="1">
+              <a:schemeClr val="accent1"/>
+            </a:fillRef>
+            <a:effectRef idx="0">
+              <a:schemeClr val="accent1"/>
+            </a:effectRef>
+            <a:fontRef idx="minor">
+              <a:schemeClr val="lt1"/>
+            </a:fontRef>
+          </p:style>
+          <p:txBody>
+            <a:bodyPr rtlCol="0" anchor="ctr"/>
+            <a:lstStyle/>
+            <a:p>
+              <a:pPr algn="ctr"/>
               <a:r>
-                <a:rPr lang="en-US" sz="800" dirty="0"/>
-                <a:t>Local Controller</a:t>
+                <a:rPr lang="en-US" sz="1600" dirty="0"/>
+                <a:t>1</a:t>
               </a:r>
             </a:p>
           </p:txBody>
         </p:sp>
         <p:sp>
           <p:nvSpPr>
-            <p:cNvPr id="139" name="Rectangle 138"/>
+            <p:cNvPr id="74" name="Rectangle 73"/>
             <p:cNvSpPr/>
             <p:nvPr/>
           </p:nvSpPr>
           <p:spPr>
-            <a:xfrm>
-              <a:off x="5732837" y="5929612"/>
+            <a:xfrm flipH="1">
+              <a:off x="2729986" y="4463657"/>
               <a:ext cx="559261" cy="315819"/>
             </a:xfrm>
             <a:prstGeom prst="rect">
               <a:avLst/>
             </a:prstGeom>
             <a:solidFill>
-              <a:srgbClr val="99CC00"/>
+              <a:srgbClr val="7030A0"/>
             </a:solidFill>
             <a:ln cap="rnd"/>
           </p:spPr>
@@ -4039,30 +4647,29 @@
               <a:pPr algn="ctr"/>
               <a:r>
                 <a:rPr lang="en-US" sz="800" dirty="0"/>
-                <a:t>Transactive Agent</a:t>
+                <a:t>Residence Load</a:t>
               </a:r>
             </a:p>
           </p:txBody>
         </p:sp>
         <p:cxnSp>
           <p:nvCxnSpPr>
-            <p:cNvPr id="149" name="Straight Connector 148"/>
-            <p:cNvCxnSpPr/>
+            <p:cNvPr id="109" name="Straight Connector 108"/>
+            <p:cNvCxnSpPr>
+              <a:stCxn id="66" idx="2"/>
+              <a:endCxn id="74" idx="3"/>
+            </p:cNvCxnSpPr>
             <p:nvPr/>
           </p:nvCxnSpPr>
           <p:spPr>
-            <a:xfrm flipH="1" flipV="1">
-              <a:off x="1946403" y="6168192"/>
-              <a:ext cx="690059" cy="1"/>
+            <a:xfrm>
+              <a:off x="2619675" y="4620120"/>
+              <a:ext cx="110311" cy="1447"/>
             </a:xfrm>
             <a:prstGeom prst="line">
               <a:avLst/>
             </a:prstGeom>
-            <a:ln w="28575" cap="rnd">
-              <a:solidFill>
-                <a:srgbClr val="00B050"/>
-              </a:solidFill>
-            </a:ln>
+            <a:ln w="28575" cap="rnd"/>
           </p:spPr>
           <p:style>
             <a:lnRef idx="1">
@@ -4081,77 +4688,21 @@
         </p:cxnSp>
         <p:sp>
           <p:nvSpPr>
-            <p:cNvPr id="150" name="TextBox 149"/>
-            <p:cNvSpPr txBox="1"/>
+            <p:cNvPr id="64" name="Rectangle 63"/>
+            <p:cNvSpPr/>
             <p:nvPr/>
           </p:nvSpPr>
           <p:spPr>
-            <a:xfrm>
-              <a:off x="1754527" y="6168192"/>
-              <a:ext cx="1060631" cy="253916"/>
+            <a:xfrm flipH="1">
+              <a:off x="3363641" y="4463657"/>
+              <a:ext cx="559261" cy="315819"/>
             </a:xfrm>
             <a:prstGeom prst="rect">
               <a:avLst/>
             </a:prstGeom>
-            <a:noFill/>
-          </p:spPr>
-          <p:txBody>
-            <a:bodyPr wrap="square" rtlCol="0">
-              <a:spAutoFit/>
-            </a:bodyPr>
-            <a:lstStyle/>
-            <a:p>
-              <a:pPr algn="ctr"/>
-              <a:r>
-                <a:rPr lang="en-US" sz="1050" dirty="0"/>
-                <a:t>Transactive</a:t>
-              </a:r>
-            </a:p>
-          </p:txBody>
-        </p:sp>
-        <p:sp>
-          <p:nvSpPr>
-            <p:cNvPr id="175" name="Rectangle 174"/>
-            <p:cNvSpPr/>
-            <p:nvPr/>
-          </p:nvSpPr>
-          <p:spPr>
-            <a:xfrm>
-              <a:off x="3967570" y="5964488"/>
-              <a:ext cx="603656" cy="315819"/>
-            </a:xfrm>
-            <a:prstGeom prst="rect">
-              <a:avLst/>
-            </a:prstGeom>
-            <a:gradFill>
-              <a:gsLst>
-                <a:gs pos="0">
-                  <a:schemeClr val="accent1">
-                    <a:lumMod val="5000"/>
-                    <a:lumOff val="95000"/>
-                  </a:schemeClr>
-                </a:gs>
-                <a:gs pos="74000">
-                  <a:schemeClr val="accent1">
-                    <a:lumMod val="45000"/>
-                    <a:lumOff val="55000"/>
-                  </a:schemeClr>
-                </a:gs>
-                <a:gs pos="83000">
-                  <a:schemeClr val="accent1">
-                    <a:lumMod val="45000"/>
-                    <a:lumOff val="55000"/>
-                  </a:schemeClr>
-                </a:gs>
-                <a:gs pos="100000">
-                  <a:schemeClr val="accent1">
-                    <a:lumMod val="30000"/>
-                    <a:lumOff val="70000"/>
-                  </a:schemeClr>
-                </a:gs>
-              </a:gsLst>
-              <a:lin ang="5400000" scaled="1"/>
-            </a:gradFill>
+            <a:solidFill>
+              <a:srgbClr val="FFC000"/>
+            </a:solidFill>
             <a:ln cap="rnd"/>
           </p:spPr>
           <p:style>
@@ -4177,21 +4728,67 @@
               <a:pPr algn="ctr"/>
               <a:r>
                 <a:rPr lang="en-US" sz="800" dirty="0"/>
-                <a:t>Weather</a:t>
+                <a:t>Retail Customer</a:t>
               </a:r>
             </a:p>
           </p:txBody>
         </p:sp>
         <p:sp>
           <p:nvSpPr>
-            <p:cNvPr id="108" name="Rectangle 107"/>
+            <p:cNvPr id="124" name="Rectangle 123"/>
             <p:cNvSpPr/>
             <p:nvPr/>
           </p:nvSpPr>
           <p:spPr>
             <a:xfrm flipH="1">
-              <a:off x="5391551" y="5944387"/>
-              <a:ext cx="101059" cy="315819"/>
+              <a:off x="3260919" y="4463657"/>
+              <a:ext cx="131137" cy="315819"/>
+            </a:xfrm>
+            <a:prstGeom prst="rect">
+              <a:avLst/>
+            </a:prstGeom>
+            <a:solidFill>
+              <a:schemeClr val="accent2">
+                <a:lumMod val="75000"/>
+              </a:schemeClr>
+            </a:solidFill>
+            <a:ln cap="rnd"/>
+          </p:spPr>
+          <p:style>
+            <a:lnRef idx="2">
+              <a:schemeClr val="accent1">
+                <a:shade val="50000"/>
+              </a:schemeClr>
+            </a:lnRef>
+            <a:fillRef idx="1">
+              <a:schemeClr val="accent1"/>
+            </a:fillRef>
+            <a:effectRef idx="0">
+              <a:schemeClr val="accent1"/>
+            </a:effectRef>
+            <a:fontRef idx="minor">
+              <a:schemeClr val="lt1"/>
+            </a:fontRef>
+          </p:style>
+          <p:txBody>
+            <a:bodyPr lIns="0" tIns="0" rIns="0" bIns="0" rtlCol="0" anchor="ctr"/>
+            <a:lstStyle/>
+            <a:p>
+              <a:pPr algn="ctr"/>
+              <a:endParaRPr lang="en-US" sz="800" dirty="0"/>
+            </a:p>
+          </p:txBody>
+        </p:sp>
+        <p:sp>
+          <p:nvSpPr>
+            <p:cNvPr id="142" name="Rectangle 141"/>
+            <p:cNvSpPr/>
+            <p:nvPr/>
+          </p:nvSpPr>
+          <p:spPr>
+            <a:xfrm flipH="1">
+              <a:off x="3932444" y="4463657"/>
+              <a:ext cx="143076" cy="315819"/>
             </a:xfrm>
             <a:prstGeom prst="rect">
               <a:avLst/>
@@ -4228,19 +4825,22 @@
         </p:sp>
         <p:sp>
           <p:nvSpPr>
-            <p:cNvPr id="6" name="Rectangle 5"/>
+            <p:cNvPr id="143" name="Rectangle 142"/>
             <p:cNvSpPr/>
             <p:nvPr/>
           </p:nvSpPr>
           <p:spPr>
             <a:xfrm>
-              <a:off x="1737672" y="4973372"/>
-              <a:ext cx="604673" cy="386887"/>
+              <a:off x="4708465" y="2055956"/>
+              <a:ext cx="143076" cy="315819"/>
             </a:xfrm>
             <a:prstGeom prst="rect">
               <a:avLst/>
             </a:prstGeom>
-            <a:noFill/>
+            <a:solidFill>
+              <a:srgbClr val="99CC00"/>
+            </a:solidFill>
+            <a:ln cap="rnd"/>
           </p:spPr>
           <p:style>
             <a:lnRef idx="2">
@@ -4259,2014 +4859,75 @@
             </a:fontRef>
           </p:style>
           <p:txBody>
-            <a:bodyPr rtlCol="0" anchor="ctr"/>
+            <a:bodyPr lIns="0" tIns="0" rIns="0" bIns="0" rtlCol="0" anchor="ctr"/>
             <a:lstStyle/>
             <a:p>
               <a:pPr algn="ctr"/>
-              <a:endParaRPr lang="en-US"/>
+              <a:endParaRPr lang="en-US" sz="800" dirty="0"/>
             </a:p>
           </p:txBody>
         </p:sp>
         <p:sp>
           <p:nvSpPr>
-            <p:cNvPr id="112" name="TextBox 111"/>
-            <p:cNvSpPr txBox="1"/>
-            <p:nvPr/>
-          </p:nvSpPr>
-          <p:spPr>
-            <a:xfrm>
-              <a:off x="4323282" y="4973371"/>
-              <a:ext cx="1169327" cy="253916"/>
-            </a:xfrm>
-            <a:prstGeom prst="rect">
-              <a:avLst/>
-            </a:prstGeom>
-            <a:noFill/>
-          </p:spPr>
-          <p:txBody>
-            <a:bodyPr wrap="square" rtlCol="0">
-              <a:spAutoFit/>
-            </a:bodyPr>
-            <a:lstStyle/>
-            <a:p>
-              <a:pPr algn="ctr"/>
-              <a:r>
-                <a:rPr lang="en-US" sz="1050" dirty="0"/>
-                <a:t>Resources</a:t>
-              </a:r>
-            </a:p>
-          </p:txBody>
-        </p:sp>
-      </p:grpSp>
-      <p:cxnSp>
-        <p:nvCxnSpPr>
-          <p:cNvPr id="123" name="Straight Connector 122"/>
-          <p:cNvCxnSpPr>
-            <a:stCxn id="98" idx="1"/>
-            <a:endCxn id="125" idx="3"/>
-          </p:cNvCxnSpPr>
-          <p:nvPr/>
-        </p:nvCxnSpPr>
-        <p:spPr>
-          <a:xfrm flipH="1">
-            <a:off x="2675574" y="2207102"/>
-            <a:ext cx="1473630" cy="6349"/>
-          </a:xfrm>
-          <a:prstGeom prst="line">
-            <a:avLst/>
-          </a:prstGeom>
-          <a:ln w="28575"/>
-        </p:spPr>
-        <p:style>
-          <a:lnRef idx="3">
-            <a:schemeClr val="accent2"/>
-          </a:lnRef>
-          <a:fillRef idx="0">
-            <a:schemeClr val="accent2"/>
-          </a:fillRef>
-          <a:effectRef idx="2">
-            <a:schemeClr val="accent2"/>
-          </a:effectRef>
-          <a:fontRef idx="minor">
-            <a:schemeClr val="tx1"/>
-          </a:fontRef>
-        </p:style>
-      </p:cxnSp>
-      <p:cxnSp>
-        <p:nvCxnSpPr>
-          <p:cNvPr id="95" name="Straight Connector 94"/>
-          <p:cNvCxnSpPr/>
-          <p:nvPr/>
-        </p:nvCxnSpPr>
-        <p:spPr>
-          <a:xfrm flipH="1">
-            <a:off x="5067532" y="3689228"/>
-            <a:ext cx="1696867" cy="487219"/>
-          </a:xfrm>
-          <a:prstGeom prst="line">
-            <a:avLst/>
-          </a:prstGeom>
-          <a:ln w="28575"/>
-        </p:spPr>
-        <p:style>
-          <a:lnRef idx="3">
-            <a:schemeClr val="accent2"/>
-          </a:lnRef>
-          <a:fillRef idx="0">
-            <a:schemeClr val="accent2"/>
-          </a:fillRef>
-          <a:effectRef idx="2">
-            <a:schemeClr val="accent2"/>
-          </a:effectRef>
-          <a:fontRef idx="minor">
-            <a:schemeClr val="tx1"/>
-          </a:fontRef>
-        </p:style>
-      </p:cxnSp>
-      <p:cxnSp>
-        <p:nvCxnSpPr>
-          <p:cNvPr id="96" name="Straight Connector 95"/>
-          <p:cNvCxnSpPr>
-            <a:stCxn id="2" idx="2"/>
-            <a:endCxn id="106" idx="0"/>
-          </p:cNvCxnSpPr>
-          <p:nvPr/>
-        </p:nvCxnSpPr>
-        <p:spPr>
-          <a:xfrm flipH="1">
-            <a:off x="2254927" y="2371360"/>
-            <a:ext cx="1203" cy="173766"/>
-          </a:xfrm>
-          <a:prstGeom prst="line">
-            <a:avLst/>
-          </a:prstGeom>
-          <a:ln w="28575" cap="rnd">
-            <a:solidFill>
-              <a:srgbClr val="00B050"/>
-            </a:solidFill>
-          </a:ln>
-        </p:spPr>
-        <p:style>
-          <a:lnRef idx="1">
-            <a:schemeClr val="accent1"/>
-          </a:lnRef>
-          <a:fillRef idx="0">
-            <a:schemeClr val="accent1"/>
-          </a:fillRef>
-          <a:effectRef idx="0">
-            <a:schemeClr val="accent1"/>
-          </a:effectRef>
-          <a:fontRef idx="minor">
-            <a:schemeClr val="tx1"/>
-          </a:fontRef>
-        </p:style>
-      </p:cxnSp>
-      <p:cxnSp>
-        <p:nvCxnSpPr>
-          <p:cNvPr id="100" name="Straight Connector 99"/>
-          <p:cNvCxnSpPr>
-            <a:endCxn id="87" idx="0"/>
-          </p:cNvCxnSpPr>
-          <p:nvPr/>
-        </p:nvCxnSpPr>
-        <p:spPr>
-          <a:xfrm>
-            <a:off x="4650548" y="3814082"/>
-            <a:ext cx="3327" cy="183208"/>
-          </a:xfrm>
-          <a:prstGeom prst="line">
-            <a:avLst/>
-          </a:prstGeom>
-          <a:ln w="28575" cap="rnd">
-            <a:solidFill>
-              <a:srgbClr val="00B050"/>
-            </a:solidFill>
-          </a:ln>
-        </p:spPr>
-        <p:style>
-          <a:lnRef idx="1">
-            <a:schemeClr val="accent1"/>
-          </a:lnRef>
-          <a:fillRef idx="0">
-            <a:schemeClr val="accent1"/>
-          </a:fillRef>
-          <a:effectRef idx="0">
-            <a:schemeClr val="accent1"/>
-          </a:effectRef>
-          <a:fontRef idx="minor">
-            <a:schemeClr val="tx1"/>
-          </a:fontRef>
-        </p:style>
-      </p:cxnSp>
-      <p:sp>
-        <p:nvSpPr>
-          <p:cNvPr id="2" name="Rectangle 1"/>
-          <p:cNvSpPr/>
-          <p:nvPr/>
-        </p:nvSpPr>
-        <p:spPr>
-          <a:xfrm>
-            <a:off x="1976499" y="2055541"/>
-            <a:ext cx="559261" cy="315819"/>
-          </a:xfrm>
-          <a:prstGeom prst="rect">
-            <a:avLst/>
-          </a:prstGeom>
-          <a:solidFill>
-            <a:srgbClr val="CC66FF"/>
-          </a:solidFill>
-          <a:ln cap="rnd"/>
-        </p:spPr>
-        <p:style>
-          <a:lnRef idx="2">
-            <a:schemeClr val="accent1">
-              <a:shade val="50000"/>
-            </a:schemeClr>
-          </a:lnRef>
-          <a:fillRef idx="1">
-            <a:schemeClr val="accent1"/>
-          </a:fillRef>
-          <a:effectRef idx="0">
-            <a:schemeClr val="accent1"/>
-          </a:effectRef>
-          <a:fontRef idx="minor">
-            <a:schemeClr val="lt1"/>
-          </a:fontRef>
-        </p:style>
-        <p:txBody>
-          <a:bodyPr lIns="0" tIns="0" rIns="0" bIns="0" rtlCol="0" anchor="ctr"/>
-          <a:lstStyle/>
-          <a:p>
-            <a:pPr algn="ctr"/>
-            <a:r>
-              <a:rPr lang="en-US" sz="800" dirty="0"/>
-              <a:t>Bulk Generator</a:t>
-            </a:r>
-          </a:p>
-        </p:txBody>
-      </p:sp>
-      <p:cxnSp>
-        <p:nvCxnSpPr>
-          <p:cNvPr id="9" name="Straight Connector 8"/>
-          <p:cNvCxnSpPr>
-            <a:stCxn id="107" idx="0"/>
-          </p:cNvCxnSpPr>
-          <p:nvPr/>
-        </p:nvCxnSpPr>
-        <p:spPr>
-          <a:xfrm flipV="1">
-            <a:off x="4311108" y="2996034"/>
-            <a:ext cx="181" cy="166441"/>
-          </a:xfrm>
-          <a:prstGeom prst="line">
-            <a:avLst/>
-          </a:prstGeom>
-          <a:ln w="28575" cap="rnd"/>
-        </p:spPr>
-        <p:style>
-          <a:lnRef idx="1">
-            <a:schemeClr val="accent1"/>
-          </a:lnRef>
-          <a:fillRef idx="0">
-            <a:schemeClr val="accent1"/>
-          </a:fillRef>
-          <a:effectRef idx="0">
-            <a:schemeClr val="accent1"/>
-          </a:effectRef>
-          <a:fontRef idx="minor">
-            <a:schemeClr val="tx1"/>
-          </a:fontRef>
-        </p:style>
-      </p:cxnSp>
-      <p:cxnSp>
-        <p:nvCxnSpPr>
-          <p:cNvPr id="11" name="Straight Connector 10"/>
-          <p:cNvCxnSpPr>
-            <a:endCxn id="116" idx="2"/>
-          </p:cNvCxnSpPr>
-          <p:nvPr/>
-        </p:nvCxnSpPr>
-        <p:spPr>
-          <a:xfrm flipV="1">
-            <a:off x="4311108" y="2993448"/>
-            <a:ext cx="538868" cy="6435"/>
-          </a:xfrm>
-          <a:prstGeom prst="line">
-            <a:avLst/>
-          </a:prstGeom>
-          <a:ln w="28575" cap="rnd"/>
-        </p:spPr>
-        <p:style>
-          <a:lnRef idx="1">
-            <a:schemeClr val="accent1"/>
-          </a:lnRef>
-          <a:fillRef idx="0">
-            <a:schemeClr val="accent1"/>
-          </a:fillRef>
-          <a:effectRef idx="0">
-            <a:schemeClr val="accent1"/>
-          </a:effectRef>
-          <a:fontRef idx="minor">
-            <a:schemeClr val="tx1"/>
-          </a:fontRef>
-        </p:style>
-      </p:cxnSp>
-      <p:cxnSp>
-        <p:nvCxnSpPr>
-          <p:cNvPr id="16" name="Straight Connector 15"/>
-          <p:cNvCxnSpPr/>
-          <p:nvPr/>
-        </p:nvCxnSpPr>
-        <p:spPr>
-          <a:xfrm>
-            <a:off x="4989206" y="3264048"/>
-            <a:ext cx="0" cy="260131"/>
-          </a:xfrm>
-          <a:prstGeom prst="line">
-            <a:avLst/>
-          </a:prstGeom>
-          <a:ln w="28575" cap="rnd"/>
-        </p:spPr>
-        <p:style>
-          <a:lnRef idx="1">
-            <a:schemeClr val="accent1"/>
-          </a:lnRef>
-          <a:fillRef idx="0">
-            <a:schemeClr val="accent1"/>
-          </a:fillRef>
-          <a:effectRef idx="0">
-            <a:schemeClr val="accent1"/>
-          </a:effectRef>
-          <a:fontRef idx="minor">
-            <a:schemeClr val="tx1"/>
-          </a:fontRef>
-        </p:style>
-      </p:cxnSp>
-      <p:cxnSp>
-        <p:nvCxnSpPr>
-          <p:cNvPr id="18" name="Straight Connector 17"/>
-          <p:cNvCxnSpPr/>
-          <p:nvPr/>
-        </p:nvCxnSpPr>
-        <p:spPr>
-          <a:xfrm>
-            <a:off x="4989206" y="3524179"/>
-            <a:ext cx="236483" cy="0"/>
-          </a:xfrm>
-          <a:prstGeom prst="line">
-            <a:avLst/>
-          </a:prstGeom>
-          <a:ln w="28575" cap="rnd"/>
-        </p:spPr>
-        <p:style>
-          <a:lnRef idx="1">
-            <a:schemeClr val="accent1"/>
-          </a:lnRef>
-          <a:fillRef idx="0">
-            <a:schemeClr val="accent1"/>
-          </a:fillRef>
-          <a:effectRef idx="0">
-            <a:schemeClr val="accent1"/>
-          </a:effectRef>
-          <a:fontRef idx="minor">
-            <a:schemeClr val="tx1"/>
-          </a:fontRef>
-        </p:style>
-      </p:cxnSp>
-      <p:cxnSp>
-        <p:nvCxnSpPr>
-          <p:cNvPr id="20" name="Straight Connector 19"/>
-          <p:cNvCxnSpPr>
-            <a:stCxn id="107" idx="4"/>
-          </p:cNvCxnSpPr>
-          <p:nvPr/>
-        </p:nvCxnSpPr>
-        <p:spPr>
-          <a:xfrm>
-            <a:off x="4311108" y="3369476"/>
-            <a:ext cx="339139" cy="365865"/>
-          </a:xfrm>
-          <a:prstGeom prst="line">
-            <a:avLst/>
-          </a:prstGeom>
-          <a:ln w="28575" cap="rnd"/>
-        </p:spPr>
-        <p:style>
-          <a:lnRef idx="1">
-            <a:schemeClr val="accent1"/>
-          </a:lnRef>
-          <a:fillRef idx="0">
-            <a:schemeClr val="accent1"/>
-          </a:fillRef>
-          <a:effectRef idx="0">
-            <a:schemeClr val="accent1"/>
-          </a:effectRef>
-          <a:fontRef idx="minor">
-            <a:schemeClr val="tx1"/>
-          </a:fontRef>
-        </p:style>
-      </p:cxnSp>
-      <p:cxnSp>
-        <p:nvCxnSpPr>
-          <p:cNvPr id="58" name="Straight Connector 57"/>
-          <p:cNvCxnSpPr>
-            <a:stCxn id="106" idx="4"/>
-          </p:cNvCxnSpPr>
-          <p:nvPr/>
-        </p:nvCxnSpPr>
-        <p:spPr>
-          <a:xfrm>
-            <a:off x="2254927" y="2752127"/>
-            <a:ext cx="0" cy="1867993"/>
-          </a:xfrm>
-          <a:prstGeom prst="line">
-            <a:avLst/>
-          </a:prstGeom>
-          <a:ln w="28575" cap="rnd"/>
-        </p:spPr>
-        <p:style>
-          <a:lnRef idx="1">
-            <a:schemeClr val="accent1"/>
-          </a:lnRef>
-          <a:fillRef idx="0">
-            <a:schemeClr val="accent1"/>
-          </a:fillRef>
-          <a:effectRef idx="0">
-            <a:schemeClr val="accent1"/>
-          </a:effectRef>
-          <a:fontRef idx="minor">
-            <a:schemeClr val="tx1"/>
-          </a:fontRef>
-        </p:style>
-      </p:cxnSp>
-      <p:sp>
-        <p:nvSpPr>
-          <p:cNvPr id="84" name="Rectangle 83"/>
-          <p:cNvSpPr/>
-          <p:nvPr/>
-        </p:nvSpPr>
-        <p:spPr>
-          <a:xfrm>
-            <a:off x="5528990" y="3388475"/>
-            <a:ext cx="559261" cy="315819"/>
-          </a:xfrm>
-          <a:prstGeom prst="rect">
-            <a:avLst/>
-          </a:prstGeom>
-          <a:solidFill>
-            <a:srgbClr val="7030A0"/>
-          </a:solidFill>
-          <a:ln cap="rnd"/>
-        </p:spPr>
-        <p:style>
-          <a:lnRef idx="2">
-            <a:schemeClr val="accent1">
-              <a:shade val="50000"/>
-            </a:schemeClr>
-          </a:lnRef>
-          <a:fillRef idx="1">
-            <a:schemeClr val="accent1"/>
-          </a:fillRef>
-          <a:effectRef idx="0">
-            <a:schemeClr val="accent1"/>
-          </a:effectRef>
-          <a:fontRef idx="minor">
-            <a:schemeClr val="lt1"/>
-          </a:fontRef>
-        </p:style>
-        <p:txBody>
-          <a:bodyPr lIns="0" tIns="0" rIns="0" bIns="0" rtlCol="0" anchor="ctr"/>
-          <a:lstStyle/>
-          <a:p>
-            <a:pPr algn="ctr"/>
-            <a:r>
-              <a:rPr lang="en-US" sz="800" dirty="0"/>
-              <a:t>Industrial Load</a:t>
-            </a:r>
-          </a:p>
-        </p:txBody>
-      </p:sp>
-      <p:sp>
-        <p:nvSpPr>
-          <p:cNvPr id="86" name="Rectangle 85"/>
-          <p:cNvSpPr/>
-          <p:nvPr/>
-        </p:nvSpPr>
-        <p:spPr>
-          <a:xfrm>
-            <a:off x="5194200" y="2838356"/>
-            <a:ext cx="559261" cy="315819"/>
-          </a:xfrm>
-          <a:prstGeom prst="rect">
-            <a:avLst/>
-          </a:prstGeom>
-          <a:solidFill>
-            <a:srgbClr val="CC66FF"/>
-          </a:solidFill>
-          <a:ln cap="rnd"/>
-        </p:spPr>
-        <p:style>
-          <a:lnRef idx="2">
-            <a:schemeClr val="accent1">
-              <a:shade val="50000"/>
-            </a:schemeClr>
-          </a:lnRef>
-          <a:fillRef idx="1">
-            <a:schemeClr val="accent1"/>
-          </a:fillRef>
-          <a:effectRef idx="0">
-            <a:schemeClr val="accent1"/>
-          </a:effectRef>
-          <a:fontRef idx="minor">
-            <a:schemeClr val="lt1"/>
-          </a:fontRef>
-        </p:style>
-        <p:txBody>
-          <a:bodyPr lIns="0" tIns="0" rIns="0" bIns="0" rtlCol="0" anchor="ctr"/>
-          <a:lstStyle/>
-          <a:p>
-            <a:pPr algn="ctr"/>
-            <a:r>
-              <a:rPr lang="en-US" sz="800" dirty="0" err="1"/>
-              <a:t>Microturbine</a:t>
-            </a:r>
-            <a:endParaRPr lang="en-US" sz="800" dirty="0"/>
-          </a:p>
-        </p:txBody>
-      </p:sp>
-      <p:sp>
-        <p:nvSpPr>
-          <p:cNvPr id="87" name="Rectangle 86"/>
-          <p:cNvSpPr/>
-          <p:nvPr/>
-        </p:nvSpPr>
-        <p:spPr>
-          <a:xfrm>
-            <a:off x="4374983" y="3997290"/>
-            <a:ext cx="557784" cy="320040"/>
-          </a:xfrm>
-          <a:prstGeom prst="rect">
-            <a:avLst/>
-          </a:prstGeom>
-          <a:solidFill>
-            <a:srgbClr val="CC66FF"/>
-          </a:solidFill>
-          <a:ln cap="rnd"/>
-        </p:spPr>
-        <p:style>
-          <a:lnRef idx="2">
-            <a:schemeClr val="accent1">
-              <a:shade val="50000"/>
-            </a:schemeClr>
-          </a:lnRef>
-          <a:fillRef idx="1">
-            <a:schemeClr val="accent1"/>
-          </a:fillRef>
-          <a:effectRef idx="0">
-            <a:schemeClr val="accent1"/>
-          </a:effectRef>
-          <a:fontRef idx="minor">
-            <a:schemeClr val="lt1"/>
-          </a:fontRef>
-        </p:style>
-        <p:txBody>
-          <a:bodyPr lIns="0" tIns="0" rIns="0" bIns="0" rtlCol="0" anchor="ctr"/>
-          <a:lstStyle/>
-          <a:p>
-            <a:pPr algn="ctr"/>
-            <a:r>
-              <a:rPr lang="en-US" sz="800" dirty="0"/>
-              <a:t>Storage</a:t>
-            </a:r>
-          </a:p>
-        </p:txBody>
-      </p:sp>
-      <p:cxnSp>
-        <p:nvCxnSpPr>
-          <p:cNvPr id="120" name="Straight Connector 119"/>
-          <p:cNvCxnSpPr>
-            <a:stCxn id="84" idx="1"/>
-            <a:endCxn id="113" idx="6"/>
-          </p:cNvCxnSpPr>
-          <p:nvPr/>
-        </p:nvCxnSpPr>
-        <p:spPr>
-          <a:xfrm flipH="1">
-            <a:off x="5362599" y="3546385"/>
-            <a:ext cx="166391" cy="830"/>
-          </a:xfrm>
-          <a:prstGeom prst="line">
-            <a:avLst/>
-          </a:prstGeom>
-          <a:ln w="28575" cap="rnd">
-            <a:solidFill>
-              <a:srgbClr val="00B050"/>
-            </a:solidFill>
-          </a:ln>
-        </p:spPr>
-        <p:style>
-          <a:lnRef idx="1">
-            <a:schemeClr val="accent1"/>
-          </a:lnRef>
-          <a:fillRef idx="0">
-            <a:schemeClr val="accent1"/>
-          </a:fillRef>
-          <a:effectRef idx="0">
-            <a:schemeClr val="accent1"/>
-          </a:effectRef>
-          <a:fontRef idx="minor">
-            <a:schemeClr val="tx1"/>
-          </a:fontRef>
-        </p:style>
-      </p:cxnSp>
-      <p:cxnSp>
-        <p:nvCxnSpPr>
-          <p:cNvPr id="121" name="Straight Connector 120"/>
-          <p:cNvCxnSpPr>
-            <a:stCxn id="86" idx="1"/>
-            <a:endCxn id="116" idx="6"/>
-          </p:cNvCxnSpPr>
-          <p:nvPr/>
-        </p:nvCxnSpPr>
-        <p:spPr>
-          <a:xfrm flipH="1" flipV="1">
-            <a:off x="5056977" y="2993448"/>
-            <a:ext cx="137223" cy="2818"/>
-          </a:xfrm>
-          <a:prstGeom prst="line">
-            <a:avLst/>
-          </a:prstGeom>
-          <a:ln w="28575" cap="rnd">
-            <a:solidFill>
-              <a:srgbClr val="00B050"/>
-            </a:solidFill>
-          </a:ln>
-        </p:spPr>
-        <p:style>
-          <a:lnRef idx="1">
-            <a:schemeClr val="accent1"/>
-          </a:lnRef>
-          <a:fillRef idx="0">
-            <a:schemeClr val="accent1"/>
-          </a:fillRef>
-          <a:effectRef idx="0">
-            <a:schemeClr val="accent1"/>
-          </a:effectRef>
-          <a:fontRef idx="minor">
-            <a:schemeClr val="tx1"/>
-          </a:fontRef>
-        </p:style>
-      </p:cxnSp>
-      <p:sp>
-        <p:nvSpPr>
-          <p:cNvPr id="69" name="Rectangle 68"/>
-          <p:cNvSpPr/>
-          <p:nvPr/>
-        </p:nvSpPr>
-        <p:spPr>
-          <a:xfrm>
-            <a:off x="6764399" y="3511891"/>
-            <a:ext cx="559261" cy="315819"/>
-          </a:xfrm>
-          <a:prstGeom prst="rect">
-            <a:avLst/>
-          </a:prstGeom>
-          <a:solidFill>
-            <a:srgbClr val="FFC000"/>
-          </a:solidFill>
-          <a:ln cap="rnd"/>
-        </p:spPr>
-        <p:style>
-          <a:lnRef idx="2">
-            <a:schemeClr val="accent1">
-              <a:shade val="50000"/>
-            </a:schemeClr>
-          </a:lnRef>
-          <a:fillRef idx="1">
-            <a:schemeClr val="accent1"/>
-          </a:fillRef>
-          <a:effectRef idx="0">
-            <a:schemeClr val="accent1"/>
-          </a:effectRef>
-          <a:fontRef idx="minor">
-            <a:schemeClr val="lt1"/>
-          </a:fontRef>
-        </p:style>
-        <p:txBody>
-          <a:bodyPr lIns="0" tIns="0" rIns="0" bIns="0" rtlCol="0" anchor="ctr"/>
-          <a:lstStyle/>
-          <a:p>
-            <a:pPr algn="ctr"/>
-            <a:r>
-              <a:rPr lang="en-US" sz="800" dirty="0"/>
-              <a:t>Industrial Customer</a:t>
-            </a:r>
-          </a:p>
-        </p:txBody>
-      </p:sp>
-      <p:cxnSp>
-        <p:nvCxnSpPr>
-          <p:cNvPr id="4" name="Straight Connector 3"/>
-          <p:cNvCxnSpPr>
-            <a:stCxn id="69" idx="1"/>
-            <a:endCxn id="128" idx="3"/>
-          </p:cNvCxnSpPr>
-          <p:nvPr/>
-        </p:nvCxnSpPr>
-        <p:spPr>
-          <a:xfrm flipH="1" flipV="1">
-            <a:off x="5882056" y="2995191"/>
-            <a:ext cx="882343" cy="674610"/>
-          </a:xfrm>
-          <a:prstGeom prst="line">
-            <a:avLst/>
-          </a:prstGeom>
-          <a:ln w="28575"/>
-        </p:spPr>
-        <p:style>
-          <a:lnRef idx="3">
-            <a:schemeClr val="accent2"/>
-          </a:lnRef>
-          <a:fillRef idx="0">
-            <a:schemeClr val="accent2"/>
-          </a:fillRef>
-          <a:effectRef idx="2">
-            <a:schemeClr val="accent2"/>
-          </a:effectRef>
-          <a:fontRef idx="minor">
-            <a:schemeClr val="tx1"/>
-          </a:fontRef>
-        </p:style>
-      </p:cxnSp>
-      <p:cxnSp>
-        <p:nvCxnSpPr>
-          <p:cNvPr id="77" name="Straight Connector 76"/>
-          <p:cNvCxnSpPr>
-            <a:stCxn id="69" idx="1"/>
-            <a:endCxn id="127" idx="3"/>
-          </p:cNvCxnSpPr>
-          <p:nvPr/>
-        </p:nvCxnSpPr>
-        <p:spPr>
-          <a:xfrm flipH="1" flipV="1">
-            <a:off x="6223873" y="3547792"/>
-            <a:ext cx="540526" cy="122009"/>
-          </a:xfrm>
-          <a:prstGeom prst="line">
-            <a:avLst/>
-          </a:prstGeom>
-          <a:ln w="28575"/>
-        </p:spPr>
-        <p:style>
-          <a:lnRef idx="3">
-            <a:schemeClr val="accent2"/>
-          </a:lnRef>
-          <a:fillRef idx="0">
-            <a:schemeClr val="accent2"/>
-          </a:fillRef>
-          <a:effectRef idx="2">
-            <a:schemeClr val="accent2"/>
-          </a:effectRef>
-          <a:fontRef idx="minor">
-            <a:schemeClr val="tx1"/>
-          </a:fontRef>
-        </p:style>
-      </p:cxnSp>
-      <p:sp>
-        <p:nvSpPr>
-          <p:cNvPr id="98" name="Rectangle 97"/>
-          <p:cNvSpPr/>
-          <p:nvPr/>
-        </p:nvSpPr>
-        <p:spPr>
-          <a:xfrm>
-            <a:off x="4149204" y="2049192"/>
-            <a:ext cx="559261" cy="315819"/>
-          </a:xfrm>
-          <a:prstGeom prst="rect">
-            <a:avLst/>
-          </a:prstGeom>
-          <a:solidFill>
-            <a:srgbClr val="FFC000"/>
-          </a:solidFill>
-          <a:ln cap="rnd"/>
-        </p:spPr>
-        <p:style>
-          <a:lnRef idx="2">
-            <a:schemeClr val="accent1">
-              <a:shade val="50000"/>
-            </a:schemeClr>
-          </a:lnRef>
-          <a:fillRef idx="1">
-            <a:schemeClr val="accent1"/>
-          </a:fillRef>
-          <a:effectRef idx="0">
-            <a:schemeClr val="accent1"/>
-          </a:effectRef>
-          <a:fontRef idx="minor">
-            <a:schemeClr val="lt1"/>
-          </a:fontRef>
-        </p:style>
-        <p:txBody>
-          <a:bodyPr lIns="0" tIns="0" rIns="0" bIns="0" rtlCol="0" anchor="ctr"/>
-          <a:lstStyle/>
-          <a:p>
-            <a:pPr algn="ctr"/>
-            <a:r>
-              <a:rPr lang="en-US" sz="800" dirty="0"/>
-              <a:t>Grid Controller</a:t>
-            </a:r>
-          </a:p>
-        </p:txBody>
-      </p:sp>
-      <p:cxnSp>
-        <p:nvCxnSpPr>
-          <p:cNvPr id="174" name="Straight Connector 173"/>
-          <p:cNvCxnSpPr>
-            <a:stCxn id="85" idx="3"/>
-            <a:endCxn id="107" idx="2"/>
-          </p:cNvCxnSpPr>
-          <p:nvPr/>
-        </p:nvCxnSpPr>
-        <p:spPr>
-          <a:xfrm flipV="1">
-            <a:off x="2411934" y="3265976"/>
-            <a:ext cx="1795673" cy="21437"/>
-          </a:xfrm>
-          <a:prstGeom prst="line">
-            <a:avLst/>
-          </a:prstGeom>
-          <a:ln w="28575" cap="rnd"/>
-        </p:spPr>
-        <p:style>
-          <a:lnRef idx="1">
-            <a:schemeClr val="accent1"/>
-          </a:lnRef>
-          <a:fillRef idx="0">
-            <a:schemeClr val="accent1"/>
-          </a:fillRef>
-          <a:effectRef idx="0">
-            <a:schemeClr val="accent1"/>
-          </a:effectRef>
-          <a:fontRef idx="minor">
-            <a:schemeClr val="tx1"/>
-          </a:fontRef>
-        </p:style>
-      </p:cxnSp>
-      <p:sp>
-        <p:nvSpPr>
-          <p:cNvPr id="85" name="Rectangle 84"/>
-          <p:cNvSpPr/>
-          <p:nvPr/>
-        </p:nvSpPr>
-        <p:spPr>
-          <a:xfrm>
-            <a:off x="2126238" y="3155891"/>
-            <a:ext cx="285696" cy="263044"/>
-          </a:xfrm>
-          <a:prstGeom prst="rect">
-            <a:avLst/>
-          </a:prstGeom>
-          <a:solidFill>
-            <a:schemeClr val="accent2"/>
-          </a:solidFill>
-          <a:ln cap="rnd"/>
-        </p:spPr>
-        <p:style>
-          <a:lnRef idx="2">
-            <a:schemeClr val="accent1">
-              <a:shade val="50000"/>
-            </a:schemeClr>
-          </a:lnRef>
-          <a:fillRef idx="1">
-            <a:schemeClr val="accent1"/>
-          </a:fillRef>
-          <a:effectRef idx="0">
-            <a:schemeClr val="accent1"/>
-          </a:effectRef>
-          <a:fontRef idx="minor">
-            <a:schemeClr val="lt1"/>
-          </a:fontRef>
-        </p:style>
-        <p:txBody>
-          <a:bodyPr rtlCol="0" anchor="ctr"/>
-          <a:lstStyle/>
-          <a:p>
-            <a:pPr algn="ctr"/>
-            <a:r>
-              <a:rPr lang="en-US" sz="1600" dirty="0"/>
-              <a:t>2</a:t>
-            </a:r>
-          </a:p>
-        </p:txBody>
-      </p:sp>
-      <p:sp>
-        <p:nvSpPr>
-          <p:cNvPr id="106" name="Oval 105"/>
-          <p:cNvSpPr/>
-          <p:nvPr/>
-        </p:nvSpPr>
-        <p:spPr>
-          <a:xfrm>
-            <a:off x="2151426" y="2545126"/>
-            <a:ext cx="207001" cy="207001"/>
-          </a:xfrm>
-          <a:prstGeom prst="ellipse">
-            <a:avLst/>
-          </a:prstGeom>
-          <a:ln w="28575" cap="rnd"/>
-        </p:spPr>
-        <p:style>
-          <a:lnRef idx="2">
-            <a:schemeClr val="accent1">
-              <a:shade val="50000"/>
-            </a:schemeClr>
-          </a:lnRef>
-          <a:fillRef idx="1">
-            <a:schemeClr val="accent1"/>
-          </a:fillRef>
-          <a:effectRef idx="0">
-            <a:schemeClr val="accent1"/>
-          </a:effectRef>
-          <a:fontRef idx="minor">
-            <a:schemeClr val="lt1"/>
-          </a:fontRef>
-        </p:style>
-        <p:txBody>
-          <a:bodyPr rtlCol="0" anchor="ctr"/>
-          <a:lstStyle/>
-          <a:p>
-            <a:pPr algn="ctr"/>
-            <a:r>
-              <a:rPr lang="en-US" sz="1600" dirty="0"/>
-              <a:t>7</a:t>
-            </a:r>
-          </a:p>
-        </p:txBody>
-      </p:sp>
-      <p:sp>
-        <p:nvSpPr>
-          <p:cNvPr id="107" name="Oval 106"/>
-          <p:cNvSpPr/>
-          <p:nvPr/>
-        </p:nvSpPr>
-        <p:spPr>
-          <a:xfrm>
-            <a:off x="4207607" y="3162475"/>
-            <a:ext cx="207001" cy="207001"/>
-          </a:xfrm>
-          <a:prstGeom prst="ellipse">
-            <a:avLst/>
-          </a:prstGeom>
-          <a:ln w="28575" cap="rnd"/>
-        </p:spPr>
-        <p:style>
-          <a:lnRef idx="2">
-            <a:schemeClr val="accent1">
-              <a:shade val="50000"/>
-            </a:schemeClr>
-          </a:lnRef>
-          <a:fillRef idx="1">
-            <a:schemeClr val="accent1"/>
-          </a:fillRef>
-          <a:effectRef idx="0">
-            <a:schemeClr val="accent1"/>
-          </a:effectRef>
-          <a:fontRef idx="minor">
-            <a:schemeClr val="lt1"/>
-          </a:fontRef>
-        </p:style>
-        <p:txBody>
-          <a:bodyPr rtlCol="0" anchor="ctr"/>
-          <a:lstStyle/>
-          <a:p>
-            <a:pPr algn="ctr"/>
-            <a:r>
-              <a:rPr lang="en-US" sz="1600" dirty="0"/>
-              <a:t>3</a:t>
-            </a:r>
-          </a:p>
-        </p:txBody>
-      </p:sp>
-      <p:sp>
-        <p:nvSpPr>
-          <p:cNvPr id="110" name="Oval 109"/>
-          <p:cNvSpPr/>
-          <p:nvPr/>
-        </p:nvSpPr>
-        <p:spPr>
-          <a:xfrm>
-            <a:off x="4549683" y="3669801"/>
-            <a:ext cx="207001" cy="207001"/>
-          </a:xfrm>
-          <a:prstGeom prst="ellipse">
-            <a:avLst/>
-          </a:prstGeom>
-          <a:ln w="28575" cap="rnd"/>
-        </p:spPr>
-        <p:style>
-          <a:lnRef idx="2">
-            <a:schemeClr val="accent1">
-              <a:shade val="50000"/>
-            </a:schemeClr>
-          </a:lnRef>
-          <a:fillRef idx="1">
-            <a:schemeClr val="accent1"/>
-          </a:fillRef>
-          <a:effectRef idx="0">
-            <a:schemeClr val="accent1"/>
-          </a:effectRef>
-          <a:fontRef idx="minor">
-            <a:schemeClr val="lt1"/>
-          </a:fontRef>
-        </p:style>
-        <p:txBody>
-          <a:bodyPr rtlCol="0" anchor="ctr"/>
-          <a:lstStyle/>
-          <a:p>
-            <a:pPr algn="ctr"/>
-            <a:r>
-              <a:rPr lang="en-US" sz="1600" dirty="0"/>
-              <a:t>4</a:t>
-            </a:r>
-          </a:p>
-        </p:txBody>
-      </p:sp>
-      <p:sp>
-        <p:nvSpPr>
-          <p:cNvPr id="113" name="Oval 112"/>
-          <p:cNvSpPr/>
-          <p:nvPr/>
-        </p:nvSpPr>
-        <p:spPr>
-          <a:xfrm>
-            <a:off x="5155598" y="3443714"/>
-            <a:ext cx="207001" cy="207001"/>
-          </a:xfrm>
-          <a:prstGeom prst="ellipse">
-            <a:avLst/>
-          </a:prstGeom>
-          <a:ln w="28575" cap="rnd"/>
-        </p:spPr>
-        <p:style>
-          <a:lnRef idx="2">
-            <a:schemeClr val="accent1">
-              <a:shade val="50000"/>
-            </a:schemeClr>
-          </a:lnRef>
-          <a:fillRef idx="1">
-            <a:schemeClr val="accent1"/>
-          </a:fillRef>
-          <a:effectRef idx="0">
-            <a:schemeClr val="accent1"/>
-          </a:effectRef>
-          <a:fontRef idx="minor">
-            <a:schemeClr val="lt1"/>
-          </a:fontRef>
-        </p:style>
-        <p:txBody>
-          <a:bodyPr rtlCol="0" anchor="ctr"/>
-          <a:lstStyle/>
-          <a:p>
-            <a:pPr algn="ctr"/>
-            <a:r>
-              <a:rPr lang="en-US" sz="1600" dirty="0"/>
-              <a:t>5</a:t>
-            </a:r>
-          </a:p>
-        </p:txBody>
-      </p:sp>
-      <p:sp>
-        <p:nvSpPr>
-          <p:cNvPr id="116" name="Oval 115"/>
-          <p:cNvSpPr/>
-          <p:nvPr/>
-        </p:nvSpPr>
-        <p:spPr>
-          <a:xfrm>
-            <a:off x="4849976" y="2889947"/>
-            <a:ext cx="207001" cy="207001"/>
-          </a:xfrm>
-          <a:prstGeom prst="ellipse">
-            <a:avLst/>
-          </a:prstGeom>
-          <a:ln w="28575" cap="rnd"/>
-        </p:spPr>
-        <p:style>
-          <a:lnRef idx="2">
-            <a:schemeClr val="accent1">
-              <a:shade val="50000"/>
-            </a:schemeClr>
-          </a:lnRef>
-          <a:fillRef idx="1">
-            <a:schemeClr val="accent1"/>
-          </a:fillRef>
-          <a:effectRef idx="0">
-            <a:schemeClr val="accent1"/>
-          </a:effectRef>
-          <a:fontRef idx="minor">
-            <a:schemeClr val="lt1"/>
-          </a:fontRef>
-        </p:style>
-        <p:txBody>
-          <a:bodyPr rtlCol="0" anchor="ctr"/>
-          <a:lstStyle/>
-          <a:p>
-            <a:pPr algn="ctr"/>
-            <a:r>
-              <a:rPr lang="en-US" sz="1600" dirty="0"/>
-              <a:t>6</a:t>
-            </a:r>
-          </a:p>
-        </p:txBody>
-      </p:sp>
-      <p:cxnSp>
-        <p:nvCxnSpPr>
-          <p:cNvPr id="122" name="Straight Connector 121"/>
-          <p:cNvCxnSpPr>
-            <a:stCxn id="107" idx="6"/>
-          </p:cNvCxnSpPr>
-          <p:nvPr/>
-        </p:nvCxnSpPr>
-        <p:spPr>
-          <a:xfrm flipV="1">
-            <a:off x="4414608" y="3263303"/>
-            <a:ext cx="574392" cy="2673"/>
-          </a:xfrm>
-          <a:prstGeom prst="line">
-            <a:avLst/>
-          </a:prstGeom>
-          <a:ln w="28575" cap="rnd"/>
-        </p:spPr>
-        <p:style>
-          <a:lnRef idx="1">
-            <a:schemeClr val="accent1"/>
-          </a:lnRef>
-          <a:fillRef idx="0">
-            <a:schemeClr val="accent1"/>
-          </a:fillRef>
-          <a:effectRef idx="0">
-            <a:schemeClr val="accent1"/>
-          </a:effectRef>
-          <a:fontRef idx="minor">
-            <a:schemeClr val="tx1"/>
-          </a:fontRef>
-        </p:style>
-      </p:cxnSp>
-      <p:sp>
-        <p:nvSpPr>
-          <p:cNvPr id="125" name="Rectangle 124"/>
-          <p:cNvSpPr/>
-          <p:nvPr/>
-        </p:nvSpPr>
-        <p:spPr>
-          <a:xfrm>
-            <a:off x="2544437" y="2055541"/>
-            <a:ext cx="131137" cy="315819"/>
-          </a:xfrm>
-          <a:prstGeom prst="rect">
-            <a:avLst/>
-          </a:prstGeom>
-          <a:solidFill>
-            <a:schemeClr val="accent2">
-              <a:lumMod val="75000"/>
-            </a:schemeClr>
-          </a:solidFill>
-          <a:ln cap="rnd"/>
-        </p:spPr>
-        <p:style>
-          <a:lnRef idx="2">
-            <a:schemeClr val="accent1">
-              <a:shade val="50000"/>
-            </a:schemeClr>
-          </a:lnRef>
-          <a:fillRef idx="1">
-            <a:schemeClr val="accent1"/>
-          </a:fillRef>
-          <a:effectRef idx="0">
-            <a:schemeClr val="accent1"/>
-          </a:effectRef>
-          <a:fontRef idx="minor">
-            <a:schemeClr val="lt1"/>
-          </a:fontRef>
-        </p:style>
-        <p:txBody>
-          <a:bodyPr lIns="0" tIns="0" rIns="0" bIns="0" rtlCol="0" anchor="ctr"/>
-          <a:lstStyle/>
-          <a:p>
-            <a:pPr algn="ctr"/>
-            <a:endParaRPr lang="en-US" sz="800" dirty="0"/>
-          </a:p>
-        </p:txBody>
-      </p:sp>
-      <p:sp>
-        <p:nvSpPr>
-          <p:cNvPr id="126" name="Rectangle 125"/>
-          <p:cNvSpPr/>
-          <p:nvPr/>
-        </p:nvSpPr>
-        <p:spPr>
-          <a:xfrm>
-            <a:off x="4936395" y="3997290"/>
-            <a:ext cx="131137" cy="315819"/>
-          </a:xfrm>
-          <a:prstGeom prst="rect">
-            <a:avLst/>
-          </a:prstGeom>
-          <a:solidFill>
-            <a:schemeClr val="accent2">
-              <a:lumMod val="75000"/>
-            </a:schemeClr>
-          </a:solidFill>
-          <a:ln cap="rnd"/>
-        </p:spPr>
-        <p:style>
-          <a:lnRef idx="2">
-            <a:schemeClr val="accent1">
-              <a:shade val="50000"/>
-            </a:schemeClr>
-          </a:lnRef>
-          <a:fillRef idx="1">
-            <a:schemeClr val="accent1"/>
-          </a:fillRef>
-          <a:effectRef idx="0">
-            <a:schemeClr val="accent1"/>
-          </a:effectRef>
-          <a:fontRef idx="minor">
-            <a:schemeClr val="lt1"/>
-          </a:fontRef>
-        </p:style>
-        <p:txBody>
-          <a:bodyPr lIns="0" tIns="0" rIns="0" bIns="0" rtlCol="0" anchor="ctr"/>
-          <a:lstStyle/>
-          <a:p>
-            <a:pPr algn="ctr"/>
-            <a:endParaRPr lang="en-US" sz="800" dirty="0"/>
-          </a:p>
-        </p:txBody>
-      </p:sp>
-      <p:sp>
-        <p:nvSpPr>
-          <p:cNvPr id="127" name="Rectangle 126"/>
-          <p:cNvSpPr/>
-          <p:nvPr/>
-        </p:nvSpPr>
-        <p:spPr>
-          <a:xfrm>
-            <a:off x="6092736" y="3389882"/>
-            <a:ext cx="131137" cy="315819"/>
-          </a:xfrm>
-          <a:prstGeom prst="rect">
-            <a:avLst/>
-          </a:prstGeom>
-          <a:solidFill>
-            <a:schemeClr val="accent2">
-              <a:lumMod val="75000"/>
-            </a:schemeClr>
-          </a:solidFill>
-          <a:ln cap="rnd"/>
-        </p:spPr>
-        <p:style>
-          <a:lnRef idx="2">
-            <a:schemeClr val="accent1">
-              <a:shade val="50000"/>
-            </a:schemeClr>
-          </a:lnRef>
-          <a:fillRef idx="1">
-            <a:schemeClr val="accent1"/>
-          </a:fillRef>
-          <a:effectRef idx="0">
-            <a:schemeClr val="accent1"/>
-          </a:effectRef>
-          <a:fontRef idx="minor">
-            <a:schemeClr val="lt1"/>
-          </a:fontRef>
-        </p:style>
-        <p:txBody>
-          <a:bodyPr lIns="0" tIns="0" rIns="0" bIns="0" rtlCol="0" anchor="ctr"/>
-          <a:lstStyle/>
-          <a:p>
-            <a:pPr algn="ctr"/>
-            <a:endParaRPr lang="en-US" sz="800" dirty="0"/>
-          </a:p>
-        </p:txBody>
-      </p:sp>
-      <p:sp>
-        <p:nvSpPr>
-          <p:cNvPr id="128" name="Rectangle 127"/>
-          <p:cNvSpPr/>
-          <p:nvPr/>
-        </p:nvSpPr>
-        <p:spPr>
-          <a:xfrm>
-            <a:off x="5750919" y="2837281"/>
-            <a:ext cx="131137" cy="315819"/>
-          </a:xfrm>
-          <a:prstGeom prst="rect">
-            <a:avLst/>
-          </a:prstGeom>
-          <a:solidFill>
-            <a:schemeClr val="accent2">
-              <a:lumMod val="75000"/>
-            </a:schemeClr>
-          </a:solidFill>
-          <a:ln cap="rnd"/>
-        </p:spPr>
-        <p:style>
-          <a:lnRef idx="2">
-            <a:schemeClr val="accent1">
-              <a:shade val="50000"/>
-            </a:schemeClr>
-          </a:lnRef>
-          <a:fillRef idx="1">
-            <a:schemeClr val="accent1"/>
-          </a:fillRef>
-          <a:effectRef idx="0">
-            <a:schemeClr val="accent1"/>
-          </a:effectRef>
-          <a:fontRef idx="minor">
-            <a:schemeClr val="lt1"/>
-          </a:fontRef>
-        </p:style>
-        <p:txBody>
-          <a:bodyPr lIns="0" tIns="0" rIns="0" bIns="0" rtlCol="0" anchor="ctr"/>
-          <a:lstStyle/>
-          <a:p>
-            <a:pPr algn="ctr"/>
-            <a:endParaRPr lang="en-US" sz="800" dirty="0"/>
-          </a:p>
-        </p:txBody>
-      </p:sp>
-      <p:cxnSp>
-        <p:nvCxnSpPr>
-          <p:cNvPr id="13" name="Straight Connector 12"/>
-          <p:cNvCxnSpPr>
-            <a:endCxn id="66" idx="6"/>
-          </p:cNvCxnSpPr>
-          <p:nvPr/>
-        </p:nvCxnSpPr>
-        <p:spPr>
-          <a:xfrm>
-            <a:off x="2253952" y="4620120"/>
-            <a:ext cx="158722" cy="0"/>
-          </a:xfrm>
-          <a:prstGeom prst="line">
-            <a:avLst/>
-          </a:prstGeom>
-          <a:ln w="28575" cap="rnd"/>
-        </p:spPr>
-        <p:style>
-          <a:lnRef idx="1">
-            <a:schemeClr val="accent1"/>
-          </a:lnRef>
-          <a:fillRef idx="0">
-            <a:schemeClr val="accent1"/>
-          </a:fillRef>
-          <a:effectRef idx="0">
-            <a:schemeClr val="accent1"/>
-          </a:effectRef>
-          <a:fontRef idx="minor">
-            <a:schemeClr val="tx1"/>
-          </a:fontRef>
-        </p:style>
-      </p:cxnSp>
-      <p:sp>
-        <p:nvSpPr>
-          <p:cNvPr id="66" name="Oval 65"/>
-          <p:cNvSpPr/>
-          <p:nvPr/>
-        </p:nvSpPr>
-        <p:spPr>
-          <a:xfrm flipH="1">
-            <a:off x="2412674" y="4516619"/>
-            <a:ext cx="207001" cy="207001"/>
-          </a:xfrm>
-          <a:prstGeom prst="ellipse">
-            <a:avLst/>
-          </a:prstGeom>
-          <a:ln w="28575" cap="rnd"/>
-        </p:spPr>
-        <p:style>
-          <a:lnRef idx="2">
-            <a:schemeClr val="accent1">
-              <a:shade val="50000"/>
-            </a:schemeClr>
-          </a:lnRef>
-          <a:fillRef idx="1">
-            <a:schemeClr val="accent1"/>
-          </a:fillRef>
-          <a:effectRef idx="0">
-            <a:schemeClr val="accent1"/>
-          </a:effectRef>
-          <a:fontRef idx="minor">
-            <a:schemeClr val="lt1"/>
-          </a:fontRef>
-        </p:style>
-        <p:txBody>
-          <a:bodyPr rtlCol="0" anchor="ctr"/>
-          <a:lstStyle/>
-          <a:p>
-            <a:pPr algn="ctr"/>
-            <a:r>
-              <a:rPr lang="en-US" sz="1600" dirty="0"/>
-              <a:t>1</a:t>
-            </a:r>
-          </a:p>
-        </p:txBody>
-      </p:sp>
-      <p:sp>
-        <p:nvSpPr>
-          <p:cNvPr id="74" name="Rectangle 73"/>
-          <p:cNvSpPr/>
-          <p:nvPr/>
-        </p:nvSpPr>
-        <p:spPr>
-          <a:xfrm flipH="1">
-            <a:off x="2729986" y="4463657"/>
-            <a:ext cx="559261" cy="315819"/>
-          </a:xfrm>
-          <a:prstGeom prst="rect">
-            <a:avLst/>
-          </a:prstGeom>
-          <a:solidFill>
-            <a:srgbClr val="7030A0"/>
-          </a:solidFill>
-          <a:ln cap="rnd"/>
-        </p:spPr>
-        <p:style>
-          <a:lnRef idx="2">
-            <a:schemeClr val="accent1">
-              <a:shade val="50000"/>
-            </a:schemeClr>
-          </a:lnRef>
-          <a:fillRef idx="1">
-            <a:schemeClr val="accent1"/>
-          </a:fillRef>
-          <a:effectRef idx="0">
-            <a:schemeClr val="accent1"/>
-          </a:effectRef>
-          <a:fontRef idx="minor">
-            <a:schemeClr val="lt1"/>
-          </a:fontRef>
-        </p:style>
-        <p:txBody>
-          <a:bodyPr lIns="0" tIns="0" rIns="0" bIns="0" rtlCol="0" anchor="ctr"/>
-          <a:lstStyle/>
-          <a:p>
-            <a:pPr algn="ctr"/>
-            <a:r>
-              <a:rPr lang="en-US" sz="800" dirty="0"/>
-              <a:t>Residence Load</a:t>
-            </a:r>
-          </a:p>
-        </p:txBody>
-      </p:sp>
-      <p:cxnSp>
-        <p:nvCxnSpPr>
-          <p:cNvPr id="109" name="Straight Connector 108"/>
-          <p:cNvCxnSpPr>
-            <a:stCxn id="66" idx="2"/>
-            <a:endCxn id="74" idx="3"/>
-          </p:cNvCxnSpPr>
-          <p:nvPr/>
-        </p:nvCxnSpPr>
-        <p:spPr>
-          <a:xfrm>
-            <a:off x="2619675" y="4620120"/>
-            <a:ext cx="110311" cy="1447"/>
-          </a:xfrm>
-          <a:prstGeom prst="line">
-            <a:avLst/>
-          </a:prstGeom>
-          <a:ln w="28575" cap="rnd">
-            <a:solidFill>
-              <a:srgbClr val="00B050"/>
-            </a:solidFill>
-          </a:ln>
-        </p:spPr>
-        <p:style>
-          <a:lnRef idx="1">
-            <a:schemeClr val="accent1"/>
-          </a:lnRef>
-          <a:fillRef idx="0">
-            <a:schemeClr val="accent1"/>
-          </a:fillRef>
-          <a:effectRef idx="0">
-            <a:schemeClr val="accent1"/>
-          </a:effectRef>
-          <a:fontRef idx="minor">
-            <a:schemeClr val="tx1"/>
-          </a:fontRef>
-        </p:style>
-      </p:cxnSp>
-      <p:sp>
-        <p:nvSpPr>
-          <p:cNvPr id="64" name="Rectangle 63"/>
-          <p:cNvSpPr/>
-          <p:nvPr/>
-        </p:nvSpPr>
-        <p:spPr>
-          <a:xfrm flipH="1">
-            <a:off x="3363641" y="4463657"/>
-            <a:ext cx="559261" cy="315819"/>
-          </a:xfrm>
-          <a:prstGeom prst="rect">
-            <a:avLst/>
-          </a:prstGeom>
-          <a:solidFill>
-            <a:srgbClr val="FFC000"/>
-          </a:solidFill>
-          <a:ln cap="rnd"/>
-        </p:spPr>
-        <p:style>
-          <a:lnRef idx="2">
-            <a:schemeClr val="accent1">
-              <a:shade val="50000"/>
-            </a:schemeClr>
-          </a:lnRef>
-          <a:fillRef idx="1">
-            <a:schemeClr val="accent1"/>
-          </a:fillRef>
-          <a:effectRef idx="0">
-            <a:schemeClr val="accent1"/>
-          </a:effectRef>
-          <a:fontRef idx="minor">
-            <a:schemeClr val="lt1"/>
-          </a:fontRef>
-        </p:style>
-        <p:txBody>
-          <a:bodyPr lIns="0" tIns="0" rIns="0" bIns="0" rtlCol="0" anchor="ctr"/>
-          <a:lstStyle/>
-          <a:p>
-            <a:pPr algn="ctr"/>
-            <a:r>
-              <a:rPr lang="en-US" sz="800" dirty="0"/>
-              <a:t>Retail Customer</a:t>
-            </a:r>
-          </a:p>
-        </p:txBody>
-      </p:sp>
-      <p:sp>
-        <p:nvSpPr>
-          <p:cNvPr id="124" name="Rectangle 123"/>
-          <p:cNvSpPr/>
-          <p:nvPr/>
-        </p:nvSpPr>
-        <p:spPr>
-          <a:xfrm flipH="1">
-            <a:off x="3260919" y="4463657"/>
-            <a:ext cx="131137" cy="315819"/>
-          </a:xfrm>
-          <a:prstGeom prst="rect">
-            <a:avLst/>
-          </a:prstGeom>
-          <a:solidFill>
-            <a:schemeClr val="accent2">
-              <a:lumMod val="75000"/>
-            </a:schemeClr>
-          </a:solidFill>
-          <a:ln cap="rnd"/>
-        </p:spPr>
-        <p:style>
-          <a:lnRef idx="2">
-            <a:schemeClr val="accent1">
-              <a:shade val="50000"/>
-            </a:schemeClr>
-          </a:lnRef>
-          <a:fillRef idx="1">
-            <a:schemeClr val="accent1"/>
-          </a:fillRef>
-          <a:effectRef idx="0">
-            <a:schemeClr val="accent1"/>
-          </a:effectRef>
-          <a:fontRef idx="minor">
-            <a:schemeClr val="lt1"/>
-          </a:fontRef>
-        </p:style>
-        <p:txBody>
-          <a:bodyPr lIns="0" tIns="0" rIns="0" bIns="0" rtlCol="0" anchor="ctr"/>
-          <a:lstStyle/>
-          <a:p>
-            <a:pPr algn="ctr"/>
-            <a:endParaRPr lang="en-US" sz="800" dirty="0"/>
-          </a:p>
-        </p:txBody>
-      </p:sp>
-      <p:sp>
-        <p:nvSpPr>
-          <p:cNvPr id="142" name="Rectangle 141"/>
-          <p:cNvSpPr/>
-          <p:nvPr/>
-        </p:nvSpPr>
-        <p:spPr>
-          <a:xfrm flipH="1">
-            <a:off x="3932444" y="4463657"/>
-            <a:ext cx="143076" cy="315819"/>
-          </a:xfrm>
-          <a:prstGeom prst="rect">
-            <a:avLst/>
-          </a:prstGeom>
-          <a:solidFill>
-            <a:srgbClr val="99CC00"/>
-          </a:solidFill>
-          <a:ln cap="rnd"/>
-        </p:spPr>
-        <p:style>
-          <a:lnRef idx="2">
-            <a:schemeClr val="accent1">
-              <a:shade val="50000"/>
-            </a:schemeClr>
-          </a:lnRef>
-          <a:fillRef idx="1">
-            <a:schemeClr val="accent1"/>
-          </a:fillRef>
-          <a:effectRef idx="0">
-            <a:schemeClr val="accent1"/>
-          </a:effectRef>
-          <a:fontRef idx="minor">
-            <a:schemeClr val="lt1"/>
-          </a:fontRef>
-        </p:style>
-        <p:txBody>
-          <a:bodyPr lIns="0" tIns="0" rIns="0" bIns="0" rtlCol="0" anchor="ctr"/>
-          <a:lstStyle/>
-          <a:p>
-            <a:pPr algn="ctr"/>
-            <a:endParaRPr lang="en-US" sz="800" dirty="0"/>
-          </a:p>
-        </p:txBody>
-      </p:sp>
-      <p:sp>
-        <p:nvSpPr>
-          <p:cNvPr id="143" name="Rectangle 142"/>
-          <p:cNvSpPr/>
-          <p:nvPr/>
-        </p:nvSpPr>
-        <p:spPr>
-          <a:xfrm>
-            <a:off x="4708465" y="2055956"/>
-            <a:ext cx="143076" cy="315819"/>
-          </a:xfrm>
-          <a:prstGeom prst="rect">
-            <a:avLst/>
-          </a:prstGeom>
-          <a:solidFill>
-            <a:srgbClr val="99CC00"/>
-          </a:solidFill>
-          <a:ln cap="rnd"/>
-        </p:spPr>
-        <p:style>
-          <a:lnRef idx="2">
-            <a:schemeClr val="accent1">
-              <a:shade val="50000"/>
-            </a:schemeClr>
-          </a:lnRef>
-          <a:fillRef idx="1">
-            <a:schemeClr val="accent1"/>
-          </a:fillRef>
-          <a:effectRef idx="0">
-            <a:schemeClr val="accent1"/>
-          </a:effectRef>
-          <a:fontRef idx="minor">
-            <a:schemeClr val="lt1"/>
-          </a:fontRef>
-        </p:style>
-        <p:txBody>
-          <a:bodyPr lIns="0" tIns="0" rIns="0" bIns="0" rtlCol="0" anchor="ctr"/>
-          <a:lstStyle/>
-          <a:p>
-            <a:pPr algn="ctr"/>
-            <a:endParaRPr lang="en-US" sz="800" dirty="0"/>
-          </a:p>
-        </p:txBody>
-      </p:sp>
-      <p:sp>
-        <p:nvSpPr>
-          <p:cNvPr id="144" name="Rectangle 143"/>
-          <p:cNvSpPr/>
-          <p:nvPr/>
-        </p:nvSpPr>
-        <p:spPr>
-          <a:xfrm>
-            <a:off x="7323660" y="3515771"/>
-            <a:ext cx="143076" cy="315819"/>
-          </a:xfrm>
-          <a:prstGeom prst="rect">
-            <a:avLst/>
-          </a:prstGeom>
-          <a:solidFill>
-            <a:srgbClr val="99CC00"/>
-          </a:solidFill>
-          <a:ln cap="rnd"/>
-        </p:spPr>
-        <p:style>
-          <a:lnRef idx="2">
-            <a:schemeClr val="accent1">
-              <a:shade val="50000"/>
-            </a:schemeClr>
-          </a:lnRef>
-          <a:fillRef idx="1">
-            <a:schemeClr val="accent1"/>
-          </a:fillRef>
-          <a:effectRef idx="0">
-            <a:schemeClr val="accent1"/>
-          </a:effectRef>
-          <a:fontRef idx="minor">
-            <a:schemeClr val="lt1"/>
-          </a:fontRef>
-        </p:style>
-        <p:txBody>
-          <a:bodyPr lIns="0" tIns="0" rIns="0" bIns="0" rtlCol="0" anchor="ctr"/>
-          <a:lstStyle/>
-          <a:p>
-            <a:pPr algn="ctr"/>
-            <a:endParaRPr lang="en-US" sz="800" dirty="0"/>
-          </a:p>
-        </p:txBody>
-      </p:sp>
-      <p:sp>
-        <p:nvSpPr>
-          <p:cNvPr id="148" name="Rectangle 147"/>
-          <p:cNvSpPr/>
-          <p:nvPr/>
-        </p:nvSpPr>
-        <p:spPr>
-          <a:xfrm>
-            <a:off x="8531346" y="3524179"/>
-            <a:ext cx="559261" cy="315819"/>
-          </a:xfrm>
-          <a:prstGeom prst="rect">
-            <a:avLst/>
-          </a:prstGeom>
-          <a:solidFill>
-            <a:srgbClr val="99CC00"/>
-          </a:solidFill>
-          <a:ln cap="rnd"/>
-        </p:spPr>
-        <p:style>
-          <a:lnRef idx="2">
-            <a:schemeClr val="accent1">
-              <a:shade val="50000"/>
-            </a:schemeClr>
-          </a:lnRef>
-          <a:fillRef idx="1">
-            <a:schemeClr val="accent1"/>
-          </a:fillRef>
-          <a:effectRef idx="0">
-            <a:schemeClr val="accent1"/>
-          </a:effectRef>
-          <a:fontRef idx="minor">
-            <a:schemeClr val="lt1"/>
-          </a:fontRef>
-        </p:style>
-        <p:txBody>
-          <a:bodyPr lIns="0" tIns="0" rIns="0" bIns="0" rtlCol="0" anchor="ctr"/>
-          <a:lstStyle/>
-          <a:p>
-            <a:pPr algn="ctr"/>
-            <a:r>
-              <a:rPr lang="en-US" sz="800" dirty="0"/>
-              <a:t>Auction</a:t>
-            </a:r>
-          </a:p>
-        </p:txBody>
-      </p:sp>
-      <p:cxnSp>
-        <p:nvCxnSpPr>
-          <p:cNvPr id="151" name="Straight Connector 150"/>
-          <p:cNvCxnSpPr>
-            <a:stCxn id="148" idx="1"/>
-            <a:endCxn id="144" idx="3"/>
-          </p:cNvCxnSpPr>
-          <p:nvPr/>
-        </p:nvCxnSpPr>
-        <p:spPr>
-          <a:xfrm flipH="1" flipV="1">
-            <a:off x="7466736" y="3673681"/>
-            <a:ext cx="1064610" cy="8408"/>
-          </a:xfrm>
-          <a:prstGeom prst="line">
-            <a:avLst/>
-          </a:prstGeom>
-          <a:ln w="28575" cap="rnd">
-            <a:solidFill>
-              <a:srgbClr val="00B050"/>
-            </a:solidFill>
-          </a:ln>
-        </p:spPr>
-        <p:style>
-          <a:lnRef idx="1">
-            <a:schemeClr val="accent1"/>
-          </a:lnRef>
-          <a:fillRef idx="0">
-            <a:schemeClr val="accent1"/>
-          </a:fillRef>
-          <a:effectRef idx="0">
-            <a:schemeClr val="accent1"/>
-          </a:effectRef>
-          <a:fontRef idx="minor">
-            <a:schemeClr val="tx1"/>
-          </a:fontRef>
-        </p:style>
-      </p:cxnSp>
-      <p:cxnSp>
-        <p:nvCxnSpPr>
-          <p:cNvPr id="152" name="Straight Connector 151"/>
-          <p:cNvCxnSpPr>
-            <a:stCxn id="148" idx="1"/>
-            <a:endCxn id="143" idx="3"/>
-          </p:cNvCxnSpPr>
-          <p:nvPr/>
-        </p:nvCxnSpPr>
-        <p:spPr>
-          <a:xfrm flipH="1" flipV="1">
-            <a:off x="4851541" y="2213866"/>
-            <a:ext cx="3679805" cy="1468223"/>
-          </a:xfrm>
-          <a:prstGeom prst="line">
-            <a:avLst/>
-          </a:prstGeom>
-          <a:ln w="28575" cap="rnd">
-            <a:solidFill>
-              <a:srgbClr val="00B050"/>
-            </a:solidFill>
-          </a:ln>
-        </p:spPr>
-        <p:style>
-          <a:lnRef idx="1">
-            <a:schemeClr val="accent1"/>
-          </a:lnRef>
-          <a:fillRef idx="0">
-            <a:schemeClr val="accent1"/>
-          </a:fillRef>
-          <a:effectRef idx="0">
-            <a:schemeClr val="accent1"/>
-          </a:effectRef>
-          <a:fontRef idx="minor">
-            <a:schemeClr val="tx1"/>
-          </a:fontRef>
-        </p:style>
-      </p:cxnSp>
-      <p:cxnSp>
-        <p:nvCxnSpPr>
-          <p:cNvPr id="157" name="Straight Connector 156"/>
-          <p:cNvCxnSpPr>
-            <a:stCxn id="148" idx="1"/>
-            <a:endCxn id="142" idx="1"/>
-          </p:cNvCxnSpPr>
-          <p:nvPr/>
-        </p:nvCxnSpPr>
-        <p:spPr>
-          <a:xfrm flipH="1">
-            <a:off x="4075520" y="3682089"/>
-            <a:ext cx="4455826" cy="939478"/>
-          </a:xfrm>
-          <a:prstGeom prst="line">
-            <a:avLst/>
-          </a:prstGeom>
-          <a:ln w="28575" cap="rnd">
-            <a:solidFill>
-              <a:srgbClr val="00B050"/>
-            </a:solidFill>
-          </a:ln>
-        </p:spPr>
-        <p:style>
-          <a:lnRef idx="1">
-            <a:schemeClr val="accent1"/>
-          </a:lnRef>
-          <a:fillRef idx="0">
-            <a:schemeClr val="accent1"/>
-          </a:fillRef>
-          <a:effectRef idx="0">
-            <a:schemeClr val="accent1"/>
-          </a:effectRef>
-          <a:fontRef idx="minor">
-            <a:schemeClr val="tx1"/>
-          </a:fontRef>
-        </p:style>
-      </p:cxnSp>
-      <p:sp>
-        <p:nvSpPr>
-          <p:cNvPr id="170" name="Rectangle 169"/>
-          <p:cNvSpPr/>
-          <p:nvPr/>
-        </p:nvSpPr>
-        <p:spPr>
-          <a:xfrm>
-            <a:off x="6695791" y="2110680"/>
-            <a:ext cx="559261" cy="315819"/>
-          </a:xfrm>
-          <a:prstGeom prst="rect">
-            <a:avLst/>
-          </a:prstGeom>
-          <a:solidFill>
-            <a:srgbClr val="99CC00"/>
-          </a:solidFill>
-          <a:ln cap="rnd"/>
-        </p:spPr>
-        <p:style>
-          <a:lnRef idx="2">
-            <a:schemeClr val="accent1">
-              <a:shade val="50000"/>
-            </a:schemeClr>
-          </a:lnRef>
-          <a:fillRef idx="1">
-            <a:schemeClr val="accent1"/>
-          </a:fillRef>
-          <a:effectRef idx="0">
-            <a:schemeClr val="accent1"/>
-          </a:effectRef>
-          <a:fontRef idx="minor">
-            <a:schemeClr val="lt1"/>
-          </a:fontRef>
-        </p:style>
-        <p:txBody>
-          <a:bodyPr lIns="0" tIns="0" rIns="0" bIns="0" rtlCol="0" anchor="ctr"/>
-          <a:lstStyle/>
-          <a:p>
-            <a:pPr algn="ctr"/>
-            <a:r>
-              <a:rPr lang="en-US" sz="800" dirty="0"/>
-              <a:t>Aggregator TA</a:t>
-            </a:r>
-          </a:p>
-        </p:txBody>
-      </p:sp>
-      <p:cxnSp>
-        <p:nvCxnSpPr>
-          <p:cNvPr id="171" name="Straight Connector 170"/>
-          <p:cNvCxnSpPr>
-            <a:stCxn id="148" idx="1"/>
-            <a:endCxn id="170" idx="2"/>
-          </p:cNvCxnSpPr>
-          <p:nvPr/>
-        </p:nvCxnSpPr>
-        <p:spPr>
-          <a:xfrm flipH="1" flipV="1">
-            <a:off x="6975422" y="2426499"/>
-            <a:ext cx="1555924" cy="1255590"/>
-          </a:xfrm>
-          <a:prstGeom prst="line">
-            <a:avLst/>
-          </a:prstGeom>
-          <a:ln w="28575" cap="rnd">
-            <a:solidFill>
-              <a:srgbClr val="00B050"/>
-            </a:solidFill>
-          </a:ln>
-        </p:spPr>
-        <p:style>
-          <a:lnRef idx="1">
-            <a:schemeClr val="accent1"/>
-          </a:lnRef>
-          <a:fillRef idx="0">
-            <a:schemeClr val="accent1"/>
-          </a:fillRef>
-          <a:effectRef idx="0">
-            <a:schemeClr val="accent1"/>
-          </a:effectRef>
-          <a:fontRef idx="minor">
-            <a:schemeClr val="tx1"/>
-          </a:fontRef>
-        </p:style>
-      </p:cxnSp>
-      <p:grpSp>
-        <p:nvGrpSpPr>
-          <p:cNvPr id="5" name="Group 4"/>
-          <p:cNvGrpSpPr/>
-          <p:nvPr/>
-        </p:nvGrpSpPr>
-        <p:grpSpPr>
-          <a:xfrm>
-            <a:off x="7924898" y="1879256"/>
-            <a:ext cx="1402610" cy="1017126"/>
-            <a:chOff x="6620333" y="762583"/>
-            <a:chExt cx="1402610" cy="1017126"/>
-          </a:xfrm>
-        </p:grpSpPr>
-        <p:sp>
-          <p:nvSpPr>
-            <p:cNvPr id="177" name="Rectangle 176"/>
+            <p:cNvPr id="144" name="Rectangle 143"/>
             <p:cNvSpPr/>
             <p:nvPr/>
           </p:nvSpPr>
           <p:spPr>
             <a:xfrm>
-              <a:off x="7463682" y="762583"/>
+              <a:off x="7323660" y="3515771"/>
+              <a:ext cx="143076" cy="315819"/>
+            </a:xfrm>
+            <a:prstGeom prst="rect">
+              <a:avLst/>
+            </a:prstGeom>
+            <a:solidFill>
+              <a:srgbClr val="99CC00"/>
+            </a:solidFill>
+            <a:ln cap="rnd"/>
+          </p:spPr>
+          <p:style>
+            <a:lnRef idx="2">
+              <a:schemeClr val="accent1">
+                <a:shade val="50000"/>
+              </a:schemeClr>
+            </a:lnRef>
+            <a:fillRef idx="1">
+              <a:schemeClr val="accent1"/>
+            </a:fillRef>
+            <a:effectRef idx="0">
+              <a:schemeClr val="accent1"/>
+            </a:effectRef>
+            <a:fontRef idx="minor">
+              <a:schemeClr val="lt1"/>
+            </a:fontRef>
+          </p:style>
+          <p:txBody>
+            <a:bodyPr lIns="0" tIns="0" rIns="0" bIns="0" rtlCol="0" anchor="ctr"/>
+            <a:lstStyle/>
+            <a:p>
+              <a:pPr algn="ctr"/>
+              <a:endParaRPr lang="en-US" sz="800" dirty="0"/>
+            </a:p>
+          </p:txBody>
+        </p:sp>
+        <p:sp>
+          <p:nvSpPr>
+            <p:cNvPr id="148" name="Rectangle 147"/>
+            <p:cNvSpPr/>
+            <p:nvPr/>
+          </p:nvSpPr>
+          <p:spPr>
+            <a:xfrm>
+              <a:off x="8531346" y="3524179"/>
               <a:ext cx="559261" cy="315819"/>
             </a:xfrm>
             <a:prstGeom prst="rect">
               <a:avLst/>
             </a:prstGeom>
-            <a:gradFill>
-              <a:gsLst>
-                <a:gs pos="0">
-                  <a:schemeClr val="accent1">
-                    <a:lumMod val="5000"/>
-                    <a:lumOff val="95000"/>
-                  </a:schemeClr>
-                </a:gs>
-                <a:gs pos="74000">
-                  <a:schemeClr val="accent1">
-                    <a:lumMod val="45000"/>
-                    <a:lumOff val="55000"/>
-                  </a:schemeClr>
-                </a:gs>
-                <a:gs pos="83000">
-                  <a:schemeClr val="accent1">
-                    <a:lumMod val="45000"/>
-                    <a:lumOff val="55000"/>
-                  </a:schemeClr>
-                </a:gs>
-                <a:gs pos="100000">
-                  <a:schemeClr val="accent1">
-                    <a:lumMod val="30000"/>
-                    <a:lumOff val="70000"/>
-                  </a:schemeClr>
-                </a:gs>
-              </a:gsLst>
-              <a:lin ang="5400000" scaled="1"/>
-            </a:gradFill>
+            <a:solidFill>
+              <a:srgbClr val="99CC00"/>
+            </a:solidFill>
             <a:ln cap="rnd"/>
           </p:spPr>
           <p:style>
@@ -6292,25 +4953,33 @@
               <a:pPr algn="ctr"/>
               <a:r>
                 <a:rPr lang="en-US" sz="800" dirty="0"/>
-                <a:t>Weather</a:t>
+                <a:t>Auction</a:t>
               </a:r>
             </a:p>
           </p:txBody>
         </p:sp>
         <p:cxnSp>
           <p:nvCxnSpPr>
-            <p:cNvPr id="165" name="Straight Connector 164"/>
-            <p:cNvCxnSpPr/>
+            <p:cNvPr id="151" name="Straight Connector 150"/>
+            <p:cNvCxnSpPr>
+              <a:stCxn id="148" idx="1"/>
+              <a:endCxn id="144" idx="3"/>
+            </p:cNvCxnSpPr>
             <p:nvPr/>
           </p:nvCxnSpPr>
           <p:spPr>
-            <a:xfrm flipH="1">
-              <a:off x="6620333" y="1048552"/>
-              <a:ext cx="662525" cy="234636"/>
+            <a:xfrm flipH="1" flipV="1">
+              <a:off x="7466736" y="3673681"/>
+              <a:ext cx="1064610" cy="8408"/>
             </a:xfrm>
             <a:prstGeom prst="line">
               <a:avLst/>
             </a:prstGeom>
+            <a:ln w="28575" cap="rnd">
+              <a:solidFill>
+                <a:srgbClr val="00B050"/>
+              </a:solidFill>
+            </a:ln>
           </p:spPr>
           <p:style>
             <a:lnRef idx="1">
@@ -6329,18 +4998,26 @@
         </p:cxnSp>
         <p:cxnSp>
           <p:nvCxnSpPr>
-            <p:cNvPr id="178" name="Straight Connector 177"/>
-            <p:cNvCxnSpPr/>
+            <p:cNvPr id="152" name="Straight Connector 151"/>
+            <p:cNvCxnSpPr>
+              <a:stCxn id="148" idx="1"/>
+              <a:endCxn id="143" idx="3"/>
+            </p:cNvCxnSpPr>
             <p:nvPr/>
           </p:nvCxnSpPr>
           <p:spPr>
-            <a:xfrm flipH="1">
-              <a:off x="6854925" y="1123403"/>
-              <a:ext cx="504590" cy="319571"/>
+            <a:xfrm flipH="1" flipV="1">
+              <a:off x="4851541" y="2213866"/>
+              <a:ext cx="3679805" cy="1468223"/>
             </a:xfrm>
             <a:prstGeom prst="line">
               <a:avLst/>
             </a:prstGeom>
+            <a:ln w="28575" cap="rnd">
+              <a:solidFill>
+                <a:srgbClr val="00B050"/>
+              </a:solidFill>
+            </a:ln>
           </p:spPr>
           <p:style>
             <a:lnRef idx="1">
@@ -6359,16 +5036,474 @@
         </p:cxnSp>
         <p:cxnSp>
           <p:nvCxnSpPr>
-            <p:cNvPr id="182" name="Straight Connector 181"/>
-            <p:cNvCxnSpPr/>
+            <p:cNvPr id="157" name="Straight Connector 156"/>
+            <p:cNvCxnSpPr>
+              <a:stCxn id="148" idx="1"/>
+              <a:endCxn id="142" idx="1"/>
+            </p:cNvCxnSpPr>
             <p:nvPr/>
           </p:nvCxnSpPr>
           <p:spPr>
             <a:xfrm flipH="1">
-              <a:off x="6953375" y="1176665"/>
-              <a:ext cx="510132" cy="409184"/>
+              <a:off x="4075520" y="3682089"/>
+              <a:ext cx="4455826" cy="939478"/>
             </a:xfrm>
             <a:prstGeom prst="line">
+              <a:avLst/>
+            </a:prstGeom>
+            <a:ln w="28575" cap="rnd">
+              <a:solidFill>
+                <a:srgbClr val="00B050"/>
+              </a:solidFill>
+            </a:ln>
+          </p:spPr>
+          <p:style>
+            <a:lnRef idx="1">
+              <a:schemeClr val="accent1"/>
+            </a:lnRef>
+            <a:fillRef idx="0">
+              <a:schemeClr val="accent1"/>
+            </a:fillRef>
+            <a:effectRef idx="0">
+              <a:schemeClr val="accent1"/>
+            </a:effectRef>
+            <a:fontRef idx="minor">
+              <a:schemeClr val="tx1"/>
+            </a:fontRef>
+          </p:style>
+        </p:cxnSp>
+        <p:sp>
+          <p:nvSpPr>
+            <p:cNvPr id="170" name="Rectangle 169"/>
+            <p:cNvSpPr/>
+            <p:nvPr/>
+          </p:nvSpPr>
+          <p:spPr>
+            <a:xfrm>
+              <a:off x="6695791" y="2110680"/>
+              <a:ext cx="559261" cy="315819"/>
+            </a:xfrm>
+            <a:prstGeom prst="rect">
+              <a:avLst/>
+            </a:prstGeom>
+            <a:solidFill>
+              <a:srgbClr val="99CC00"/>
+            </a:solidFill>
+            <a:ln cap="rnd"/>
+          </p:spPr>
+          <p:style>
+            <a:lnRef idx="2">
+              <a:schemeClr val="accent1">
+                <a:shade val="50000"/>
+              </a:schemeClr>
+            </a:lnRef>
+            <a:fillRef idx="1">
+              <a:schemeClr val="accent1"/>
+            </a:fillRef>
+            <a:effectRef idx="0">
+              <a:schemeClr val="accent1"/>
+            </a:effectRef>
+            <a:fontRef idx="minor">
+              <a:schemeClr val="lt1"/>
+            </a:fontRef>
+          </p:style>
+          <p:txBody>
+            <a:bodyPr lIns="0" tIns="0" rIns="0" bIns="0" rtlCol="0" anchor="ctr"/>
+            <a:lstStyle/>
+            <a:p>
+              <a:pPr algn="ctr"/>
+              <a:r>
+                <a:rPr lang="en-US" sz="800" dirty="0"/>
+                <a:t>Aggregator TA</a:t>
+              </a:r>
+            </a:p>
+          </p:txBody>
+        </p:sp>
+        <p:cxnSp>
+          <p:nvCxnSpPr>
+            <p:cNvPr id="171" name="Straight Connector 170"/>
+            <p:cNvCxnSpPr>
+              <a:stCxn id="148" idx="1"/>
+              <a:endCxn id="170" idx="2"/>
+            </p:cNvCxnSpPr>
+            <p:nvPr/>
+          </p:nvCxnSpPr>
+          <p:spPr>
+            <a:xfrm flipH="1" flipV="1">
+              <a:off x="6975422" y="2426499"/>
+              <a:ext cx="1555924" cy="1255590"/>
+            </a:xfrm>
+            <a:prstGeom prst="line">
+              <a:avLst/>
+            </a:prstGeom>
+            <a:ln w="28575" cap="rnd">
+              <a:solidFill>
+                <a:srgbClr val="00B050"/>
+              </a:solidFill>
+            </a:ln>
+          </p:spPr>
+          <p:style>
+            <a:lnRef idx="1">
+              <a:schemeClr val="accent1"/>
+            </a:lnRef>
+            <a:fillRef idx="0">
+              <a:schemeClr val="accent1"/>
+            </a:fillRef>
+            <a:effectRef idx="0">
+              <a:schemeClr val="accent1"/>
+            </a:effectRef>
+            <a:fontRef idx="minor">
+              <a:schemeClr val="tx1"/>
+            </a:fontRef>
+          </p:style>
+        </p:cxnSp>
+        <p:grpSp>
+          <p:nvGrpSpPr>
+            <p:cNvPr id="5" name="Group 4"/>
+            <p:cNvGrpSpPr/>
+            <p:nvPr/>
+          </p:nvGrpSpPr>
+          <p:grpSpPr>
+            <a:xfrm>
+              <a:off x="7924898" y="2165225"/>
+              <a:ext cx="967610" cy="731157"/>
+              <a:chOff x="6620333" y="1048552"/>
+              <a:chExt cx="967610" cy="731157"/>
+            </a:xfrm>
+          </p:grpSpPr>
+          <p:cxnSp>
+            <p:nvCxnSpPr>
+              <p:cNvPr id="165" name="Straight Connector 164"/>
+              <p:cNvCxnSpPr/>
+              <p:nvPr/>
+            </p:nvCxnSpPr>
+            <p:spPr>
+              <a:xfrm flipH="1">
+                <a:off x="6620333" y="1048552"/>
+                <a:ext cx="662525" cy="234636"/>
+              </a:xfrm>
+              <a:prstGeom prst="line">
+                <a:avLst/>
+              </a:prstGeom>
+            </p:spPr>
+            <p:style>
+              <a:lnRef idx="1">
+                <a:schemeClr val="accent1"/>
+              </a:lnRef>
+              <a:fillRef idx="0">
+                <a:schemeClr val="accent1"/>
+              </a:fillRef>
+              <a:effectRef idx="0">
+                <a:schemeClr val="accent1"/>
+              </a:effectRef>
+              <a:fontRef idx="minor">
+                <a:schemeClr val="tx1"/>
+              </a:fontRef>
+            </p:style>
+          </p:cxnSp>
+          <p:cxnSp>
+            <p:nvCxnSpPr>
+              <p:cNvPr id="178" name="Straight Connector 177"/>
+              <p:cNvCxnSpPr/>
+              <p:nvPr/>
+            </p:nvCxnSpPr>
+            <p:spPr>
+              <a:xfrm flipH="1">
+                <a:off x="6854925" y="1123403"/>
+                <a:ext cx="504590" cy="319571"/>
+              </a:xfrm>
+              <a:prstGeom prst="line">
+                <a:avLst/>
+              </a:prstGeom>
+            </p:spPr>
+            <p:style>
+              <a:lnRef idx="1">
+                <a:schemeClr val="accent1"/>
+              </a:lnRef>
+              <a:fillRef idx="0">
+                <a:schemeClr val="accent1"/>
+              </a:fillRef>
+              <a:effectRef idx="0">
+                <a:schemeClr val="accent1"/>
+              </a:effectRef>
+              <a:fontRef idx="minor">
+                <a:schemeClr val="tx1"/>
+              </a:fontRef>
+            </p:style>
+          </p:cxnSp>
+          <p:cxnSp>
+            <p:nvCxnSpPr>
+              <p:cNvPr id="182" name="Straight Connector 181"/>
+              <p:cNvCxnSpPr/>
+              <p:nvPr/>
+            </p:nvCxnSpPr>
+            <p:spPr>
+              <a:xfrm flipH="1">
+                <a:off x="6953375" y="1176665"/>
+                <a:ext cx="510132" cy="409184"/>
+              </a:xfrm>
+              <a:prstGeom prst="line">
+                <a:avLst/>
+              </a:prstGeom>
+            </p:spPr>
+            <p:style>
+              <a:lnRef idx="1">
+                <a:schemeClr val="accent1"/>
+              </a:lnRef>
+              <a:fillRef idx="0">
+                <a:schemeClr val="accent1"/>
+              </a:fillRef>
+              <a:effectRef idx="0">
+                <a:schemeClr val="accent1"/>
+              </a:effectRef>
+              <a:fontRef idx="minor">
+                <a:schemeClr val="tx1"/>
+              </a:fontRef>
+            </p:style>
+          </p:cxnSp>
+          <p:cxnSp>
+            <p:nvCxnSpPr>
+              <p:cNvPr id="183" name="Straight Connector 182"/>
+              <p:cNvCxnSpPr/>
+              <p:nvPr/>
+            </p:nvCxnSpPr>
+            <p:spPr>
+              <a:xfrm flipH="1">
+                <a:off x="7129544" y="1229928"/>
+                <a:ext cx="458399" cy="549781"/>
+              </a:xfrm>
+              <a:prstGeom prst="line">
+                <a:avLst/>
+              </a:prstGeom>
+            </p:spPr>
+            <p:style>
+              <a:lnRef idx="1">
+                <a:schemeClr val="accent1"/>
+              </a:lnRef>
+              <a:fillRef idx="0">
+                <a:schemeClr val="accent1"/>
+              </a:fillRef>
+              <a:effectRef idx="0">
+                <a:schemeClr val="accent1"/>
+              </a:effectRef>
+              <a:fontRef idx="minor">
+                <a:schemeClr val="tx1"/>
+              </a:fontRef>
+            </p:style>
+          </p:cxnSp>
+        </p:grpSp>
+        <p:sp>
+          <p:nvSpPr>
+            <p:cNvPr id="3" name="TextBox 2"/>
+            <p:cNvSpPr txBox="1"/>
+            <p:nvPr/>
+          </p:nvSpPr>
+          <p:spPr>
+            <a:xfrm>
+              <a:off x="2585847" y="5255676"/>
+              <a:ext cx="1537985" cy="276999"/>
+            </a:xfrm>
+            <a:prstGeom prst="rect">
+              <a:avLst/>
+            </a:prstGeom>
+            <a:noFill/>
+          </p:spPr>
+          <p:txBody>
+            <a:bodyPr wrap="none" rtlCol="0">
+              <a:spAutoFit/>
+            </a:bodyPr>
+            <a:lstStyle/>
+            <a:p>
+              <a:r>
+                <a:rPr lang="en-US" sz="1200" dirty="0" err="1"/>
+                <a:t>Transactive</a:t>
+              </a:r>
+              <a:r>
+                <a:rPr lang="en-US" sz="1200" dirty="0"/>
+                <a:t> Appliance</a:t>
+              </a:r>
+            </a:p>
+          </p:txBody>
+        </p:sp>
+        <p:sp>
+          <p:nvSpPr>
+            <p:cNvPr id="78" name="TextBox 77"/>
+            <p:cNvSpPr txBox="1"/>
+            <p:nvPr/>
+          </p:nvSpPr>
+          <p:spPr>
+            <a:xfrm>
+              <a:off x="4816447" y="4720690"/>
+              <a:ext cx="2703753" cy="276999"/>
+            </a:xfrm>
+            <a:prstGeom prst="rect">
+              <a:avLst/>
+            </a:prstGeom>
+            <a:noFill/>
+          </p:spPr>
+          <p:txBody>
+            <a:bodyPr wrap="none" rtlCol="0">
+              <a:spAutoFit/>
+            </a:bodyPr>
+            <a:lstStyle/>
+            <a:p>
+              <a:r>
+                <a:rPr lang="en-US" sz="1200" dirty="0"/>
+                <a:t>Building/Home with Automation System</a:t>
+              </a:r>
+            </a:p>
+          </p:txBody>
+        </p:sp>
+        <p:sp>
+          <p:nvSpPr>
+            <p:cNvPr id="79" name="TextBox 78"/>
+            <p:cNvSpPr txBox="1"/>
+            <p:nvPr/>
+          </p:nvSpPr>
+          <p:spPr>
+            <a:xfrm>
+              <a:off x="5931950" y="1449459"/>
+              <a:ext cx="2138406" cy="276999"/>
+            </a:xfrm>
+            <a:prstGeom prst="rect">
+              <a:avLst/>
+            </a:prstGeom>
+            <a:noFill/>
+          </p:spPr>
+          <p:txBody>
+            <a:bodyPr wrap="none" rtlCol="0">
+              <a:spAutoFit/>
+            </a:bodyPr>
+            <a:lstStyle/>
+            <a:p>
+              <a:r>
+                <a:rPr lang="en-US" sz="1200" dirty="0" err="1"/>
+                <a:t>Transactive</a:t>
+              </a:r>
+              <a:r>
+                <a:rPr lang="en-US" sz="1200" dirty="0"/>
+                <a:t> Broker - Aggregator</a:t>
+              </a:r>
+            </a:p>
+          </p:txBody>
+        </p:sp>
+        <p:sp>
+          <p:nvSpPr>
+            <p:cNvPr id="80" name="TextBox 79"/>
+            <p:cNvSpPr txBox="1"/>
+            <p:nvPr/>
+          </p:nvSpPr>
+          <p:spPr>
+            <a:xfrm>
+              <a:off x="3459543" y="1223050"/>
+              <a:ext cx="2004075" cy="276999"/>
+            </a:xfrm>
+            <a:prstGeom prst="rect">
+              <a:avLst/>
+            </a:prstGeom>
+            <a:noFill/>
+          </p:spPr>
+          <p:txBody>
+            <a:bodyPr wrap="none" rtlCol="0">
+              <a:spAutoFit/>
+            </a:bodyPr>
+            <a:lstStyle/>
+            <a:p>
+              <a:r>
+                <a:rPr lang="en-US" sz="1200" dirty="0"/>
+                <a:t>Distribution System Operator</a:t>
+              </a:r>
+            </a:p>
+          </p:txBody>
+        </p:sp>
+        <p:sp>
+          <p:nvSpPr>
+            <p:cNvPr id="81" name="TextBox 80"/>
+            <p:cNvSpPr txBox="1"/>
+            <p:nvPr/>
+          </p:nvSpPr>
+          <p:spPr>
+            <a:xfrm>
+              <a:off x="8275125" y="4350537"/>
+              <a:ext cx="1071704" cy="276999"/>
+            </a:xfrm>
+            <a:prstGeom prst="rect">
+              <a:avLst/>
+            </a:prstGeom>
+            <a:noFill/>
+          </p:spPr>
+          <p:txBody>
+            <a:bodyPr wrap="none" rtlCol="0">
+              <a:spAutoFit/>
+            </a:bodyPr>
+            <a:lstStyle/>
+            <a:p>
+              <a:r>
+                <a:rPr lang="en-US" sz="1200" dirty="0"/>
+                <a:t>Market Maker</a:t>
+              </a:r>
+            </a:p>
+          </p:txBody>
+        </p:sp>
+        <p:sp>
+          <p:nvSpPr>
+            <p:cNvPr id="88" name="Rectangle 87"/>
+            <p:cNvSpPr/>
+            <p:nvPr/>
+          </p:nvSpPr>
+          <p:spPr>
+            <a:xfrm>
+              <a:off x="4129955" y="2049490"/>
+              <a:ext cx="559261" cy="315819"/>
+            </a:xfrm>
+            <a:prstGeom prst="rect">
+              <a:avLst/>
+            </a:prstGeom>
+            <a:solidFill>
+              <a:srgbClr val="FFC000"/>
+            </a:solidFill>
+            <a:ln cap="rnd"/>
+          </p:spPr>
+          <p:style>
+            <a:lnRef idx="2">
+              <a:schemeClr val="accent1">
+                <a:shade val="50000"/>
+              </a:schemeClr>
+            </a:lnRef>
+            <a:fillRef idx="1">
+              <a:schemeClr val="accent1"/>
+            </a:fillRef>
+            <a:effectRef idx="0">
+              <a:schemeClr val="accent1"/>
+            </a:effectRef>
+            <a:fontRef idx="minor">
+              <a:schemeClr val="lt1"/>
+            </a:fontRef>
+          </p:style>
+          <p:txBody>
+            <a:bodyPr lIns="0" tIns="0" rIns="0" bIns="0" rtlCol="0" anchor="ctr"/>
+            <a:lstStyle/>
+            <a:p>
+              <a:pPr algn="ctr"/>
+              <a:r>
+                <a:rPr lang="en-US" sz="800" dirty="0"/>
+                <a:t>Grid Controller</a:t>
+              </a:r>
+            </a:p>
+          </p:txBody>
+        </p:sp>
+        <p:sp>
+          <p:nvSpPr>
+            <p:cNvPr id="7" name="Left Brace 6"/>
+            <p:cNvSpPr/>
+            <p:nvPr/>
+          </p:nvSpPr>
+          <p:spPr>
+            <a:xfrm rot="16200000">
+              <a:off x="5716039" y="2703783"/>
+              <a:ext cx="441807" cy="3458670"/>
+            </a:xfrm>
+            <a:prstGeom prst="leftBrace">
               <a:avLst/>
             </a:prstGeom>
           </p:spPr>
@@ -6386,19 +5521,27 @@
               <a:schemeClr val="tx1"/>
             </a:fontRef>
           </p:style>
-        </p:cxnSp>
-        <p:cxnSp>
-          <p:nvCxnSpPr>
-            <p:cNvPr id="183" name="Straight Connector 182"/>
-            <p:cNvCxnSpPr/>
+          <p:txBody>
+            <a:bodyPr rtlCol="0" anchor="ctr"/>
+            <a:lstStyle/>
+            <a:p>
+              <a:pPr algn="ctr"/>
+              <a:endParaRPr lang="en-US"/>
+            </a:p>
+          </p:txBody>
+        </p:sp>
+        <p:sp>
+          <p:nvSpPr>
+            <p:cNvPr id="114" name="Left Brace 113"/>
+            <p:cNvSpPr/>
             <p:nvPr/>
-          </p:nvCxnSpPr>
+          </p:nvSpPr>
           <p:spPr>
-            <a:xfrm flipH="1">
-              <a:off x="7129544" y="1229928"/>
-              <a:ext cx="458399" cy="549781"/>
+            <a:xfrm rot="16200000">
+              <a:off x="3172512" y="4170803"/>
+              <a:ext cx="441807" cy="1774166"/>
             </a:xfrm>
-            <a:prstGeom prst="line">
+            <a:prstGeom prst="leftBrace">
               <a:avLst/>
             </a:prstGeom>
           </p:spPr>
@@ -6416,494 +5559,1076 @@
               <a:schemeClr val="tx1"/>
             </a:fontRef>
           </p:style>
+          <p:txBody>
+            <a:bodyPr rtlCol="0" anchor="ctr"/>
+            <a:lstStyle/>
+            <a:p>
+              <a:pPr algn="ctr"/>
+              <a:endParaRPr lang="en-US"/>
+            </a:p>
+          </p:txBody>
+        </p:sp>
+        <p:sp>
+          <p:nvSpPr>
+            <p:cNvPr id="117" name="Left Brace 116"/>
+            <p:cNvSpPr/>
+            <p:nvPr/>
+          </p:nvSpPr>
+          <p:spPr>
+            <a:xfrm>
+              <a:off x="1547208" y="2432902"/>
+              <a:ext cx="441807" cy="2352977"/>
+            </a:xfrm>
+            <a:prstGeom prst="leftBrace">
+              <a:avLst/>
+            </a:prstGeom>
+          </p:spPr>
+          <p:style>
+            <a:lnRef idx="1">
+              <a:schemeClr val="accent1"/>
+            </a:lnRef>
+            <a:fillRef idx="0">
+              <a:schemeClr val="accent1"/>
+            </a:fillRef>
+            <a:effectRef idx="0">
+              <a:schemeClr val="accent1"/>
+            </a:effectRef>
+            <a:fontRef idx="minor">
+              <a:schemeClr val="tx1"/>
+            </a:fontRef>
+          </p:style>
+          <p:txBody>
+            <a:bodyPr rtlCol="0" anchor="ctr"/>
+            <a:lstStyle/>
+            <a:p>
+              <a:pPr algn="ctr"/>
+              <a:endParaRPr lang="en-US"/>
+            </a:p>
+          </p:txBody>
+        </p:sp>
+        <p:sp>
+          <p:nvSpPr>
+            <p:cNvPr id="118" name="TextBox 117"/>
+            <p:cNvSpPr txBox="1"/>
+            <p:nvPr/>
+          </p:nvSpPr>
+          <p:spPr>
+            <a:xfrm>
+              <a:off x="1031857" y="3458342"/>
+              <a:ext cx="450764" cy="276999"/>
+            </a:xfrm>
+            <a:prstGeom prst="rect">
+              <a:avLst/>
+            </a:prstGeom>
+            <a:noFill/>
+          </p:spPr>
+          <p:txBody>
+            <a:bodyPr wrap="none" rtlCol="0">
+              <a:spAutoFit/>
+            </a:bodyPr>
+            <a:lstStyle/>
+            <a:p>
+              <a:r>
+                <a:rPr lang="en-US" sz="1200" dirty="0"/>
+                <a:t>Grid</a:t>
+              </a:r>
+            </a:p>
+          </p:txBody>
+        </p:sp>
+        <p:sp>
+          <p:nvSpPr>
+            <p:cNvPr id="129" name="Left Brace 128"/>
+            <p:cNvSpPr/>
+            <p:nvPr/>
+          </p:nvSpPr>
+          <p:spPr>
+            <a:xfrm rot="5400000">
+              <a:off x="6793470" y="1416105"/>
+              <a:ext cx="441807" cy="1123814"/>
+            </a:xfrm>
+            <a:prstGeom prst="leftBrace">
+              <a:avLst/>
+            </a:prstGeom>
+          </p:spPr>
+          <p:style>
+            <a:lnRef idx="1">
+              <a:schemeClr val="accent1"/>
+            </a:lnRef>
+            <a:fillRef idx="0">
+              <a:schemeClr val="accent1"/>
+            </a:fillRef>
+            <a:effectRef idx="0">
+              <a:schemeClr val="accent1"/>
+            </a:effectRef>
+            <a:fontRef idx="minor">
+              <a:schemeClr val="tx1"/>
+            </a:fontRef>
+          </p:style>
+          <p:txBody>
+            <a:bodyPr rtlCol="0" anchor="ctr"/>
+            <a:lstStyle/>
+            <a:p>
+              <a:pPr algn="ctr"/>
+              <a:endParaRPr lang="en-US"/>
+            </a:p>
+          </p:txBody>
+        </p:sp>
+        <p:sp>
+          <p:nvSpPr>
+            <p:cNvPr id="130" name="Left Brace 129"/>
+            <p:cNvSpPr/>
+            <p:nvPr/>
+          </p:nvSpPr>
+          <p:spPr>
+            <a:xfrm rot="16200000">
+              <a:off x="8590074" y="3618151"/>
+              <a:ext cx="441807" cy="987150"/>
+            </a:xfrm>
+            <a:prstGeom prst="leftBrace">
+              <a:avLst/>
+            </a:prstGeom>
+          </p:spPr>
+          <p:style>
+            <a:lnRef idx="1">
+              <a:schemeClr val="accent1"/>
+            </a:lnRef>
+            <a:fillRef idx="0">
+              <a:schemeClr val="accent1"/>
+            </a:fillRef>
+            <a:effectRef idx="0">
+              <a:schemeClr val="accent1"/>
+            </a:effectRef>
+            <a:fontRef idx="minor">
+              <a:schemeClr val="tx1"/>
+            </a:fontRef>
+          </p:style>
+          <p:txBody>
+            <a:bodyPr rtlCol="0" anchor="ctr"/>
+            <a:lstStyle/>
+            <a:p>
+              <a:pPr algn="ctr"/>
+              <a:endParaRPr lang="en-US"/>
+            </a:p>
+          </p:txBody>
+        </p:sp>
+        <p:sp>
+          <p:nvSpPr>
+            <p:cNvPr id="131" name="Left Brace 130"/>
+            <p:cNvSpPr/>
+            <p:nvPr/>
+          </p:nvSpPr>
+          <p:spPr>
+            <a:xfrm rot="5400000">
+              <a:off x="4212476" y="1197079"/>
+              <a:ext cx="441807" cy="1123814"/>
+            </a:xfrm>
+            <a:prstGeom prst="leftBrace">
+              <a:avLst/>
+            </a:prstGeom>
+          </p:spPr>
+          <p:style>
+            <a:lnRef idx="1">
+              <a:schemeClr val="accent1"/>
+            </a:lnRef>
+            <a:fillRef idx="0">
+              <a:schemeClr val="accent1"/>
+            </a:fillRef>
+            <a:effectRef idx="0">
+              <a:schemeClr val="accent1"/>
+            </a:effectRef>
+            <a:fontRef idx="minor">
+              <a:schemeClr val="tx1"/>
+            </a:fontRef>
+          </p:style>
+          <p:txBody>
+            <a:bodyPr rtlCol="0" anchor="ctr"/>
+            <a:lstStyle/>
+            <a:p>
+              <a:pPr algn="ctr"/>
+              <a:endParaRPr lang="en-US"/>
+            </a:p>
+          </p:txBody>
+        </p:sp>
+        <p:cxnSp>
+          <p:nvCxnSpPr>
+            <p:cNvPr id="97" name="Straight Connector 96"/>
+            <p:cNvCxnSpPr>
+              <a:stCxn id="85" idx="0"/>
+              <a:endCxn id="106" idx="4"/>
+            </p:cNvCxnSpPr>
+            <p:nvPr/>
+          </p:nvCxnSpPr>
+          <p:spPr>
+            <a:xfrm flipH="1" flipV="1">
+              <a:off x="2254927" y="2752127"/>
+              <a:ext cx="4327" cy="403764"/>
+            </a:xfrm>
+            <a:prstGeom prst="line">
+              <a:avLst/>
+            </a:prstGeom>
+            <a:ln w="28575" cap="rnd"/>
+          </p:spPr>
+          <p:style>
+            <a:lnRef idx="1">
+              <a:schemeClr val="accent1"/>
+            </a:lnRef>
+            <a:fillRef idx="0">
+              <a:schemeClr val="accent1"/>
+            </a:fillRef>
+            <a:effectRef idx="0">
+              <a:schemeClr val="accent1"/>
+            </a:effectRef>
+            <a:fontRef idx="minor">
+              <a:schemeClr val="tx1"/>
+            </a:fontRef>
+          </p:style>
         </p:cxnSp>
+        <p:pic>
+          <p:nvPicPr>
+            <p:cNvPr id="115" name="Picture 114"/>
+            <p:cNvPicPr>
+              <a:picLocks noChangeAspect="1"/>
+            </p:cNvPicPr>
+            <p:nvPr/>
+          </p:nvPicPr>
+          <p:blipFill>
+            <a:blip r:embed="rId2"/>
+            <a:stretch>
+              <a:fillRect/>
+            </a:stretch>
+          </p:blipFill>
+          <p:spPr>
+            <a:xfrm>
+              <a:off x="8706338" y="1744774"/>
+              <a:ext cx="597166" cy="650444"/>
+            </a:xfrm>
+            <a:prstGeom prst="rect">
+              <a:avLst/>
+            </a:prstGeom>
+          </p:spPr>
+        </p:pic>
+        <p:grpSp>
+          <p:nvGrpSpPr>
+            <p:cNvPr id="38" name="Group 37"/>
+            <p:cNvGrpSpPr/>
+            <p:nvPr/>
+          </p:nvGrpSpPr>
+          <p:grpSpPr>
+            <a:xfrm>
+              <a:off x="6942718" y="5029593"/>
+              <a:ext cx="4723910" cy="1471867"/>
+              <a:chOff x="6942718" y="5029593"/>
+              <a:chExt cx="4723910" cy="1471867"/>
+            </a:xfrm>
+          </p:grpSpPr>
+          <p:sp>
+            <p:nvSpPr>
+              <p:cNvPr id="89" name="Rectangle 88"/>
+              <p:cNvSpPr/>
+              <p:nvPr/>
+            </p:nvSpPr>
+            <p:spPr>
+              <a:xfrm>
+                <a:off x="9587492" y="5335991"/>
+                <a:ext cx="559261" cy="315819"/>
+              </a:xfrm>
+              <a:prstGeom prst="rect">
+                <a:avLst/>
+              </a:prstGeom>
+              <a:solidFill>
+                <a:srgbClr val="7030A0"/>
+              </a:solidFill>
+            </p:spPr>
+            <p:style>
+              <a:lnRef idx="2">
+                <a:schemeClr val="accent1">
+                  <a:shade val="50000"/>
+                </a:schemeClr>
+              </a:lnRef>
+              <a:fillRef idx="1">
+                <a:schemeClr val="accent1"/>
+              </a:fillRef>
+              <a:effectRef idx="0">
+                <a:schemeClr val="accent1"/>
+              </a:effectRef>
+              <a:fontRef idx="minor">
+                <a:schemeClr val="lt1"/>
+              </a:fontRef>
+            </p:style>
+            <p:txBody>
+              <a:bodyPr lIns="0" tIns="0" rIns="0" bIns="0" rtlCol="0" anchor="ctr"/>
+              <a:lstStyle/>
+              <a:p>
+                <a:pPr algn="ctr"/>
+                <a:r>
+                  <a:rPr lang="en-US" sz="800" dirty="0"/>
+                  <a:t>Resource: Load</a:t>
+                </a:r>
+              </a:p>
+            </p:txBody>
+          </p:sp>
+          <p:sp>
+            <p:nvSpPr>
+              <p:cNvPr id="90" name="Rectangle 89"/>
+              <p:cNvSpPr/>
+              <p:nvPr/>
+            </p:nvSpPr>
+            <p:spPr>
+              <a:xfrm>
+                <a:off x="10227098" y="5335991"/>
+                <a:ext cx="559261" cy="315819"/>
+              </a:xfrm>
+              <a:prstGeom prst="rect">
+                <a:avLst/>
+              </a:prstGeom>
+              <a:solidFill>
+                <a:srgbClr val="CC66FF"/>
+              </a:solidFill>
+            </p:spPr>
+            <p:style>
+              <a:lnRef idx="2">
+                <a:schemeClr val="accent1">
+                  <a:shade val="50000"/>
+                </a:schemeClr>
+              </a:lnRef>
+              <a:fillRef idx="1">
+                <a:schemeClr val="accent1"/>
+              </a:fillRef>
+              <a:effectRef idx="0">
+                <a:schemeClr val="accent1"/>
+              </a:effectRef>
+              <a:fontRef idx="minor">
+                <a:schemeClr val="lt1"/>
+              </a:fontRef>
+            </p:style>
+            <p:txBody>
+              <a:bodyPr lIns="0" tIns="0" rIns="0" bIns="0" rtlCol="0" anchor="ctr"/>
+              <a:lstStyle/>
+              <a:p>
+                <a:pPr algn="ctr"/>
+                <a:r>
+                  <a:rPr lang="en-US" sz="800" dirty="0"/>
+                  <a:t>Resource: DER</a:t>
+                </a:r>
+              </a:p>
+            </p:txBody>
+          </p:sp>
+          <p:sp>
+            <p:nvSpPr>
+              <p:cNvPr id="91" name="Rectangle 90"/>
+              <p:cNvSpPr/>
+              <p:nvPr/>
+            </p:nvSpPr>
+            <p:spPr>
+              <a:xfrm>
+                <a:off x="8442546" y="5430597"/>
+                <a:ext cx="153538" cy="141364"/>
+              </a:xfrm>
+              <a:prstGeom prst="rect">
+                <a:avLst/>
+              </a:prstGeom>
+              <a:solidFill>
+                <a:schemeClr val="accent2"/>
+              </a:solidFill>
+            </p:spPr>
+            <p:style>
+              <a:lnRef idx="2">
+                <a:schemeClr val="accent1">
+                  <a:shade val="50000"/>
+                </a:schemeClr>
+              </a:lnRef>
+              <a:fillRef idx="1">
+                <a:schemeClr val="accent1"/>
+              </a:fillRef>
+              <a:effectRef idx="0">
+                <a:schemeClr val="accent1"/>
+              </a:effectRef>
+              <a:fontRef idx="minor">
+                <a:schemeClr val="lt1"/>
+              </a:fontRef>
+            </p:style>
+            <p:txBody>
+              <a:bodyPr rtlCol="0" anchor="ctr"/>
+              <a:lstStyle/>
+              <a:p>
+                <a:pPr algn="ctr"/>
+                <a:endParaRPr lang="en-US"/>
+              </a:p>
+            </p:txBody>
+          </p:sp>
+          <p:sp>
+            <p:nvSpPr>
+              <p:cNvPr id="92" name="TextBox 91"/>
+              <p:cNvSpPr txBox="1"/>
+              <p:nvPr/>
+            </p:nvSpPr>
+            <p:spPr>
+              <a:xfrm>
+                <a:off x="8060191" y="5029593"/>
+                <a:ext cx="918247" cy="415498"/>
+              </a:xfrm>
+              <a:prstGeom prst="rect">
+                <a:avLst/>
+              </a:prstGeom>
+              <a:noFill/>
+            </p:spPr>
+            <p:txBody>
+              <a:bodyPr wrap="square" rtlCol="0">
+                <a:spAutoFit/>
+              </a:bodyPr>
+              <a:lstStyle/>
+              <a:p>
+                <a:pPr algn="ctr"/>
+                <a:r>
+                  <a:rPr lang="en-US" sz="1050" dirty="0"/>
+                  <a:t>Microgrid PCC</a:t>
+                </a:r>
+              </a:p>
+            </p:txBody>
+          </p:sp>
+          <p:sp>
+            <p:nvSpPr>
+              <p:cNvPr id="93" name="Oval 92"/>
+              <p:cNvSpPr/>
+              <p:nvPr/>
+            </p:nvSpPr>
+            <p:spPr>
+              <a:xfrm>
+                <a:off x="8889902" y="5433376"/>
+                <a:ext cx="195241" cy="195241"/>
+              </a:xfrm>
+              <a:prstGeom prst="ellipse">
+                <a:avLst/>
+              </a:prstGeom>
+              <a:ln w="28575"/>
+            </p:spPr>
+            <p:style>
+              <a:lnRef idx="2">
+                <a:schemeClr val="accent1">
+                  <a:shade val="50000"/>
+                </a:schemeClr>
+              </a:lnRef>
+              <a:fillRef idx="1">
+                <a:schemeClr val="accent1"/>
+              </a:fillRef>
+              <a:effectRef idx="0">
+                <a:schemeClr val="accent1"/>
+              </a:effectRef>
+              <a:fontRef idx="minor">
+                <a:schemeClr val="lt1"/>
+              </a:fontRef>
+            </p:style>
+            <p:txBody>
+              <a:bodyPr rtlCol="0" anchor="ctr"/>
+              <a:lstStyle/>
+              <a:p>
+                <a:pPr algn="ctr"/>
+                <a:endParaRPr lang="en-US" dirty="0"/>
+              </a:p>
+            </p:txBody>
+          </p:sp>
+          <p:sp>
+            <p:nvSpPr>
+              <p:cNvPr id="94" name="TextBox 93"/>
+              <p:cNvSpPr txBox="1"/>
+              <p:nvPr/>
+            </p:nvSpPr>
+            <p:spPr>
+              <a:xfrm>
+                <a:off x="8692688" y="5034401"/>
+                <a:ext cx="613530" cy="415498"/>
+              </a:xfrm>
+              <a:prstGeom prst="rect">
+                <a:avLst/>
+              </a:prstGeom>
+              <a:noFill/>
+            </p:spPr>
+            <p:txBody>
+              <a:bodyPr wrap="square" rtlCol="0">
+                <a:spAutoFit/>
+              </a:bodyPr>
+              <a:lstStyle/>
+              <a:p>
+                <a:pPr algn="ctr"/>
+                <a:r>
+                  <a:rPr lang="en-US" sz="1050" dirty="0"/>
+                  <a:t>Grid Link</a:t>
+                </a:r>
+              </a:p>
+            </p:txBody>
+          </p:sp>
+          <p:sp>
+            <p:nvSpPr>
+              <p:cNvPr id="141" name="Rectangle 140"/>
+              <p:cNvSpPr/>
+              <p:nvPr/>
+            </p:nvSpPr>
+            <p:spPr>
+              <a:xfrm>
+                <a:off x="6942889" y="5047763"/>
+                <a:ext cx="4723739" cy="1453697"/>
+              </a:xfrm>
+              <a:prstGeom prst="rect">
+                <a:avLst/>
+              </a:prstGeom>
+              <a:noFill/>
+            </p:spPr>
+            <p:style>
+              <a:lnRef idx="2">
+                <a:schemeClr val="accent1"/>
+              </a:lnRef>
+              <a:fillRef idx="1">
+                <a:schemeClr val="lt1"/>
+              </a:fillRef>
+              <a:effectRef idx="0">
+                <a:schemeClr val="accent1"/>
+              </a:effectRef>
+              <a:fontRef idx="minor">
+                <a:schemeClr val="dk1"/>
+              </a:fontRef>
+            </p:style>
+            <p:txBody>
+              <a:bodyPr rtlCol="0" anchor="t"/>
+              <a:lstStyle/>
+              <a:p>
+                <a:r>
+                  <a:rPr lang="en-US" dirty="0"/>
+                  <a:t>Key</a:t>
+                </a:r>
+              </a:p>
+            </p:txBody>
+          </p:sp>
+          <p:sp>
+            <p:nvSpPr>
+              <p:cNvPr id="61" name="Rectangle 60"/>
+              <p:cNvSpPr/>
+              <p:nvPr/>
+            </p:nvSpPr>
+            <p:spPr>
+              <a:xfrm>
+                <a:off x="10112622" y="6014937"/>
+                <a:ext cx="603656" cy="315819"/>
+              </a:xfrm>
+              <a:prstGeom prst="rect">
+                <a:avLst/>
+              </a:prstGeom>
+              <a:solidFill>
+                <a:srgbClr val="FFC000"/>
+              </a:solidFill>
+              <a:ln cap="rnd"/>
+            </p:spPr>
+            <p:style>
+              <a:lnRef idx="2">
+                <a:schemeClr val="accent1">
+                  <a:shade val="50000"/>
+                </a:schemeClr>
+              </a:lnRef>
+              <a:fillRef idx="1">
+                <a:schemeClr val="accent1"/>
+              </a:fillRef>
+              <a:effectRef idx="0">
+                <a:schemeClr val="accent1"/>
+              </a:effectRef>
+              <a:fontRef idx="minor">
+                <a:schemeClr val="lt1"/>
+              </a:fontRef>
+            </p:style>
+            <p:txBody>
+              <a:bodyPr lIns="0" tIns="0" rIns="0" bIns="0" rtlCol="0" anchor="ctr"/>
+              <a:lstStyle/>
+              <a:p>
+                <a:pPr algn="ctr"/>
+                <a:r>
+                  <a:rPr lang="en-US" sz="800" dirty="0"/>
+                  <a:t>Supervisory Controller</a:t>
+                </a:r>
+              </a:p>
+            </p:txBody>
+          </p:sp>
+          <p:cxnSp>
+            <p:nvCxnSpPr>
+              <p:cNvPr id="145" name="Straight Connector 144"/>
+              <p:cNvCxnSpPr/>
+              <p:nvPr/>
+            </p:nvCxnSpPr>
+            <p:spPr>
+              <a:xfrm flipH="1">
+                <a:off x="7115737" y="5575258"/>
+                <a:ext cx="841702" cy="0"/>
+              </a:xfrm>
+              <a:prstGeom prst="line">
+                <a:avLst/>
+              </a:prstGeom>
+              <a:ln w="28575" cap="rnd"/>
+            </p:spPr>
+            <p:style>
+              <a:lnRef idx="1">
+                <a:schemeClr val="accent1"/>
+              </a:lnRef>
+              <a:fillRef idx="0">
+                <a:schemeClr val="accent1"/>
+              </a:fillRef>
+              <a:effectRef idx="0">
+                <a:schemeClr val="accent1"/>
+              </a:effectRef>
+              <a:fontRef idx="minor">
+                <a:schemeClr val="tx1"/>
+              </a:fontRef>
+            </p:style>
+          </p:cxnSp>
+          <p:sp>
+            <p:nvSpPr>
+              <p:cNvPr id="146" name="TextBox 145"/>
+              <p:cNvSpPr txBox="1"/>
+              <p:nvPr/>
+            </p:nvSpPr>
+            <p:spPr>
+              <a:xfrm>
+                <a:off x="7017076" y="5535790"/>
+                <a:ext cx="1060631" cy="253916"/>
+              </a:xfrm>
+              <a:prstGeom prst="rect">
+                <a:avLst/>
+              </a:prstGeom>
+              <a:noFill/>
+            </p:spPr>
+            <p:txBody>
+              <a:bodyPr wrap="square" rtlCol="0">
+                <a:spAutoFit/>
+              </a:bodyPr>
+              <a:lstStyle/>
+              <a:p>
+                <a:pPr algn="ctr"/>
+                <a:r>
+                  <a:rPr lang="en-US" sz="1050" dirty="0"/>
+                  <a:t>Grid + Controls</a:t>
+                </a:r>
+              </a:p>
+            </p:txBody>
+          </p:sp>
+          <p:cxnSp>
+            <p:nvCxnSpPr>
+              <p:cNvPr id="153" name="Straight Connector 152"/>
+              <p:cNvCxnSpPr/>
+              <p:nvPr/>
+            </p:nvCxnSpPr>
+            <p:spPr>
+              <a:xfrm>
+                <a:off x="7115737" y="5946014"/>
+                <a:ext cx="848508" cy="0"/>
+              </a:xfrm>
+              <a:prstGeom prst="line">
+                <a:avLst/>
+              </a:prstGeom>
+              <a:ln w="28575"/>
+            </p:spPr>
+            <p:style>
+              <a:lnRef idx="3">
+                <a:schemeClr val="accent2"/>
+              </a:lnRef>
+              <a:fillRef idx="0">
+                <a:schemeClr val="accent2"/>
+              </a:fillRef>
+              <a:effectRef idx="2">
+                <a:schemeClr val="accent2"/>
+              </a:effectRef>
+              <a:fontRef idx="minor">
+                <a:schemeClr val="tx1"/>
+              </a:fontRef>
+            </p:style>
+          </p:cxnSp>
+          <p:sp>
+            <p:nvSpPr>
+              <p:cNvPr id="154" name="TextBox 153"/>
+              <p:cNvSpPr txBox="1"/>
+              <p:nvPr/>
+            </p:nvSpPr>
+            <p:spPr>
+              <a:xfrm>
+                <a:off x="7010032" y="5916691"/>
+                <a:ext cx="1060631" cy="253916"/>
+              </a:xfrm>
+              <a:prstGeom prst="rect">
+                <a:avLst/>
+              </a:prstGeom>
+              <a:noFill/>
+            </p:spPr>
+            <p:txBody>
+              <a:bodyPr wrap="square" rtlCol="0">
+                <a:spAutoFit/>
+              </a:bodyPr>
+              <a:lstStyle/>
+              <a:p>
+                <a:pPr algn="ctr"/>
+                <a:r>
+                  <a:rPr lang="en-US" sz="1050" dirty="0"/>
+                  <a:t>Manages</a:t>
+                </a:r>
+              </a:p>
+            </p:txBody>
+          </p:sp>
+          <p:sp>
+            <p:nvSpPr>
+              <p:cNvPr id="105" name="Rectangle 104"/>
+              <p:cNvSpPr/>
+              <p:nvPr/>
+            </p:nvSpPr>
+            <p:spPr>
+              <a:xfrm>
+                <a:off x="9383877" y="6012697"/>
+                <a:ext cx="559261" cy="315819"/>
+              </a:xfrm>
+              <a:prstGeom prst="rect">
+                <a:avLst/>
+              </a:prstGeom>
+              <a:solidFill>
+                <a:schemeClr val="accent2">
+                  <a:lumMod val="75000"/>
+                </a:schemeClr>
+              </a:solidFill>
+              <a:ln cap="rnd"/>
+            </p:spPr>
+            <p:style>
+              <a:lnRef idx="2">
+                <a:schemeClr val="accent1">
+                  <a:shade val="50000"/>
+                </a:schemeClr>
+              </a:lnRef>
+              <a:fillRef idx="1">
+                <a:schemeClr val="accent1"/>
+              </a:fillRef>
+              <a:effectRef idx="0">
+                <a:schemeClr val="accent1"/>
+              </a:effectRef>
+              <a:fontRef idx="minor">
+                <a:schemeClr val="lt1"/>
+              </a:fontRef>
+            </p:style>
+            <p:txBody>
+              <a:bodyPr lIns="0" tIns="0" rIns="0" bIns="0" rtlCol="0" anchor="ctr"/>
+              <a:lstStyle/>
+              <a:p>
+                <a:pPr algn="ctr"/>
+                <a:r>
+                  <a:rPr lang="en-US" sz="800" dirty="0"/>
+                  <a:t>Local Controller</a:t>
+                </a:r>
+              </a:p>
+            </p:txBody>
+          </p:sp>
+          <p:sp>
+            <p:nvSpPr>
+              <p:cNvPr id="139" name="Rectangle 138"/>
+              <p:cNvSpPr/>
+              <p:nvPr/>
+            </p:nvSpPr>
+            <p:spPr>
+              <a:xfrm>
+                <a:off x="10937883" y="5999950"/>
+                <a:ext cx="559261" cy="315819"/>
+              </a:xfrm>
+              <a:prstGeom prst="rect">
+                <a:avLst/>
+              </a:prstGeom>
+              <a:solidFill>
+                <a:srgbClr val="99CC00"/>
+              </a:solidFill>
+              <a:ln cap="rnd"/>
+            </p:spPr>
+            <p:style>
+              <a:lnRef idx="2">
+                <a:schemeClr val="accent1">
+                  <a:shade val="50000"/>
+                </a:schemeClr>
+              </a:lnRef>
+              <a:fillRef idx="1">
+                <a:schemeClr val="accent1"/>
+              </a:fillRef>
+              <a:effectRef idx="0">
+                <a:schemeClr val="accent1"/>
+              </a:effectRef>
+              <a:fontRef idx="minor">
+                <a:schemeClr val="lt1"/>
+              </a:fontRef>
+            </p:style>
+            <p:txBody>
+              <a:bodyPr lIns="0" tIns="0" rIns="0" bIns="0" rtlCol="0" anchor="ctr"/>
+              <a:lstStyle/>
+              <a:p>
+                <a:pPr algn="ctr"/>
+                <a:r>
+                  <a:rPr lang="en-US" sz="800" dirty="0"/>
+                  <a:t>Transactive Agent</a:t>
+                </a:r>
+              </a:p>
+            </p:txBody>
+          </p:sp>
+          <p:cxnSp>
+            <p:nvCxnSpPr>
+              <p:cNvPr id="149" name="Straight Connector 148"/>
+              <p:cNvCxnSpPr/>
+              <p:nvPr/>
+            </p:nvCxnSpPr>
+            <p:spPr>
+              <a:xfrm flipH="1" flipV="1">
+                <a:off x="7151449" y="6238530"/>
+                <a:ext cx="690059" cy="1"/>
+              </a:xfrm>
+              <a:prstGeom prst="line">
+                <a:avLst/>
+              </a:prstGeom>
+              <a:ln w="28575" cap="rnd">
+                <a:solidFill>
+                  <a:srgbClr val="00B050"/>
+                </a:solidFill>
+              </a:ln>
+            </p:spPr>
+            <p:style>
+              <a:lnRef idx="1">
+                <a:schemeClr val="accent1"/>
+              </a:lnRef>
+              <a:fillRef idx="0">
+                <a:schemeClr val="accent1"/>
+              </a:fillRef>
+              <a:effectRef idx="0">
+                <a:schemeClr val="accent1"/>
+              </a:effectRef>
+              <a:fontRef idx="minor">
+                <a:schemeClr val="tx1"/>
+              </a:fontRef>
+            </p:style>
+          </p:cxnSp>
+          <p:sp>
+            <p:nvSpPr>
+              <p:cNvPr id="150" name="TextBox 149"/>
+              <p:cNvSpPr txBox="1"/>
+              <p:nvPr/>
+            </p:nvSpPr>
+            <p:spPr>
+              <a:xfrm>
+                <a:off x="6959573" y="6238530"/>
+                <a:ext cx="1060631" cy="253916"/>
+              </a:xfrm>
+              <a:prstGeom prst="rect">
+                <a:avLst/>
+              </a:prstGeom>
+              <a:noFill/>
+            </p:spPr>
+            <p:txBody>
+              <a:bodyPr wrap="square" rtlCol="0">
+                <a:spAutoFit/>
+              </a:bodyPr>
+              <a:lstStyle/>
+              <a:p>
+                <a:pPr algn="ctr"/>
+                <a:r>
+                  <a:rPr lang="en-US" sz="1050" dirty="0"/>
+                  <a:t>Transactive</a:t>
+                </a:r>
+              </a:p>
+            </p:txBody>
+          </p:sp>
+          <p:sp>
+            <p:nvSpPr>
+              <p:cNvPr id="108" name="Rectangle 107"/>
+              <p:cNvSpPr/>
+              <p:nvPr/>
+            </p:nvSpPr>
+            <p:spPr>
+              <a:xfrm flipH="1">
+                <a:off x="10685087" y="6014725"/>
+                <a:ext cx="101059" cy="315819"/>
+              </a:xfrm>
+              <a:prstGeom prst="rect">
+                <a:avLst/>
+              </a:prstGeom>
+              <a:solidFill>
+                <a:srgbClr val="99CC00"/>
+              </a:solidFill>
+              <a:ln cap="rnd"/>
+            </p:spPr>
+            <p:style>
+              <a:lnRef idx="2">
+                <a:schemeClr val="accent1">
+                  <a:shade val="50000"/>
+                </a:schemeClr>
+              </a:lnRef>
+              <a:fillRef idx="1">
+                <a:schemeClr val="accent1"/>
+              </a:fillRef>
+              <a:effectRef idx="0">
+                <a:schemeClr val="accent1"/>
+              </a:effectRef>
+              <a:fontRef idx="minor">
+                <a:schemeClr val="lt1"/>
+              </a:fontRef>
+            </p:style>
+            <p:txBody>
+              <a:bodyPr lIns="0" tIns="0" rIns="0" bIns="0" rtlCol="0" anchor="ctr"/>
+              <a:lstStyle/>
+              <a:p>
+                <a:pPr algn="ctr"/>
+                <a:endParaRPr lang="en-US" sz="800" dirty="0"/>
+              </a:p>
+            </p:txBody>
+          </p:sp>
+          <p:sp>
+            <p:nvSpPr>
+              <p:cNvPr id="6" name="Rectangle 5"/>
+              <p:cNvSpPr/>
+              <p:nvPr/>
+            </p:nvSpPr>
+            <p:spPr>
+              <a:xfrm>
+                <a:off x="6942718" y="5043710"/>
+                <a:ext cx="604673" cy="386887"/>
+              </a:xfrm>
+              <a:prstGeom prst="rect">
+                <a:avLst/>
+              </a:prstGeom>
+              <a:noFill/>
+            </p:spPr>
+            <p:style>
+              <a:lnRef idx="2">
+                <a:schemeClr val="accent1">
+                  <a:shade val="50000"/>
+                </a:schemeClr>
+              </a:lnRef>
+              <a:fillRef idx="1">
+                <a:schemeClr val="accent1"/>
+              </a:fillRef>
+              <a:effectRef idx="0">
+                <a:schemeClr val="accent1"/>
+              </a:effectRef>
+              <a:fontRef idx="minor">
+                <a:schemeClr val="lt1"/>
+              </a:fontRef>
+            </p:style>
+            <p:txBody>
+              <a:bodyPr rtlCol="0" anchor="ctr"/>
+              <a:lstStyle/>
+              <a:p>
+                <a:pPr algn="ctr"/>
+                <a:endParaRPr lang="en-US"/>
+              </a:p>
+            </p:txBody>
+          </p:sp>
+          <p:sp>
+            <p:nvSpPr>
+              <p:cNvPr id="112" name="TextBox 111"/>
+              <p:cNvSpPr txBox="1"/>
+              <p:nvPr/>
+            </p:nvSpPr>
+            <p:spPr>
+              <a:xfrm>
+                <a:off x="9867122" y="5064919"/>
+                <a:ext cx="1169327" cy="253916"/>
+              </a:xfrm>
+              <a:prstGeom prst="rect">
+                <a:avLst/>
+              </a:prstGeom>
+              <a:noFill/>
+            </p:spPr>
+            <p:txBody>
+              <a:bodyPr wrap="square" rtlCol="0">
+                <a:spAutoFit/>
+              </a:bodyPr>
+              <a:lstStyle/>
+              <a:p>
+                <a:pPr algn="ctr"/>
+                <a:r>
+                  <a:rPr lang="en-US" sz="1050" dirty="0"/>
+                  <a:t>Resources</a:t>
+                </a:r>
+              </a:p>
+            </p:txBody>
+          </p:sp>
+          <p:pic>
+            <p:nvPicPr>
+              <p:cNvPr id="119" name="Picture 118"/>
+              <p:cNvPicPr>
+                <a:picLocks noChangeAspect="1"/>
+              </p:cNvPicPr>
+              <p:nvPr/>
+            </p:nvPicPr>
+            <p:blipFill>
+              <a:blip r:embed="rId2"/>
+              <a:stretch>
+                <a:fillRect/>
+              </a:stretch>
+            </p:blipFill>
+            <p:spPr>
+              <a:xfrm>
+                <a:off x="8586507" y="5879636"/>
+                <a:ext cx="384320" cy="418608"/>
+              </a:xfrm>
+              <a:prstGeom prst="rect">
+                <a:avLst/>
+              </a:prstGeom>
+            </p:spPr>
+          </p:pic>
+          <p:sp>
+            <p:nvSpPr>
+              <p:cNvPr id="132" name="TextBox 131"/>
+              <p:cNvSpPr txBox="1"/>
+              <p:nvPr/>
+            </p:nvSpPr>
+            <p:spPr>
+              <a:xfrm>
+                <a:off x="8492301" y="5711786"/>
+                <a:ext cx="692964" cy="253916"/>
+              </a:xfrm>
+              <a:prstGeom prst="rect">
+                <a:avLst/>
+              </a:prstGeom>
+              <a:noFill/>
+            </p:spPr>
+            <p:txBody>
+              <a:bodyPr wrap="square" rtlCol="0">
+                <a:spAutoFit/>
+              </a:bodyPr>
+              <a:lstStyle/>
+              <a:p>
+                <a:pPr algn="ctr"/>
+                <a:r>
+                  <a:rPr lang="en-US" sz="1050" dirty="0"/>
+                  <a:t>Weather</a:t>
+                </a:r>
+              </a:p>
+            </p:txBody>
+          </p:sp>
+          <p:sp>
+            <p:nvSpPr>
+              <p:cNvPr id="133" name="TextBox 132"/>
+              <p:cNvSpPr txBox="1"/>
+              <p:nvPr/>
+            </p:nvSpPr>
+            <p:spPr>
+              <a:xfrm>
+                <a:off x="9876071" y="5736949"/>
+                <a:ext cx="1169327" cy="253916"/>
+              </a:xfrm>
+              <a:prstGeom prst="rect">
+                <a:avLst/>
+              </a:prstGeom>
+              <a:noFill/>
+            </p:spPr>
+            <p:txBody>
+              <a:bodyPr wrap="square" rtlCol="0">
+                <a:spAutoFit/>
+              </a:bodyPr>
+              <a:lstStyle/>
+              <a:p>
+                <a:pPr algn="ctr"/>
+                <a:r>
+                  <a:rPr lang="en-US" sz="1050" dirty="0"/>
+                  <a:t>Controllers</a:t>
+                </a:r>
+              </a:p>
+            </p:txBody>
+          </p:sp>
+        </p:grpSp>
       </p:grpSp>
-      <p:sp>
-        <p:nvSpPr>
-          <p:cNvPr id="3" name="TextBox 2"/>
-          <p:cNvSpPr txBox="1"/>
-          <p:nvPr/>
-        </p:nvSpPr>
-        <p:spPr>
-          <a:xfrm>
-            <a:off x="2585847" y="5255676"/>
-            <a:ext cx="1537985" cy="276999"/>
-          </a:xfrm>
-          <a:prstGeom prst="rect">
-            <a:avLst/>
-          </a:prstGeom>
-          <a:noFill/>
-        </p:spPr>
-        <p:txBody>
-          <a:bodyPr wrap="none" rtlCol="0">
-            <a:spAutoFit/>
-          </a:bodyPr>
-          <a:lstStyle/>
-          <a:p>
-            <a:r>
-              <a:rPr lang="en-US" sz="1200" dirty="0" err="1"/>
-              <a:t>Transactive</a:t>
-            </a:r>
-            <a:r>
-              <a:rPr lang="en-US" sz="1200" dirty="0"/>
-              <a:t> Appliance</a:t>
-            </a:r>
-          </a:p>
-        </p:txBody>
-      </p:sp>
-      <p:sp>
-        <p:nvSpPr>
-          <p:cNvPr id="78" name="TextBox 77"/>
-          <p:cNvSpPr txBox="1"/>
-          <p:nvPr/>
-        </p:nvSpPr>
-        <p:spPr>
-          <a:xfrm>
-            <a:off x="4816447" y="4720690"/>
-            <a:ext cx="2703753" cy="276999"/>
-          </a:xfrm>
-          <a:prstGeom prst="rect">
-            <a:avLst/>
-          </a:prstGeom>
-          <a:noFill/>
-        </p:spPr>
-        <p:txBody>
-          <a:bodyPr wrap="none" rtlCol="0">
-            <a:spAutoFit/>
-          </a:bodyPr>
-          <a:lstStyle/>
-          <a:p>
-            <a:r>
-              <a:rPr lang="en-US" sz="1200" dirty="0"/>
-              <a:t>Building/Home with Automation System</a:t>
-            </a:r>
-          </a:p>
-        </p:txBody>
-      </p:sp>
-      <p:sp>
-        <p:nvSpPr>
-          <p:cNvPr id="79" name="TextBox 78"/>
-          <p:cNvSpPr txBox="1"/>
-          <p:nvPr/>
-        </p:nvSpPr>
-        <p:spPr>
-          <a:xfrm>
-            <a:off x="5931950" y="1449459"/>
-            <a:ext cx="2138406" cy="276999"/>
-          </a:xfrm>
-          <a:prstGeom prst="rect">
-            <a:avLst/>
-          </a:prstGeom>
-          <a:noFill/>
-        </p:spPr>
-        <p:txBody>
-          <a:bodyPr wrap="none" rtlCol="0">
-            <a:spAutoFit/>
-          </a:bodyPr>
-          <a:lstStyle/>
-          <a:p>
-            <a:r>
-              <a:rPr lang="en-US" sz="1200" dirty="0" err="1"/>
-              <a:t>Transactive</a:t>
-            </a:r>
-            <a:r>
-              <a:rPr lang="en-US" sz="1200" dirty="0"/>
-              <a:t> Broker - Aggregator</a:t>
-            </a:r>
-          </a:p>
-        </p:txBody>
-      </p:sp>
-      <p:sp>
-        <p:nvSpPr>
-          <p:cNvPr id="80" name="TextBox 79"/>
-          <p:cNvSpPr txBox="1"/>
-          <p:nvPr/>
-        </p:nvSpPr>
-        <p:spPr>
-          <a:xfrm>
-            <a:off x="3459543" y="1223050"/>
-            <a:ext cx="2004075" cy="276999"/>
-          </a:xfrm>
-          <a:prstGeom prst="rect">
-            <a:avLst/>
-          </a:prstGeom>
-          <a:noFill/>
-        </p:spPr>
-        <p:txBody>
-          <a:bodyPr wrap="none" rtlCol="0">
-            <a:spAutoFit/>
-          </a:bodyPr>
-          <a:lstStyle/>
-          <a:p>
-            <a:r>
-              <a:rPr lang="en-US" sz="1200" dirty="0"/>
-              <a:t>Distribution System Operator</a:t>
-            </a:r>
-          </a:p>
-        </p:txBody>
-      </p:sp>
-      <p:sp>
-        <p:nvSpPr>
-          <p:cNvPr id="81" name="TextBox 80"/>
-          <p:cNvSpPr txBox="1"/>
-          <p:nvPr/>
-        </p:nvSpPr>
-        <p:spPr>
-          <a:xfrm>
-            <a:off x="8275125" y="4350537"/>
-            <a:ext cx="1071704" cy="276999"/>
-          </a:xfrm>
-          <a:prstGeom prst="rect">
-            <a:avLst/>
-          </a:prstGeom>
-          <a:noFill/>
-        </p:spPr>
-        <p:txBody>
-          <a:bodyPr wrap="none" rtlCol="0">
-            <a:spAutoFit/>
-          </a:bodyPr>
-          <a:lstStyle/>
-          <a:p>
-            <a:r>
-              <a:rPr lang="en-US" sz="1200" dirty="0"/>
-              <a:t>Market Maker</a:t>
-            </a:r>
-          </a:p>
-        </p:txBody>
-      </p:sp>
-      <p:sp>
-        <p:nvSpPr>
-          <p:cNvPr id="88" name="Rectangle 87"/>
-          <p:cNvSpPr/>
-          <p:nvPr/>
-        </p:nvSpPr>
-        <p:spPr>
-          <a:xfrm>
-            <a:off x="4129955" y="2049490"/>
-            <a:ext cx="559261" cy="315819"/>
-          </a:xfrm>
-          <a:prstGeom prst="rect">
-            <a:avLst/>
-          </a:prstGeom>
-          <a:solidFill>
-            <a:srgbClr val="FFC000"/>
-          </a:solidFill>
-          <a:ln cap="rnd"/>
-        </p:spPr>
-        <p:style>
-          <a:lnRef idx="2">
-            <a:schemeClr val="accent1">
-              <a:shade val="50000"/>
-            </a:schemeClr>
-          </a:lnRef>
-          <a:fillRef idx="1">
-            <a:schemeClr val="accent1"/>
-          </a:fillRef>
-          <a:effectRef idx="0">
-            <a:schemeClr val="accent1"/>
-          </a:effectRef>
-          <a:fontRef idx="minor">
-            <a:schemeClr val="lt1"/>
-          </a:fontRef>
-        </p:style>
-        <p:txBody>
-          <a:bodyPr lIns="0" tIns="0" rIns="0" bIns="0" rtlCol="0" anchor="ctr"/>
-          <a:lstStyle/>
-          <a:p>
-            <a:pPr algn="ctr"/>
-            <a:r>
-              <a:rPr lang="en-US" sz="800" dirty="0"/>
-              <a:t>Grid Controller</a:t>
-            </a:r>
-          </a:p>
-        </p:txBody>
-      </p:sp>
-      <p:sp>
-        <p:nvSpPr>
-          <p:cNvPr id="7" name="Left Brace 6"/>
-          <p:cNvSpPr/>
-          <p:nvPr/>
-        </p:nvSpPr>
-        <p:spPr>
-          <a:xfrm rot="16200000">
-            <a:off x="5716039" y="2703783"/>
-            <a:ext cx="441807" cy="3458670"/>
-          </a:xfrm>
-          <a:prstGeom prst="leftBrace">
-            <a:avLst/>
-          </a:prstGeom>
-        </p:spPr>
-        <p:style>
-          <a:lnRef idx="1">
-            <a:schemeClr val="accent1"/>
-          </a:lnRef>
-          <a:fillRef idx="0">
-            <a:schemeClr val="accent1"/>
-          </a:fillRef>
-          <a:effectRef idx="0">
-            <a:schemeClr val="accent1"/>
-          </a:effectRef>
-          <a:fontRef idx="minor">
-            <a:schemeClr val="tx1"/>
-          </a:fontRef>
-        </p:style>
-        <p:txBody>
-          <a:bodyPr rtlCol="0" anchor="ctr"/>
-          <a:lstStyle/>
-          <a:p>
-            <a:pPr algn="ctr"/>
-            <a:endParaRPr lang="en-US"/>
-          </a:p>
-        </p:txBody>
-      </p:sp>
-      <p:sp>
-        <p:nvSpPr>
-          <p:cNvPr id="114" name="Left Brace 113"/>
-          <p:cNvSpPr/>
-          <p:nvPr/>
-        </p:nvSpPr>
-        <p:spPr>
-          <a:xfrm rot="16200000">
-            <a:off x="3172512" y="4170803"/>
-            <a:ext cx="441807" cy="1774166"/>
-          </a:xfrm>
-          <a:prstGeom prst="leftBrace">
-            <a:avLst/>
-          </a:prstGeom>
-        </p:spPr>
-        <p:style>
-          <a:lnRef idx="1">
-            <a:schemeClr val="accent1"/>
-          </a:lnRef>
-          <a:fillRef idx="0">
-            <a:schemeClr val="accent1"/>
-          </a:fillRef>
-          <a:effectRef idx="0">
-            <a:schemeClr val="accent1"/>
-          </a:effectRef>
-          <a:fontRef idx="minor">
-            <a:schemeClr val="tx1"/>
-          </a:fontRef>
-        </p:style>
-        <p:txBody>
-          <a:bodyPr rtlCol="0" anchor="ctr"/>
-          <a:lstStyle/>
-          <a:p>
-            <a:pPr algn="ctr"/>
-            <a:endParaRPr lang="en-US"/>
-          </a:p>
-        </p:txBody>
-      </p:sp>
-      <p:sp>
-        <p:nvSpPr>
-          <p:cNvPr id="117" name="Left Brace 116"/>
-          <p:cNvSpPr/>
-          <p:nvPr/>
-        </p:nvSpPr>
-        <p:spPr>
-          <a:xfrm>
-            <a:off x="1547208" y="2432902"/>
-            <a:ext cx="441807" cy="2352977"/>
-          </a:xfrm>
-          <a:prstGeom prst="leftBrace">
-            <a:avLst/>
-          </a:prstGeom>
-        </p:spPr>
-        <p:style>
-          <a:lnRef idx="1">
-            <a:schemeClr val="accent1"/>
-          </a:lnRef>
-          <a:fillRef idx="0">
-            <a:schemeClr val="accent1"/>
-          </a:fillRef>
-          <a:effectRef idx="0">
-            <a:schemeClr val="accent1"/>
-          </a:effectRef>
-          <a:fontRef idx="minor">
-            <a:schemeClr val="tx1"/>
-          </a:fontRef>
-        </p:style>
-        <p:txBody>
-          <a:bodyPr rtlCol="0" anchor="ctr"/>
-          <a:lstStyle/>
-          <a:p>
-            <a:pPr algn="ctr"/>
-            <a:endParaRPr lang="en-US"/>
-          </a:p>
-        </p:txBody>
-      </p:sp>
-      <p:sp>
-        <p:nvSpPr>
-          <p:cNvPr id="118" name="TextBox 117"/>
-          <p:cNvSpPr txBox="1"/>
-          <p:nvPr/>
-        </p:nvSpPr>
-        <p:spPr>
-          <a:xfrm>
-            <a:off x="1031857" y="3458342"/>
-            <a:ext cx="450764" cy="276999"/>
-          </a:xfrm>
-          <a:prstGeom prst="rect">
-            <a:avLst/>
-          </a:prstGeom>
-          <a:noFill/>
-        </p:spPr>
-        <p:txBody>
-          <a:bodyPr wrap="none" rtlCol="0">
-            <a:spAutoFit/>
-          </a:bodyPr>
-          <a:lstStyle/>
-          <a:p>
-            <a:r>
-              <a:rPr lang="en-US" sz="1200" dirty="0"/>
-              <a:t>Grid</a:t>
-            </a:r>
-          </a:p>
-        </p:txBody>
-      </p:sp>
-      <p:sp>
-        <p:nvSpPr>
-          <p:cNvPr id="129" name="Left Brace 128"/>
-          <p:cNvSpPr/>
-          <p:nvPr/>
-        </p:nvSpPr>
-        <p:spPr>
-          <a:xfrm rot="5400000">
-            <a:off x="6793470" y="1416105"/>
-            <a:ext cx="441807" cy="1123814"/>
-          </a:xfrm>
-          <a:prstGeom prst="leftBrace">
-            <a:avLst/>
-          </a:prstGeom>
-        </p:spPr>
-        <p:style>
-          <a:lnRef idx="1">
-            <a:schemeClr val="accent1"/>
-          </a:lnRef>
-          <a:fillRef idx="0">
-            <a:schemeClr val="accent1"/>
-          </a:fillRef>
-          <a:effectRef idx="0">
-            <a:schemeClr val="accent1"/>
-          </a:effectRef>
-          <a:fontRef idx="minor">
-            <a:schemeClr val="tx1"/>
-          </a:fontRef>
-        </p:style>
-        <p:txBody>
-          <a:bodyPr rtlCol="0" anchor="ctr"/>
-          <a:lstStyle/>
-          <a:p>
-            <a:pPr algn="ctr"/>
-            <a:endParaRPr lang="en-US"/>
-          </a:p>
-        </p:txBody>
-      </p:sp>
-      <p:sp>
-        <p:nvSpPr>
-          <p:cNvPr id="130" name="Left Brace 129"/>
-          <p:cNvSpPr/>
-          <p:nvPr/>
-        </p:nvSpPr>
-        <p:spPr>
-          <a:xfrm rot="16200000">
-            <a:off x="8590074" y="3618151"/>
-            <a:ext cx="441807" cy="987150"/>
-          </a:xfrm>
-          <a:prstGeom prst="leftBrace">
-            <a:avLst/>
-          </a:prstGeom>
-        </p:spPr>
-        <p:style>
-          <a:lnRef idx="1">
-            <a:schemeClr val="accent1"/>
-          </a:lnRef>
-          <a:fillRef idx="0">
-            <a:schemeClr val="accent1"/>
-          </a:fillRef>
-          <a:effectRef idx="0">
-            <a:schemeClr val="accent1"/>
-          </a:effectRef>
-          <a:fontRef idx="minor">
-            <a:schemeClr val="tx1"/>
-          </a:fontRef>
-        </p:style>
-        <p:txBody>
-          <a:bodyPr rtlCol="0" anchor="ctr"/>
-          <a:lstStyle/>
-          <a:p>
-            <a:pPr algn="ctr"/>
-            <a:endParaRPr lang="en-US"/>
-          </a:p>
-        </p:txBody>
-      </p:sp>
-      <p:sp>
-        <p:nvSpPr>
-          <p:cNvPr id="15" name="Title 14"/>
-          <p:cNvSpPr>
-            <a:spLocks noGrp="1"/>
-          </p:cNvSpPr>
-          <p:nvPr>
-            <p:ph type="title"/>
-          </p:nvPr>
-        </p:nvSpPr>
-        <p:spPr>
-          <a:xfrm>
-            <a:off x="838200" y="365126"/>
-            <a:ext cx="10515600" cy="575800"/>
-          </a:xfrm>
-        </p:spPr>
-        <p:txBody>
-          <a:bodyPr>
-            <a:normAutofit fontScale="90000"/>
-          </a:bodyPr>
-          <a:lstStyle/>
-          <a:p>
-            <a:r>
-              <a:rPr lang="en-US" dirty="0"/>
-              <a:t>Notional Topology of A TE Simulation</a:t>
-            </a:r>
-          </a:p>
-        </p:txBody>
-      </p:sp>
-      <p:sp>
-        <p:nvSpPr>
-          <p:cNvPr id="131" name="Left Brace 130"/>
-          <p:cNvSpPr/>
-          <p:nvPr/>
-        </p:nvSpPr>
-        <p:spPr>
-          <a:xfrm rot="5400000">
-            <a:off x="4212476" y="1197079"/>
-            <a:ext cx="441807" cy="1123814"/>
-          </a:xfrm>
-          <a:prstGeom prst="leftBrace">
-            <a:avLst/>
-          </a:prstGeom>
-        </p:spPr>
-        <p:style>
-          <a:lnRef idx="1">
-            <a:schemeClr val="accent1"/>
-          </a:lnRef>
-          <a:fillRef idx="0">
-            <a:schemeClr val="accent1"/>
-          </a:fillRef>
-          <a:effectRef idx="0">
-            <a:schemeClr val="accent1"/>
-          </a:effectRef>
-          <a:fontRef idx="minor">
-            <a:schemeClr val="tx1"/>
-          </a:fontRef>
-        </p:style>
-        <p:txBody>
-          <a:bodyPr rtlCol="0" anchor="ctr"/>
-          <a:lstStyle/>
-          <a:p>
-            <a:pPr algn="ctr"/>
-            <a:endParaRPr lang="en-US"/>
-          </a:p>
-        </p:txBody>
-      </p:sp>
     </p:spTree>
     <p:extLst>
       <p:ext uri="{BB962C8B-B14F-4D97-AF65-F5344CB8AC3E}">

--- a/TEChallengeCommonAbstractModels.pptx
+++ b/TEChallengeCommonAbstractModels.pptx
@@ -134,6 +134,10 @@
 </p:presentation>
 </file>
 
+<file path=ppt/revisionInfo.xml><?xml version="1.0" encoding="utf-8"?>
+<p1510:revInfo xmlns:a="http://schemas.openxmlformats.org/drawingml/2006/main" xmlns:r="http://schemas.openxmlformats.org/officeDocument/2006/relationships" xmlns:p1510="http://schemas.microsoft.com/office/powerpoint/2015/10/main"/>
+</file>
+
 <file path=ppt/notesMasters/notesMaster1.xml><?xml version="1.0" encoding="utf-8"?>
 <p:notesMaster xmlns:a="http://schemas.openxmlformats.org/drawingml/2006/main" xmlns:r="http://schemas.openxmlformats.org/officeDocument/2006/relationships" xmlns:p="http://schemas.openxmlformats.org/presentationml/2006/main">
   <p:cSld>
@@ -216,7 +220,7 @@
           <a:p>
             <a:fld id="{8F755A85-8CA7-429D-9199-7310C15E75F3}" type="datetimeFigureOut">
               <a:rPr lang="en-US" smtClean="0"/>
-              <a:t>4/8/2017</a:t>
+              <a:t>4/2/2018</a:t>
             </a:fld>
             <a:endParaRPr lang="en-US"/>
           </a:p>
@@ -2756,7 +2760,7 @@
           <a:noFill/>
           <a:extLst>
             <a:ext uri="{909E8E84-426E-40dd-AFC4-6F175D3DCCD1}">
-              <a14:hiddenFill xmlns:a14="http://schemas.microsoft.com/office/drawing/2010/main" xmlns="">
+              <a14:hiddenFill xmlns="" xmlns:a14="http://schemas.microsoft.com/office/drawing/2010/main">
                 <a:solidFill>
                   <a:srgbClr val="FFFFFF"/>
                 </a:solidFill>
@@ -8203,2892 +8207,6 @@
           <a:chExt cx="0" cy="0"/>
         </a:xfrm>
       </p:grpSpPr>
-      <p:cxnSp>
-        <p:nvCxnSpPr>
-          <p:cNvPr id="146" name="Straight Connector 145"/>
-          <p:cNvCxnSpPr/>
-          <p:nvPr/>
-        </p:nvCxnSpPr>
-        <p:spPr>
-          <a:xfrm flipV="1">
-            <a:off x="9043970" y="3449567"/>
-            <a:ext cx="300038" cy="7145"/>
-          </a:xfrm>
-          <a:prstGeom prst="line">
-            <a:avLst/>
-          </a:prstGeom>
-          <a:ln>
-            <a:solidFill>
-              <a:srgbClr val="ED7D31"/>
-            </a:solidFill>
-            <a:prstDash val="sysDash"/>
-          </a:ln>
-        </p:spPr>
-        <p:style>
-          <a:lnRef idx="1">
-            <a:schemeClr val="dk1"/>
-          </a:lnRef>
-          <a:fillRef idx="0">
-            <a:schemeClr val="dk1"/>
-          </a:fillRef>
-          <a:effectRef idx="0">
-            <a:schemeClr val="dk1"/>
-          </a:effectRef>
-          <a:fontRef idx="minor">
-            <a:schemeClr val="tx1"/>
-          </a:fontRef>
-        </p:style>
-      </p:cxnSp>
-      <p:cxnSp>
-        <p:nvCxnSpPr>
-          <p:cNvPr id="162" name="Straight Connector 161"/>
-          <p:cNvCxnSpPr/>
-          <p:nvPr/>
-        </p:nvCxnSpPr>
-        <p:spPr>
-          <a:xfrm flipV="1">
-            <a:off x="9043970" y="3492728"/>
-            <a:ext cx="300038" cy="4761"/>
-          </a:xfrm>
-          <a:prstGeom prst="line">
-            <a:avLst/>
-          </a:prstGeom>
-          <a:ln>
-            <a:solidFill>
-              <a:srgbClr val="5B9BD5"/>
-            </a:solidFill>
-            <a:prstDash val="solid"/>
-          </a:ln>
-        </p:spPr>
-        <p:style>
-          <a:lnRef idx="1">
-            <a:schemeClr val="dk1"/>
-          </a:lnRef>
-          <a:fillRef idx="0">
-            <a:schemeClr val="dk1"/>
-          </a:fillRef>
-          <a:effectRef idx="0">
-            <a:schemeClr val="dk1"/>
-          </a:effectRef>
-          <a:fontRef idx="minor">
-            <a:schemeClr val="tx1"/>
-          </a:fontRef>
-        </p:style>
-      </p:cxnSp>
-      <p:sp>
-        <p:nvSpPr>
-          <p:cNvPr id="5" name="Double Brace 4"/>
-          <p:cNvSpPr/>
-          <p:nvPr/>
-        </p:nvSpPr>
-        <p:spPr>
-          <a:xfrm>
-            <a:off x="5838855" y="1738508"/>
-            <a:ext cx="199714" cy="977153"/>
-          </a:xfrm>
-          <a:prstGeom prst="bracePair">
-            <a:avLst/>
-          </a:prstGeom>
-          <a:ln w="12700"/>
-        </p:spPr>
-        <p:style>
-          <a:lnRef idx="1">
-            <a:schemeClr val="dk1"/>
-          </a:lnRef>
-          <a:fillRef idx="0">
-            <a:schemeClr val="dk1"/>
-          </a:fillRef>
-          <a:effectRef idx="0">
-            <a:schemeClr val="dk1"/>
-          </a:effectRef>
-          <a:fontRef idx="minor">
-            <a:schemeClr val="tx1"/>
-          </a:fontRef>
-        </p:style>
-        <p:txBody>
-          <a:bodyPr rtlCol="0" anchor="ctr"/>
-          <a:lstStyle/>
-          <a:p>
-            <a:pPr algn="ctr"/>
-            <a:endParaRPr lang="en-US"/>
-          </a:p>
-        </p:txBody>
-      </p:sp>
-      <p:sp>
-        <p:nvSpPr>
-          <p:cNvPr id="6" name="Oval 5"/>
-          <p:cNvSpPr/>
-          <p:nvPr/>
-        </p:nvSpPr>
-        <p:spPr>
-          <a:xfrm>
-            <a:off x="5235289" y="2146649"/>
-            <a:ext cx="152400" cy="160867"/>
-          </a:xfrm>
-          <a:prstGeom prst="ellipse">
-            <a:avLst/>
-          </a:prstGeom>
-          <a:solidFill>
-            <a:srgbClr val="5B9BD5"/>
-          </a:solidFill>
-        </p:spPr>
-        <p:style>
-          <a:lnRef idx="2">
-            <a:schemeClr val="dk1">
-              <a:shade val="50000"/>
-            </a:schemeClr>
-          </a:lnRef>
-          <a:fillRef idx="1">
-            <a:schemeClr val="dk1"/>
-          </a:fillRef>
-          <a:effectRef idx="0">
-            <a:schemeClr val="dk1"/>
-          </a:effectRef>
-          <a:fontRef idx="minor">
-            <a:schemeClr val="lt1"/>
-          </a:fontRef>
-        </p:style>
-        <p:txBody>
-          <a:bodyPr rtlCol="0" anchor="ctr"/>
-          <a:lstStyle/>
-          <a:p>
-            <a:pPr algn="ctr"/>
-            <a:endParaRPr lang="en-US"/>
-          </a:p>
-        </p:txBody>
-      </p:sp>
-      <p:sp>
-        <p:nvSpPr>
-          <p:cNvPr id="7" name="Oval 6"/>
-          <p:cNvSpPr/>
-          <p:nvPr/>
-        </p:nvSpPr>
-        <p:spPr>
-          <a:xfrm>
-            <a:off x="6434209" y="2146650"/>
-            <a:ext cx="152400" cy="160867"/>
-          </a:xfrm>
-          <a:prstGeom prst="ellipse">
-            <a:avLst/>
-          </a:prstGeom>
-          <a:solidFill>
-            <a:srgbClr val="5B9BD5"/>
-          </a:solidFill>
-        </p:spPr>
-        <p:style>
-          <a:lnRef idx="2">
-            <a:schemeClr val="dk1">
-              <a:shade val="50000"/>
-            </a:schemeClr>
-          </a:lnRef>
-          <a:fillRef idx="1">
-            <a:schemeClr val="dk1"/>
-          </a:fillRef>
-          <a:effectRef idx="0">
-            <a:schemeClr val="dk1"/>
-          </a:effectRef>
-          <a:fontRef idx="minor">
-            <a:schemeClr val="lt1"/>
-          </a:fontRef>
-        </p:style>
-        <p:txBody>
-          <a:bodyPr rtlCol="0" anchor="ctr"/>
-          <a:lstStyle/>
-          <a:p>
-            <a:pPr algn="ctr"/>
-            <a:endParaRPr lang="en-US"/>
-          </a:p>
-        </p:txBody>
-      </p:sp>
-      <p:sp>
-        <p:nvSpPr>
-          <p:cNvPr id="8" name="Double Brace 7"/>
-          <p:cNvSpPr/>
-          <p:nvPr/>
-        </p:nvSpPr>
-        <p:spPr>
-          <a:xfrm>
-            <a:off x="7332671" y="2043308"/>
-            <a:ext cx="106580" cy="367551"/>
-          </a:xfrm>
-          <a:prstGeom prst="bracePair">
-            <a:avLst/>
-          </a:prstGeom>
-          <a:ln w="12700"/>
-        </p:spPr>
-        <p:style>
-          <a:lnRef idx="1">
-            <a:schemeClr val="dk1"/>
-          </a:lnRef>
-          <a:fillRef idx="0">
-            <a:schemeClr val="dk1"/>
-          </a:fillRef>
-          <a:effectRef idx="0">
-            <a:schemeClr val="dk1"/>
-          </a:effectRef>
-          <a:fontRef idx="minor">
-            <a:schemeClr val="tx1"/>
-          </a:fontRef>
-        </p:style>
-        <p:txBody>
-          <a:bodyPr rtlCol="0" anchor="ctr"/>
-          <a:lstStyle/>
-          <a:p>
-            <a:pPr algn="ctr"/>
-            <a:endParaRPr lang="en-US"/>
-          </a:p>
-        </p:txBody>
-      </p:sp>
-      <p:sp>
-        <p:nvSpPr>
-          <p:cNvPr id="10" name="Double Brace 9"/>
-          <p:cNvSpPr/>
-          <p:nvPr/>
-        </p:nvSpPr>
-        <p:spPr>
-          <a:xfrm>
-            <a:off x="7332671" y="1370957"/>
-            <a:ext cx="106580" cy="367551"/>
-          </a:xfrm>
-          <a:prstGeom prst="bracePair">
-            <a:avLst/>
-          </a:prstGeom>
-          <a:ln w="12700"/>
-        </p:spPr>
-        <p:style>
-          <a:lnRef idx="1">
-            <a:schemeClr val="dk1"/>
-          </a:lnRef>
-          <a:fillRef idx="0">
-            <a:schemeClr val="dk1"/>
-          </a:fillRef>
-          <a:effectRef idx="0">
-            <a:schemeClr val="dk1"/>
-          </a:effectRef>
-          <a:fontRef idx="minor">
-            <a:schemeClr val="tx1"/>
-          </a:fontRef>
-        </p:style>
-        <p:txBody>
-          <a:bodyPr rtlCol="0" anchor="ctr"/>
-          <a:lstStyle/>
-          <a:p>
-            <a:pPr algn="ctr"/>
-            <a:endParaRPr lang="en-US"/>
-          </a:p>
-        </p:txBody>
-      </p:sp>
-      <p:sp>
-        <p:nvSpPr>
-          <p:cNvPr id="11" name="Double Brace 10"/>
-          <p:cNvSpPr/>
-          <p:nvPr/>
-        </p:nvSpPr>
-        <p:spPr>
-          <a:xfrm>
-            <a:off x="7332671" y="2765185"/>
-            <a:ext cx="106580" cy="367551"/>
-          </a:xfrm>
-          <a:prstGeom prst="bracePair">
-            <a:avLst/>
-          </a:prstGeom>
-          <a:ln w="12700"/>
-        </p:spPr>
-        <p:style>
-          <a:lnRef idx="1">
-            <a:schemeClr val="dk1"/>
-          </a:lnRef>
-          <a:fillRef idx="0">
-            <a:schemeClr val="dk1"/>
-          </a:fillRef>
-          <a:effectRef idx="0">
-            <a:schemeClr val="dk1"/>
-          </a:effectRef>
-          <a:fontRef idx="minor">
-            <a:schemeClr val="tx1"/>
-          </a:fontRef>
-        </p:style>
-        <p:txBody>
-          <a:bodyPr rtlCol="0" anchor="ctr"/>
-          <a:lstStyle/>
-          <a:p>
-            <a:pPr algn="ctr"/>
-            <a:endParaRPr lang="en-US"/>
-          </a:p>
-        </p:txBody>
-      </p:sp>
-      <p:sp>
-        <p:nvSpPr>
-          <p:cNvPr id="12" name="Double Brace 11"/>
-          <p:cNvSpPr/>
-          <p:nvPr/>
-        </p:nvSpPr>
-        <p:spPr>
-          <a:xfrm rot="5400000">
-            <a:off x="6455836" y="2777874"/>
-            <a:ext cx="106580" cy="367551"/>
-          </a:xfrm>
-          <a:prstGeom prst="bracePair">
-            <a:avLst/>
-          </a:prstGeom>
-          <a:ln w="12700"/>
-        </p:spPr>
-        <p:style>
-          <a:lnRef idx="1">
-            <a:schemeClr val="dk1"/>
-          </a:lnRef>
-          <a:fillRef idx="0">
-            <a:schemeClr val="dk1"/>
-          </a:fillRef>
-          <a:effectRef idx="0">
-            <a:schemeClr val="dk1"/>
-          </a:effectRef>
-          <a:fontRef idx="minor">
-            <a:schemeClr val="tx1"/>
-          </a:fontRef>
-        </p:style>
-        <p:txBody>
-          <a:bodyPr rtlCol="0" anchor="ctr"/>
-          <a:lstStyle/>
-          <a:p>
-            <a:pPr algn="ctr"/>
-            <a:endParaRPr lang="en-US"/>
-          </a:p>
-        </p:txBody>
-      </p:sp>
-      <p:cxnSp>
-        <p:nvCxnSpPr>
-          <p:cNvPr id="14" name="Straight Connector 13"/>
-          <p:cNvCxnSpPr>
-            <a:stCxn id="7" idx="4"/>
-            <a:endCxn id="12" idx="1"/>
-          </p:cNvCxnSpPr>
-          <p:nvPr/>
-        </p:nvCxnSpPr>
-        <p:spPr>
-          <a:xfrm flipH="1">
-            <a:off x="6509126" y="2307517"/>
-            <a:ext cx="1283" cy="600843"/>
-          </a:xfrm>
-          <a:prstGeom prst="line">
-            <a:avLst/>
-          </a:prstGeom>
-          <a:ln>
-            <a:solidFill>
-              <a:srgbClr val="5B9BD5"/>
-            </a:solidFill>
-          </a:ln>
-        </p:spPr>
-        <p:style>
-          <a:lnRef idx="1">
-            <a:schemeClr val="dk1"/>
-          </a:lnRef>
-          <a:fillRef idx="0">
-            <a:schemeClr val="dk1"/>
-          </a:fillRef>
-          <a:effectRef idx="0">
-            <a:schemeClr val="dk1"/>
-          </a:effectRef>
-          <a:fontRef idx="minor">
-            <a:schemeClr val="tx1"/>
-          </a:fontRef>
-        </p:style>
-      </p:cxnSp>
-      <p:cxnSp>
-        <p:nvCxnSpPr>
-          <p:cNvPr id="15" name="Straight Connector 14"/>
-          <p:cNvCxnSpPr>
-            <a:stCxn id="7" idx="5"/>
-            <a:endCxn id="11" idx="1"/>
-          </p:cNvCxnSpPr>
-          <p:nvPr/>
-        </p:nvCxnSpPr>
-        <p:spPr>
-          <a:xfrm>
-            <a:off x="6564291" y="2283959"/>
-            <a:ext cx="768380" cy="665002"/>
-          </a:xfrm>
-          <a:prstGeom prst="line">
-            <a:avLst/>
-          </a:prstGeom>
-          <a:ln>
-            <a:solidFill>
-              <a:srgbClr val="5B9BD5"/>
-            </a:solidFill>
-          </a:ln>
-        </p:spPr>
-        <p:style>
-          <a:lnRef idx="1">
-            <a:schemeClr val="dk1"/>
-          </a:lnRef>
-          <a:fillRef idx="0">
-            <a:schemeClr val="dk1"/>
-          </a:fillRef>
-          <a:effectRef idx="0">
-            <a:schemeClr val="dk1"/>
-          </a:effectRef>
-          <a:fontRef idx="minor">
-            <a:schemeClr val="tx1"/>
-          </a:fontRef>
-        </p:style>
-      </p:cxnSp>
-      <p:cxnSp>
-        <p:nvCxnSpPr>
-          <p:cNvPr id="16" name="Straight Connector 15"/>
-          <p:cNvCxnSpPr>
-            <a:stCxn id="7" idx="7"/>
-            <a:endCxn id="10" idx="1"/>
-          </p:cNvCxnSpPr>
-          <p:nvPr/>
-        </p:nvCxnSpPr>
-        <p:spPr>
-          <a:xfrm flipV="1">
-            <a:off x="6564291" y="1554733"/>
-            <a:ext cx="768380" cy="615475"/>
-          </a:xfrm>
-          <a:prstGeom prst="line">
-            <a:avLst/>
-          </a:prstGeom>
-          <a:ln>
-            <a:solidFill>
-              <a:srgbClr val="5B9BD5"/>
-            </a:solidFill>
-          </a:ln>
-        </p:spPr>
-        <p:style>
-          <a:lnRef idx="1">
-            <a:schemeClr val="dk1"/>
-          </a:lnRef>
-          <a:fillRef idx="0">
-            <a:schemeClr val="dk1"/>
-          </a:fillRef>
-          <a:effectRef idx="0">
-            <a:schemeClr val="dk1"/>
-          </a:effectRef>
-          <a:fontRef idx="minor">
-            <a:schemeClr val="tx1"/>
-          </a:fontRef>
-        </p:style>
-      </p:cxnSp>
-      <p:cxnSp>
-        <p:nvCxnSpPr>
-          <p:cNvPr id="17" name="Straight Connector 16"/>
-          <p:cNvCxnSpPr>
-            <a:stCxn id="7" idx="6"/>
-            <a:endCxn id="8" idx="1"/>
-          </p:cNvCxnSpPr>
-          <p:nvPr/>
-        </p:nvCxnSpPr>
-        <p:spPr>
-          <a:xfrm>
-            <a:off x="6586609" y="2227084"/>
-            <a:ext cx="746062" cy="0"/>
-          </a:xfrm>
-          <a:prstGeom prst="line">
-            <a:avLst/>
-          </a:prstGeom>
-          <a:ln>
-            <a:solidFill>
-              <a:srgbClr val="5B9BD5"/>
-            </a:solidFill>
-          </a:ln>
-        </p:spPr>
-        <p:style>
-          <a:lnRef idx="1">
-            <a:schemeClr val="dk1"/>
-          </a:lnRef>
-          <a:fillRef idx="0">
-            <a:schemeClr val="dk1"/>
-          </a:fillRef>
-          <a:effectRef idx="0">
-            <a:schemeClr val="dk1"/>
-          </a:effectRef>
-          <a:fontRef idx="minor">
-            <a:schemeClr val="tx1"/>
-          </a:fontRef>
-        </p:style>
-      </p:cxnSp>
-      <p:sp>
-        <p:nvSpPr>
-          <p:cNvPr id="25" name="Rectangle 24"/>
-          <p:cNvSpPr/>
-          <p:nvPr/>
-        </p:nvSpPr>
-        <p:spPr>
-          <a:xfrm>
-            <a:off x="7780409" y="1474298"/>
-            <a:ext cx="152400" cy="160867"/>
-          </a:xfrm>
-          <a:prstGeom prst="rect">
-            <a:avLst/>
-          </a:prstGeom>
-          <a:solidFill>
-            <a:srgbClr val="ED7D31"/>
-          </a:solidFill>
-        </p:spPr>
-        <p:style>
-          <a:lnRef idx="2">
-            <a:schemeClr val="dk1">
-              <a:shade val="50000"/>
-            </a:schemeClr>
-          </a:lnRef>
-          <a:fillRef idx="1">
-            <a:schemeClr val="dk1"/>
-          </a:fillRef>
-          <a:effectRef idx="0">
-            <a:schemeClr val="dk1"/>
-          </a:effectRef>
-          <a:fontRef idx="minor">
-            <a:schemeClr val="lt1"/>
-          </a:fontRef>
-        </p:style>
-        <p:txBody>
-          <a:bodyPr rtlCol="0" anchor="ctr"/>
-          <a:lstStyle/>
-          <a:p>
-            <a:pPr algn="ctr"/>
-            <a:endParaRPr lang="en-US"/>
-          </a:p>
-        </p:txBody>
-      </p:sp>
-      <p:sp>
-        <p:nvSpPr>
-          <p:cNvPr id="26" name="Rectangle 25"/>
-          <p:cNvSpPr/>
-          <p:nvPr/>
-        </p:nvSpPr>
-        <p:spPr>
-          <a:xfrm>
-            <a:off x="7776176" y="2146649"/>
-            <a:ext cx="152400" cy="160867"/>
-          </a:xfrm>
-          <a:prstGeom prst="rect">
-            <a:avLst/>
-          </a:prstGeom>
-          <a:solidFill>
-            <a:srgbClr val="ED7D31"/>
-          </a:solidFill>
-        </p:spPr>
-        <p:style>
-          <a:lnRef idx="2">
-            <a:schemeClr val="dk1">
-              <a:shade val="50000"/>
-            </a:schemeClr>
-          </a:lnRef>
-          <a:fillRef idx="1">
-            <a:schemeClr val="dk1"/>
-          </a:fillRef>
-          <a:effectRef idx="0">
-            <a:schemeClr val="dk1"/>
-          </a:effectRef>
-          <a:fontRef idx="minor">
-            <a:schemeClr val="lt1"/>
-          </a:fontRef>
-        </p:style>
-        <p:txBody>
-          <a:bodyPr rtlCol="0" anchor="ctr"/>
-          <a:lstStyle/>
-          <a:p>
-            <a:pPr algn="ctr"/>
-            <a:endParaRPr lang="en-US"/>
-          </a:p>
-        </p:txBody>
-      </p:sp>
-      <p:sp>
-        <p:nvSpPr>
-          <p:cNvPr id="27" name="Rectangle 26"/>
-          <p:cNvSpPr/>
-          <p:nvPr/>
-        </p:nvSpPr>
-        <p:spPr>
-          <a:xfrm>
-            <a:off x="7776176" y="2868526"/>
-            <a:ext cx="152400" cy="160867"/>
-          </a:xfrm>
-          <a:prstGeom prst="rect">
-            <a:avLst/>
-          </a:prstGeom>
-          <a:solidFill>
-            <a:srgbClr val="ED7D31"/>
-          </a:solidFill>
-        </p:spPr>
-        <p:style>
-          <a:lnRef idx="2">
-            <a:schemeClr val="dk1">
-              <a:shade val="50000"/>
-            </a:schemeClr>
-          </a:lnRef>
-          <a:fillRef idx="1">
-            <a:schemeClr val="dk1"/>
-          </a:fillRef>
-          <a:effectRef idx="0">
-            <a:schemeClr val="dk1"/>
-          </a:effectRef>
-          <a:fontRef idx="minor">
-            <a:schemeClr val="lt1"/>
-          </a:fontRef>
-        </p:style>
-        <p:txBody>
-          <a:bodyPr rtlCol="0" anchor="ctr"/>
-          <a:lstStyle/>
-          <a:p>
-            <a:pPr algn="ctr"/>
-            <a:endParaRPr lang="en-US"/>
-          </a:p>
-        </p:txBody>
-      </p:sp>
-      <p:sp>
-        <p:nvSpPr>
-          <p:cNvPr id="28" name="Isosceles Triangle 27"/>
-          <p:cNvSpPr/>
-          <p:nvPr/>
-        </p:nvSpPr>
-        <p:spPr>
-          <a:xfrm>
-            <a:off x="8898009" y="1474298"/>
-            <a:ext cx="152400" cy="160867"/>
-          </a:xfrm>
-          <a:prstGeom prst="triangle">
-            <a:avLst/>
-          </a:prstGeom>
-        </p:spPr>
-        <p:style>
-          <a:lnRef idx="2">
-            <a:schemeClr val="dk1">
-              <a:shade val="50000"/>
-            </a:schemeClr>
-          </a:lnRef>
-          <a:fillRef idx="1">
-            <a:schemeClr val="dk1"/>
-          </a:fillRef>
-          <a:effectRef idx="0">
-            <a:schemeClr val="dk1"/>
-          </a:effectRef>
-          <a:fontRef idx="minor">
-            <a:schemeClr val="lt1"/>
-          </a:fontRef>
-        </p:style>
-        <p:txBody>
-          <a:bodyPr rtlCol="0" anchor="ctr"/>
-          <a:lstStyle/>
-          <a:p>
-            <a:pPr algn="ctr"/>
-            <a:endParaRPr lang="en-US"/>
-          </a:p>
-        </p:txBody>
-      </p:sp>
-      <p:sp>
-        <p:nvSpPr>
-          <p:cNvPr id="29" name="Isosceles Triangle 28"/>
-          <p:cNvSpPr/>
-          <p:nvPr/>
-        </p:nvSpPr>
-        <p:spPr>
-          <a:xfrm>
-            <a:off x="8893776" y="2146649"/>
-            <a:ext cx="152400" cy="160867"/>
-          </a:xfrm>
-          <a:prstGeom prst="triangle">
-            <a:avLst/>
-          </a:prstGeom>
-        </p:spPr>
-        <p:style>
-          <a:lnRef idx="2">
-            <a:schemeClr val="dk1">
-              <a:shade val="50000"/>
-            </a:schemeClr>
-          </a:lnRef>
-          <a:fillRef idx="1">
-            <a:schemeClr val="dk1"/>
-          </a:fillRef>
-          <a:effectRef idx="0">
-            <a:schemeClr val="dk1"/>
-          </a:effectRef>
-          <a:fontRef idx="minor">
-            <a:schemeClr val="lt1"/>
-          </a:fontRef>
-        </p:style>
-        <p:txBody>
-          <a:bodyPr rtlCol="0" anchor="ctr"/>
-          <a:lstStyle/>
-          <a:p>
-            <a:pPr algn="ctr"/>
-            <a:endParaRPr lang="en-US"/>
-          </a:p>
-        </p:txBody>
-      </p:sp>
-      <p:sp>
-        <p:nvSpPr>
-          <p:cNvPr id="30" name="Isosceles Triangle 29"/>
-          <p:cNvSpPr/>
-          <p:nvPr/>
-        </p:nvSpPr>
-        <p:spPr>
-          <a:xfrm>
-            <a:off x="8893776" y="2868526"/>
-            <a:ext cx="152400" cy="160867"/>
-          </a:xfrm>
-          <a:prstGeom prst="triangle">
-            <a:avLst/>
-          </a:prstGeom>
-        </p:spPr>
-        <p:style>
-          <a:lnRef idx="2">
-            <a:schemeClr val="dk1">
-              <a:shade val="50000"/>
-            </a:schemeClr>
-          </a:lnRef>
-          <a:fillRef idx="1">
-            <a:schemeClr val="dk1"/>
-          </a:fillRef>
-          <a:effectRef idx="0">
-            <a:schemeClr val="dk1"/>
-          </a:effectRef>
-          <a:fontRef idx="minor">
-            <a:schemeClr val="lt1"/>
-          </a:fontRef>
-        </p:style>
-        <p:txBody>
-          <a:bodyPr rtlCol="0" anchor="ctr"/>
-          <a:lstStyle/>
-          <a:p>
-            <a:pPr algn="ctr"/>
-            <a:endParaRPr lang="en-US"/>
-          </a:p>
-        </p:txBody>
-      </p:sp>
-      <p:cxnSp>
-        <p:nvCxnSpPr>
-          <p:cNvPr id="31" name="Straight Connector 30"/>
-          <p:cNvCxnSpPr>
-            <a:endCxn id="28" idx="1"/>
-          </p:cNvCxnSpPr>
-          <p:nvPr/>
-        </p:nvCxnSpPr>
-        <p:spPr>
-          <a:xfrm>
-            <a:off x="7932809" y="1554732"/>
-            <a:ext cx="1003300" cy="0"/>
-          </a:xfrm>
-          <a:prstGeom prst="line">
-            <a:avLst/>
-          </a:prstGeom>
-          <a:ln w="25400" cmpd="dbl">
-            <a:solidFill>
-              <a:srgbClr val="5B9BD5"/>
-            </a:solidFill>
-          </a:ln>
-        </p:spPr>
-        <p:style>
-          <a:lnRef idx="1">
-            <a:schemeClr val="dk1"/>
-          </a:lnRef>
-          <a:fillRef idx="0">
-            <a:schemeClr val="dk1"/>
-          </a:fillRef>
-          <a:effectRef idx="0">
-            <a:schemeClr val="dk1"/>
-          </a:effectRef>
-          <a:fontRef idx="minor">
-            <a:schemeClr val="tx1"/>
-          </a:fontRef>
-        </p:style>
-      </p:cxnSp>
-      <p:cxnSp>
-        <p:nvCxnSpPr>
-          <p:cNvPr id="32" name="Straight Connector 31"/>
-          <p:cNvCxnSpPr>
-            <a:stCxn id="10" idx="3"/>
-          </p:cNvCxnSpPr>
-          <p:nvPr/>
-        </p:nvCxnSpPr>
-        <p:spPr>
-          <a:xfrm flipV="1">
-            <a:off x="7439251" y="1554732"/>
-            <a:ext cx="341158" cy="1"/>
-          </a:xfrm>
-          <a:prstGeom prst="line">
-            <a:avLst/>
-          </a:prstGeom>
-          <a:ln>
-            <a:solidFill>
-              <a:srgbClr val="5B9BD5"/>
-            </a:solidFill>
-          </a:ln>
-        </p:spPr>
-        <p:style>
-          <a:lnRef idx="1">
-            <a:schemeClr val="dk1"/>
-          </a:lnRef>
-          <a:fillRef idx="0">
-            <a:schemeClr val="dk1"/>
-          </a:fillRef>
-          <a:effectRef idx="0">
-            <a:schemeClr val="dk1"/>
-          </a:effectRef>
-          <a:fontRef idx="minor">
-            <a:schemeClr val="tx1"/>
-          </a:fontRef>
-        </p:style>
-      </p:cxnSp>
-      <p:cxnSp>
-        <p:nvCxnSpPr>
-          <p:cNvPr id="33" name="Straight Connector 32"/>
-          <p:cNvCxnSpPr/>
-          <p:nvPr/>
-        </p:nvCxnSpPr>
-        <p:spPr>
-          <a:xfrm>
-            <a:off x="7941912" y="2227082"/>
-            <a:ext cx="1003300" cy="0"/>
-          </a:xfrm>
-          <a:prstGeom prst="line">
-            <a:avLst/>
-          </a:prstGeom>
-          <a:ln w="25400" cmpd="dbl">
-            <a:solidFill>
-              <a:srgbClr val="5B9BD5"/>
-            </a:solidFill>
-          </a:ln>
-        </p:spPr>
-        <p:style>
-          <a:lnRef idx="1">
-            <a:schemeClr val="dk1"/>
-          </a:lnRef>
-          <a:fillRef idx="0">
-            <a:schemeClr val="dk1"/>
-          </a:fillRef>
-          <a:effectRef idx="0">
-            <a:schemeClr val="dk1"/>
-          </a:effectRef>
-          <a:fontRef idx="minor">
-            <a:schemeClr val="tx1"/>
-          </a:fontRef>
-        </p:style>
-      </p:cxnSp>
-      <p:cxnSp>
-        <p:nvCxnSpPr>
-          <p:cNvPr id="34" name="Straight Connector 33"/>
-          <p:cNvCxnSpPr>
-            <a:stCxn id="8" idx="3"/>
-          </p:cNvCxnSpPr>
-          <p:nvPr/>
-        </p:nvCxnSpPr>
-        <p:spPr>
-          <a:xfrm flipV="1">
-            <a:off x="7439251" y="2227083"/>
-            <a:ext cx="336925" cy="1"/>
-          </a:xfrm>
-          <a:prstGeom prst="line">
-            <a:avLst/>
-          </a:prstGeom>
-          <a:ln>
-            <a:solidFill>
-              <a:srgbClr val="5B9BD5"/>
-            </a:solidFill>
-          </a:ln>
-        </p:spPr>
-        <p:style>
-          <a:lnRef idx="1">
-            <a:schemeClr val="dk1"/>
-          </a:lnRef>
-          <a:fillRef idx="0">
-            <a:schemeClr val="dk1"/>
-          </a:fillRef>
-          <a:effectRef idx="0">
-            <a:schemeClr val="dk1"/>
-          </a:effectRef>
-          <a:fontRef idx="minor">
-            <a:schemeClr val="tx1"/>
-          </a:fontRef>
-        </p:style>
-      </p:cxnSp>
-      <p:cxnSp>
-        <p:nvCxnSpPr>
-          <p:cNvPr id="35" name="Straight Connector 34"/>
-          <p:cNvCxnSpPr>
-            <a:stCxn id="11" idx="3"/>
-          </p:cNvCxnSpPr>
-          <p:nvPr/>
-        </p:nvCxnSpPr>
-        <p:spPr>
-          <a:xfrm flipV="1">
-            <a:off x="7439251" y="2948960"/>
-            <a:ext cx="336925" cy="1"/>
-          </a:xfrm>
-          <a:prstGeom prst="line">
-            <a:avLst/>
-          </a:prstGeom>
-          <a:ln>
-            <a:solidFill>
-              <a:srgbClr val="5B9BD5"/>
-            </a:solidFill>
-          </a:ln>
-        </p:spPr>
-        <p:style>
-          <a:lnRef idx="1">
-            <a:schemeClr val="dk1"/>
-          </a:lnRef>
-          <a:fillRef idx="0">
-            <a:schemeClr val="dk1"/>
-          </a:fillRef>
-          <a:effectRef idx="0">
-            <a:schemeClr val="dk1"/>
-          </a:effectRef>
-          <a:fontRef idx="minor">
-            <a:schemeClr val="tx1"/>
-          </a:fontRef>
-        </p:style>
-      </p:cxnSp>
-      <p:cxnSp>
-        <p:nvCxnSpPr>
-          <p:cNvPr id="36" name="Straight Connector 35"/>
-          <p:cNvCxnSpPr>
-            <a:endCxn id="30" idx="1"/>
-          </p:cNvCxnSpPr>
-          <p:nvPr/>
-        </p:nvCxnSpPr>
-        <p:spPr>
-          <a:xfrm>
-            <a:off x="7928576" y="2948960"/>
-            <a:ext cx="1003300" cy="0"/>
-          </a:xfrm>
-          <a:prstGeom prst="line">
-            <a:avLst/>
-          </a:prstGeom>
-          <a:ln w="25400" cmpd="dbl">
-            <a:solidFill>
-              <a:srgbClr val="5B9BD5"/>
-            </a:solidFill>
-          </a:ln>
-        </p:spPr>
-        <p:style>
-          <a:lnRef idx="1">
-            <a:schemeClr val="dk1"/>
-          </a:lnRef>
-          <a:fillRef idx="0">
-            <a:schemeClr val="dk1"/>
-          </a:fillRef>
-          <a:effectRef idx="0">
-            <a:schemeClr val="dk1"/>
-          </a:effectRef>
-          <a:fontRef idx="minor">
-            <a:schemeClr val="tx1"/>
-          </a:fontRef>
-        </p:style>
-      </p:cxnSp>
-      <p:sp>
-        <p:nvSpPr>
-          <p:cNvPr id="49" name="Isosceles Triangle 48"/>
-          <p:cNvSpPr/>
-          <p:nvPr/>
-        </p:nvSpPr>
-        <p:spPr>
-          <a:xfrm>
-            <a:off x="8884252" y="3335877"/>
-            <a:ext cx="171450" cy="80433"/>
-          </a:xfrm>
-          <a:prstGeom prst="triangle">
-            <a:avLst/>
-          </a:prstGeom>
-          <a:solidFill>
-            <a:srgbClr val="FFC000"/>
-          </a:solidFill>
-          <a:ln>
-            <a:solidFill>
-              <a:schemeClr val="tx1"/>
-            </a:solidFill>
-          </a:ln>
-        </p:spPr>
-        <p:style>
-          <a:lnRef idx="2">
-            <a:schemeClr val="accent1">
-              <a:shade val="50000"/>
-            </a:schemeClr>
-          </a:lnRef>
-          <a:fillRef idx="1">
-            <a:schemeClr val="accent1"/>
-          </a:fillRef>
-          <a:effectRef idx="0">
-            <a:schemeClr val="accent1"/>
-          </a:effectRef>
-          <a:fontRef idx="minor">
-            <a:schemeClr val="lt1"/>
-          </a:fontRef>
-        </p:style>
-        <p:txBody>
-          <a:bodyPr rtlCol="0" anchor="ctr"/>
-          <a:lstStyle/>
-          <a:p>
-            <a:pPr algn="ctr"/>
-            <a:endParaRPr lang="en-US"/>
-          </a:p>
-        </p:txBody>
-      </p:sp>
-      <p:sp>
-        <p:nvSpPr>
-          <p:cNvPr id="50" name="Rectangle 49"/>
-          <p:cNvSpPr/>
-          <p:nvPr/>
-        </p:nvSpPr>
-        <p:spPr>
-          <a:xfrm>
-            <a:off x="8893776" y="3416310"/>
-            <a:ext cx="152400" cy="103343"/>
-          </a:xfrm>
-          <a:prstGeom prst="rect">
-            <a:avLst/>
-          </a:prstGeom>
-          <a:solidFill>
-            <a:srgbClr val="7030A0"/>
-          </a:solidFill>
-          <a:ln>
-            <a:solidFill>
-              <a:schemeClr val="tx1"/>
-            </a:solidFill>
-          </a:ln>
-        </p:spPr>
-        <p:style>
-          <a:lnRef idx="2">
-            <a:schemeClr val="accent1">
-              <a:shade val="50000"/>
-            </a:schemeClr>
-          </a:lnRef>
-          <a:fillRef idx="1">
-            <a:schemeClr val="accent1"/>
-          </a:fillRef>
-          <a:effectRef idx="0">
-            <a:schemeClr val="accent1"/>
-          </a:effectRef>
-          <a:fontRef idx="minor">
-            <a:schemeClr val="lt1"/>
-          </a:fontRef>
-        </p:style>
-        <p:txBody>
-          <a:bodyPr rtlCol="0" anchor="ctr"/>
-          <a:lstStyle/>
-          <a:p>
-            <a:pPr algn="ctr"/>
-            <a:endParaRPr lang="en-US"/>
-          </a:p>
-        </p:txBody>
-      </p:sp>
-      <p:sp>
-        <p:nvSpPr>
-          <p:cNvPr id="53" name="Isosceles Triangle 52"/>
-          <p:cNvSpPr/>
-          <p:nvPr/>
-        </p:nvSpPr>
-        <p:spPr>
-          <a:xfrm>
-            <a:off x="9021412" y="1611386"/>
-            <a:ext cx="171450" cy="80433"/>
-          </a:xfrm>
-          <a:prstGeom prst="triangle">
-            <a:avLst/>
-          </a:prstGeom>
-          <a:solidFill>
-            <a:srgbClr val="FFC000"/>
-          </a:solidFill>
-          <a:ln>
-            <a:solidFill>
-              <a:schemeClr val="tx1"/>
-            </a:solidFill>
-          </a:ln>
-        </p:spPr>
-        <p:style>
-          <a:lnRef idx="2">
-            <a:schemeClr val="accent1">
-              <a:shade val="50000"/>
-            </a:schemeClr>
-          </a:lnRef>
-          <a:fillRef idx="1">
-            <a:schemeClr val="accent1"/>
-          </a:fillRef>
-          <a:effectRef idx="0">
-            <a:schemeClr val="accent1"/>
-          </a:effectRef>
-          <a:fontRef idx="minor">
-            <a:schemeClr val="lt1"/>
-          </a:fontRef>
-        </p:style>
-        <p:txBody>
-          <a:bodyPr rtlCol="0" anchor="ctr"/>
-          <a:lstStyle/>
-          <a:p>
-            <a:pPr algn="ctr"/>
-            <a:endParaRPr lang="en-US"/>
-          </a:p>
-        </p:txBody>
-      </p:sp>
-      <p:sp>
-        <p:nvSpPr>
-          <p:cNvPr id="54" name="Rectangle 53"/>
-          <p:cNvSpPr/>
-          <p:nvPr/>
-        </p:nvSpPr>
-        <p:spPr>
-          <a:xfrm>
-            <a:off x="9030936" y="1691819"/>
-            <a:ext cx="152400" cy="103343"/>
-          </a:xfrm>
-          <a:prstGeom prst="rect">
-            <a:avLst/>
-          </a:prstGeom>
-          <a:solidFill>
-            <a:srgbClr val="7030A0"/>
-          </a:solidFill>
-          <a:ln>
-            <a:solidFill>
-              <a:schemeClr val="tx1"/>
-            </a:solidFill>
-          </a:ln>
-        </p:spPr>
-        <p:style>
-          <a:lnRef idx="2">
-            <a:schemeClr val="accent1">
-              <a:shade val="50000"/>
-            </a:schemeClr>
-          </a:lnRef>
-          <a:fillRef idx="1">
-            <a:schemeClr val="accent1"/>
-          </a:fillRef>
-          <a:effectRef idx="0">
-            <a:schemeClr val="accent1"/>
-          </a:effectRef>
-          <a:fontRef idx="minor">
-            <a:schemeClr val="lt1"/>
-          </a:fontRef>
-        </p:style>
-        <p:txBody>
-          <a:bodyPr rtlCol="0" anchor="ctr"/>
-          <a:lstStyle/>
-          <a:p>
-            <a:pPr algn="ctr"/>
-            <a:endParaRPr lang="en-US"/>
-          </a:p>
-        </p:txBody>
-      </p:sp>
-      <p:cxnSp>
-        <p:nvCxnSpPr>
-          <p:cNvPr id="55" name="Straight Connector 54"/>
-          <p:cNvCxnSpPr>
-            <a:stCxn id="5" idx="3"/>
-            <a:endCxn id="7" idx="2"/>
-          </p:cNvCxnSpPr>
-          <p:nvPr/>
-        </p:nvCxnSpPr>
-        <p:spPr>
-          <a:xfrm flipV="1">
-            <a:off x="6038569" y="2227084"/>
-            <a:ext cx="395640" cy="1"/>
-          </a:xfrm>
-          <a:prstGeom prst="line">
-            <a:avLst/>
-          </a:prstGeom>
-          <a:ln>
-            <a:solidFill>
-              <a:srgbClr val="5B9BD5"/>
-            </a:solidFill>
-          </a:ln>
-        </p:spPr>
-        <p:style>
-          <a:lnRef idx="1">
-            <a:schemeClr val="dk1"/>
-          </a:lnRef>
-          <a:fillRef idx="0">
-            <a:schemeClr val="dk1"/>
-          </a:fillRef>
-          <a:effectRef idx="0">
-            <a:schemeClr val="dk1"/>
-          </a:effectRef>
-          <a:fontRef idx="minor">
-            <a:schemeClr val="tx1"/>
-          </a:fontRef>
-        </p:style>
-      </p:cxnSp>
-      <p:cxnSp>
-        <p:nvCxnSpPr>
-          <p:cNvPr id="56" name="Straight Connector 55"/>
-          <p:cNvCxnSpPr>
-            <a:stCxn id="6" idx="6"/>
-            <a:endCxn id="5" idx="1"/>
-          </p:cNvCxnSpPr>
-          <p:nvPr/>
-        </p:nvCxnSpPr>
-        <p:spPr>
-          <a:xfrm>
-            <a:off x="5387689" y="2227083"/>
-            <a:ext cx="451166" cy="2"/>
-          </a:xfrm>
-          <a:prstGeom prst="line">
-            <a:avLst/>
-          </a:prstGeom>
-          <a:ln>
-            <a:solidFill>
-              <a:srgbClr val="5B9BD5"/>
-            </a:solidFill>
-          </a:ln>
-        </p:spPr>
-        <p:style>
-          <a:lnRef idx="1">
-            <a:schemeClr val="dk1"/>
-          </a:lnRef>
-          <a:fillRef idx="0">
-            <a:schemeClr val="dk1"/>
-          </a:fillRef>
-          <a:effectRef idx="0">
-            <a:schemeClr val="dk1"/>
-          </a:effectRef>
-          <a:fontRef idx="minor">
-            <a:schemeClr val="tx1"/>
-          </a:fontRef>
-        </p:style>
-      </p:cxnSp>
-      <p:sp>
-        <p:nvSpPr>
-          <p:cNvPr id="61" name="Hexagon 60"/>
-          <p:cNvSpPr/>
-          <p:nvPr/>
-        </p:nvSpPr>
-        <p:spPr>
-          <a:xfrm>
-            <a:off x="9183336" y="1772252"/>
-            <a:ext cx="121920" cy="119033"/>
-          </a:xfrm>
-          <a:prstGeom prst="hexagon">
-            <a:avLst/>
-          </a:prstGeom>
-          <a:solidFill>
-            <a:srgbClr val="7030A0"/>
-          </a:solidFill>
-        </p:spPr>
-        <p:style>
-          <a:lnRef idx="2">
-            <a:schemeClr val="dk1">
-              <a:shade val="50000"/>
-            </a:schemeClr>
-          </a:lnRef>
-          <a:fillRef idx="1">
-            <a:schemeClr val="dk1"/>
-          </a:fillRef>
-          <a:effectRef idx="0">
-            <a:schemeClr val="dk1"/>
-          </a:effectRef>
-          <a:fontRef idx="minor">
-            <a:schemeClr val="lt1"/>
-          </a:fontRef>
-        </p:style>
-        <p:txBody>
-          <a:bodyPr rtlCol="0" anchor="ctr"/>
-          <a:lstStyle/>
-          <a:p>
-            <a:pPr algn="ctr"/>
-            <a:endParaRPr lang="en-US"/>
-          </a:p>
-        </p:txBody>
-      </p:sp>
-      <p:sp>
-        <p:nvSpPr>
-          <p:cNvPr id="62" name="Hexagon 61"/>
-          <p:cNvSpPr/>
-          <p:nvPr/>
-        </p:nvSpPr>
-        <p:spPr>
-          <a:xfrm>
-            <a:off x="8619282" y="3621611"/>
-            <a:ext cx="121920" cy="119033"/>
-          </a:xfrm>
-          <a:prstGeom prst="hexagon">
-            <a:avLst/>
-          </a:prstGeom>
-          <a:solidFill>
-            <a:srgbClr val="7030A0"/>
-          </a:solidFill>
-        </p:spPr>
-        <p:style>
-          <a:lnRef idx="2">
-            <a:schemeClr val="dk1">
-              <a:shade val="50000"/>
-            </a:schemeClr>
-          </a:lnRef>
-          <a:fillRef idx="1">
-            <a:schemeClr val="dk1"/>
-          </a:fillRef>
-          <a:effectRef idx="0">
-            <a:schemeClr val="dk1"/>
-          </a:effectRef>
-          <a:fontRef idx="minor">
-            <a:schemeClr val="lt1"/>
-          </a:fontRef>
-        </p:style>
-        <p:txBody>
-          <a:bodyPr rtlCol="0" anchor="ctr"/>
-          <a:lstStyle/>
-          <a:p>
-            <a:pPr algn="ctr"/>
-            <a:endParaRPr lang="en-US"/>
-          </a:p>
-        </p:txBody>
-      </p:sp>
-      <p:sp>
-        <p:nvSpPr>
-          <p:cNvPr id="64" name="Isosceles Triangle 63"/>
-          <p:cNvSpPr/>
-          <p:nvPr/>
-        </p:nvSpPr>
-        <p:spPr>
-          <a:xfrm>
-            <a:off x="9023316" y="2274523"/>
-            <a:ext cx="171450" cy="80433"/>
-          </a:xfrm>
-          <a:prstGeom prst="triangle">
-            <a:avLst/>
-          </a:prstGeom>
-          <a:solidFill>
-            <a:srgbClr val="FFC000"/>
-          </a:solidFill>
-          <a:ln>
-            <a:solidFill>
-              <a:schemeClr val="tx1"/>
-            </a:solidFill>
-          </a:ln>
-        </p:spPr>
-        <p:style>
-          <a:lnRef idx="2">
-            <a:schemeClr val="accent1">
-              <a:shade val="50000"/>
-            </a:schemeClr>
-          </a:lnRef>
-          <a:fillRef idx="1">
-            <a:schemeClr val="accent1"/>
-          </a:fillRef>
-          <a:effectRef idx="0">
-            <a:schemeClr val="accent1"/>
-          </a:effectRef>
-          <a:fontRef idx="minor">
-            <a:schemeClr val="lt1"/>
-          </a:fontRef>
-        </p:style>
-        <p:txBody>
-          <a:bodyPr rtlCol="0" anchor="ctr"/>
-          <a:lstStyle/>
-          <a:p>
-            <a:pPr algn="ctr"/>
-            <a:endParaRPr lang="en-US"/>
-          </a:p>
-        </p:txBody>
-      </p:sp>
-      <p:sp>
-        <p:nvSpPr>
-          <p:cNvPr id="65" name="Rectangle 64"/>
-          <p:cNvSpPr/>
-          <p:nvPr/>
-        </p:nvSpPr>
-        <p:spPr>
-          <a:xfrm>
-            <a:off x="9032840" y="2354956"/>
-            <a:ext cx="152400" cy="103343"/>
-          </a:xfrm>
-          <a:prstGeom prst="rect">
-            <a:avLst/>
-          </a:prstGeom>
-          <a:solidFill>
-            <a:srgbClr val="7030A0"/>
-          </a:solidFill>
-          <a:ln>
-            <a:solidFill>
-              <a:schemeClr val="tx1"/>
-            </a:solidFill>
-          </a:ln>
-        </p:spPr>
-        <p:style>
-          <a:lnRef idx="2">
-            <a:schemeClr val="accent1">
-              <a:shade val="50000"/>
-            </a:schemeClr>
-          </a:lnRef>
-          <a:fillRef idx="1">
-            <a:schemeClr val="accent1"/>
-          </a:fillRef>
-          <a:effectRef idx="0">
-            <a:schemeClr val="accent1"/>
-          </a:effectRef>
-          <a:fontRef idx="minor">
-            <a:schemeClr val="lt1"/>
-          </a:fontRef>
-        </p:style>
-        <p:txBody>
-          <a:bodyPr rtlCol="0" anchor="ctr"/>
-          <a:lstStyle/>
-          <a:p>
-            <a:pPr algn="ctr"/>
-            <a:endParaRPr lang="en-US"/>
-          </a:p>
-        </p:txBody>
-      </p:sp>
-      <p:sp>
-        <p:nvSpPr>
-          <p:cNvPr id="66" name="Hexagon 65"/>
-          <p:cNvSpPr/>
-          <p:nvPr/>
-        </p:nvSpPr>
-        <p:spPr>
-          <a:xfrm>
-            <a:off x="9185240" y="2435389"/>
-            <a:ext cx="121920" cy="119033"/>
-          </a:xfrm>
-          <a:prstGeom prst="hexagon">
-            <a:avLst/>
-          </a:prstGeom>
-          <a:solidFill>
-            <a:srgbClr val="7030A0"/>
-          </a:solidFill>
-        </p:spPr>
-        <p:style>
-          <a:lnRef idx="2">
-            <a:schemeClr val="dk1">
-              <a:shade val="50000"/>
-            </a:schemeClr>
-          </a:lnRef>
-          <a:fillRef idx="1">
-            <a:schemeClr val="dk1"/>
-          </a:fillRef>
-          <a:effectRef idx="0">
-            <a:schemeClr val="dk1"/>
-          </a:effectRef>
-          <a:fontRef idx="minor">
-            <a:schemeClr val="lt1"/>
-          </a:fontRef>
-        </p:style>
-        <p:txBody>
-          <a:bodyPr rtlCol="0" anchor="ctr"/>
-          <a:lstStyle/>
-          <a:p>
-            <a:pPr algn="ctr"/>
-            <a:endParaRPr lang="en-US"/>
-          </a:p>
-        </p:txBody>
-      </p:sp>
-      <p:cxnSp>
-        <p:nvCxnSpPr>
-          <p:cNvPr id="67" name="Straight Connector 66"/>
-          <p:cNvCxnSpPr>
-            <a:stCxn id="50" idx="2"/>
-            <a:endCxn id="62" idx="5"/>
-          </p:cNvCxnSpPr>
-          <p:nvPr/>
-        </p:nvCxnSpPr>
-        <p:spPr>
-          <a:xfrm flipH="1">
-            <a:off x="8711444" y="3519653"/>
-            <a:ext cx="258532" cy="101958"/>
-          </a:xfrm>
-          <a:prstGeom prst="line">
-            <a:avLst/>
-          </a:prstGeom>
-          <a:ln>
-            <a:solidFill>
-              <a:srgbClr val="5B9BD5"/>
-            </a:solidFill>
-          </a:ln>
-        </p:spPr>
-        <p:style>
-          <a:lnRef idx="1">
-            <a:schemeClr val="dk1"/>
-          </a:lnRef>
-          <a:fillRef idx="0">
-            <a:schemeClr val="dk1"/>
-          </a:fillRef>
-          <a:effectRef idx="0">
-            <a:schemeClr val="dk1"/>
-          </a:effectRef>
-          <a:fontRef idx="minor">
-            <a:schemeClr val="tx1"/>
-          </a:fontRef>
-        </p:style>
-      </p:cxnSp>
-      <p:cxnSp>
-        <p:nvCxnSpPr>
-          <p:cNvPr id="68" name="Straight Connector 67"/>
-          <p:cNvCxnSpPr>
-            <a:stCxn id="30" idx="3"/>
-            <a:endCxn id="49" idx="0"/>
-          </p:cNvCxnSpPr>
-          <p:nvPr/>
-        </p:nvCxnSpPr>
-        <p:spPr>
-          <a:xfrm>
-            <a:off x="8969976" y="3029393"/>
-            <a:ext cx="1" cy="306484"/>
-          </a:xfrm>
-          <a:prstGeom prst="line">
-            <a:avLst/>
-          </a:prstGeom>
-        </p:spPr>
-        <p:style>
-          <a:lnRef idx="1">
-            <a:schemeClr val="dk1"/>
-          </a:lnRef>
-          <a:fillRef idx="0">
-            <a:schemeClr val="dk1"/>
-          </a:fillRef>
-          <a:effectRef idx="0">
-            <a:schemeClr val="dk1"/>
-          </a:effectRef>
-          <a:fontRef idx="minor">
-            <a:schemeClr val="tx1"/>
-          </a:fontRef>
-        </p:style>
-      </p:cxnSp>
-      <p:sp>
-        <p:nvSpPr>
-          <p:cNvPr id="82" name="Diamond 81"/>
-          <p:cNvSpPr/>
-          <p:nvPr/>
-        </p:nvSpPr>
-        <p:spPr>
-          <a:xfrm>
-            <a:off x="6371967" y="3256565"/>
-            <a:ext cx="274320" cy="274320"/>
-          </a:xfrm>
-          <a:prstGeom prst="diamond">
-            <a:avLst/>
-          </a:prstGeom>
-          <a:solidFill>
-            <a:srgbClr val="7030A0"/>
-          </a:solidFill>
-        </p:spPr>
-        <p:style>
-          <a:lnRef idx="2">
-            <a:schemeClr val="dk1">
-              <a:shade val="50000"/>
-            </a:schemeClr>
-          </a:lnRef>
-          <a:fillRef idx="1">
-            <a:schemeClr val="dk1"/>
-          </a:fillRef>
-          <a:effectRef idx="0">
-            <a:schemeClr val="dk1"/>
-          </a:effectRef>
-          <a:fontRef idx="minor">
-            <a:schemeClr val="lt1"/>
-          </a:fontRef>
-        </p:style>
-        <p:txBody>
-          <a:bodyPr rtlCol="0" anchor="ctr"/>
-          <a:lstStyle/>
-          <a:p>
-            <a:pPr algn="ctr"/>
-            <a:endParaRPr lang="en-US"/>
-          </a:p>
-        </p:txBody>
-      </p:sp>
-      <p:sp>
-        <p:nvSpPr>
-          <p:cNvPr id="84" name="Parallelogram 83"/>
-          <p:cNvSpPr/>
-          <p:nvPr/>
-        </p:nvSpPr>
-        <p:spPr>
-          <a:xfrm>
-            <a:off x="9385431" y="2819399"/>
-            <a:ext cx="228600" cy="259120"/>
-          </a:xfrm>
-          <a:prstGeom prst="parallelogram">
-            <a:avLst/>
-          </a:prstGeom>
-          <a:solidFill>
-            <a:srgbClr val="CC66FF"/>
-          </a:solidFill>
-        </p:spPr>
-        <p:style>
-          <a:lnRef idx="2">
-            <a:schemeClr val="dk1">
-              <a:shade val="50000"/>
-            </a:schemeClr>
-          </a:lnRef>
-          <a:fillRef idx="1">
-            <a:schemeClr val="dk1"/>
-          </a:fillRef>
-          <a:effectRef idx="0">
-            <a:schemeClr val="dk1"/>
-          </a:effectRef>
-          <a:fontRef idx="minor">
-            <a:schemeClr val="lt1"/>
-          </a:fontRef>
-        </p:style>
-        <p:txBody>
-          <a:bodyPr rtlCol="0" anchor="ctr"/>
-          <a:lstStyle/>
-          <a:p>
-            <a:pPr algn="ctr"/>
-            <a:endParaRPr lang="en-US"/>
-          </a:p>
-        </p:txBody>
-      </p:sp>
-      <p:sp>
-        <p:nvSpPr>
-          <p:cNvPr id="85" name="Parallelogram 84"/>
-          <p:cNvSpPr/>
-          <p:nvPr/>
-        </p:nvSpPr>
-        <p:spPr>
-          <a:xfrm>
-            <a:off x="9385431" y="1418838"/>
-            <a:ext cx="228600" cy="259120"/>
-          </a:xfrm>
-          <a:prstGeom prst="parallelogram">
-            <a:avLst/>
-          </a:prstGeom>
-          <a:solidFill>
-            <a:srgbClr val="CC66FF"/>
-          </a:solidFill>
-        </p:spPr>
-        <p:style>
-          <a:lnRef idx="2">
-            <a:schemeClr val="dk1">
-              <a:shade val="50000"/>
-            </a:schemeClr>
-          </a:lnRef>
-          <a:fillRef idx="1">
-            <a:schemeClr val="dk1"/>
-          </a:fillRef>
-          <a:effectRef idx="0">
-            <a:schemeClr val="dk1"/>
-          </a:effectRef>
-          <a:fontRef idx="minor">
-            <a:schemeClr val="lt1"/>
-          </a:fontRef>
-        </p:style>
-        <p:txBody>
-          <a:bodyPr rtlCol="0" anchor="ctr"/>
-          <a:lstStyle/>
-          <a:p>
-            <a:pPr algn="ctr"/>
-            <a:endParaRPr lang="en-US"/>
-          </a:p>
-        </p:txBody>
-      </p:sp>
-      <p:sp>
-        <p:nvSpPr>
-          <p:cNvPr id="86" name="Parallelogram 85"/>
-          <p:cNvSpPr/>
-          <p:nvPr/>
-        </p:nvSpPr>
-        <p:spPr>
-          <a:xfrm>
-            <a:off x="9385431" y="2104343"/>
-            <a:ext cx="228600" cy="259120"/>
-          </a:xfrm>
-          <a:prstGeom prst="parallelogram">
-            <a:avLst/>
-          </a:prstGeom>
-          <a:solidFill>
-            <a:srgbClr val="CC66FF"/>
-          </a:solidFill>
-        </p:spPr>
-        <p:style>
-          <a:lnRef idx="2">
-            <a:schemeClr val="dk1">
-              <a:shade val="50000"/>
-            </a:schemeClr>
-          </a:lnRef>
-          <a:fillRef idx="1">
-            <a:schemeClr val="dk1"/>
-          </a:fillRef>
-          <a:effectRef idx="0">
-            <a:schemeClr val="dk1"/>
-          </a:effectRef>
-          <a:fontRef idx="minor">
-            <a:schemeClr val="lt1"/>
-          </a:fontRef>
-        </p:style>
-        <p:txBody>
-          <a:bodyPr rtlCol="0" anchor="ctr"/>
-          <a:lstStyle/>
-          <a:p>
-            <a:pPr algn="ctr"/>
-            <a:endParaRPr lang="en-US"/>
-          </a:p>
-        </p:txBody>
-      </p:sp>
-      <p:cxnSp>
-        <p:nvCxnSpPr>
-          <p:cNvPr id="111" name="Straight Connector 110"/>
-          <p:cNvCxnSpPr>
-            <a:stCxn id="30" idx="5"/>
-            <a:endCxn id="84" idx="5"/>
-          </p:cNvCxnSpPr>
-          <p:nvPr/>
-        </p:nvCxnSpPr>
-        <p:spPr>
-          <a:xfrm flipV="1">
-            <a:off x="9008076" y="2948959"/>
-            <a:ext cx="405930" cy="1"/>
-          </a:xfrm>
-          <a:prstGeom prst="line">
-            <a:avLst/>
-          </a:prstGeom>
-          <a:ln>
-            <a:solidFill>
-              <a:srgbClr val="5B9BD5"/>
-            </a:solidFill>
-          </a:ln>
-        </p:spPr>
-        <p:style>
-          <a:lnRef idx="1">
-            <a:schemeClr val="dk1"/>
-          </a:lnRef>
-          <a:fillRef idx="0">
-            <a:schemeClr val="dk1"/>
-          </a:fillRef>
-          <a:effectRef idx="0">
-            <a:schemeClr val="dk1"/>
-          </a:effectRef>
-          <a:fontRef idx="minor">
-            <a:schemeClr val="tx1"/>
-          </a:fontRef>
-        </p:style>
-      </p:cxnSp>
-      <p:cxnSp>
-        <p:nvCxnSpPr>
-          <p:cNvPr id="112" name="Straight Connector 111"/>
-          <p:cNvCxnSpPr>
-            <a:stCxn id="29" idx="5"/>
-            <a:endCxn id="86" idx="5"/>
-          </p:cNvCxnSpPr>
-          <p:nvPr/>
-        </p:nvCxnSpPr>
-        <p:spPr>
-          <a:xfrm>
-            <a:off x="9008076" y="2227083"/>
-            <a:ext cx="405930" cy="6820"/>
-          </a:xfrm>
-          <a:prstGeom prst="line">
-            <a:avLst/>
-          </a:prstGeom>
-          <a:ln>
-            <a:solidFill>
-              <a:srgbClr val="5B9BD5"/>
-            </a:solidFill>
-          </a:ln>
-        </p:spPr>
-        <p:style>
-          <a:lnRef idx="1">
-            <a:schemeClr val="dk1"/>
-          </a:lnRef>
-          <a:fillRef idx="0">
-            <a:schemeClr val="dk1"/>
-          </a:fillRef>
-          <a:effectRef idx="0">
-            <a:schemeClr val="dk1"/>
-          </a:effectRef>
-          <a:fontRef idx="minor">
-            <a:schemeClr val="tx1"/>
-          </a:fontRef>
-        </p:style>
-      </p:cxnSp>
-      <p:cxnSp>
-        <p:nvCxnSpPr>
-          <p:cNvPr id="115" name="Straight Connector 114"/>
-          <p:cNvCxnSpPr>
-            <a:stCxn id="28" idx="5"/>
-            <a:endCxn id="85" idx="5"/>
-          </p:cNvCxnSpPr>
-          <p:nvPr/>
-        </p:nvCxnSpPr>
-        <p:spPr>
-          <a:xfrm flipV="1">
-            <a:off x="9012309" y="1548398"/>
-            <a:ext cx="401697" cy="6334"/>
-          </a:xfrm>
-          <a:prstGeom prst="line">
-            <a:avLst/>
-          </a:prstGeom>
-          <a:ln>
-            <a:solidFill>
-              <a:srgbClr val="5B9BD5"/>
-            </a:solidFill>
-          </a:ln>
-        </p:spPr>
-        <p:style>
-          <a:lnRef idx="1">
-            <a:schemeClr val="dk1"/>
-          </a:lnRef>
-          <a:fillRef idx="0">
-            <a:schemeClr val="dk1"/>
-          </a:fillRef>
-          <a:effectRef idx="0">
-            <a:schemeClr val="dk1"/>
-          </a:effectRef>
-          <a:fontRef idx="minor">
-            <a:schemeClr val="tx1"/>
-          </a:fontRef>
-        </p:style>
-      </p:cxnSp>
-      <p:sp>
-        <p:nvSpPr>
-          <p:cNvPr id="123" name="Rectangle 122"/>
-          <p:cNvSpPr/>
-          <p:nvPr/>
-        </p:nvSpPr>
-        <p:spPr>
-          <a:xfrm>
-            <a:off x="9330092" y="3362507"/>
-            <a:ext cx="220569" cy="190500"/>
-          </a:xfrm>
-          <a:prstGeom prst="rect">
-            <a:avLst/>
-          </a:prstGeom>
-          <a:solidFill>
-            <a:srgbClr val="C55A11"/>
-          </a:solidFill>
-          <a:ln>
-            <a:noFill/>
-          </a:ln>
-        </p:spPr>
-        <p:style>
-          <a:lnRef idx="3">
-            <a:schemeClr val="lt1"/>
-          </a:lnRef>
-          <a:fillRef idx="1">
-            <a:schemeClr val="accent1"/>
-          </a:fillRef>
-          <a:effectRef idx="1">
-            <a:schemeClr val="accent1"/>
-          </a:effectRef>
-          <a:fontRef idx="minor">
-            <a:schemeClr val="lt1"/>
-          </a:fontRef>
-        </p:style>
-        <p:txBody>
-          <a:bodyPr rtlCol="0" anchor="ctr"/>
-          <a:lstStyle/>
-          <a:p>
-            <a:pPr algn="ctr"/>
-            <a:endParaRPr lang="en-US"/>
-          </a:p>
-        </p:txBody>
-      </p:sp>
-      <p:sp>
-        <p:nvSpPr>
-          <p:cNvPr id="125" name="Rectangle 124"/>
-          <p:cNvSpPr/>
-          <p:nvPr/>
-        </p:nvSpPr>
-        <p:spPr>
-          <a:xfrm>
-            <a:off x="8752200" y="2332256"/>
-            <a:ext cx="220569" cy="190500"/>
-          </a:xfrm>
-          <a:prstGeom prst="rect">
-            <a:avLst/>
-          </a:prstGeom>
-          <a:solidFill>
-            <a:srgbClr val="C55A11"/>
-          </a:solidFill>
-          <a:ln>
-            <a:noFill/>
-          </a:ln>
-        </p:spPr>
-        <p:style>
-          <a:lnRef idx="3">
-            <a:schemeClr val="lt1"/>
-          </a:lnRef>
-          <a:fillRef idx="1">
-            <a:schemeClr val="accent1"/>
-          </a:fillRef>
-          <a:effectRef idx="1">
-            <a:schemeClr val="accent1"/>
-          </a:effectRef>
-          <a:fontRef idx="minor">
-            <a:schemeClr val="lt1"/>
-          </a:fontRef>
-        </p:style>
-        <p:txBody>
-          <a:bodyPr rtlCol="0" anchor="ctr"/>
-          <a:lstStyle/>
-          <a:p>
-            <a:pPr algn="ctr"/>
-            <a:endParaRPr lang="en-US"/>
-          </a:p>
-        </p:txBody>
-      </p:sp>
-      <p:sp>
-        <p:nvSpPr>
-          <p:cNvPr id="126" name="Rectangle 125"/>
-          <p:cNvSpPr/>
-          <p:nvPr/>
-        </p:nvSpPr>
-        <p:spPr>
-          <a:xfrm>
-            <a:off x="8765189" y="1675644"/>
-            <a:ext cx="220569" cy="190500"/>
-          </a:xfrm>
-          <a:prstGeom prst="rect">
-            <a:avLst/>
-          </a:prstGeom>
-          <a:solidFill>
-            <a:srgbClr val="C55A11"/>
-          </a:solidFill>
-          <a:ln>
-            <a:noFill/>
-          </a:ln>
-        </p:spPr>
-        <p:style>
-          <a:lnRef idx="3">
-            <a:schemeClr val="lt1"/>
-          </a:lnRef>
-          <a:fillRef idx="1">
-            <a:schemeClr val="accent1"/>
-          </a:fillRef>
-          <a:effectRef idx="1">
-            <a:schemeClr val="accent1"/>
-          </a:effectRef>
-          <a:fontRef idx="minor">
-            <a:schemeClr val="lt1"/>
-          </a:fontRef>
-        </p:style>
-        <p:txBody>
-          <a:bodyPr rtlCol="0" anchor="ctr"/>
-          <a:lstStyle/>
-          <a:p>
-            <a:pPr algn="ctr"/>
-            <a:endParaRPr lang="en-US"/>
-          </a:p>
-        </p:txBody>
-      </p:sp>
-      <p:sp>
-        <p:nvSpPr>
-          <p:cNvPr id="132" name="Oval 131"/>
-          <p:cNvSpPr/>
-          <p:nvPr/>
-        </p:nvSpPr>
-        <p:spPr>
-          <a:xfrm>
-            <a:off x="7690093" y="3948617"/>
-            <a:ext cx="298923" cy="310099"/>
-          </a:xfrm>
-          <a:prstGeom prst="ellipse">
-            <a:avLst/>
-          </a:prstGeom>
-          <a:solidFill>
-            <a:srgbClr val="99CC00"/>
-          </a:solidFill>
-          <a:ln>
-            <a:noFill/>
-          </a:ln>
-        </p:spPr>
-        <p:style>
-          <a:lnRef idx="2">
-            <a:schemeClr val="accent6">
-              <a:shade val="50000"/>
-            </a:schemeClr>
-          </a:lnRef>
-          <a:fillRef idx="1">
-            <a:schemeClr val="accent6"/>
-          </a:fillRef>
-          <a:effectRef idx="0">
-            <a:schemeClr val="accent6"/>
-          </a:effectRef>
-          <a:fontRef idx="minor">
-            <a:schemeClr val="lt1"/>
-          </a:fontRef>
-        </p:style>
-        <p:txBody>
-          <a:bodyPr rtlCol="0" anchor="ctr"/>
-          <a:lstStyle/>
-          <a:p>
-            <a:pPr algn="ctr"/>
-            <a:endParaRPr lang="en-US"/>
-          </a:p>
-        </p:txBody>
-      </p:sp>
-      <p:sp>
-        <p:nvSpPr>
-          <p:cNvPr id="133" name="Oval 132"/>
-          <p:cNvSpPr/>
-          <p:nvPr/>
-        </p:nvSpPr>
-        <p:spPr>
-          <a:xfrm>
-            <a:off x="8434459" y="2316600"/>
-            <a:ext cx="298923" cy="310099"/>
-          </a:xfrm>
-          <a:prstGeom prst="ellipse">
-            <a:avLst/>
-          </a:prstGeom>
-          <a:solidFill>
-            <a:srgbClr val="99CC00"/>
-          </a:solidFill>
-          <a:ln>
-            <a:noFill/>
-          </a:ln>
-        </p:spPr>
-        <p:style>
-          <a:lnRef idx="2">
-            <a:schemeClr val="accent6">
-              <a:shade val="50000"/>
-            </a:schemeClr>
-          </a:lnRef>
-          <a:fillRef idx="1">
-            <a:schemeClr val="accent6"/>
-          </a:fillRef>
-          <a:effectRef idx="0">
-            <a:schemeClr val="accent6"/>
-          </a:effectRef>
-          <a:fontRef idx="minor">
-            <a:schemeClr val="lt1"/>
-          </a:fontRef>
-        </p:style>
-        <p:txBody>
-          <a:bodyPr rtlCol="0" anchor="ctr"/>
-          <a:lstStyle/>
-          <a:p>
-            <a:pPr algn="ctr"/>
-            <a:endParaRPr lang="en-US"/>
-          </a:p>
-        </p:txBody>
-      </p:sp>
-      <p:sp>
-        <p:nvSpPr>
-          <p:cNvPr id="135" name="Oval 134"/>
-          <p:cNvSpPr/>
-          <p:nvPr/>
-        </p:nvSpPr>
-        <p:spPr>
-          <a:xfrm>
-            <a:off x="8421274" y="1695479"/>
-            <a:ext cx="298923" cy="310099"/>
-          </a:xfrm>
-          <a:prstGeom prst="ellipse">
-            <a:avLst/>
-          </a:prstGeom>
-          <a:solidFill>
-            <a:srgbClr val="99CC00"/>
-          </a:solidFill>
-          <a:ln>
-            <a:noFill/>
-          </a:ln>
-        </p:spPr>
-        <p:style>
-          <a:lnRef idx="2">
-            <a:schemeClr val="accent6">
-              <a:shade val="50000"/>
-            </a:schemeClr>
-          </a:lnRef>
-          <a:fillRef idx="1">
-            <a:schemeClr val="accent6"/>
-          </a:fillRef>
-          <a:effectRef idx="0">
-            <a:schemeClr val="accent6"/>
-          </a:effectRef>
-          <a:fontRef idx="minor">
-            <a:schemeClr val="lt1"/>
-          </a:fontRef>
-        </p:style>
-        <p:txBody>
-          <a:bodyPr rtlCol="0" anchor="ctr"/>
-          <a:lstStyle/>
-          <a:p>
-            <a:pPr algn="ctr"/>
-            <a:endParaRPr lang="en-US"/>
-          </a:p>
-        </p:txBody>
-      </p:sp>
-      <p:sp>
-        <p:nvSpPr>
-          <p:cNvPr id="138" name="Rectangle 137"/>
-          <p:cNvSpPr/>
-          <p:nvPr/>
-        </p:nvSpPr>
-        <p:spPr>
-          <a:xfrm>
-            <a:off x="5181260" y="3948617"/>
-            <a:ext cx="298923" cy="310099"/>
-          </a:xfrm>
-          <a:prstGeom prst="rect">
-            <a:avLst/>
-          </a:prstGeom>
-          <a:solidFill>
-            <a:srgbClr val="99CC00"/>
-          </a:solidFill>
-          <a:ln>
-            <a:noFill/>
-          </a:ln>
-        </p:spPr>
-        <p:style>
-          <a:lnRef idx="2">
-            <a:schemeClr val="accent6">
-              <a:shade val="50000"/>
-            </a:schemeClr>
-          </a:lnRef>
-          <a:fillRef idx="1">
-            <a:schemeClr val="accent6"/>
-          </a:fillRef>
-          <a:effectRef idx="0">
-            <a:schemeClr val="accent6"/>
-          </a:effectRef>
-          <a:fontRef idx="minor">
-            <a:schemeClr val="lt1"/>
-          </a:fontRef>
-        </p:style>
-        <p:txBody>
-          <a:bodyPr rtlCol="0" anchor="ctr"/>
-          <a:lstStyle/>
-          <a:p>
-            <a:pPr algn="ctr"/>
-            <a:endParaRPr lang="en-US"/>
-          </a:p>
-        </p:txBody>
-      </p:sp>
-      <p:cxnSp>
-        <p:nvCxnSpPr>
-          <p:cNvPr id="141" name="Straight Connector 140"/>
-          <p:cNvCxnSpPr>
-            <a:stCxn id="132" idx="2"/>
-            <a:endCxn id="138" idx="3"/>
-          </p:cNvCxnSpPr>
-          <p:nvPr/>
-        </p:nvCxnSpPr>
-        <p:spPr>
-          <a:xfrm flipH="1">
-            <a:off x="5480183" y="4103667"/>
-            <a:ext cx="2209910" cy="0"/>
-          </a:xfrm>
-          <a:prstGeom prst="line">
-            <a:avLst/>
-          </a:prstGeom>
-          <a:ln>
-            <a:solidFill>
-              <a:srgbClr val="00B050"/>
-            </a:solidFill>
-            <a:prstDash val="sysDash"/>
-          </a:ln>
-        </p:spPr>
-        <p:style>
-          <a:lnRef idx="1">
-            <a:schemeClr val="dk1"/>
-          </a:lnRef>
-          <a:fillRef idx="0">
-            <a:schemeClr val="dk1"/>
-          </a:fillRef>
-          <a:effectRef idx="0">
-            <a:schemeClr val="dk1"/>
-          </a:effectRef>
-          <a:fontRef idx="minor">
-            <a:schemeClr val="tx1"/>
-          </a:fontRef>
-        </p:style>
-      </p:cxnSp>
-      <p:cxnSp>
-        <p:nvCxnSpPr>
-          <p:cNvPr id="145" name="Straight Connector 144"/>
-          <p:cNvCxnSpPr>
-            <a:stCxn id="132" idx="7"/>
-            <a:endCxn id="49" idx="1"/>
-          </p:cNvCxnSpPr>
-          <p:nvPr/>
-        </p:nvCxnSpPr>
-        <p:spPr>
-          <a:xfrm flipV="1">
-            <a:off x="7945240" y="3376094"/>
-            <a:ext cx="981875" cy="617936"/>
-          </a:xfrm>
-          <a:prstGeom prst="line">
-            <a:avLst/>
-          </a:prstGeom>
-          <a:ln>
-            <a:prstDash val="sysDash"/>
-          </a:ln>
-        </p:spPr>
-        <p:style>
-          <a:lnRef idx="1">
-            <a:schemeClr val="dk1"/>
-          </a:lnRef>
-          <a:fillRef idx="0">
-            <a:schemeClr val="dk1"/>
-          </a:fillRef>
-          <a:effectRef idx="0">
-            <a:schemeClr val="dk1"/>
-          </a:effectRef>
-          <a:fontRef idx="minor">
-            <a:schemeClr val="tx1"/>
-          </a:fontRef>
-        </p:style>
-      </p:cxnSp>
-      <p:sp>
-        <p:nvSpPr>
-          <p:cNvPr id="156" name="TextBox 155"/>
-          <p:cNvSpPr txBox="1"/>
-          <p:nvPr/>
-        </p:nvSpPr>
-        <p:spPr>
-          <a:xfrm>
-            <a:off x="8127831" y="533300"/>
-            <a:ext cx="1970348" cy="369332"/>
-          </a:xfrm>
-          <a:prstGeom prst="rect">
-            <a:avLst/>
-          </a:prstGeom>
-          <a:noFill/>
-        </p:spPr>
-        <p:txBody>
-          <a:bodyPr wrap="none" rtlCol="0">
-            <a:spAutoFit/>
-          </a:bodyPr>
-          <a:lstStyle/>
-          <a:p>
-            <a:r>
-              <a:rPr lang="en-US" dirty="0"/>
-              <a:t>X10 for each phase</a:t>
-            </a:r>
-          </a:p>
-        </p:txBody>
-      </p:sp>
-      <p:sp>
-        <p:nvSpPr>
-          <p:cNvPr id="158" name="Left Brace 157"/>
-          <p:cNvSpPr/>
-          <p:nvPr/>
-        </p:nvSpPr>
-        <p:spPr>
-          <a:xfrm rot="5400000">
-            <a:off x="8243464" y="559319"/>
-            <a:ext cx="379178" cy="1146238"/>
-          </a:xfrm>
-          <a:prstGeom prst="leftBrace">
-            <a:avLst>
-              <a:gd name="adj1" fmla="val 51072"/>
-              <a:gd name="adj2" fmla="val 50000"/>
-            </a:avLst>
-          </a:prstGeom>
-        </p:spPr>
-        <p:style>
-          <a:lnRef idx="1">
-            <a:schemeClr val="dk1"/>
-          </a:lnRef>
-          <a:fillRef idx="0">
-            <a:schemeClr val="dk1"/>
-          </a:fillRef>
-          <a:effectRef idx="0">
-            <a:schemeClr val="dk1"/>
-          </a:effectRef>
-          <a:fontRef idx="minor">
-            <a:schemeClr val="tx1"/>
-          </a:fontRef>
-        </p:style>
-        <p:txBody>
-          <a:bodyPr rtlCol="0" anchor="ctr"/>
-          <a:lstStyle/>
-          <a:p>
-            <a:pPr algn="ctr"/>
-            <a:endParaRPr lang="en-US"/>
-          </a:p>
-        </p:txBody>
-      </p:sp>
-      <p:cxnSp>
-        <p:nvCxnSpPr>
-          <p:cNvPr id="164" name="Straight Arrow Connector 163"/>
-          <p:cNvCxnSpPr/>
-          <p:nvPr/>
-        </p:nvCxnSpPr>
-        <p:spPr>
-          <a:xfrm>
-            <a:off x="5499233" y="4458741"/>
-            <a:ext cx="2209910" cy="0"/>
-          </a:xfrm>
-          <a:prstGeom prst="straightConnector1">
-            <a:avLst/>
-          </a:prstGeom>
-          <a:ln>
-            <a:tailEnd type="triangle"/>
-          </a:ln>
-        </p:spPr>
-        <p:style>
-          <a:lnRef idx="1">
-            <a:schemeClr val="dk1"/>
-          </a:lnRef>
-          <a:fillRef idx="0">
-            <a:schemeClr val="dk1"/>
-          </a:fillRef>
-          <a:effectRef idx="0">
-            <a:schemeClr val="dk1"/>
-          </a:effectRef>
-          <a:fontRef idx="minor">
-            <a:schemeClr val="tx1"/>
-          </a:fontRef>
-        </p:style>
-      </p:cxnSp>
-      <p:cxnSp>
-        <p:nvCxnSpPr>
-          <p:cNvPr id="165" name="Straight Arrow Connector 164"/>
-          <p:cNvCxnSpPr/>
-          <p:nvPr/>
-        </p:nvCxnSpPr>
-        <p:spPr>
-          <a:xfrm rot="10800000">
-            <a:off x="5481654" y="4763833"/>
-            <a:ext cx="2209910" cy="0"/>
-          </a:xfrm>
-          <a:prstGeom prst="straightConnector1">
-            <a:avLst/>
-          </a:prstGeom>
-          <a:ln>
-            <a:solidFill>
-              <a:srgbClr val="FF0000"/>
-            </a:solidFill>
-            <a:tailEnd type="triangle"/>
-          </a:ln>
-        </p:spPr>
-        <p:style>
-          <a:lnRef idx="1">
-            <a:schemeClr val="dk1"/>
-          </a:lnRef>
-          <a:fillRef idx="0">
-            <a:schemeClr val="dk1"/>
-          </a:fillRef>
-          <a:effectRef idx="0">
-            <a:schemeClr val="dk1"/>
-          </a:effectRef>
-          <a:fontRef idx="minor">
-            <a:schemeClr val="tx1"/>
-          </a:fontRef>
-        </p:style>
-      </p:cxnSp>
-      <p:sp>
-        <p:nvSpPr>
-          <p:cNvPr id="166" name="TextBox 165"/>
-          <p:cNvSpPr txBox="1"/>
-          <p:nvPr/>
-        </p:nvSpPr>
-        <p:spPr>
-          <a:xfrm>
-            <a:off x="4970920" y="4243798"/>
-            <a:ext cx="2597186" cy="261610"/>
-          </a:xfrm>
-          <a:prstGeom prst="rect">
-            <a:avLst/>
-          </a:prstGeom>
-          <a:noFill/>
-        </p:spPr>
-        <p:txBody>
-          <a:bodyPr wrap="none" rtlCol="0">
-            <a:spAutoFit/>
-          </a:bodyPr>
-          <a:lstStyle/>
-          <a:p>
-            <a:r>
-              <a:rPr lang="en-US" sz="1100" dirty="0"/>
-              <a:t>{Quote: Cleared Price, Marginal Quantity}</a:t>
-            </a:r>
-          </a:p>
-        </p:txBody>
-      </p:sp>
-      <p:sp>
-        <p:nvSpPr>
-          <p:cNvPr id="169" name="TextBox 168"/>
-          <p:cNvSpPr txBox="1"/>
-          <p:nvPr/>
-        </p:nvSpPr>
-        <p:spPr>
-          <a:xfrm>
-            <a:off x="5750460" y="4528267"/>
-            <a:ext cx="2651498" cy="261610"/>
-          </a:xfrm>
-          <a:prstGeom prst="rect">
-            <a:avLst/>
-          </a:prstGeom>
-          <a:noFill/>
-        </p:spPr>
-        <p:txBody>
-          <a:bodyPr wrap="square" rtlCol="0">
-            <a:spAutoFit/>
-          </a:bodyPr>
-          <a:lstStyle/>
-          <a:p>
-            <a:r>
-              <a:rPr lang="en-US" sz="1100" dirty="0">
-                <a:solidFill>
-                  <a:srgbClr val="FF0000"/>
-                </a:solidFill>
-              </a:rPr>
-              <a:t>{Tender: Bid Price, Bid Quantity, State}</a:t>
-            </a:r>
-          </a:p>
-        </p:txBody>
-      </p:sp>
-      <p:cxnSp>
-        <p:nvCxnSpPr>
-          <p:cNvPr id="170" name="Straight Connector 169"/>
-          <p:cNvCxnSpPr/>
-          <p:nvPr/>
-        </p:nvCxnSpPr>
-        <p:spPr>
-          <a:xfrm>
-            <a:off x="9084966" y="3660981"/>
-            <a:ext cx="555942" cy="1882"/>
-          </a:xfrm>
-          <a:prstGeom prst="line">
-            <a:avLst/>
-          </a:prstGeom>
-          <a:ln>
-            <a:prstDash val="solid"/>
-            <a:tailEnd type="triangle"/>
-          </a:ln>
-        </p:spPr>
-        <p:style>
-          <a:lnRef idx="1">
-            <a:schemeClr val="dk1"/>
-          </a:lnRef>
-          <a:fillRef idx="0">
-            <a:schemeClr val="dk1"/>
-          </a:fillRef>
-          <a:effectRef idx="0">
-            <a:schemeClr val="dk1"/>
-          </a:effectRef>
-          <a:fontRef idx="minor">
-            <a:schemeClr val="tx1"/>
-          </a:fontRef>
-        </p:style>
-      </p:cxnSp>
-      <p:cxnSp>
-        <p:nvCxnSpPr>
-          <p:cNvPr id="171" name="Straight Connector 170"/>
-          <p:cNvCxnSpPr/>
-          <p:nvPr/>
-        </p:nvCxnSpPr>
-        <p:spPr>
-          <a:xfrm>
-            <a:off x="9046176" y="3741662"/>
-            <a:ext cx="578057" cy="9152"/>
-          </a:xfrm>
-          <a:prstGeom prst="line">
-            <a:avLst/>
-          </a:prstGeom>
-          <a:ln>
-            <a:solidFill>
-              <a:srgbClr val="FF0000"/>
-            </a:solidFill>
-            <a:prstDash val="solid"/>
-            <a:headEnd type="triangle"/>
-          </a:ln>
-        </p:spPr>
-        <p:style>
-          <a:lnRef idx="1">
-            <a:schemeClr val="dk1"/>
-          </a:lnRef>
-          <a:fillRef idx="0">
-            <a:schemeClr val="dk1"/>
-          </a:fillRef>
-          <a:effectRef idx="0">
-            <a:schemeClr val="dk1"/>
-          </a:effectRef>
-          <a:fontRef idx="minor">
-            <a:schemeClr val="tx1"/>
-          </a:fontRef>
-        </p:style>
-      </p:cxnSp>
-      <p:sp>
-        <p:nvSpPr>
-          <p:cNvPr id="174" name="TextBox 173"/>
-          <p:cNvSpPr txBox="1"/>
-          <p:nvPr/>
-        </p:nvSpPr>
-        <p:spPr>
-          <a:xfrm>
-            <a:off x="9007142" y="3755281"/>
-            <a:ext cx="755335" cy="261610"/>
-          </a:xfrm>
-          <a:prstGeom prst="rect">
-            <a:avLst/>
-          </a:prstGeom>
-          <a:noFill/>
-        </p:spPr>
-        <p:txBody>
-          <a:bodyPr wrap="none" rtlCol="0">
-            <a:spAutoFit/>
-          </a:bodyPr>
-          <a:lstStyle/>
-          <a:p>
-            <a:r>
-              <a:rPr lang="en-US" sz="1100" dirty="0"/>
-              <a:t>{Setpoint}</a:t>
-            </a:r>
-          </a:p>
-        </p:txBody>
-      </p:sp>
-      <p:sp>
-        <p:nvSpPr>
-          <p:cNvPr id="175" name="TextBox 174"/>
-          <p:cNvSpPr txBox="1"/>
-          <p:nvPr/>
-        </p:nvSpPr>
-        <p:spPr>
-          <a:xfrm>
-            <a:off x="9579925" y="3304209"/>
-            <a:ext cx="1215397" cy="430887"/>
-          </a:xfrm>
-          <a:prstGeom prst="rect">
-            <a:avLst/>
-          </a:prstGeom>
-          <a:noFill/>
-        </p:spPr>
-        <p:txBody>
-          <a:bodyPr wrap="none" rtlCol="0">
-            <a:spAutoFit/>
-          </a:bodyPr>
-          <a:lstStyle/>
-          <a:p>
-            <a:r>
-              <a:rPr lang="en-US" sz="1100" dirty="0">
-                <a:solidFill>
-                  <a:srgbClr val="FF0000"/>
-                </a:solidFill>
-              </a:rPr>
-              <a:t>{Desired Setpoint,</a:t>
-            </a:r>
-          </a:p>
-          <a:p>
-            <a:r>
-              <a:rPr lang="en-US" sz="1100" dirty="0">
-                <a:solidFill>
-                  <a:srgbClr val="FF0000"/>
-                </a:solidFill>
-              </a:rPr>
-              <a:t>State}</a:t>
-            </a:r>
-          </a:p>
-        </p:txBody>
-      </p:sp>
-      <p:cxnSp>
-        <p:nvCxnSpPr>
-          <p:cNvPr id="178" name="Straight Connector 177"/>
-          <p:cNvCxnSpPr/>
-          <p:nvPr/>
-        </p:nvCxnSpPr>
-        <p:spPr>
-          <a:xfrm flipH="1">
-            <a:off x="10088075" y="3967513"/>
-            <a:ext cx="422848" cy="2500"/>
-          </a:xfrm>
-          <a:prstGeom prst="line">
-            <a:avLst/>
-          </a:prstGeom>
-          <a:ln cmpd="sng">
-            <a:solidFill>
-              <a:srgbClr val="FF0000"/>
-            </a:solidFill>
-            <a:prstDash val="solid"/>
-            <a:headEnd type="none"/>
-            <a:tailEnd type="triangle"/>
-          </a:ln>
-        </p:spPr>
-        <p:style>
-          <a:lnRef idx="1">
-            <a:schemeClr val="dk1"/>
-          </a:lnRef>
-          <a:fillRef idx="0">
-            <a:schemeClr val="dk1"/>
-          </a:fillRef>
-          <a:effectRef idx="0">
-            <a:schemeClr val="dk1"/>
-          </a:effectRef>
-          <a:fontRef idx="minor">
-            <a:schemeClr val="tx1"/>
-          </a:fontRef>
-        </p:style>
-      </p:cxnSp>
-      <p:sp>
-        <p:nvSpPr>
-          <p:cNvPr id="180" name="TextBox 179"/>
-          <p:cNvSpPr txBox="1"/>
-          <p:nvPr/>
-        </p:nvSpPr>
-        <p:spPr>
-          <a:xfrm>
-            <a:off x="9900003" y="3997307"/>
-            <a:ext cx="904415" cy="261610"/>
-          </a:xfrm>
-          <a:prstGeom prst="rect">
-            <a:avLst/>
-          </a:prstGeom>
-          <a:noFill/>
-        </p:spPr>
-        <p:txBody>
-          <a:bodyPr wrap="none" rtlCol="0">
-            <a:spAutoFit/>
-          </a:bodyPr>
-          <a:lstStyle/>
-          <a:p>
-            <a:r>
-              <a:rPr lang="en-US" sz="1100" dirty="0">
-                <a:solidFill>
-                  <a:srgbClr val="FF0000"/>
-                </a:solidFill>
-              </a:rPr>
-              <a:t>{TMY3 Data}</a:t>
-            </a:r>
-          </a:p>
-        </p:txBody>
-      </p:sp>
-      <p:sp>
-        <p:nvSpPr>
-          <p:cNvPr id="184" name="TextBox 183"/>
-          <p:cNvSpPr txBox="1"/>
-          <p:nvPr/>
-        </p:nvSpPr>
-        <p:spPr>
-          <a:xfrm>
-            <a:off x="5718940" y="1429446"/>
-            <a:ext cx="439544" cy="276999"/>
-          </a:xfrm>
-          <a:prstGeom prst="rect">
-            <a:avLst/>
-          </a:prstGeom>
-          <a:noFill/>
-        </p:spPr>
-        <p:txBody>
-          <a:bodyPr wrap="none" rtlCol="0">
-            <a:spAutoFit/>
-          </a:bodyPr>
-          <a:lstStyle/>
-          <a:p>
-            <a:r>
-              <a:rPr lang="en-US" sz="1200" dirty="0"/>
-              <a:t>ABC</a:t>
-            </a:r>
-          </a:p>
-        </p:txBody>
-      </p:sp>
-      <p:sp>
-        <p:nvSpPr>
-          <p:cNvPr id="185" name="TextBox 184"/>
-          <p:cNvSpPr txBox="1"/>
-          <p:nvPr/>
-        </p:nvSpPr>
-        <p:spPr>
-          <a:xfrm>
-            <a:off x="6662225" y="2961649"/>
-            <a:ext cx="439544" cy="276999"/>
-          </a:xfrm>
-          <a:prstGeom prst="rect">
-            <a:avLst/>
-          </a:prstGeom>
-          <a:noFill/>
-        </p:spPr>
-        <p:txBody>
-          <a:bodyPr wrap="none" rtlCol="0">
-            <a:spAutoFit/>
-          </a:bodyPr>
-          <a:lstStyle/>
-          <a:p>
-            <a:r>
-              <a:rPr lang="en-US" sz="1200" dirty="0"/>
-              <a:t>ABC</a:t>
-            </a:r>
-          </a:p>
-        </p:txBody>
-      </p:sp>
-      <p:sp>
-        <p:nvSpPr>
-          <p:cNvPr id="186" name="TextBox 185"/>
-          <p:cNvSpPr txBox="1"/>
-          <p:nvPr/>
-        </p:nvSpPr>
-        <p:spPr>
-          <a:xfrm>
-            <a:off x="7213478" y="1105539"/>
-            <a:ext cx="344966" cy="276999"/>
-          </a:xfrm>
-          <a:prstGeom prst="rect">
-            <a:avLst/>
-          </a:prstGeom>
-          <a:noFill/>
-        </p:spPr>
-        <p:txBody>
-          <a:bodyPr wrap="none" rtlCol="0">
-            <a:spAutoFit/>
-          </a:bodyPr>
-          <a:lstStyle/>
-          <a:p>
-            <a:r>
-              <a:rPr lang="en-US" sz="1200" dirty="0"/>
-              <a:t>AS</a:t>
-            </a:r>
-          </a:p>
-        </p:txBody>
-      </p:sp>
-      <p:sp>
-        <p:nvSpPr>
-          <p:cNvPr id="187" name="TextBox 186"/>
-          <p:cNvSpPr txBox="1"/>
-          <p:nvPr/>
-        </p:nvSpPr>
-        <p:spPr>
-          <a:xfrm>
-            <a:off x="7213478" y="1790386"/>
-            <a:ext cx="338554" cy="276999"/>
-          </a:xfrm>
-          <a:prstGeom prst="rect">
-            <a:avLst/>
-          </a:prstGeom>
-          <a:noFill/>
-        </p:spPr>
-        <p:txBody>
-          <a:bodyPr wrap="none" rtlCol="0">
-            <a:spAutoFit/>
-          </a:bodyPr>
-          <a:lstStyle/>
-          <a:p>
-            <a:r>
-              <a:rPr lang="en-US" sz="1200" dirty="0"/>
-              <a:t>BS</a:t>
-            </a:r>
-          </a:p>
-        </p:txBody>
-      </p:sp>
-      <p:sp>
-        <p:nvSpPr>
-          <p:cNvPr id="188" name="TextBox 187"/>
-          <p:cNvSpPr txBox="1"/>
-          <p:nvPr/>
-        </p:nvSpPr>
-        <p:spPr>
-          <a:xfrm>
-            <a:off x="7214279" y="2496080"/>
-            <a:ext cx="336952" cy="276999"/>
-          </a:xfrm>
-          <a:prstGeom prst="rect">
-            <a:avLst/>
-          </a:prstGeom>
-          <a:noFill/>
-        </p:spPr>
-        <p:txBody>
-          <a:bodyPr wrap="none" rtlCol="0">
-            <a:spAutoFit/>
-          </a:bodyPr>
-          <a:lstStyle/>
-          <a:p>
-            <a:r>
-              <a:rPr lang="en-US" sz="1200" dirty="0"/>
-              <a:t>CS</a:t>
-            </a:r>
-          </a:p>
-        </p:txBody>
-      </p:sp>
-      <p:sp>
-        <p:nvSpPr>
-          <p:cNvPr id="157" name="Rectangle 156"/>
-          <p:cNvSpPr/>
-          <p:nvPr/>
-        </p:nvSpPr>
-        <p:spPr>
-          <a:xfrm>
-            <a:off x="10998907" y="3896065"/>
-            <a:ext cx="603656" cy="315819"/>
-          </a:xfrm>
-          <a:prstGeom prst="rect">
-            <a:avLst/>
-          </a:prstGeom>
-          <a:gradFill>
-            <a:gsLst>
-              <a:gs pos="0">
-                <a:schemeClr val="accent1">
-                  <a:lumMod val="5000"/>
-                  <a:lumOff val="95000"/>
-                </a:schemeClr>
-              </a:gs>
-              <a:gs pos="74000">
-                <a:schemeClr val="accent1">
-                  <a:lumMod val="45000"/>
-                  <a:lumOff val="55000"/>
-                </a:schemeClr>
-              </a:gs>
-              <a:gs pos="83000">
-                <a:schemeClr val="accent1">
-                  <a:lumMod val="45000"/>
-                  <a:lumOff val="55000"/>
-                </a:schemeClr>
-              </a:gs>
-              <a:gs pos="100000">
-                <a:schemeClr val="accent1">
-                  <a:lumMod val="30000"/>
-                  <a:lumOff val="70000"/>
-                </a:schemeClr>
-              </a:gs>
-            </a:gsLst>
-            <a:lin ang="5400000" scaled="1"/>
-          </a:gradFill>
-          <a:ln cap="rnd"/>
-        </p:spPr>
-        <p:style>
-          <a:lnRef idx="2">
-            <a:schemeClr val="accent1">
-              <a:shade val="50000"/>
-            </a:schemeClr>
-          </a:lnRef>
-          <a:fillRef idx="1">
-            <a:schemeClr val="accent1"/>
-          </a:fillRef>
-          <a:effectRef idx="0">
-            <a:schemeClr val="accent1"/>
-          </a:effectRef>
-          <a:fontRef idx="minor">
-            <a:schemeClr val="lt1"/>
-          </a:fontRef>
-        </p:style>
-        <p:txBody>
-          <a:bodyPr lIns="0" tIns="0" rIns="0" bIns="0" rtlCol="0" anchor="ctr"/>
-          <a:lstStyle/>
-          <a:p>
-            <a:pPr algn="ctr"/>
-            <a:r>
-              <a:rPr lang="en-US" sz="800" dirty="0"/>
-              <a:t>Weather</a:t>
-            </a:r>
-          </a:p>
-        </p:txBody>
-      </p:sp>
-      <p:cxnSp>
-        <p:nvCxnSpPr>
-          <p:cNvPr id="161" name="Straight Connector 160"/>
-          <p:cNvCxnSpPr>
-            <a:stCxn id="12" idx="3"/>
-            <a:endCxn id="82" idx="0"/>
-          </p:cNvCxnSpPr>
-          <p:nvPr/>
-        </p:nvCxnSpPr>
-        <p:spPr>
-          <a:xfrm>
-            <a:off x="6509126" y="3014940"/>
-            <a:ext cx="1" cy="241625"/>
-          </a:xfrm>
-          <a:prstGeom prst="line">
-            <a:avLst/>
-          </a:prstGeom>
-          <a:ln>
-            <a:solidFill>
-              <a:srgbClr val="5B9BD5"/>
-            </a:solidFill>
-          </a:ln>
-        </p:spPr>
-        <p:style>
-          <a:lnRef idx="1">
-            <a:schemeClr val="dk1"/>
-          </a:lnRef>
-          <a:fillRef idx="0">
-            <a:schemeClr val="dk1"/>
-          </a:fillRef>
-          <a:effectRef idx="0">
-            <a:schemeClr val="dk1"/>
-          </a:effectRef>
-          <a:fontRef idx="minor">
-            <a:schemeClr val="tx1"/>
-          </a:fontRef>
-        </p:style>
-      </p:cxnSp>
       <p:sp>
         <p:nvSpPr>
           <p:cNvPr id="155" name="Title 14"/>
@@ -11139,34 +8257,151 @@
       </p:sp>
       <p:grpSp>
         <p:nvGrpSpPr>
-          <p:cNvPr id="2" name="Group 1"/>
+          <p:cNvPr id="3" name="Group 2">
+            <a:extLst>
+              <a:ext uri="{FF2B5EF4-FFF2-40B4-BE49-F238E27FC236}">
+                <a16:creationId xmlns:a16="http://schemas.microsoft.com/office/drawing/2014/main" id="{9A063AE8-95A3-4D53-BA66-345DD2FAD5B6}"/>
+              </a:ext>
+            </a:extLst>
+          </p:cNvPr>
           <p:cNvGrpSpPr/>
           <p:nvPr/>
         </p:nvGrpSpPr>
         <p:grpSpPr>
           <a:xfrm>
-            <a:off x="623452" y="5117225"/>
-            <a:ext cx="9289029" cy="1284208"/>
-            <a:chOff x="857558" y="5271618"/>
-            <a:chExt cx="9289029" cy="1284208"/>
+            <a:off x="398277" y="533300"/>
+            <a:ext cx="10975770" cy="5868133"/>
+            <a:chOff x="398277" y="533300"/>
+            <a:chExt cx="10975770" cy="5868133"/>
           </a:xfrm>
         </p:grpSpPr>
+        <p:cxnSp>
+          <p:nvCxnSpPr>
+            <p:cNvPr id="146" name="Straight Connector 145"/>
+            <p:cNvCxnSpPr/>
+            <p:nvPr/>
+          </p:nvCxnSpPr>
+          <p:spPr>
+            <a:xfrm flipV="1">
+              <a:off x="9043970" y="3449567"/>
+              <a:ext cx="300038" cy="7145"/>
+            </a:xfrm>
+            <a:prstGeom prst="line">
+              <a:avLst/>
+            </a:prstGeom>
+            <a:ln>
+              <a:solidFill>
+                <a:srgbClr val="ED7D31"/>
+              </a:solidFill>
+              <a:prstDash val="sysDash"/>
+            </a:ln>
+          </p:spPr>
+          <p:style>
+            <a:lnRef idx="1">
+              <a:schemeClr val="dk1"/>
+            </a:lnRef>
+            <a:fillRef idx="0">
+              <a:schemeClr val="dk1"/>
+            </a:fillRef>
+            <a:effectRef idx="0">
+              <a:schemeClr val="dk1"/>
+            </a:effectRef>
+            <a:fontRef idx="minor">
+              <a:schemeClr val="tx1"/>
+            </a:fontRef>
+          </p:style>
+        </p:cxnSp>
+        <p:cxnSp>
+          <p:nvCxnSpPr>
+            <p:cNvPr id="162" name="Straight Connector 161"/>
+            <p:cNvCxnSpPr/>
+            <p:nvPr/>
+          </p:nvCxnSpPr>
+          <p:spPr>
+            <a:xfrm flipV="1">
+              <a:off x="9043970" y="3492728"/>
+              <a:ext cx="300038" cy="4761"/>
+            </a:xfrm>
+            <a:prstGeom prst="line">
+              <a:avLst/>
+            </a:prstGeom>
+            <a:ln>
+              <a:solidFill>
+                <a:srgbClr val="5B9BD5"/>
+              </a:solidFill>
+              <a:prstDash val="solid"/>
+            </a:ln>
+          </p:spPr>
+          <p:style>
+            <a:lnRef idx="1">
+              <a:schemeClr val="dk1"/>
+            </a:lnRef>
+            <a:fillRef idx="0">
+              <a:schemeClr val="dk1"/>
+            </a:fillRef>
+            <a:effectRef idx="0">
+              <a:schemeClr val="dk1"/>
+            </a:effectRef>
+            <a:fontRef idx="minor">
+              <a:schemeClr val="tx1"/>
+            </a:fontRef>
+          </p:style>
+        </p:cxnSp>
         <p:sp>
           <p:nvSpPr>
-            <p:cNvPr id="76" name="Hexagon 75"/>
+            <p:cNvPr id="5" name="Double Brace 4"/>
             <p:cNvSpPr/>
             <p:nvPr/>
           </p:nvSpPr>
           <p:spPr>
             <a:xfrm>
-              <a:off x="1871048" y="6390574"/>
-              <a:ext cx="81159" cy="79237"/>
-            </a:xfrm>
-            <a:prstGeom prst="hexagon">
+              <a:off x="5838855" y="1738508"/>
+              <a:ext cx="199714" cy="977153"/>
+            </a:xfrm>
+            <a:prstGeom prst="bracePair">
+              <a:avLst/>
+            </a:prstGeom>
+            <a:ln w="12700"/>
+          </p:spPr>
+          <p:style>
+            <a:lnRef idx="1">
+              <a:schemeClr val="dk1"/>
+            </a:lnRef>
+            <a:fillRef idx="0">
+              <a:schemeClr val="dk1"/>
+            </a:fillRef>
+            <a:effectRef idx="0">
+              <a:schemeClr val="dk1"/>
+            </a:effectRef>
+            <a:fontRef idx="minor">
+              <a:schemeClr val="tx1"/>
+            </a:fontRef>
+          </p:style>
+          <p:txBody>
+            <a:bodyPr rtlCol="0" anchor="ctr"/>
+            <a:lstStyle/>
+            <a:p>
+              <a:pPr algn="ctr"/>
+              <a:endParaRPr lang="en-US"/>
+            </a:p>
+          </p:txBody>
+        </p:sp>
+        <p:sp>
+          <p:nvSpPr>
+            <p:cNvPr id="6" name="Oval 5"/>
+            <p:cNvSpPr/>
+            <p:nvPr/>
+          </p:nvSpPr>
+          <p:spPr>
+            <a:xfrm>
+              <a:off x="5235289" y="2146649"/>
+              <a:ext cx="152400" cy="160867"/>
+            </a:xfrm>
+            <a:prstGeom prst="ellipse">
               <a:avLst/>
             </a:prstGeom>
             <a:solidFill>
-              <a:srgbClr val="7030A0"/>
+              <a:srgbClr val="5B9BD5"/>
             </a:solidFill>
           </p:spPr>
           <p:style>
@@ -11190,20 +8425,888 @@
             <a:lstStyle/>
             <a:p>
               <a:pPr algn="ctr"/>
-              <a:endParaRPr lang="en-US" sz="1200"/>
+              <a:endParaRPr lang="en-US"/>
             </a:p>
           </p:txBody>
         </p:sp>
         <p:sp>
           <p:nvSpPr>
-            <p:cNvPr id="78" name="Rectangle 77"/>
+            <p:cNvPr id="7" name="Oval 6"/>
             <p:cNvSpPr/>
             <p:nvPr/>
           </p:nvSpPr>
           <p:spPr>
             <a:xfrm>
-              <a:off x="908644" y="6106276"/>
-              <a:ext cx="101448" cy="68792"/>
+              <a:off x="6434209" y="2146650"/>
+              <a:ext cx="152400" cy="160867"/>
+            </a:xfrm>
+            <a:prstGeom prst="ellipse">
+              <a:avLst/>
+            </a:prstGeom>
+            <a:solidFill>
+              <a:srgbClr val="5B9BD5"/>
+            </a:solidFill>
+          </p:spPr>
+          <p:style>
+            <a:lnRef idx="2">
+              <a:schemeClr val="dk1">
+                <a:shade val="50000"/>
+              </a:schemeClr>
+            </a:lnRef>
+            <a:fillRef idx="1">
+              <a:schemeClr val="dk1"/>
+            </a:fillRef>
+            <a:effectRef idx="0">
+              <a:schemeClr val="dk1"/>
+            </a:effectRef>
+            <a:fontRef idx="minor">
+              <a:schemeClr val="lt1"/>
+            </a:fontRef>
+          </p:style>
+          <p:txBody>
+            <a:bodyPr rtlCol="0" anchor="ctr"/>
+            <a:lstStyle/>
+            <a:p>
+              <a:pPr algn="ctr"/>
+              <a:endParaRPr lang="en-US"/>
+            </a:p>
+          </p:txBody>
+        </p:sp>
+        <p:sp>
+          <p:nvSpPr>
+            <p:cNvPr id="8" name="Double Brace 7"/>
+            <p:cNvSpPr/>
+            <p:nvPr/>
+          </p:nvSpPr>
+          <p:spPr>
+            <a:xfrm>
+              <a:off x="7332671" y="2043308"/>
+              <a:ext cx="106580" cy="367551"/>
+            </a:xfrm>
+            <a:prstGeom prst="bracePair">
+              <a:avLst/>
+            </a:prstGeom>
+            <a:ln w="12700"/>
+          </p:spPr>
+          <p:style>
+            <a:lnRef idx="1">
+              <a:schemeClr val="dk1"/>
+            </a:lnRef>
+            <a:fillRef idx="0">
+              <a:schemeClr val="dk1"/>
+            </a:fillRef>
+            <a:effectRef idx="0">
+              <a:schemeClr val="dk1"/>
+            </a:effectRef>
+            <a:fontRef idx="minor">
+              <a:schemeClr val="tx1"/>
+            </a:fontRef>
+          </p:style>
+          <p:txBody>
+            <a:bodyPr rtlCol="0" anchor="ctr"/>
+            <a:lstStyle/>
+            <a:p>
+              <a:pPr algn="ctr"/>
+              <a:endParaRPr lang="en-US"/>
+            </a:p>
+          </p:txBody>
+        </p:sp>
+        <p:sp>
+          <p:nvSpPr>
+            <p:cNvPr id="10" name="Double Brace 9"/>
+            <p:cNvSpPr/>
+            <p:nvPr/>
+          </p:nvSpPr>
+          <p:spPr>
+            <a:xfrm>
+              <a:off x="7332671" y="1370957"/>
+              <a:ext cx="106580" cy="367551"/>
+            </a:xfrm>
+            <a:prstGeom prst="bracePair">
+              <a:avLst/>
+            </a:prstGeom>
+            <a:ln w="12700"/>
+          </p:spPr>
+          <p:style>
+            <a:lnRef idx="1">
+              <a:schemeClr val="dk1"/>
+            </a:lnRef>
+            <a:fillRef idx="0">
+              <a:schemeClr val="dk1"/>
+            </a:fillRef>
+            <a:effectRef idx="0">
+              <a:schemeClr val="dk1"/>
+            </a:effectRef>
+            <a:fontRef idx="minor">
+              <a:schemeClr val="tx1"/>
+            </a:fontRef>
+          </p:style>
+          <p:txBody>
+            <a:bodyPr rtlCol="0" anchor="ctr"/>
+            <a:lstStyle/>
+            <a:p>
+              <a:pPr algn="ctr"/>
+              <a:endParaRPr lang="en-US"/>
+            </a:p>
+          </p:txBody>
+        </p:sp>
+        <p:sp>
+          <p:nvSpPr>
+            <p:cNvPr id="11" name="Double Brace 10"/>
+            <p:cNvSpPr/>
+            <p:nvPr/>
+          </p:nvSpPr>
+          <p:spPr>
+            <a:xfrm>
+              <a:off x="7332671" y="2765185"/>
+              <a:ext cx="106580" cy="367551"/>
+            </a:xfrm>
+            <a:prstGeom prst="bracePair">
+              <a:avLst/>
+            </a:prstGeom>
+            <a:ln w="12700"/>
+          </p:spPr>
+          <p:style>
+            <a:lnRef idx="1">
+              <a:schemeClr val="dk1"/>
+            </a:lnRef>
+            <a:fillRef idx="0">
+              <a:schemeClr val="dk1"/>
+            </a:fillRef>
+            <a:effectRef idx="0">
+              <a:schemeClr val="dk1"/>
+            </a:effectRef>
+            <a:fontRef idx="minor">
+              <a:schemeClr val="tx1"/>
+            </a:fontRef>
+          </p:style>
+          <p:txBody>
+            <a:bodyPr rtlCol="0" anchor="ctr"/>
+            <a:lstStyle/>
+            <a:p>
+              <a:pPr algn="ctr"/>
+              <a:endParaRPr lang="en-US"/>
+            </a:p>
+          </p:txBody>
+        </p:sp>
+        <p:sp>
+          <p:nvSpPr>
+            <p:cNvPr id="12" name="Double Brace 11"/>
+            <p:cNvSpPr/>
+            <p:nvPr/>
+          </p:nvSpPr>
+          <p:spPr>
+            <a:xfrm rot="5400000">
+              <a:off x="6455836" y="2777874"/>
+              <a:ext cx="106580" cy="367551"/>
+            </a:xfrm>
+            <a:prstGeom prst="bracePair">
+              <a:avLst/>
+            </a:prstGeom>
+            <a:ln w="12700"/>
+          </p:spPr>
+          <p:style>
+            <a:lnRef idx="1">
+              <a:schemeClr val="dk1"/>
+            </a:lnRef>
+            <a:fillRef idx="0">
+              <a:schemeClr val="dk1"/>
+            </a:fillRef>
+            <a:effectRef idx="0">
+              <a:schemeClr val="dk1"/>
+            </a:effectRef>
+            <a:fontRef idx="minor">
+              <a:schemeClr val="tx1"/>
+            </a:fontRef>
+          </p:style>
+          <p:txBody>
+            <a:bodyPr rtlCol="0" anchor="ctr"/>
+            <a:lstStyle/>
+            <a:p>
+              <a:pPr algn="ctr"/>
+              <a:endParaRPr lang="en-US"/>
+            </a:p>
+          </p:txBody>
+        </p:sp>
+        <p:cxnSp>
+          <p:nvCxnSpPr>
+            <p:cNvPr id="14" name="Straight Connector 13"/>
+            <p:cNvCxnSpPr>
+              <a:stCxn id="7" idx="4"/>
+              <a:endCxn id="12" idx="1"/>
+            </p:cNvCxnSpPr>
+            <p:nvPr/>
+          </p:nvCxnSpPr>
+          <p:spPr>
+            <a:xfrm flipH="1">
+              <a:off x="6509126" y="2307517"/>
+              <a:ext cx="1283" cy="600843"/>
+            </a:xfrm>
+            <a:prstGeom prst="line">
+              <a:avLst/>
+            </a:prstGeom>
+            <a:ln>
+              <a:solidFill>
+                <a:srgbClr val="5B9BD5"/>
+              </a:solidFill>
+            </a:ln>
+          </p:spPr>
+          <p:style>
+            <a:lnRef idx="1">
+              <a:schemeClr val="dk1"/>
+            </a:lnRef>
+            <a:fillRef idx="0">
+              <a:schemeClr val="dk1"/>
+            </a:fillRef>
+            <a:effectRef idx="0">
+              <a:schemeClr val="dk1"/>
+            </a:effectRef>
+            <a:fontRef idx="minor">
+              <a:schemeClr val="tx1"/>
+            </a:fontRef>
+          </p:style>
+        </p:cxnSp>
+        <p:cxnSp>
+          <p:nvCxnSpPr>
+            <p:cNvPr id="15" name="Straight Connector 14"/>
+            <p:cNvCxnSpPr>
+              <a:stCxn id="7" idx="5"/>
+              <a:endCxn id="11" idx="1"/>
+            </p:cNvCxnSpPr>
+            <p:nvPr/>
+          </p:nvCxnSpPr>
+          <p:spPr>
+            <a:xfrm>
+              <a:off x="6564291" y="2283959"/>
+              <a:ext cx="768380" cy="665002"/>
+            </a:xfrm>
+            <a:prstGeom prst="line">
+              <a:avLst/>
+            </a:prstGeom>
+            <a:ln>
+              <a:solidFill>
+                <a:srgbClr val="5B9BD5"/>
+              </a:solidFill>
+            </a:ln>
+          </p:spPr>
+          <p:style>
+            <a:lnRef idx="1">
+              <a:schemeClr val="dk1"/>
+            </a:lnRef>
+            <a:fillRef idx="0">
+              <a:schemeClr val="dk1"/>
+            </a:fillRef>
+            <a:effectRef idx="0">
+              <a:schemeClr val="dk1"/>
+            </a:effectRef>
+            <a:fontRef idx="minor">
+              <a:schemeClr val="tx1"/>
+            </a:fontRef>
+          </p:style>
+        </p:cxnSp>
+        <p:cxnSp>
+          <p:nvCxnSpPr>
+            <p:cNvPr id="16" name="Straight Connector 15"/>
+            <p:cNvCxnSpPr>
+              <a:stCxn id="7" idx="7"/>
+              <a:endCxn id="10" idx="1"/>
+            </p:cNvCxnSpPr>
+            <p:nvPr/>
+          </p:nvCxnSpPr>
+          <p:spPr>
+            <a:xfrm flipV="1">
+              <a:off x="6564291" y="1554733"/>
+              <a:ext cx="768380" cy="615475"/>
+            </a:xfrm>
+            <a:prstGeom prst="line">
+              <a:avLst/>
+            </a:prstGeom>
+            <a:ln>
+              <a:solidFill>
+                <a:srgbClr val="5B9BD5"/>
+              </a:solidFill>
+            </a:ln>
+          </p:spPr>
+          <p:style>
+            <a:lnRef idx="1">
+              <a:schemeClr val="dk1"/>
+            </a:lnRef>
+            <a:fillRef idx="0">
+              <a:schemeClr val="dk1"/>
+            </a:fillRef>
+            <a:effectRef idx="0">
+              <a:schemeClr val="dk1"/>
+            </a:effectRef>
+            <a:fontRef idx="minor">
+              <a:schemeClr val="tx1"/>
+            </a:fontRef>
+          </p:style>
+        </p:cxnSp>
+        <p:cxnSp>
+          <p:nvCxnSpPr>
+            <p:cNvPr id="17" name="Straight Connector 16"/>
+            <p:cNvCxnSpPr>
+              <a:stCxn id="7" idx="6"/>
+              <a:endCxn id="8" idx="1"/>
+            </p:cNvCxnSpPr>
+            <p:nvPr/>
+          </p:nvCxnSpPr>
+          <p:spPr>
+            <a:xfrm>
+              <a:off x="6586609" y="2227084"/>
+              <a:ext cx="746062" cy="0"/>
+            </a:xfrm>
+            <a:prstGeom prst="line">
+              <a:avLst/>
+            </a:prstGeom>
+            <a:ln>
+              <a:solidFill>
+                <a:srgbClr val="5B9BD5"/>
+              </a:solidFill>
+            </a:ln>
+          </p:spPr>
+          <p:style>
+            <a:lnRef idx="1">
+              <a:schemeClr val="dk1"/>
+            </a:lnRef>
+            <a:fillRef idx="0">
+              <a:schemeClr val="dk1"/>
+            </a:fillRef>
+            <a:effectRef idx="0">
+              <a:schemeClr val="dk1"/>
+            </a:effectRef>
+            <a:fontRef idx="minor">
+              <a:schemeClr val="tx1"/>
+            </a:fontRef>
+          </p:style>
+        </p:cxnSp>
+        <p:sp>
+          <p:nvSpPr>
+            <p:cNvPr id="25" name="Rectangle 24"/>
+            <p:cNvSpPr/>
+            <p:nvPr/>
+          </p:nvSpPr>
+          <p:spPr>
+            <a:xfrm>
+              <a:off x="7780409" y="1474298"/>
+              <a:ext cx="152400" cy="160867"/>
+            </a:xfrm>
+            <a:prstGeom prst="rect">
+              <a:avLst/>
+            </a:prstGeom>
+            <a:solidFill>
+              <a:srgbClr val="ED7D31"/>
+            </a:solidFill>
+          </p:spPr>
+          <p:style>
+            <a:lnRef idx="2">
+              <a:schemeClr val="dk1">
+                <a:shade val="50000"/>
+              </a:schemeClr>
+            </a:lnRef>
+            <a:fillRef idx="1">
+              <a:schemeClr val="dk1"/>
+            </a:fillRef>
+            <a:effectRef idx="0">
+              <a:schemeClr val="dk1"/>
+            </a:effectRef>
+            <a:fontRef idx="minor">
+              <a:schemeClr val="lt1"/>
+            </a:fontRef>
+          </p:style>
+          <p:txBody>
+            <a:bodyPr rtlCol="0" anchor="ctr"/>
+            <a:lstStyle/>
+            <a:p>
+              <a:pPr algn="ctr"/>
+              <a:endParaRPr lang="en-US"/>
+            </a:p>
+          </p:txBody>
+        </p:sp>
+        <p:sp>
+          <p:nvSpPr>
+            <p:cNvPr id="26" name="Rectangle 25"/>
+            <p:cNvSpPr/>
+            <p:nvPr/>
+          </p:nvSpPr>
+          <p:spPr>
+            <a:xfrm>
+              <a:off x="7776176" y="2146649"/>
+              <a:ext cx="152400" cy="160867"/>
+            </a:xfrm>
+            <a:prstGeom prst="rect">
+              <a:avLst/>
+            </a:prstGeom>
+            <a:solidFill>
+              <a:srgbClr val="ED7D31"/>
+            </a:solidFill>
+          </p:spPr>
+          <p:style>
+            <a:lnRef idx="2">
+              <a:schemeClr val="dk1">
+                <a:shade val="50000"/>
+              </a:schemeClr>
+            </a:lnRef>
+            <a:fillRef idx="1">
+              <a:schemeClr val="dk1"/>
+            </a:fillRef>
+            <a:effectRef idx="0">
+              <a:schemeClr val="dk1"/>
+            </a:effectRef>
+            <a:fontRef idx="minor">
+              <a:schemeClr val="lt1"/>
+            </a:fontRef>
+          </p:style>
+          <p:txBody>
+            <a:bodyPr rtlCol="0" anchor="ctr"/>
+            <a:lstStyle/>
+            <a:p>
+              <a:pPr algn="ctr"/>
+              <a:endParaRPr lang="en-US"/>
+            </a:p>
+          </p:txBody>
+        </p:sp>
+        <p:sp>
+          <p:nvSpPr>
+            <p:cNvPr id="27" name="Rectangle 26"/>
+            <p:cNvSpPr/>
+            <p:nvPr/>
+          </p:nvSpPr>
+          <p:spPr>
+            <a:xfrm>
+              <a:off x="7776176" y="2868526"/>
+              <a:ext cx="152400" cy="160867"/>
+            </a:xfrm>
+            <a:prstGeom prst="rect">
+              <a:avLst/>
+            </a:prstGeom>
+            <a:solidFill>
+              <a:srgbClr val="ED7D31"/>
+            </a:solidFill>
+          </p:spPr>
+          <p:style>
+            <a:lnRef idx="2">
+              <a:schemeClr val="dk1">
+                <a:shade val="50000"/>
+              </a:schemeClr>
+            </a:lnRef>
+            <a:fillRef idx="1">
+              <a:schemeClr val="dk1"/>
+            </a:fillRef>
+            <a:effectRef idx="0">
+              <a:schemeClr val="dk1"/>
+            </a:effectRef>
+            <a:fontRef idx="minor">
+              <a:schemeClr val="lt1"/>
+            </a:fontRef>
+          </p:style>
+          <p:txBody>
+            <a:bodyPr rtlCol="0" anchor="ctr"/>
+            <a:lstStyle/>
+            <a:p>
+              <a:pPr algn="ctr"/>
+              <a:endParaRPr lang="en-US"/>
+            </a:p>
+          </p:txBody>
+        </p:sp>
+        <p:sp>
+          <p:nvSpPr>
+            <p:cNvPr id="28" name="Isosceles Triangle 27"/>
+            <p:cNvSpPr/>
+            <p:nvPr/>
+          </p:nvSpPr>
+          <p:spPr>
+            <a:xfrm>
+              <a:off x="8898009" y="1474298"/>
+              <a:ext cx="152400" cy="160867"/>
+            </a:xfrm>
+            <a:prstGeom prst="triangle">
+              <a:avLst/>
+            </a:prstGeom>
+          </p:spPr>
+          <p:style>
+            <a:lnRef idx="2">
+              <a:schemeClr val="dk1">
+                <a:shade val="50000"/>
+              </a:schemeClr>
+            </a:lnRef>
+            <a:fillRef idx="1">
+              <a:schemeClr val="dk1"/>
+            </a:fillRef>
+            <a:effectRef idx="0">
+              <a:schemeClr val="dk1"/>
+            </a:effectRef>
+            <a:fontRef idx="minor">
+              <a:schemeClr val="lt1"/>
+            </a:fontRef>
+          </p:style>
+          <p:txBody>
+            <a:bodyPr rtlCol="0" anchor="ctr"/>
+            <a:lstStyle/>
+            <a:p>
+              <a:pPr algn="ctr"/>
+              <a:endParaRPr lang="en-US"/>
+            </a:p>
+          </p:txBody>
+        </p:sp>
+        <p:sp>
+          <p:nvSpPr>
+            <p:cNvPr id="29" name="Isosceles Triangle 28"/>
+            <p:cNvSpPr/>
+            <p:nvPr/>
+          </p:nvSpPr>
+          <p:spPr>
+            <a:xfrm>
+              <a:off x="8893776" y="2146649"/>
+              <a:ext cx="152400" cy="160867"/>
+            </a:xfrm>
+            <a:prstGeom prst="triangle">
+              <a:avLst/>
+            </a:prstGeom>
+          </p:spPr>
+          <p:style>
+            <a:lnRef idx="2">
+              <a:schemeClr val="dk1">
+                <a:shade val="50000"/>
+              </a:schemeClr>
+            </a:lnRef>
+            <a:fillRef idx="1">
+              <a:schemeClr val="dk1"/>
+            </a:fillRef>
+            <a:effectRef idx="0">
+              <a:schemeClr val="dk1"/>
+            </a:effectRef>
+            <a:fontRef idx="minor">
+              <a:schemeClr val="lt1"/>
+            </a:fontRef>
+          </p:style>
+          <p:txBody>
+            <a:bodyPr rtlCol="0" anchor="ctr"/>
+            <a:lstStyle/>
+            <a:p>
+              <a:pPr algn="ctr"/>
+              <a:endParaRPr lang="en-US"/>
+            </a:p>
+          </p:txBody>
+        </p:sp>
+        <p:sp>
+          <p:nvSpPr>
+            <p:cNvPr id="30" name="Isosceles Triangle 29"/>
+            <p:cNvSpPr/>
+            <p:nvPr/>
+          </p:nvSpPr>
+          <p:spPr>
+            <a:xfrm>
+              <a:off x="8893776" y="2868526"/>
+              <a:ext cx="152400" cy="160867"/>
+            </a:xfrm>
+            <a:prstGeom prst="triangle">
+              <a:avLst/>
+            </a:prstGeom>
+          </p:spPr>
+          <p:style>
+            <a:lnRef idx="2">
+              <a:schemeClr val="dk1">
+                <a:shade val="50000"/>
+              </a:schemeClr>
+            </a:lnRef>
+            <a:fillRef idx="1">
+              <a:schemeClr val="dk1"/>
+            </a:fillRef>
+            <a:effectRef idx="0">
+              <a:schemeClr val="dk1"/>
+            </a:effectRef>
+            <a:fontRef idx="minor">
+              <a:schemeClr val="lt1"/>
+            </a:fontRef>
+          </p:style>
+          <p:txBody>
+            <a:bodyPr rtlCol="0" anchor="ctr"/>
+            <a:lstStyle/>
+            <a:p>
+              <a:pPr algn="ctr"/>
+              <a:endParaRPr lang="en-US"/>
+            </a:p>
+          </p:txBody>
+        </p:sp>
+        <p:cxnSp>
+          <p:nvCxnSpPr>
+            <p:cNvPr id="31" name="Straight Connector 30"/>
+            <p:cNvCxnSpPr>
+              <a:endCxn id="28" idx="1"/>
+            </p:cNvCxnSpPr>
+            <p:nvPr/>
+          </p:nvCxnSpPr>
+          <p:spPr>
+            <a:xfrm>
+              <a:off x="7932809" y="1554732"/>
+              <a:ext cx="1003300" cy="0"/>
+            </a:xfrm>
+            <a:prstGeom prst="line">
+              <a:avLst/>
+            </a:prstGeom>
+            <a:ln w="25400" cmpd="dbl">
+              <a:solidFill>
+                <a:srgbClr val="5B9BD5"/>
+              </a:solidFill>
+            </a:ln>
+          </p:spPr>
+          <p:style>
+            <a:lnRef idx="1">
+              <a:schemeClr val="dk1"/>
+            </a:lnRef>
+            <a:fillRef idx="0">
+              <a:schemeClr val="dk1"/>
+            </a:fillRef>
+            <a:effectRef idx="0">
+              <a:schemeClr val="dk1"/>
+            </a:effectRef>
+            <a:fontRef idx="minor">
+              <a:schemeClr val="tx1"/>
+            </a:fontRef>
+          </p:style>
+        </p:cxnSp>
+        <p:cxnSp>
+          <p:nvCxnSpPr>
+            <p:cNvPr id="32" name="Straight Connector 31"/>
+            <p:cNvCxnSpPr>
+              <a:stCxn id="10" idx="3"/>
+            </p:cNvCxnSpPr>
+            <p:nvPr/>
+          </p:nvCxnSpPr>
+          <p:spPr>
+            <a:xfrm flipV="1">
+              <a:off x="7439251" y="1554732"/>
+              <a:ext cx="341158" cy="1"/>
+            </a:xfrm>
+            <a:prstGeom prst="line">
+              <a:avLst/>
+            </a:prstGeom>
+            <a:ln>
+              <a:solidFill>
+                <a:srgbClr val="5B9BD5"/>
+              </a:solidFill>
+            </a:ln>
+          </p:spPr>
+          <p:style>
+            <a:lnRef idx="1">
+              <a:schemeClr val="dk1"/>
+            </a:lnRef>
+            <a:fillRef idx="0">
+              <a:schemeClr val="dk1"/>
+            </a:fillRef>
+            <a:effectRef idx="0">
+              <a:schemeClr val="dk1"/>
+            </a:effectRef>
+            <a:fontRef idx="minor">
+              <a:schemeClr val="tx1"/>
+            </a:fontRef>
+          </p:style>
+        </p:cxnSp>
+        <p:cxnSp>
+          <p:nvCxnSpPr>
+            <p:cNvPr id="33" name="Straight Connector 32"/>
+            <p:cNvCxnSpPr/>
+            <p:nvPr/>
+          </p:nvCxnSpPr>
+          <p:spPr>
+            <a:xfrm>
+              <a:off x="7941912" y="2227082"/>
+              <a:ext cx="1003300" cy="0"/>
+            </a:xfrm>
+            <a:prstGeom prst="line">
+              <a:avLst/>
+            </a:prstGeom>
+            <a:ln w="25400" cmpd="dbl">
+              <a:solidFill>
+                <a:srgbClr val="5B9BD5"/>
+              </a:solidFill>
+            </a:ln>
+          </p:spPr>
+          <p:style>
+            <a:lnRef idx="1">
+              <a:schemeClr val="dk1"/>
+            </a:lnRef>
+            <a:fillRef idx="0">
+              <a:schemeClr val="dk1"/>
+            </a:fillRef>
+            <a:effectRef idx="0">
+              <a:schemeClr val="dk1"/>
+            </a:effectRef>
+            <a:fontRef idx="minor">
+              <a:schemeClr val="tx1"/>
+            </a:fontRef>
+          </p:style>
+        </p:cxnSp>
+        <p:cxnSp>
+          <p:nvCxnSpPr>
+            <p:cNvPr id="34" name="Straight Connector 33"/>
+            <p:cNvCxnSpPr>
+              <a:stCxn id="8" idx="3"/>
+            </p:cNvCxnSpPr>
+            <p:nvPr/>
+          </p:nvCxnSpPr>
+          <p:spPr>
+            <a:xfrm flipV="1">
+              <a:off x="7439251" y="2227083"/>
+              <a:ext cx="336925" cy="1"/>
+            </a:xfrm>
+            <a:prstGeom prst="line">
+              <a:avLst/>
+            </a:prstGeom>
+            <a:ln>
+              <a:solidFill>
+                <a:srgbClr val="5B9BD5"/>
+              </a:solidFill>
+            </a:ln>
+          </p:spPr>
+          <p:style>
+            <a:lnRef idx="1">
+              <a:schemeClr val="dk1"/>
+            </a:lnRef>
+            <a:fillRef idx="0">
+              <a:schemeClr val="dk1"/>
+            </a:fillRef>
+            <a:effectRef idx="0">
+              <a:schemeClr val="dk1"/>
+            </a:effectRef>
+            <a:fontRef idx="minor">
+              <a:schemeClr val="tx1"/>
+            </a:fontRef>
+          </p:style>
+        </p:cxnSp>
+        <p:cxnSp>
+          <p:nvCxnSpPr>
+            <p:cNvPr id="35" name="Straight Connector 34"/>
+            <p:cNvCxnSpPr>
+              <a:stCxn id="11" idx="3"/>
+            </p:cNvCxnSpPr>
+            <p:nvPr/>
+          </p:nvCxnSpPr>
+          <p:spPr>
+            <a:xfrm flipV="1">
+              <a:off x="7439251" y="2948960"/>
+              <a:ext cx="336925" cy="1"/>
+            </a:xfrm>
+            <a:prstGeom prst="line">
+              <a:avLst/>
+            </a:prstGeom>
+            <a:ln>
+              <a:solidFill>
+                <a:srgbClr val="5B9BD5"/>
+              </a:solidFill>
+            </a:ln>
+          </p:spPr>
+          <p:style>
+            <a:lnRef idx="1">
+              <a:schemeClr val="dk1"/>
+            </a:lnRef>
+            <a:fillRef idx="0">
+              <a:schemeClr val="dk1"/>
+            </a:fillRef>
+            <a:effectRef idx="0">
+              <a:schemeClr val="dk1"/>
+            </a:effectRef>
+            <a:fontRef idx="minor">
+              <a:schemeClr val="tx1"/>
+            </a:fontRef>
+          </p:style>
+        </p:cxnSp>
+        <p:cxnSp>
+          <p:nvCxnSpPr>
+            <p:cNvPr id="36" name="Straight Connector 35"/>
+            <p:cNvCxnSpPr>
+              <a:endCxn id="30" idx="1"/>
+            </p:cNvCxnSpPr>
+            <p:nvPr/>
+          </p:nvCxnSpPr>
+          <p:spPr>
+            <a:xfrm>
+              <a:off x="7928576" y="2948960"/>
+              <a:ext cx="1003300" cy="0"/>
+            </a:xfrm>
+            <a:prstGeom prst="line">
+              <a:avLst/>
+            </a:prstGeom>
+            <a:ln w="25400" cmpd="dbl">
+              <a:solidFill>
+                <a:srgbClr val="5B9BD5"/>
+              </a:solidFill>
+            </a:ln>
+          </p:spPr>
+          <p:style>
+            <a:lnRef idx="1">
+              <a:schemeClr val="dk1"/>
+            </a:lnRef>
+            <a:fillRef idx="0">
+              <a:schemeClr val="dk1"/>
+            </a:fillRef>
+            <a:effectRef idx="0">
+              <a:schemeClr val="dk1"/>
+            </a:effectRef>
+            <a:fontRef idx="minor">
+              <a:schemeClr val="tx1"/>
+            </a:fontRef>
+          </p:style>
+        </p:cxnSp>
+        <p:sp>
+          <p:nvSpPr>
+            <p:cNvPr id="49" name="Isosceles Triangle 48"/>
+            <p:cNvSpPr/>
+            <p:nvPr/>
+          </p:nvSpPr>
+          <p:spPr>
+            <a:xfrm>
+              <a:off x="8884252" y="3335877"/>
+              <a:ext cx="171450" cy="80433"/>
+            </a:xfrm>
+            <a:prstGeom prst="triangle">
+              <a:avLst/>
+            </a:prstGeom>
+            <a:solidFill>
+              <a:srgbClr val="FFC000"/>
+            </a:solidFill>
+            <a:ln>
+              <a:solidFill>
+                <a:schemeClr val="tx1"/>
+              </a:solidFill>
+            </a:ln>
+          </p:spPr>
+          <p:style>
+            <a:lnRef idx="2">
+              <a:schemeClr val="accent1">
+                <a:shade val="50000"/>
+              </a:schemeClr>
+            </a:lnRef>
+            <a:fillRef idx="1">
+              <a:schemeClr val="accent1"/>
+            </a:fillRef>
+            <a:effectRef idx="0">
+              <a:schemeClr val="accent1"/>
+            </a:effectRef>
+            <a:fontRef idx="minor">
+              <a:schemeClr val="lt1"/>
+            </a:fontRef>
+          </p:style>
+          <p:txBody>
+            <a:bodyPr rtlCol="0" anchor="ctr"/>
+            <a:lstStyle/>
+            <a:p>
+              <a:pPr algn="ctr"/>
+              <a:endParaRPr lang="en-US"/>
+            </a:p>
+          </p:txBody>
+        </p:sp>
+        <p:sp>
+          <p:nvSpPr>
+            <p:cNvPr id="50" name="Rectangle 49"/>
+            <p:cNvSpPr/>
+            <p:nvPr/>
+          </p:nvSpPr>
+          <p:spPr>
+            <a:xfrm>
+              <a:off x="8893776" y="3416310"/>
+              <a:ext cx="152400" cy="103343"/>
             </a:xfrm>
             <a:prstGeom prst="rect">
               <a:avLst/>
@@ -11238,1124 +9341,20 @@
             <a:lstStyle/>
             <a:p>
               <a:pPr algn="ctr"/>
-              <a:endParaRPr lang="en-US" sz="1200"/>
+              <a:endParaRPr lang="en-US"/>
             </a:p>
           </p:txBody>
         </p:sp>
         <p:sp>
           <p:nvSpPr>
-            <p:cNvPr id="79" name="Isosceles Triangle 78"/>
+            <p:cNvPr id="53" name="Isosceles Triangle 52"/>
             <p:cNvSpPr/>
             <p:nvPr/>
           </p:nvSpPr>
           <p:spPr>
             <a:xfrm>
-              <a:off x="3632428" y="5560628"/>
-              <a:ext cx="101448" cy="107084"/>
-            </a:xfrm>
-            <a:prstGeom prst="triangle">
-              <a:avLst/>
-            </a:prstGeom>
-          </p:spPr>
-          <p:style>
-            <a:lnRef idx="2">
-              <a:schemeClr val="dk1">
-                <a:shade val="50000"/>
-              </a:schemeClr>
-            </a:lnRef>
-            <a:fillRef idx="1">
-              <a:schemeClr val="dk1"/>
-            </a:fillRef>
-            <a:effectRef idx="0">
-              <a:schemeClr val="dk1"/>
-            </a:effectRef>
-            <a:fontRef idx="minor">
-              <a:schemeClr val="lt1"/>
-            </a:fontRef>
-          </p:style>
-          <p:txBody>
-            <a:bodyPr rtlCol="0" anchor="ctr"/>
-            <a:lstStyle/>
-            <a:p>
-              <a:pPr algn="ctr"/>
-              <a:endParaRPr lang="en-US" sz="1200"/>
-            </a:p>
-          </p:txBody>
-        </p:sp>
-        <p:sp>
-          <p:nvSpPr>
-            <p:cNvPr id="80" name="Rectangle 79"/>
-            <p:cNvSpPr/>
-            <p:nvPr/>
-          </p:nvSpPr>
-          <p:spPr>
-            <a:xfrm>
-              <a:off x="3630220" y="5821522"/>
-              <a:ext cx="101448" cy="107084"/>
-            </a:xfrm>
-            <a:prstGeom prst="rect">
-              <a:avLst/>
-            </a:prstGeom>
-            <a:solidFill>
-              <a:srgbClr val="ED7D31"/>
-            </a:solidFill>
-          </p:spPr>
-          <p:style>
-            <a:lnRef idx="2">
-              <a:schemeClr val="dk1">
-                <a:shade val="50000"/>
-              </a:schemeClr>
-            </a:lnRef>
-            <a:fillRef idx="1">
-              <a:schemeClr val="dk1"/>
-            </a:fillRef>
-            <a:effectRef idx="0">
-              <a:schemeClr val="dk1"/>
-            </a:effectRef>
-            <a:fontRef idx="minor">
-              <a:schemeClr val="lt1"/>
-            </a:fontRef>
-          </p:style>
-          <p:txBody>
-            <a:bodyPr rtlCol="0" anchor="ctr"/>
-            <a:lstStyle/>
-            <a:p>
-              <a:pPr algn="ctr"/>
-              <a:endParaRPr lang="en-US" sz="1200"/>
-            </a:p>
-          </p:txBody>
-        </p:sp>
-        <p:sp>
-          <p:nvSpPr>
-            <p:cNvPr id="81" name="Oval 80"/>
-            <p:cNvSpPr/>
-            <p:nvPr/>
-          </p:nvSpPr>
-          <p:spPr>
-            <a:xfrm>
-              <a:off x="3629416" y="6087464"/>
-              <a:ext cx="101448" cy="107084"/>
-            </a:xfrm>
-            <a:prstGeom prst="ellipse">
-              <a:avLst/>
-            </a:prstGeom>
-            <a:solidFill>
-              <a:srgbClr val="5B9BD5"/>
-            </a:solidFill>
-          </p:spPr>
-          <p:style>
-            <a:lnRef idx="2">
-              <a:schemeClr val="dk1">
-                <a:shade val="50000"/>
-              </a:schemeClr>
-            </a:lnRef>
-            <a:fillRef idx="1">
-              <a:schemeClr val="dk1"/>
-            </a:fillRef>
-            <a:effectRef idx="0">
-              <a:schemeClr val="dk1"/>
-            </a:effectRef>
-            <a:fontRef idx="minor">
-              <a:schemeClr val="lt1"/>
-            </a:fontRef>
-          </p:style>
-          <p:txBody>
-            <a:bodyPr rtlCol="0" anchor="ctr"/>
-            <a:lstStyle/>
-            <a:p>
-              <a:pPr algn="ctr"/>
-              <a:endParaRPr lang="en-US" sz="1200"/>
-            </a:p>
-          </p:txBody>
-        </p:sp>
-        <p:sp>
-          <p:nvSpPr>
-            <p:cNvPr id="83" name="Diamond 82"/>
-            <p:cNvSpPr/>
-            <p:nvPr/>
-          </p:nvSpPr>
-          <p:spPr>
-            <a:xfrm>
-              <a:off x="857558" y="5782484"/>
-              <a:ext cx="182607" cy="182607"/>
-            </a:xfrm>
-            <a:prstGeom prst="diamond">
-              <a:avLst/>
-            </a:prstGeom>
-            <a:solidFill>
-              <a:srgbClr val="7030A0"/>
-            </a:solidFill>
-          </p:spPr>
-          <p:style>
-            <a:lnRef idx="2">
-              <a:schemeClr val="dk1">
-                <a:shade val="50000"/>
-              </a:schemeClr>
-            </a:lnRef>
-            <a:fillRef idx="1">
-              <a:schemeClr val="dk1"/>
-            </a:fillRef>
-            <a:effectRef idx="0">
-              <a:schemeClr val="dk1"/>
-            </a:effectRef>
-            <a:fontRef idx="minor">
-              <a:schemeClr val="lt1"/>
-            </a:fontRef>
-          </p:style>
-          <p:txBody>
-            <a:bodyPr rtlCol="0" anchor="ctr"/>
-            <a:lstStyle/>
-            <a:p>
-              <a:pPr algn="ctr"/>
-              <a:endParaRPr lang="en-US" sz="1200"/>
-            </a:p>
-          </p:txBody>
-        </p:sp>
-        <p:sp>
-          <p:nvSpPr>
-            <p:cNvPr id="87" name="Parallelogram 86"/>
-            <p:cNvSpPr/>
-            <p:nvPr/>
-          </p:nvSpPr>
-          <p:spPr>
-            <a:xfrm>
-              <a:off x="863325" y="5506425"/>
-              <a:ext cx="152172" cy="172489"/>
-            </a:xfrm>
-            <a:prstGeom prst="parallelogram">
-              <a:avLst/>
-            </a:prstGeom>
-            <a:solidFill>
-              <a:srgbClr val="CC66FF"/>
-            </a:solidFill>
-          </p:spPr>
-          <p:style>
-            <a:lnRef idx="2">
-              <a:schemeClr val="dk1">
-                <a:shade val="50000"/>
-              </a:schemeClr>
-            </a:lnRef>
-            <a:fillRef idx="1">
-              <a:schemeClr val="dk1"/>
-            </a:fillRef>
-            <a:effectRef idx="0">
-              <a:schemeClr val="dk1"/>
-            </a:effectRef>
-            <a:fontRef idx="minor">
-              <a:schemeClr val="lt1"/>
-            </a:fontRef>
-          </p:style>
-          <p:txBody>
-            <a:bodyPr rtlCol="0" anchor="ctr"/>
-            <a:lstStyle/>
-            <a:p>
-              <a:pPr algn="ctr"/>
-              <a:endParaRPr lang="en-US" sz="1200"/>
-            </a:p>
-          </p:txBody>
-        </p:sp>
-        <p:cxnSp>
-          <p:nvCxnSpPr>
-            <p:cNvPr id="88" name="Straight Connector 87"/>
-            <p:cNvCxnSpPr/>
-            <p:nvPr/>
-          </p:nvCxnSpPr>
-          <p:spPr>
-            <a:xfrm flipV="1">
-              <a:off x="4971420" y="5976255"/>
-              <a:ext cx="184419" cy="1"/>
-            </a:xfrm>
-            <a:prstGeom prst="line">
-              <a:avLst/>
-            </a:prstGeom>
-            <a:ln w="25400" cmpd="dbl">
-              <a:solidFill>
-                <a:srgbClr val="5B9BD5"/>
-              </a:solidFill>
-            </a:ln>
-          </p:spPr>
-          <p:style>
-            <a:lnRef idx="1">
-              <a:schemeClr val="dk1"/>
-            </a:lnRef>
-            <a:fillRef idx="0">
-              <a:schemeClr val="dk1"/>
-            </a:fillRef>
-            <a:effectRef idx="0">
-              <a:schemeClr val="dk1"/>
-            </a:effectRef>
-            <a:fontRef idx="minor">
-              <a:schemeClr val="tx1"/>
-            </a:fontRef>
-          </p:style>
-        </p:cxnSp>
-        <p:cxnSp>
-          <p:nvCxnSpPr>
-            <p:cNvPr id="89" name="Straight Connector 88"/>
-            <p:cNvCxnSpPr/>
-            <p:nvPr/>
-          </p:nvCxnSpPr>
-          <p:spPr>
-            <a:xfrm flipH="1">
-              <a:off x="6129055" y="5636873"/>
-              <a:ext cx="250214" cy="657"/>
-            </a:xfrm>
-            <a:prstGeom prst="line">
-              <a:avLst/>
-            </a:prstGeom>
-            <a:ln>
-              <a:solidFill>
-                <a:srgbClr val="5B9BD5"/>
-              </a:solidFill>
-            </a:ln>
-          </p:spPr>
-          <p:style>
-            <a:lnRef idx="1">
-              <a:schemeClr val="dk1"/>
-            </a:lnRef>
-            <a:fillRef idx="0">
-              <a:schemeClr val="dk1"/>
-            </a:fillRef>
-            <a:effectRef idx="0">
-              <a:schemeClr val="dk1"/>
-            </a:effectRef>
-            <a:fontRef idx="minor">
-              <a:schemeClr val="tx1"/>
-            </a:fontRef>
-          </p:style>
-        </p:cxnSp>
-        <p:sp>
-          <p:nvSpPr>
-            <p:cNvPr id="92" name="Double Brace 91"/>
-            <p:cNvSpPr/>
-            <p:nvPr/>
-          </p:nvSpPr>
-          <p:spPr>
-            <a:xfrm>
-              <a:off x="5022688" y="5514540"/>
-              <a:ext cx="70947" cy="244668"/>
-            </a:xfrm>
-            <a:prstGeom prst="bracePair">
-              <a:avLst/>
-            </a:prstGeom>
-            <a:ln w="12700"/>
-          </p:spPr>
-          <p:style>
-            <a:lnRef idx="1">
-              <a:schemeClr val="dk1"/>
-            </a:lnRef>
-            <a:fillRef idx="0">
-              <a:schemeClr val="dk1"/>
-            </a:fillRef>
-            <a:effectRef idx="0">
-              <a:schemeClr val="dk1"/>
-            </a:effectRef>
-            <a:fontRef idx="minor">
-              <a:schemeClr val="tx1"/>
-            </a:fontRef>
-          </p:style>
-          <p:txBody>
-            <a:bodyPr rtlCol="0" anchor="ctr"/>
-            <a:lstStyle/>
-            <a:p>
-              <a:pPr algn="ctr"/>
-              <a:endParaRPr lang="en-US" sz="1200"/>
-            </a:p>
-          </p:txBody>
-        </p:sp>
-        <p:sp>
-          <p:nvSpPr>
-            <p:cNvPr id="93" name="TextBox 92"/>
-            <p:cNvSpPr txBox="1"/>
-            <p:nvPr/>
-          </p:nvSpPr>
-          <p:spPr>
-            <a:xfrm>
-              <a:off x="1061423" y="5484702"/>
-              <a:ext cx="1274708" cy="253916"/>
-            </a:xfrm>
-            <a:prstGeom prst="rect">
-              <a:avLst/>
-            </a:prstGeom>
-            <a:noFill/>
-          </p:spPr>
-          <p:txBody>
-            <a:bodyPr wrap="none" rtlCol="0">
-              <a:spAutoFit/>
-            </a:bodyPr>
-            <a:lstStyle/>
-            <a:p>
-              <a:r>
-                <a:rPr lang="en-US" sz="1050" dirty="0"/>
-                <a:t>PV Panel (+inverter)</a:t>
-              </a:r>
-            </a:p>
-          </p:txBody>
-        </p:sp>
-        <p:sp>
-          <p:nvSpPr>
-            <p:cNvPr id="94" name="TextBox 93"/>
-            <p:cNvSpPr txBox="1"/>
-            <p:nvPr/>
-          </p:nvSpPr>
-          <p:spPr>
-            <a:xfrm>
-              <a:off x="1072306" y="5782919"/>
-              <a:ext cx="1168910" cy="253916"/>
-            </a:xfrm>
-            <a:prstGeom prst="rect">
-              <a:avLst/>
-            </a:prstGeom>
-            <a:noFill/>
-          </p:spPr>
-          <p:txBody>
-            <a:bodyPr wrap="none" rtlCol="0">
-              <a:spAutoFit/>
-            </a:bodyPr>
-            <a:lstStyle/>
-            <a:p>
-              <a:r>
-                <a:rPr lang="en-US" sz="1050" dirty="0"/>
-                <a:t>Dummy Grid Load</a:t>
-              </a:r>
-            </a:p>
-          </p:txBody>
-        </p:sp>
-        <p:sp>
-          <p:nvSpPr>
-            <p:cNvPr id="95" name="TextBox 94"/>
-            <p:cNvSpPr txBox="1"/>
-            <p:nvPr/>
-          </p:nvSpPr>
-          <p:spPr>
-            <a:xfrm>
-              <a:off x="1077762" y="6038232"/>
-              <a:ext cx="1566454" cy="253916"/>
-            </a:xfrm>
-            <a:prstGeom prst="rect">
-              <a:avLst/>
-            </a:prstGeom>
-            <a:noFill/>
-          </p:spPr>
-          <p:txBody>
-            <a:bodyPr wrap="none" rtlCol="0">
-              <a:spAutoFit/>
-            </a:bodyPr>
-            <a:lstStyle/>
-            <a:p>
-              <a:r>
-                <a:rPr lang="en-US" sz="1050" dirty="0"/>
-                <a:t>Controllable Load (HVAC)</a:t>
-              </a:r>
-            </a:p>
-          </p:txBody>
-        </p:sp>
-        <p:sp>
-          <p:nvSpPr>
-            <p:cNvPr id="96" name="TextBox 95"/>
-            <p:cNvSpPr txBox="1"/>
-            <p:nvPr/>
-          </p:nvSpPr>
-          <p:spPr>
-            <a:xfrm>
-              <a:off x="1974802" y="6294216"/>
-              <a:ext cx="1338828" cy="261610"/>
-            </a:xfrm>
-            <a:prstGeom prst="rect">
-              <a:avLst/>
-            </a:prstGeom>
-            <a:noFill/>
-          </p:spPr>
-          <p:txBody>
-            <a:bodyPr wrap="none" rtlCol="0">
-              <a:spAutoFit/>
-            </a:bodyPr>
-            <a:lstStyle/>
-            <a:p>
-              <a:r>
-                <a:rPr lang="en-US" sz="1050" dirty="0"/>
-                <a:t>Uncontrollable Load</a:t>
-              </a:r>
-            </a:p>
-          </p:txBody>
-        </p:sp>
-        <p:sp>
-          <p:nvSpPr>
-            <p:cNvPr id="97" name="TextBox 96"/>
-            <p:cNvSpPr txBox="1"/>
-            <p:nvPr/>
-          </p:nvSpPr>
-          <p:spPr>
-            <a:xfrm>
-              <a:off x="1810933" y="5271619"/>
-              <a:ext cx="777777" cy="261610"/>
-            </a:xfrm>
-            <a:prstGeom prst="rect">
-              <a:avLst/>
-            </a:prstGeom>
-            <a:noFill/>
-          </p:spPr>
-          <p:txBody>
-            <a:bodyPr wrap="none" rtlCol="0">
-              <a:spAutoFit/>
-            </a:bodyPr>
-            <a:lstStyle/>
-            <a:p>
-              <a:r>
-                <a:rPr lang="en-US" sz="1050" b="1" dirty="0"/>
-                <a:t>Resources</a:t>
-              </a:r>
-            </a:p>
-          </p:txBody>
-        </p:sp>
-        <p:sp>
-          <p:nvSpPr>
-            <p:cNvPr id="98" name="TextBox 97"/>
-            <p:cNvSpPr txBox="1"/>
-            <p:nvPr/>
-          </p:nvSpPr>
-          <p:spPr>
-            <a:xfrm>
-              <a:off x="5942598" y="5284308"/>
-              <a:ext cx="1229824" cy="253916"/>
-            </a:xfrm>
-            <a:prstGeom prst="rect">
-              <a:avLst/>
-            </a:prstGeom>
-            <a:noFill/>
-          </p:spPr>
-          <p:txBody>
-            <a:bodyPr wrap="none" rtlCol="0">
-              <a:spAutoFit/>
-            </a:bodyPr>
-            <a:lstStyle/>
-            <a:p>
-              <a:r>
-                <a:rPr lang="en-US" sz="1050" b="1" dirty="0"/>
-                <a:t>Logical Connectors</a:t>
-              </a:r>
-            </a:p>
-          </p:txBody>
-        </p:sp>
-        <p:sp>
-          <p:nvSpPr>
-            <p:cNvPr id="99" name="TextBox 98"/>
-            <p:cNvSpPr txBox="1"/>
-            <p:nvPr/>
-          </p:nvSpPr>
-          <p:spPr>
-            <a:xfrm>
-              <a:off x="4831594" y="5273286"/>
-              <a:ext cx="478016" cy="261610"/>
-            </a:xfrm>
-            <a:prstGeom prst="rect">
-              <a:avLst/>
-            </a:prstGeom>
-            <a:noFill/>
-          </p:spPr>
-          <p:txBody>
-            <a:bodyPr wrap="none" rtlCol="0">
-              <a:spAutoFit/>
-            </a:bodyPr>
-            <a:lstStyle/>
-            <a:p>
-              <a:r>
-                <a:rPr lang="en-US" sz="1050" b="1" dirty="0"/>
-                <a:t>Links</a:t>
-              </a:r>
-            </a:p>
-          </p:txBody>
-        </p:sp>
-        <p:sp>
-          <p:nvSpPr>
-            <p:cNvPr id="100" name="TextBox 99"/>
-            <p:cNvSpPr txBox="1"/>
-            <p:nvPr/>
-          </p:nvSpPr>
-          <p:spPr>
-            <a:xfrm>
-              <a:off x="3527945" y="5271619"/>
-              <a:ext cx="554960" cy="261610"/>
-            </a:xfrm>
-            <a:prstGeom prst="rect">
-              <a:avLst/>
-            </a:prstGeom>
-            <a:noFill/>
-          </p:spPr>
-          <p:txBody>
-            <a:bodyPr wrap="none" rtlCol="0">
-              <a:spAutoFit/>
-            </a:bodyPr>
-            <a:lstStyle/>
-            <a:p>
-              <a:r>
-                <a:rPr lang="en-US" sz="1050" b="1" dirty="0"/>
-                <a:t>Nodes</a:t>
-              </a:r>
-            </a:p>
-          </p:txBody>
-        </p:sp>
-        <p:sp>
-          <p:nvSpPr>
-            <p:cNvPr id="101" name="TextBox 100"/>
-            <p:cNvSpPr txBox="1"/>
-            <p:nvPr/>
-          </p:nvSpPr>
-          <p:spPr>
-            <a:xfrm>
-              <a:off x="3788714" y="5508414"/>
-              <a:ext cx="984565" cy="253916"/>
-            </a:xfrm>
-            <a:prstGeom prst="rect">
-              <a:avLst/>
-            </a:prstGeom>
-            <a:noFill/>
-          </p:spPr>
-          <p:txBody>
-            <a:bodyPr wrap="none" rtlCol="0">
-              <a:spAutoFit/>
-            </a:bodyPr>
-            <a:lstStyle/>
-            <a:p>
-              <a:r>
-                <a:rPr lang="en-US" sz="1050" dirty="0"/>
-                <a:t>Meter (triplex)</a:t>
-              </a:r>
-            </a:p>
-          </p:txBody>
-        </p:sp>
-        <p:sp>
-          <p:nvSpPr>
-            <p:cNvPr id="102" name="TextBox 101"/>
-            <p:cNvSpPr txBox="1"/>
-            <p:nvPr/>
-          </p:nvSpPr>
-          <p:spPr>
-            <a:xfrm>
-              <a:off x="3788714" y="5771377"/>
-              <a:ext cx="938077" cy="253916"/>
-            </a:xfrm>
-            <a:prstGeom prst="rect">
-              <a:avLst/>
-            </a:prstGeom>
-            <a:noFill/>
-          </p:spPr>
-          <p:txBody>
-            <a:bodyPr wrap="none" rtlCol="0">
-              <a:spAutoFit/>
-            </a:bodyPr>
-            <a:lstStyle/>
-            <a:p>
-              <a:r>
-                <a:rPr lang="en-US" sz="1050" dirty="0"/>
-                <a:t>Node (triplex)</a:t>
-              </a:r>
-            </a:p>
-          </p:txBody>
-        </p:sp>
-        <p:sp>
-          <p:nvSpPr>
-            <p:cNvPr id="103" name="TextBox 102"/>
-            <p:cNvSpPr txBox="1"/>
-            <p:nvPr/>
-          </p:nvSpPr>
-          <p:spPr>
-            <a:xfrm>
-              <a:off x="3788714" y="6038348"/>
-              <a:ext cx="1253869" cy="253916"/>
-            </a:xfrm>
-            <a:prstGeom prst="rect">
-              <a:avLst/>
-            </a:prstGeom>
-            <a:noFill/>
-          </p:spPr>
-          <p:txBody>
-            <a:bodyPr wrap="none" rtlCol="0">
-              <a:spAutoFit/>
-            </a:bodyPr>
-            <a:lstStyle/>
-            <a:p>
-              <a:r>
-                <a:rPr lang="en-US" sz="1050" dirty="0"/>
-                <a:t>Node (three-phase)</a:t>
-              </a:r>
-            </a:p>
-          </p:txBody>
-        </p:sp>
-        <p:sp>
-          <p:nvSpPr>
-            <p:cNvPr id="108" name="TextBox 107"/>
-            <p:cNvSpPr txBox="1"/>
-            <p:nvPr/>
-          </p:nvSpPr>
-          <p:spPr>
-            <a:xfrm>
-              <a:off x="5202434" y="5863637"/>
-              <a:ext cx="907621" cy="261610"/>
-            </a:xfrm>
-            <a:prstGeom prst="rect">
-              <a:avLst/>
-            </a:prstGeom>
-            <a:noFill/>
-          </p:spPr>
-          <p:txBody>
-            <a:bodyPr wrap="none" rtlCol="0">
-              <a:spAutoFit/>
-            </a:bodyPr>
-            <a:lstStyle/>
-            <a:p>
-              <a:r>
-                <a:rPr lang="en-US" sz="1050" dirty="0"/>
-                <a:t>Triplex cable</a:t>
-              </a:r>
-            </a:p>
-          </p:txBody>
-        </p:sp>
-        <p:sp>
-          <p:nvSpPr>
-            <p:cNvPr id="109" name="TextBox 108"/>
-            <p:cNvSpPr txBox="1"/>
-            <p:nvPr/>
-          </p:nvSpPr>
-          <p:spPr>
-            <a:xfrm>
-              <a:off x="5206156" y="5533310"/>
-              <a:ext cx="898003" cy="261610"/>
-            </a:xfrm>
-            <a:prstGeom prst="rect">
-              <a:avLst/>
-            </a:prstGeom>
-            <a:noFill/>
-          </p:spPr>
-          <p:txBody>
-            <a:bodyPr wrap="none" rtlCol="0">
-              <a:spAutoFit/>
-            </a:bodyPr>
-            <a:lstStyle/>
-            <a:p>
-              <a:r>
-                <a:rPr lang="en-US" sz="1050" dirty="0"/>
-                <a:t>Transformer</a:t>
-              </a:r>
-            </a:p>
-          </p:txBody>
-        </p:sp>
-        <p:sp>
-          <p:nvSpPr>
-            <p:cNvPr id="110" name="TextBox 109"/>
-            <p:cNvSpPr txBox="1"/>
-            <p:nvPr/>
-          </p:nvSpPr>
-          <p:spPr>
-            <a:xfrm>
-              <a:off x="6415118" y="5533310"/>
-              <a:ext cx="854721" cy="261610"/>
-            </a:xfrm>
-            <a:prstGeom prst="rect">
-              <a:avLst/>
-            </a:prstGeom>
-            <a:noFill/>
-          </p:spPr>
-          <p:txBody>
-            <a:bodyPr wrap="none" rtlCol="0">
-              <a:spAutoFit/>
-            </a:bodyPr>
-            <a:lstStyle/>
-            <a:p>
-              <a:r>
-                <a:rPr lang="en-US" sz="1050" dirty="0"/>
-                <a:t>Power Flow</a:t>
-              </a:r>
-            </a:p>
-          </p:txBody>
-        </p:sp>
-        <p:sp>
-          <p:nvSpPr>
-            <p:cNvPr id="122" name="TextBox 121"/>
-            <p:cNvSpPr txBox="1"/>
-            <p:nvPr/>
-          </p:nvSpPr>
-          <p:spPr>
-            <a:xfrm>
-              <a:off x="8663294" y="5284308"/>
-              <a:ext cx="1242648" cy="253916"/>
-            </a:xfrm>
-            <a:prstGeom prst="rect">
-              <a:avLst/>
-            </a:prstGeom>
-            <a:noFill/>
-          </p:spPr>
-          <p:txBody>
-            <a:bodyPr wrap="none" rtlCol="0">
-              <a:spAutoFit/>
-            </a:bodyPr>
-            <a:lstStyle/>
-            <a:p>
-              <a:r>
-                <a:rPr lang="en-US" sz="1050" b="1" dirty="0"/>
-                <a:t>Transactive Agents</a:t>
-              </a:r>
-            </a:p>
-          </p:txBody>
-        </p:sp>
-        <p:sp>
-          <p:nvSpPr>
-            <p:cNvPr id="127" name="Rectangle 126"/>
-            <p:cNvSpPr/>
-            <p:nvPr/>
-          </p:nvSpPr>
-          <p:spPr>
-            <a:xfrm>
-              <a:off x="7648975" y="5586481"/>
-              <a:ext cx="146826" cy="126810"/>
-            </a:xfrm>
-            <a:prstGeom prst="rect">
-              <a:avLst/>
-            </a:prstGeom>
-            <a:solidFill>
-              <a:srgbClr val="C55A11"/>
-            </a:solidFill>
-            <a:ln>
-              <a:noFill/>
-            </a:ln>
-          </p:spPr>
-          <p:style>
-            <a:lnRef idx="3">
-              <a:schemeClr val="lt1"/>
-            </a:lnRef>
-            <a:fillRef idx="1">
-              <a:schemeClr val="accent1"/>
-            </a:fillRef>
-            <a:effectRef idx="1">
-              <a:schemeClr val="accent1"/>
-            </a:effectRef>
-            <a:fontRef idx="minor">
-              <a:schemeClr val="lt1"/>
-            </a:fontRef>
-          </p:style>
-          <p:txBody>
-            <a:bodyPr rtlCol="0" anchor="ctr"/>
-            <a:lstStyle/>
-            <a:p>
-              <a:pPr algn="ctr"/>
-              <a:endParaRPr lang="en-US" sz="1200"/>
-            </a:p>
-          </p:txBody>
-        </p:sp>
-        <p:cxnSp>
-          <p:nvCxnSpPr>
-            <p:cNvPr id="128" name="Straight Connector 127"/>
-            <p:cNvCxnSpPr/>
-            <p:nvPr/>
-          </p:nvCxnSpPr>
-          <p:spPr>
-            <a:xfrm flipH="1">
-              <a:off x="6128001" y="5972712"/>
-              <a:ext cx="250214" cy="657"/>
-            </a:xfrm>
-            <a:prstGeom prst="line">
-              <a:avLst/>
-            </a:prstGeom>
-            <a:ln>
-              <a:solidFill>
-                <a:srgbClr val="ED7D31"/>
-              </a:solidFill>
-              <a:prstDash val="sysDash"/>
-            </a:ln>
-          </p:spPr>
-          <p:style>
-            <a:lnRef idx="1">
-              <a:schemeClr val="dk1"/>
-            </a:lnRef>
-            <a:fillRef idx="0">
-              <a:schemeClr val="dk1"/>
-            </a:fillRef>
-            <a:effectRef idx="0">
-              <a:schemeClr val="dk1"/>
-            </a:effectRef>
-            <a:fontRef idx="minor">
-              <a:schemeClr val="tx1"/>
-            </a:fontRef>
-          </p:style>
-        </p:cxnSp>
-        <p:sp>
-          <p:nvSpPr>
-            <p:cNvPr id="129" name="TextBox 128"/>
-            <p:cNvSpPr txBox="1"/>
-            <p:nvPr/>
-          </p:nvSpPr>
-          <p:spPr>
-            <a:xfrm>
-              <a:off x="6415118" y="5873816"/>
-              <a:ext cx="452368" cy="261610"/>
-            </a:xfrm>
-            <a:prstGeom prst="rect">
-              <a:avLst/>
-            </a:prstGeom>
-            <a:noFill/>
-          </p:spPr>
-          <p:txBody>
-            <a:bodyPr wrap="none" rtlCol="0">
-              <a:spAutoFit/>
-            </a:bodyPr>
-            <a:lstStyle/>
-            <a:p>
-              <a:r>
-                <a:rPr lang="en-US" sz="1050" dirty="0"/>
-                <a:t>Data</a:t>
-              </a:r>
-            </a:p>
-          </p:txBody>
-        </p:sp>
-        <p:sp>
-          <p:nvSpPr>
-            <p:cNvPr id="130" name="TextBox 129"/>
-            <p:cNvSpPr txBox="1"/>
-            <p:nvPr/>
-          </p:nvSpPr>
-          <p:spPr>
-            <a:xfrm>
-              <a:off x="7806230" y="5533310"/>
-              <a:ext cx="848309" cy="261610"/>
-            </a:xfrm>
-            <a:prstGeom prst="rect">
-              <a:avLst/>
-            </a:prstGeom>
-            <a:noFill/>
-          </p:spPr>
-          <p:txBody>
-            <a:bodyPr wrap="none" rtlCol="0">
-              <a:spAutoFit/>
-            </a:bodyPr>
-            <a:lstStyle/>
-            <a:p>
-              <a:r>
-                <a:rPr lang="en-US" sz="1050" dirty="0"/>
-                <a:t>Thermostat</a:t>
-              </a:r>
-            </a:p>
-          </p:txBody>
-        </p:sp>
-        <p:sp>
-          <p:nvSpPr>
-            <p:cNvPr id="131" name="TextBox 130"/>
-            <p:cNvSpPr txBox="1"/>
-            <p:nvPr/>
-          </p:nvSpPr>
-          <p:spPr>
-            <a:xfrm>
-              <a:off x="7457569" y="5271618"/>
-              <a:ext cx="1074333" cy="261610"/>
-            </a:xfrm>
-            <a:prstGeom prst="rect">
-              <a:avLst/>
-            </a:prstGeom>
-            <a:noFill/>
-          </p:spPr>
-          <p:txBody>
-            <a:bodyPr wrap="none" rtlCol="0">
-              <a:spAutoFit/>
-            </a:bodyPr>
-            <a:lstStyle/>
-            <a:p>
-              <a:r>
-                <a:rPr lang="en-US" sz="1050" b="1" dirty="0" err="1"/>
-                <a:t>LocalController</a:t>
-              </a:r>
-              <a:endParaRPr lang="en-US" sz="1050" b="1" dirty="0"/>
-            </a:p>
-          </p:txBody>
-        </p:sp>
-        <p:sp>
-          <p:nvSpPr>
-            <p:cNvPr id="134" name="Oval 133"/>
-            <p:cNvSpPr/>
-            <p:nvPr/>
-          </p:nvSpPr>
-          <p:spPr>
-            <a:xfrm>
-              <a:off x="8743013" y="5530929"/>
-              <a:ext cx="198984" cy="206424"/>
-            </a:xfrm>
-            <a:prstGeom prst="ellipse">
-              <a:avLst/>
-            </a:prstGeom>
-            <a:solidFill>
-              <a:srgbClr val="99CC00"/>
-            </a:solidFill>
-            <a:ln>
-              <a:noFill/>
-            </a:ln>
-          </p:spPr>
-          <p:style>
-            <a:lnRef idx="2">
-              <a:schemeClr val="accent6">
-                <a:shade val="50000"/>
-              </a:schemeClr>
-            </a:lnRef>
-            <a:fillRef idx="1">
-              <a:schemeClr val="accent6"/>
-            </a:fillRef>
-            <a:effectRef idx="0">
-              <a:schemeClr val="accent6"/>
-            </a:effectRef>
-            <a:fontRef idx="minor">
-              <a:schemeClr val="lt1"/>
-            </a:fontRef>
-          </p:style>
-          <p:txBody>
-            <a:bodyPr rtlCol="0" anchor="ctr"/>
-            <a:lstStyle/>
-            <a:p>
-              <a:pPr algn="ctr"/>
-              <a:endParaRPr lang="en-US" sz="1200"/>
-            </a:p>
-          </p:txBody>
-        </p:sp>
-        <p:sp>
-          <p:nvSpPr>
-            <p:cNvPr id="136" name="Rectangle 135"/>
-            <p:cNvSpPr/>
-            <p:nvPr/>
-          </p:nvSpPr>
-          <p:spPr>
-            <a:xfrm>
-              <a:off x="8742504" y="5935958"/>
-              <a:ext cx="198984" cy="206424"/>
-            </a:xfrm>
-            <a:prstGeom prst="rect">
-              <a:avLst/>
-            </a:prstGeom>
-            <a:solidFill>
-              <a:srgbClr val="99CC00"/>
-            </a:solidFill>
-            <a:ln>
-              <a:noFill/>
-            </a:ln>
-          </p:spPr>
-          <p:style>
-            <a:lnRef idx="2">
-              <a:schemeClr val="accent6">
-                <a:shade val="50000"/>
-              </a:schemeClr>
-            </a:lnRef>
-            <a:fillRef idx="1">
-              <a:schemeClr val="accent6"/>
-            </a:fillRef>
-            <a:effectRef idx="0">
-              <a:schemeClr val="accent6"/>
-            </a:effectRef>
-            <a:fontRef idx="minor">
-              <a:schemeClr val="lt1"/>
-            </a:fontRef>
-          </p:style>
-          <p:txBody>
-            <a:bodyPr rtlCol="0" anchor="ctr"/>
-            <a:lstStyle/>
-            <a:p>
-              <a:pPr algn="ctr"/>
-              <a:endParaRPr lang="en-US" sz="1200"/>
-            </a:p>
-          </p:txBody>
-        </p:sp>
-        <p:sp>
-          <p:nvSpPr>
-            <p:cNvPr id="139" name="TextBox 138"/>
-            <p:cNvSpPr txBox="1"/>
-            <p:nvPr/>
-          </p:nvSpPr>
-          <p:spPr>
-            <a:xfrm>
-              <a:off x="8924778" y="5537714"/>
-              <a:ext cx="1221809" cy="261610"/>
-            </a:xfrm>
-            <a:prstGeom prst="rect">
-              <a:avLst/>
-            </a:prstGeom>
-            <a:noFill/>
-          </p:spPr>
-          <p:txBody>
-            <a:bodyPr wrap="none" rtlCol="0">
-              <a:spAutoFit/>
-            </a:bodyPr>
-            <a:lstStyle/>
-            <a:p>
-              <a:r>
-                <a:rPr lang="en-US" sz="1050" dirty="0"/>
-                <a:t>Bidding Controller</a:t>
-              </a:r>
-            </a:p>
-          </p:txBody>
-        </p:sp>
-        <p:sp>
-          <p:nvSpPr>
-            <p:cNvPr id="140" name="TextBox 139"/>
-            <p:cNvSpPr txBox="1"/>
-            <p:nvPr/>
-          </p:nvSpPr>
-          <p:spPr>
-            <a:xfrm>
-              <a:off x="8942937" y="5935909"/>
-              <a:ext cx="625492" cy="261610"/>
-            </a:xfrm>
-            <a:prstGeom prst="rect">
-              <a:avLst/>
-            </a:prstGeom>
-            <a:noFill/>
-          </p:spPr>
-          <p:txBody>
-            <a:bodyPr wrap="none" rtlCol="0">
-              <a:spAutoFit/>
-            </a:bodyPr>
-            <a:lstStyle/>
-            <a:p>
-              <a:r>
-                <a:rPr lang="en-US" sz="1050" dirty="0"/>
-                <a:t>Auction</a:t>
-              </a:r>
-            </a:p>
-          </p:txBody>
-        </p:sp>
-        <p:sp>
-          <p:nvSpPr>
-            <p:cNvPr id="159" name="TextBox 158"/>
-            <p:cNvSpPr txBox="1"/>
-            <p:nvPr/>
-          </p:nvSpPr>
-          <p:spPr>
-            <a:xfrm>
-              <a:off x="7409651" y="5820915"/>
-              <a:ext cx="1465466" cy="261610"/>
-            </a:xfrm>
-            <a:prstGeom prst="rect">
-              <a:avLst/>
-            </a:prstGeom>
-            <a:noFill/>
-          </p:spPr>
-          <p:txBody>
-            <a:bodyPr wrap="none" rtlCol="0">
-              <a:spAutoFit/>
-            </a:bodyPr>
-            <a:lstStyle/>
-            <a:p>
-              <a:r>
-                <a:rPr lang="en-US" sz="1050" b="1" dirty="0" err="1"/>
-                <a:t>SupervisoryController</a:t>
-              </a:r>
-              <a:endParaRPr lang="en-US" sz="1050" b="1" dirty="0"/>
-            </a:p>
-          </p:txBody>
-        </p:sp>
-        <p:sp>
-          <p:nvSpPr>
-            <p:cNvPr id="160" name="Isosceles Triangle 159"/>
-            <p:cNvSpPr/>
-            <p:nvPr/>
-          </p:nvSpPr>
-          <p:spPr>
-            <a:xfrm>
-              <a:off x="7665684" y="6116982"/>
-              <a:ext cx="114129" cy="53542"/>
+              <a:off x="9021412" y="1611386"/>
+              <a:ext cx="171450" cy="80433"/>
             </a:xfrm>
             <a:prstGeom prst="triangle">
               <a:avLst/>
@@ -12390,54 +9389,32 @@
             <a:lstStyle/>
             <a:p>
               <a:pPr algn="ctr"/>
-              <a:endParaRPr lang="en-US" sz="1200"/>
+              <a:endParaRPr lang="en-US"/>
             </a:p>
           </p:txBody>
         </p:sp>
         <p:sp>
           <p:nvSpPr>
-            <p:cNvPr id="163" name="Rectangle 162"/>
+            <p:cNvPr id="54" name="Rectangle 53"/>
             <p:cNvSpPr/>
             <p:nvPr/>
           </p:nvSpPr>
           <p:spPr>
             <a:xfrm>
-              <a:off x="9650857" y="5931876"/>
-              <a:ext cx="351797" cy="178715"/>
+              <a:off x="9030936" y="1691819"/>
+              <a:ext cx="152400" cy="103343"/>
             </a:xfrm>
             <a:prstGeom prst="rect">
               <a:avLst/>
             </a:prstGeom>
-            <a:gradFill>
-              <a:gsLst>
-                <a:gs pos="0">
-                  <a:schemeClr val="accent1">
-                    <a:lumMod val="5000"/>
-                    <a:lumOff val="95000"/>
-                  </a:schemeClr>
-                </a:gs>
-                <a:gs pos="74000">
-                  <a:schemeClr val="accent1">
-                    <a:lumMod val="45000"/>
-                    <a:lumOff val="55000"/>
-                  </a:schemeClr>
-                </a:gs>
-                <a:gs pos="83000">
-                  <a:schemeClr val="accent1">
-                    <a:lumMod val="45000"/>
-                    <a:lumOff val="55000"/>
-                  </a:schemeClr>
-                </a:gs>
-                <a:gs pos="100000">
-                  <a:schemeClr val="accent1">
-                    <a:lumMod val="30000"/>
-                    <a:lumOff val="70000"/>
-                  </a:schemeClr>
-                </a:gs>
-              </a:gsLst>
-              <a:lin ang="5400000" scaled="1"/>
-            </a:gradFill>
-            <a:ln cap="rnd"/>
+            <a:solidFill>
+              <a:srgbClr val="7030A0"/>
+            </a:solidFill>
+            <a:ln>
+              <a:solidFill>
+                <a:schemeClr val="tx1"/>
+              </a:solidFill>
+            </a:ln>
           </p:spPr>
           <p:style>
             <a:lnRef idx="2">
@@ -12456,31 +9433,1073 @@
             </a:fontRef>
           </p:style>
           <p:txBody>
-            <a:bodyPr lIns="0" tIns="0" rIns="0" bIns="0" rtlCol="0" anchor="ctr"/>
+            <a:bodyPr rtlCol="0" anchor="ctr"/>
             <a:lstStyle/>
             <a:p>
               <a:pPr algn="ctr"/>
-              <a:r>
-                <a:rPr lang="en-US" sz="600" dirty="0">
-                  <a:solidFill>
-                    <a:schemeClr val="tx1"/>
-                  </a:solidFill>
-                </a:rPr>
-                <a:t>Weather</a:t>
-              </a:r>
+              <a:endParaRPr lang="en-US"/>
+            </a:p>
+          </p:txBody>
+        </p:sp>
+        <p:cxnSp>
+          <p:nvCxnSpPr>
+            <p:cNvPr id="55" name="Straight Connector 54"/>
+            <p:cNvCxnSpPr>
+              <a:stCxn id="5" idx="3"/>
+              <a:endCxn id="7" idx="2"/>
+            </p:cNvCxnSpPr>
+            <p:nvPr/>
+          </p:nvCxnSpPr>
+          <p:spPr>
+            <a:xfrm flipV="1">
+              <a:off x="6038569" y="2227084"/>
+              <a:ext cx="395640" cy="1"/>
+            </a:xfrm>
+            <a:prstGeom prst="line">
+              <a:avLst/>
+            </a:prstGeom>
+            <a:ln>
+              <a:solidFill>
+                <a:srgbClr val="5B9BD5"/>
+              </a:solidFill>
+            </a:ln>
+          </p:spPr>
+          <p:style>
+            <a:lnRef idx="1">
+              <a:schemeClr val="dk1"/>
+            </a:lnRef>
+            <a:fillRef idx="0">
+              <a:schemeClr val="dk1"/>
+            </a:fillRef>
+            <a:effectRef idx="0">
+              <a:schemeClr val="dk1"/>
+            </a:effectRef>
+            <a:fontRef idx="minor">
+              <a:schemeClr val="tx1"/>
+            </a:fontRef>
+          </p:style>
+        </p:cxnSp>
+        <p:cxnSp>
+          <p:nvCxnSpPr>
+            <p:cNvPr id="56" name="Straight Connector 55"/>
+            <p:cNvCxnSpPr>
+              <a:stCxn id="6" idx="6"/>
+              <a:endCxn id="5" idx="1"/>
+            </p:cNvCxnSpPr>
+            <p:nvPr/>
+          </p:nvCxnSpPr>
+          <p:spPr>
+            <a:xfrm>
+              <a:off x="5387689" y="2227083"/>
+              <a:ext cx="451166" cy="2"/>
+            </a:xfrm>
+            <a:prstGeom prst="line">
+              <a:avLst/>
+            </a:prstGeom>
+            <a:ln>
+              <a:solidFill>
+                <a:srgbClr val="5B9BD5"/>
+              </a:solidFill>
+            </a:ln>
+          </p:spPr>
+          <p:style>
+            <a:lnRef idx="1">
+              <a:schemeClr val="dk1"/>
+            </a:lnRef>
+            <a:fillRef idx="0">
+              <a:schemeClr val="dk1"/>
+            </a:fillRef>
+            <a:effectRef idx="0">
+              <a:schemeClr val="dk1"/>
+            </a:effectRef>
+            <a:fontRef idx="minor">
+              <a:schemeClr val="tx1"/>
+            </a:fontRef>
+          </p:style>
+        </p:cxnSp>
+        <p:sp>
+          <p:nvSpPr>
+            <p:cNvPr id="61" name="Hexagon 60"/>
+            <p:cNvSpPr/>
+            <p:nvPr/>
+          </p:nvSpPr>
+          <p:spPr>
+            <a:xfrm>
+              <a:off x="9183336" y="1772252"/>
+              <a:ext cx="121920" cy="119033"/>
+            </a:xfrm>
+            <a:prstGeom prst="hexagon">
+              <a:avLst/>
+            </a:prstGeom>
+            <a:solidFill>
+              <a:srgbClr val="7030A0"/>
+            </a:solidFill>
+          </p:spPr>
+          <p:style>
+            <a:lnRef idx="2">
+              <a:schemeClr val="dk1">
+                <a:shade val="50000"/>
+              </a:schemeClr>
+            </a:lnRef>
+            <a:fillRef idx="1">
+              <a:schemeClr val="dk1"/>
+            </a:fillRef>
+            <a:effectRef idx="0">
+              <a:schemeClr val="dk1"/>
+            </a:effectRef>
+            <a:fontRef idx="minor">
+              <a:schemeClr val="lt1"/>
+            </a:fontRef>
+          </p:style>
+          <p:txBody>
+            <a:bodyPr rtlCol="0" anchor="ctr"/>
+            <a:lstStyle/>
+            <a:p>
+              <a:pPr algn="ctr"/>
+              <a:endParaRPr lang="en-US"/>
             </a:p>
           </p:txBody>
         </p:sp>
         <p:sp>
           <p:nvSpPr>
-            <p:cNvPr id="137" name="TextBox 136"/>
-            <p:cNvSpPr txBox="1"/>
+            <p:cNvPr id="62" name="Hexagon 61"/>
+            <p:cNvSpPr/>
             <p:nvPr/>
           </p:nvSpPr>
           <p:spPr>
             <a:xfrm>
-              <a:off x="2572070" y="5484247"/>
-              <a:ext cx="867545" cy="253916"/>
+              <a:off x="8619282" y="3621611"/>
+              <a:ext cx="121920" cy="119033"/>
+            </a:xfrm>
+            <a:prstGeom prst="hexagon">
+              <a:avLst/>
+            </a:prstGeom>
+            <a:solidFill>
+              <a:srgbClr val="7030A0"/>
+            </a:solidFill>
+          </p:spPr>
+          <p:style>
+            <a:lnRef idx="2">
+              <a:schemeClr val="dk1">
+                <a:shade val="50000"/>
+              </a:schemeClr>
+            </a:lnRef>
+            <a:fillRef idx="1">
+              <a:schemeClr val="dk1"/>
+            </a:fillRef>
+            <a:effectRef idx="0">
+              <a:schemeClr val="dk1"/>
+            </a:effectRef>
+            <a:fontRef idx="minor">
+              <a:schemeClr val="lt1"/>
+            </a:fontRef>
+          </p:style>
+          <p:txBody>
+            <a:bodyPr rtlCol="0" anchor="ctr"/>
+            <a:lstStyle/>
+            <a:p>
+              <a:pPr algn="ctr"/>
+              <a:endParaRPr lang="en-US"/>
+            </a:p>
+          </p:txBody>
+        </p:sp>
+        <p:sp>
+          <p:nvSpPr>
+            <p:cNvPr id="64" name="Isosceles Triangle 63"/>
+            <p:cNvSpPr/>
+            <p:nvPr/>
+          </p:nvSpPr>
+          <p:spPr>
+            <a:xfrm>
+              <a:off x="9023316" y="2274523"/>
+              <a:ext cx="171450" cy="80433"/>
+            </a:xfrm>
+            <a:prstGeom prst="triangle">
+              <a:avLst/>
+            </a:prstGeom>
+            <a:solidFill>
+              <a:srgbClr val="FFC000"/>
+            </a:solidFill>
+            <a:ln>
+              <a:solidFill>
+                <a:schemeClr val="tx1"/>
+              </a:solidFill>
+            </a:ln>
+          </p:spPr>
+          <p:style>
+            <a:lnRef idx="2">
+              <a:schemeClr val="accent1">
+                <a:shade val="50000"/>
+              </a:schemeClr>
+            </a:lnRef>
+            <a:fillRef idx="1">
+              <a:schemeClr val="accent1"/>
+            </a:fillRef>
+            <a:effectRef idx="0">
+              <a:schemeClr val="accent1"/>
+            </a:effectRef>
+            <a:fontRef idx="minor">
+              <a:schemeClr val="lt1"/>
+            </a:fontRef>
+          </p:style>
+          <p:txBody>
+            <a:bodyPr rtlCol="0" anchor="ctr"/>
+            <a:lstStyle/>
+            <a:p>
+              <a:pPr algn="ctr"/>
+              <a:endParaRPr lang="en-US"/>
+            </a:p>
+          </p:txBody>
+        </p:sp>
+        <p:sp>
+          <p:nvSpPr>
+            <p:cNvPr id="65" name="Rectangle 64"/>
+            <p:cNvSpPr/>
+            <p:nvPr/>
+          </p:nvSpPr>
+          <p:spPr>
+            <a:xfrm>
+              <a:off x="9032840" y="2354956"/>
+              <a:ext cx="152400" cy="103343"/>
+            </a:xfrm>
+            <a:prstGeom prst="rect">
+              <a:avLst/>
+            </a:prstGeom>
+            <a:solidFill>
+              <a:srgbClr val="7030A0"/>
+            </a:solidFill>
+            <a:ln>
+              <a:solidFill>
+                <a:schemeClr val="tx1"/>
+              </a:solidFill>
+            </a:ln>
+          </p:spPr>
+          <p:style>
+            <a:lnRef idx="2">
+              <a:schemeClr val="accent1">
+                <a:shade val="50000"/>
+              </a:schemeClr>
+            </a:lnRef>
+            <a:fillRef idx="1">
+              <a:schemeClr val="accent1"/>
+            </a:fillRef>
+            <a:effectRef idx="0">
+              <a:schemeClr val="accent1"/>
+            </a:effectRef>
+            <a:fontRef idx="minor">
+              <a:schemeClr val="lt1"/>
+            </a:fontRef>
+          </p:style>
+          <p:txBody>
+            <a:bodyPr rtlCol="0" anchor="ctr"/>
+            <a:lstStyle/>
+            <a:p>
+              <a:pPr algn="ctr"/>
+              <a:endParaRPr lang="en-US"/>
+            </a:p>
+          </p:txBody>
+        </p:sp>
+        <p:sp>
+          <p:nvSpPr>
+            <p:cNvPr id="66" name="Hexagon 65"/>
+            <p:cNvSpPr/>
+            <p:nvPr/>
+          </p:nvSpPr>
+          <p:spPr>
+            <a:xfrm>
+              <a:off x="9185240" y="2435389"/>
+              <a:ext cx="121920" cy="119033"/>
+            </a:xfrm>
+            <a:prstGeom prst="hexagon">
+              <a:avLst/>
+            </a:prstGeom>
+            <a:solidFill>
+              <a:srgbClr val="7030A0"/>
+            </a:solidFill>
+          </p:spPr>
+          <p:style>
+            <a:lnRef idx="2">
+              <a:schemeClr val="dk1">
+                <a:shade val="50000"/>
+              </a:schemeClr>
+            </a:lnRef>
+            <a:fillRef idx="1">
+              <a:schemeClr val="dk1"/>
+            </a:fillRef>
+            <a:effectRef idx="0">
+              <a:schemeClr val="dk1"/>
+            </a:effectRef>
+            <a:fontRef idx="minor">
+              <a:schemeClr val="lt1"/>
+            </a:fontRef>
+          </p:style>
+          <p:txBody>
+            <a:bodyPr rtlCol="0" anchor="ctr"/>
+            <a:lstStyle/>
+            <a:p>
+              <a:pPr algn="ctr"/>
+              <a:endParaRPr lang="en-US"/>
+            </a:p>
+          </p:txBody>
+        </p:sp>
+        <p:cxnSp>
+          <p:nvCxnSpPr>
+            <p:cNvPr id="67" name="Straight Connector 66"/>
+            <p:cNvCxnSpPr>
+              <a:stCxn id="50" idx="2"/>
+              <a:endCxn id="62" idx="5"/>
+            </p:cNvCxnSpPr>
+            <p:nvPr/>
+          </p:nvCxnSpPr>
+          <p:spPr>
+            <a:xfrm flipH="1">
+              <a:off x="8711444" y="3519653"/>
+              <a:ext cx="258532" cy="101958"/>
+            </a:xfrm>
+            <a:prstGeom prst="line">
+              <a:avLst/>
+            </a:prstGeom>
+            <a:ln>
+              <a:solidFill>
+                <a:srgbClr val="5B9BD5"/>
+              </a:solidFill>
+            </a:ln>
+          </p:spPr>
+          <p:style>
+            <a:lnRef idx="1">
+              <a:schemeClr val="dk1"/>
+            </a:lnRef>
+            <a:fillRef idx="0">
+              <a:schemeClr val="dk1"/>
+            </a:fillRef>
+            <a:effectRef idx="0">
+              <a:schemeClr val="dk1"/>
+            </a:effectRef>
+            <a:fontRef idx="minor">
+              <a:schemeClr val="tx1"/>
+            </a:fontRef>
+          </p:style>
+        </p:cxnSp>
+        <p:cxnSp>
+          <p:nvCxnSpPr>
+            <p:cNvPr id="68" name="Straight Connector 67"/>
+            <p:cNvCxnSpPr>
+              <a:stCxn id="30" idx="3"/>
+              <a:endCxn id="49" idx="0"/>
+            </p:cNvCxnSpPr>
+            <p:nvPr/>
+          </p:nvCxnSpPr>
+          <p:spPr>
+            <a:xfrm>
+              <a:off x="8969976" y="3029393"/>
+              <a:ext cx="1" cy="306484"/>
+            </a:xfrm>
+            <a:prstGeom prst="line">
+              <a:avLst/>
+            </a:prstGeom>
+          </p:spPr>
+          <p:style>
+            <a:lnRef idx="1">
+              <a:schemeClr val="dk1"/>
+            </a:lnRef>
+            <a:fillRef idx="0">
+              <a:schemeClr val="dk1"/>
+            </a:fillRef>
+            <a:effectRef idx="0">
+              <a:schemeClr val="dk1"/>
+            </a:effectRef>
+            <a:fontRef idx="minor">
+              <a:schemeClr val="tx1"/>
+            </a:fontRef>
+          </p:style>
+        </p:cxnSp>
+        <p:sp>
+          <p:nvSpPr>
+            <p:cNvPr id="82" name="Diamond 81"/>
+            <p:cNvSpPr/>
+            <p:nvPr/>
+          </p:nvSpPr>
+          <p:spPr>
+            <a:xfrm>
+              <a:off x="6371967" y="3256565"/>
+              <a:ext cx="274320" cy="274320"/>
+            </a:xfrm>
+            <a:prstGeom prst="diamond">
+              <a:avLst/>
+            </a:prstGeom>
+            <a:solidFill>
+              <a:srgbClr val="7030A0"/>
+            </a:solidFill>
+          </p:spPr>
+          <p:style>
+            <a:lnRef idx="2">
+              <a:schemeClr val="dk1">
+                <a:shade val="50000"/>
+              </a:schemeClr>
+            </a:lnRef>
+            <a:fillRef idx="1">
+              <a:schemeClr val="dk1"/>
+            </a:fillRef>
+            <a:effectRef idx="0">
+              <a:schemeClr val="dk1"/>
+            </a:effectRef>
+            <a:fontRef idx="minor">
+              <a:schemeClr val="lt1"/>
+            </a:fontRef>
+          </p:style>
+          <p:txBody>
+            <a:bodyPr rtlCol="0" anchor="ctr"/>
+            <a:lstStyle/>
+            <a:p>
+              <a:pPr algn="ctr"/>
+              <a:endParaRPr lang="en-US"/>
+            </a:p>
+          </p:txBody>
+        </p:sp>
+        <p:sp>
+          <p:nvSpPr>
+            <p:cNvPr id="84" name="Parallelogram 83"/>
+            <p:cNvSpPr/>
+            <p:nvPr/>
+          </p:nvSpPr>
+          <p:spPr>
+            <a:xfrm>
+              <a:off x="9385431" y="2819399"/>
+              <a:ext cx="228600" cy="259120"/>
+            </a:xfrm>
+            <a:prstGeom prst="parallelogram">
+              <a:avLst/>
+            </a:prstGeom>
+            <a:solidFill>
+              <a:srgbClr val="CC66FF"/>
+            </a:solidFill>
+          </p:spPr>
+          <p:style>
+            <a:lnRef idx="2">
+              <a:schemeClr val="dk1">
+                <a:shade val="50000"/>
+              </a:schemeClr>
+            </a:lnRef>
+            <a:fillRef idx="1">
+              <a:schemeClr val="dk1"/>
+            </a:fillRef>
+            <a:effectRef idx="0">
+              <a:schemeClr val="dk1"/>
+            </a:effectRef>
+            <a:fontRef idx="minor">
+              <a:schemeClr val="lt1"/>
+            </a:fontRef>
+          </p:style>
+          <p:txBody>
+            <a:bodyPr rtlCol="0" anchor="ctr"/>
+            <a:lstStyle/>
+            <a:p>
+              <a:pPr algn="ctr"/>
+              <a:endParaRPr lang="en-US"/>
+            </a:p>
+          </p:txBody>
+        </p:sp>
+        <p:sp>
+          <p:nvSpPr>
+            <p:cNvPr id="85" name="Parallelogram 84"/>
+            <p:cNvSpPr/>
+            <p:nvPr/>
+          </p:nvSpPr>
+          <p:spPr>
+            <a:xfrm>
+              <a:off x="9385431" y="1418838"/>
+              <a:ext cx="228600" cy="259120"/>
+            </a:xfrm>
+            <a:prstGeom prst="parallelogram">
+              <a:avLst/>
+            </a:prstGeom>
+            <a:solidFill>
+              <a:srgbClr val="CC66FF"/>
+            </a:solidFill>
+          </p:spPr>
+          <p:style>
+            <a:lnRef idx="2">
+              <a:schemeClr val="dk1">
+                <a:shade val="50000"/>
+              </a:schemeClr>
+            </a:lnRef>
+            <a:fillRef idx="1">
+              <a:schemeClr val="dk1"/>
+            </a:fillRef>
+            <a:effectRef idx="0">
+              <a:schemeClr val="dk1"/>
+            </a:effectRef>
+            <a:fontRef idx="minor">
+              <a:schemeClr val="lt1"/>
+            </a:fontRef>
+          </p:style>
+          <p:txBody>
+            <a:bodyPr rtlCol="0" anchor="ctr"/>
+            <a:lstStyle/>
+            <a:p>
+              <a:pPr algn="ctr"/>
+              <a:endParaRPr lang="en-US"/>
+            </a:p>
+          </p:txBody>
+        </p:sp>
+        <p:sp>
+          <p:nvSpPr>
+            <p:cNvPr id="86" name="Parallelogram 85"/>
+            <p:cNvSpPr/>
+            <p:nvPr/>
+          </p:nvSpPr>
+          <p:spPr>
+            <a:xfrm>
+              <a:off x="9385431" y="2104343"/>
+              <a:ext cx="228600" cy="259120"/>
+            </a:xfrm>
+            <a:prstGeom prst="parallelogram">
+              <a:avLst/>
+            </a:prstGeom>
+            <a:solidFill>
+              <a:srgbClr val="CC66FF"/>
+            </a:solidFill>
+          </p:spPr>
+          <p:style>
+            <a:lnRef idx="2">
+              <a:schemeClr val="dk1">
+                <a:shade val="50000"/>
+              </a:schemeClr>
+            </a:lnRef>
+            <a:fillRef idx="1">
+              <a:schemeClr val="dk1"/>
+            </a:fillRef>
+            <a:effectRef idx="0">
+              <a:schemeClr val="dk1"/>
+            </a:effectRef>
+            <a:fontRef idx="minor">
+              <a:schemeClr val="lt1"/>
+            </a:fontRef>
+          </p:style>
+          <p:txBody>
+            <a:bodyPr rtlCol="0" anchor="ctr"/>
+            <a:lstStyle/>
+            <a:p>
+              <a:pPr algn="ctr"/>
+              <a:endParaRPr lang="en-US"/>
+            </a:p>
+          </p:txBody>
+        </p:sp>
+        <p:cxnSp>
+          <p:nvCxnSpPr>
+            <p:cNvPr id="111" name="Straight Connector 110"/>
+            <p:cNvCxnSpPr>
+              <a:stCxn id="30" idx="5"/>
+              <a:endCxn id="84" idx="5"/>
+            </p:cNvCxnSpPr>
+            <p:nvPr/>
+          </p:nvCxnSpPr>
+          <p:spPr>
+            <a:xfrm flipV="1">
+              <a:off x="9008076" y="2948959"/>
+              <a:ext cx="405930" cy="1"/>
+            </a:xfrm>
+            <a:prstGeom prst="line">
+              <a:avLst/>
+            </a:prstGeom>
+            <a:ln>
+              <a:solidFill>
+                <a:srgbClr val="5B9BD5"/>
+              </a:solidFill>
+            </a:ln>
+          </p:spPr>
+          <p:style>
+            <a:lnRef idx="1">
+              <a:schemeClr val="dk1"/>
+            </a:lnRef>
+            <a:fillRef idx="0">
+              <a:schemeClr val="dk1"/>
+            </a:fillRef>
+            <a:effectRef idx="0">
+              <a:schemeClr val="dk1"/>
+            </a:effectRef>
+            <a:fontRef idx="minor">
+              <a:schemeClr val="tx1"/>
+            </a:fontRef>
+          </p:style>
+        </p:cxnSp>
+        <p:cxnSp>
+          <p:nvCxnSpPr>
+            <p:cNvPr id="112" name="Straight Connector 111"/>
+            <p:cNvCxnSpPr>
+              <a:stCxn id="29" idx="5"/>
+              <a:endCxn id="86" idx="5"/>
+            </p:cNvCxnSpPr>
+            <p:nvPr/>
+          </p:nvCxnSpPr>
+          <p:spPr>
+            <a:xfrm>
+              <a:off x="9008076" y="2227083"/>
+              <a:ext cx="405930" cy="6820"/>
+            </a:xfrm>
+            <a:prstGeom prst="line">
+              <a:avLst/>
+            </a:prstGeom>
+            <a:ln>
+              <a:solidFill>
+                <a:srgbClr val="5B9BD5"/>
+              </a:solidFill>
+            </a:ln>
+          </p:spPr>
+          <p:style>
+            <a:lnRef idx="1">
+              <a:schemeClr val="dk1"/>
+            </a:lnRef>
+            <a:fillRef idx="0">
+              <a:schemeClr val="dk1"/>
+            </a:fillRef>
+            <a:effectRef idx="0">
+              <a:schemeClr val="dk1"/>
+            </a:effectRef>
+            <a:fontRef idx="minor">
+              <a:schemeClr val="tx1"/>
+            </a:fontRef>
+          </p:style>
+        </p:cxnSp>
+        <p:cxnSp>
+          <p:nvCxnSpPr>
+            <p:cNvPr id="115" name="Straight Connector 114"/>
+            <p:cNvCxnSpPr>
+              <a:stCxn id="28" idx="5"/>
+              <a:endCxn id="85" idx="5"/>
+            </p:cNvCxnSpPr>
+            <p:nvPr/>
+          </p:nvCxnSpPr>
+          <p:spPr>
+            <a:xfrm flipV="1">
+              <a:off x="9012309" y="1548398"/>
+              <a:ext cx="401697" cy="6334"/>
+            </a:xfrm>
+            <a:prstGeom prst="line">
+              <a:avLst/>
+            </a:prstGeom>
+            <a:ln>
+              <a:solidFill>
+                <a:srgbClr val="5B9BD5"/>
+              </a:solidFill>
+            </a:ln>
+          </p:spPr>
+          <p:style>
+            <a:lnRef idx="1">
+              <a:schemeClr val="dk1"/>
+            </a:lnRef>
+            <a:fillRef idx="0">
+              <a:schemeClr val="dk1"/>
+            </a:fillRef>
+            <a:effectRef idx="0">
+              <a:schemeClr val="dk1"/>
+            </a:effectRef>
+            <a:fontRef idx="minor">
+              <a:schemeClr val="tx1"/>
+            </a:fontRef>
+          </p:style>
+        </p:cxnSp>
+        <p:sp>
+          <p:nvSpPr>
+            <p:cNvPr id="123" name="Rectangle 122"/>
+            <p:cNvSpPr/>
+            <p:nvPr/>
+          </p:nvSpPr>
+          <p:spPr>
+            <a:xfrm>
+              <a:off x="9330092" y="3362507"/>
+              <a:ext cx="220569" cy="190500"/>
+            </a:xfrm>
+            <a:prstGeom prst="rect">
+              <a:avLst/>
+            </a:prstGeom>
+            <a:solidFill>
+              <a:srgbClr val="C55A11"/>
+            </a:solidFill>
+            <a:ln>
+              <a:noFill/>
+            </a:ln>
+          </p:spPr>
+          <p:style>
+            <a:lnRef idx="3">
+              <a:schemeClr val="lt1"/>
+            </a:lnRef>
+            <a:fillRef idx="1">
+              <a:schemeClr val="accent1"/>
+            </a:fillRef>
+            <a:effectRef idx="1">
+              <a:schemeClr val="accent1"/>
+            </a:effectRef>
+            <a:fontRef idx="minor">
+              <a:schemeClr val="lt1"/>
+            </a:fontRef>
+          </p:style>
+          <p:txBody>
+            <a:bodyPr rtlCol="0" anchor="ctr"/>
+            <a:lstStyle/>
+            <a:p>
+              <a:pPr algn="ctr"/>
+              <a:endParaRPr lang="en-US"/>
+            </a:p>
+          </p:txBody>
+        </p:sp>
+        <p:sp>
+          <p:nvSpPr>
+            <p:cNvPr id="125" name="Rectangle 124"/>
+            <p:cNvSpPr/>
+            <p:nvPr/>
+          </p:nvSpPr>
+          <p:spPr>
+            <a:xfrm>
+              <a:off x="8752200" y="2332256"/>
+              <a:ext cx="220569" cy="190500"/>
+            </a:xfrm>
+            <a:prstGeom prst="rect">
+              <a:avLst/>
+            </a:prstGeom>
+            <a:solidFill>
+              <a:srgbClr val="C55A11"/>
+            </a:solidFill>
+            <a:ln>
+              <a:noFill/>
+            </a:ln>
+          </p:spPr>
+          <p:style>
+            <a:lnRef idx="3">
+              <a:schemeClr val="lt1"/>
+            </a:lnRef>
+            <a:fillRef idx="1">
+              <a:schemeClr val="accent1"/>
+            </a:fillRef>
+            <a:effectRef idx="1">
+              <a:schemeClr val="accent1"/>
+            </a:effectRef>
+            <a:fontRef idx="minor">
+              <a:schemeClr val="lt1"/>
+            </a:fontRef>
+          </p:style>
+          <p:txBody>
+            <a:bodyPr rtlCol="0" anchor="ctr"/>
+            <a:lstStyle/>
+            <a:p>
+              <a:pPr algn="ctr"/>
+              <a:endParaRPr lang="en-US"/>
+            </a:p>
+          </p:txBody>
+        </p:sp>
+        <p:sp>
+          <p:nvSpPr>
+            <p:cNvPr id="126" name="Rectangle 125"/>
+            <p:cNvSpPr/>
+            <p:nvPr/>
+          </p:nvSpPr>
+          <p:spPr>
+            <a:xfrm>
+              <a:off x="8765189" y="1675644"/>
+              <a:ext cx="220569" cy="190500"/>
+            </a:xfrm>
+            <a:prstGeom prst="rect">
+              <a:avLst/>
+            </a:prstGeom>
+            <a:solidFill>
+              <a:srgbClr val="C55A11"/>
+            </a:solidFill>
+            <a:ln>
+              <a:noFill/>
+            </a:ln>
+          </p:spPr>
+          <p:style>
+            <a:lnRef idx="3">
+              <a:schemeClr val="lt1"/>
+            </a:lnRef>
+            <a:fillRef idx="1">
+              <a:schemeClr val="accent1"/>
+            </a:fillRef>
+            <a:effectRef idx="1">
+              <a:schemeClr val="accent1"/>
+            </a:effectRef>
+            <a:fontRef idx="minor">
+              <a:schemeClr val="lt1"/>
+            </a:fontRef>
+          </p:style>
+          <p:txBody>
+            <a:bodyPr rtlCol="0" anchor="ctr"/>
+            <a:lstStyle/>
+            <a:p>
+              <a:pPr algn="ctr"/>
+              <a:endParaRPr lang="en-US"/>
+            </a:p>
+          </p:txBody>
+        </p:sp>
+        <p:sp>
+          <p:nvSpPr>
+            <p:cNvPr id="132" name="Oval 131"/>
+            <p:cNvSpPr/>
+            <p:nvPr/>
+          </p:nvSpPr>
+          <p:spPr>
+            <a:xfrm>
+              <a:off x="7690093" y="3948617"/>
+              <a:ext cx="298923" cy="310099"/>
+            </a:xfrm>
+            <a:prstGeom prst="ellipse">
+              <a:avLst/>
+            </a:prstGeom>
+            <a:solidFill>
+              <a:srgbClr val="99CC00"/>
+            </a:solidFill>
+            <a:ln>
+              <a:noFill/>
+            </a:ln>
+          </p:spPr>
+          <p:style>
+            <a:lnRef idx="2">
+              <a:schemeClr val="accent6">
+                <a:shade val="50000"/>
+              </a:schemeClr>
+            </a:lnRef>
+            <a:fillRef idx="1">
+              <a:schemeClr val="accent6"/>
+            </a:fillRef>
+            <a:effectRef idx="0">
+              <a:schemeClr val="accent6"/>
+            </a:effectRef>
+            <a:fontRef idx="minor">
+              <a:schemeClr val="lt1"/>
+            </a:fontRef>
+          </p:style>
+          <p:txBody>
+            <a:bodyPr rtlCol="0" anchor="ctr"/>
+            <a:lstStyle/>
+            <a:p>
+              <a:pPr algn="ctr"/>
+              <a:endParaRPr lang="en-US"/>
+            </a:p>
+          </p:txBody>
+        </p:sp>
+        <p:sp>
+          <p:nvSpPr>
+            <p:cNvPr id="133" name="Oval 132"/>
+            <p:cNvSpPr/>
+            <p:nvPr/>
+          </p:nvSpPr>
+          <p:spPr>
+            <a:xfrm>
+              <a:off x="8434459" y="2316600"/>
+              <a:ext cx="298923" cy="310099"/>
+            </a:xfrm>
+            <a:prstGeom prst="ellipse">
+              <a:avLst/>
+            </a:prstGeom>
+            <a:solidFill>
+              <a:srgbClr val="99CC00"/>
+            </a:solidFill>
+            <a:ln>
+              <a:noFill/>
+            </a:ln>
+          </p:spPr>
+          <p:style>
+            <a:lnRef idx="2">
+              <a:schemeClr val="accent6">
+                <a:shade val="50000"/>
+              </a:schemeClr>
+            </a:lnRef>
+            <a:fillRef idx="1">
+              <a:schemeClr val="accent6"/>
+            </a:fillRef>
+            <a:effectRef idx="0">
+              <a:schemeClr val="accent6"/>
+            </a:effectRef>
+            <a:fontRef idx="minor">
+              <a:schemeClr val="lt1"/>
+            </a:fontRef>
+          </p:style>
+          <p:txBody>
+            <a:bodyPr rtlCol="0" anchor="ctr"/>
+            <a:lstStyle/>
+            <a:p>
+              <a:pPr algn="ctr"/>
+              <a:endParaRPr lang="en-US"/>
+            </a:p>
+          </p:txBody>
+        </p:sp>
+        <p:sp>
+          <p:nvSpPr>
+            <p:cNvPr id="135" name="Oval 134"/>
+            <p:cNvSpPr/>
+            <p:nvPr/>
+          </p:nvSpPr>
+          <p:spPr>
+            <a:xfrm>
+              <a:off x="8421274" y="1695479"/>
+              <a:ext cx="298923" cy="310099"/>
+            </a:xfrm>
+            <a:prstGeom prst="ellipse">
+              <a:avLst/>
+            </a:prstGeom>
+            <a:solidFill>
+              <a:srgbClr val="99CC00"/>
+            </a:solidFill>
+            <a:ln>
+              <a:noFill/>
+            </a:ln>
+          </p:spPr>
+          <p:style>
+            <a:lnRef idx="2">
+              <a:schemeClr val="accent6">
+                <a:shade val="50000"/>
+              </a:schemeClr>
+            </a:lnRef>
+            <a:fillRef idx="1">
+              <a:schemeClr val="accent6"/>
+            </a:fillRef>
+            <a:effectRef idx="0">
+              <a:schemeClr val="accent6"/>
+            </a:effectRef>
+            <a:fontRef idx="minor">
+              <a:schemeClr val="lt1"/>
+            </a:fontRef>
+          </p:style>
+          <p:txBody>
+            <a:bodyPr rtlCol="0" anchor="ctr"/>
+            <a:lstStyle/>
+            <a:p>
+              <a:pPr algn="ctr"/>
+              <a:endParaRPr lang="en-US"/>
+            </a:p>
+          </p:txBody>
+        </p:sp>
+        <p:sp>
+          <p:nvSpPr>
+            <p:cNvPr id="138" name="Rectangle 137"/>
+            <p:cNvSpPr/>
+            <p:nvPr/>
+          </p:nvSpPr>
+          <p:spPr>
+            <a:xfrm>
+              <a:off x="5181260" y="3948617"/>
+              <a:ext cx="298923" cy="310099"/>
+            </a:xfrm>
+            <a:prstGeom prst="rect">
+              <a:avLst/>
+            </a:prstGeom>
+            <a:solidFill>
+              <a:srgbClr val="99CC00"/>
+            </a:solidFill>
+            <a:ln>
+              <a:noFill/>
+            </a:ln>
+          </p:spPr>
+          <p:style>
+            <a:lnRef idx="2">
+              <a:schemeClr val="accent6">
+                <a:shade val="50000"/>
+              </a:schemeClr>
+            </a:lnRef>
+            <a:fillRef idx="1">
+              <a:schemeClr val="accent6"/>
+            </a:fillRef>
+            <a:effectRef idx="0">
+              <a:schemeClr val="accent6"/>
+            </a:effectRef>
+            <a:fontRef idx="minor">
+              <a:schemeClr val="lt1"/>
+            </a:fontRef>
+          </p:style>
+          <p:txBody>
+            <a:bodyPr rtlCol="0" anchor="ctr"/>
+            <a:lstStyle/>
+            <a:p>
+              <a:pPr algn="ctr"/>
+              <a:endParaRPr lang="en-US"/>
+            </a:p>
+          </p:txBody>
+        </p:sp>
+        <p:cxnSp>
+          <p:nvCxnSpPr>
+            <p:cNvPr id="141" name="Straight Connector 140"/>
+            <p:cNvCxnSpPr>
+              <a:stCxn id="132" idx="2"/>
+              <a:endCxn id="138" idx="3"/>
+            </p:cNvCxnSpPr>
+            <p:nvPr/>
+          </p:nvCxnSpPr>
+          <p:spPr>
+            <a:xfrm flipH="1">
+              <a:off x="5480183" y="4103667"/>
+              <a:ext cx="2209910" cy="0"/>
+            </a:xfrm>
+            <a:prstGeom prst="line">
+              <a:avLst/>
+            </a:prstGeom>
+            <a:ln>
+              <a:solidFill>
+                <a:srgbClr val="00B050"/>
+              </a:solidFill>
+              <a:prstDash val="sysDash"/>
+            </a:ln>
+          </p:spPr>
+          <p:style>
+            <a:lnRef idx="1">
+              <a:schemeClr val="dk1"/>
+            </a:lnRef>
+            <a:fillRef idx="0">
+              <a:schemeClr val="dk1"/>
+            </a:fillRef>
+            <a:effectRef idx="0">
+              <a:schemeClr val="dk1"/>
+            </a:effectRef>
+            <a:fontRef idx="minor">
+              <a:schemeClr val="tx1"/>
+            </a:fontRef>
+          </p:style>
+        </p:cxnSp>
+        <p:cxnSp>
+          <p:nvCxnSpPr>
+            <p:cNvPr id="145" name="Straight Connector 144"/>
+            <p:cNvCxnSpPr>
+              <a:stCxn id="132" idx="7"/>
+              <a:endCxn id="49" idx="1"/>
+            </p:cNvCxnSpPr>
+            <p:nvPr/>
+          </p:nvCxnSpPr>
+          <p:spPr>
+            <a:xfrm flipV="1">
+              <a:off x="7945240" y="3376094"/>
+              <a:ext cx="981875" cy="617936"/>
+            </a:xfrm>
+            <a:prstGeom prst="line">
+              <a:avLst/>
+            </a:prstGeom>
+            <a:ln>
+              <a:prstDash val="sysDash"/>
+            </a:ln>
+          </p:spPr>
+          <p:style>
+            <a:lnRef idx="1">
+              <a:schemeClr val="dk1"/>
+            </a:lnRef>
+            <a:fillRef idx="0">
+              <a:schemeClr val="dk1"/>
+            </a:fillRef>
+            <a:effectRef idx="0">
+              <a:schemeClr val="dk1"/>
+            </a:effectRef>
+            <a:fontRef idx="minor">
+              <a:schemeClr val="tx1"/>
+            </a:fontRef>
+          </p:style>
+        </p:cxnSp>
+        <p:sp>
+          <p:nvSpPr>
+            <p:cNvPr id="156" name="TextBox 155"/>
+            <p:cNvSpPr txBox="1"/>
+            <p:nvPr/>
+          </p:nvSpPr>
+          <p:spPr>
+            <a:xfrm>
+              <a:off x="8127831" y="533300"/>
+              <a:ext cx="1970348" cy="369332"/>
             </a:xfrm>
             <a:prstGeom prst="rect">
               <a:avLst/>
@@ -12494,347 +10513,2345 @@
             <a:lstStyle/>
             <a:p>
               <a:r>
-                <a:rPr lang="en-US" sz="1050" dirty="0"/>
-                <a:t>Bulk Power</a:t>
+                <a:rPr lang="en-US" dirty="0"/>
+                <a:t>X10 for each phase</a:t>
+              </a:r>
+            </a:p>
+          </p:txBody>
+        </p:sp>
+        <p:sp>
+          <p:nvSpPr>
+            <p:cNvPr id="158" name="Left Brace 157"/>
+            <p:cNvSpPr/>
+            <p:nvPr/>
+          </p:nvSpPr>
+          <p:spPr>
+            <a:xfrm rot="5400000">
+              <a:off x="8243464" y="559319"/>
+              <a:ext cx="379178" cy="1146238"/>
+            </a:xfrm>
+            <a:prstGeom prst="leftBrace">
+              <a:avLst>
+                <a:gd name="adj1" fmla="val 51072"/>
+                <a:gd name="adj2" fmla="val 50000"/>
+              </a:avLst>
+            </a:prstGeom>
+          </p:spPr>
+          <p:style>
+            <a:lnRef idx="1">
+              <a:schemeClr val="dk1"/>
+            </a:lnRef>
+            <a:fillRef idx="0">
+              <a:schemeClr val="dk1"/>
+            </a:fillRef>
+            <a:effectRef idx="0">
+              <a:schemeClr val="dk1"/>
+            </a:effectRef>
+            <a:fontRef idx="minor">
+              <a:schemeClr val="tx1"/>
+            </a:fontRef>
+          </p:style>
+          <p:txBody>
+            <a:bodyPr rtlCol="0" anchor="ctr"/>
+            <a:lstStyle/>
+            <a:p>
+              <a:pPr algn="ctr"/>
+              <a:endParaRPr lang="en-US"/>
+            </a:p>
+          </p:txBody>
+        </p:sp>
+        <p:cxnSp>
+          <p:nvCxnSpPr>
+            <p:cNvPr id="164" name="Straight Arrow Connector 163"/>
+            <p:cNvCxnSpPr/>
+            <p:nvPr/>
+          </p:nvCxnSpPr>
+          <p:spPr>
+            <a:xfrm>
+              <a:off x="5499233" y="4458741"/>
+              <a:ext cx="2209910" cy="0"/>
+            </a:xfrm>
+            <a:prstGeom prst="straightConnector1">
+              <a:avLst/>
+            </a:prstGeom>
+            <a:ln>
+              <a:tailEnd type="triangle"/>
+            </a:ln>
+          </p:spPr>
+          <p:style>
+            <a:lnRef idx="1">
+              <a:schemeClr val="dk1"/>
+            </a:lnRef>
+            <a:fillRef idx="0">
+              <a:schemeClr val="dk1"/>
+            </a:fillRef>
+            <a:effectRef idx="0">
+              <a:schemeClr val="dk1"/>
+            </a:effectRef>
+            <a:fontRef idx="minor">
+              <a:schemeClr val="tx1"/>
+            </a:fontRef>
+          </p:style>
+        </p:cxnSp>
+        <p:cxnSp>
+          <p:nvCxnSpPr>
+            <p:cNvPr id="165" name="Straight Arrow Connector 164"/>
+            <p:cNvCxnSpPr/>
+            <p:nvPr/>
+          </p:nvCxnSpPr>
+          <p:spPr>
+            <a:xfrm rot="10800000">
+              <a:off x="5481654" y="4763833"/>
+              <a:ext cx="2209910" cy="0"/>
+            </a:xfrm>
+            <a:prstGeom prst="straightConnector1">
+              <a:avLst/>
+            </a:prstGeom>
+            <a:ln>
+              <a:solidFill>
+                <a:srgbClr val="FF0000"/>
+              </a:solidFill>
+              <a:tailEnd type="triangle"/>
+            </a:ln>
+          </p:spPr>
+          <p:style>
+            <a:lnRef idx="1">
+              <a:schemeClr val="dk1"/>
+            </a:lnRef>
+            <a:fillRef idx="0">
+              <a:schemeClr val="dk1"/>
+            </a:fillRef>
+            <a:effectRef idx="0">
+              <a:schemeClr val="dk1"/>
+            </a:effectRef>
+            <a:fontRef idx="minor">
+              <a:schemeClr val="tx1"/>
+            </a:fontRef>
+          </p:style>
+        </p:cxnSp>
+        <p:sp>
+          <p:nvSpPr>
+            <p:cNvPr id="166" name="TextBox 165"/>
+            <p:cNvSpPr txBox="1"/>
+            <p:nvPr/>
+          </p:nvSpPr>
+          <p:spPr>
+            <a:xfrm>
+              <a:off x="4970920" y="4243798"/>
+              <a:ext cx="2597186" cy="261610"/>
+            </a:xfrm>
+            <a:prstGeom prst="rect">
+              <a:avLst/>
+            </a:prstGeom>
+            <a:noFill/>
+          </p:spPr>
+          <p:txBody>
+            <a:bodyPr wrap="none" rtlCol="0">
+              <a:spAutoFit/>
+            </a:bodyPr>
+            <a:lstStyle/>
+            <a:p>
+              <a:r>
+                <a:rPr lang="en-US" sz="1100" dirty="0"/>
+                <a:t>{Quote: Cleared Price, Marginal Quantity}</a:t>
+              </a:r>
+            </a:p>
+          </p:txBody>
+        </p:sp>
+        <p:sp>
+          <p:nvSpPr>
+            <p:cNvPr id="169" name="TextBox 168"/>
+            <p:cNvSpPr txBox="1"/>
+            <p:nvPr/>
+          </p:nvSpPr>
+          <p:spPr>
+            <a:xfrm>
+              <a:off x="5750460" y="4528267"/>
+              <a:ext cx="2651498" cy="261610"/>
+            </a:xfrm>
+            <a:prstGeom prst="rect">
+              <a:avLst/>
+            </a:prstGeom>
+            <a:noFill/>
+          </p:spPr>
+          <p:txBody>
+            <a:bodyPr wrap="square" rtlCol="0">
+              <a:spAutoFit/>
+            </a:bodyPr>
+            <a:lstStyle/>
+            <a:p>
+              <a:r>
+                <a:rPr lang="en-US" sz="1100" dirty="0">
+                  <a:solidFill>
+                    <a:srgbClr val="FF0000"/>
+                  </a:solidFill>
+                </a:rPr>
+                <a:t>{Tender: Bid Price, Bid Quantity, State}</a:t>
+              </a:r>
+            </a:p>
+          </p:txBody>
+        </p:sp>
+        <p:cxnSp>
+          <p:nvCxnSpPr>
+            <p:cNvPr id="170" name="Straight Connector 169"/>
+            <p:cNvCxnSpPr/>
+            <p:nvPr/>
+          </p:nvCxnSpPr>
+          <p:spPr>
+            <a:xfrm>
+              <a:off x="9084966" y="3660981"/>
+              <a:ext cx="555942" cy="1882"/>
+            </a:xfrm>
+            <a:prstGeom prst="line">
+              <a:avLst/>
+            </a:prstGeom>
+            <a:ln>
+              <a:prstDash val="solid"/>
+              <a:tailEnd type="triangle"/>
+            </a:ln>
+          </p:spPr>
+          <p:style>
+            <a:lnRef idx="1">
+              <a:schemeClr val="dk1"/>
+            </a:lnRef>
+            <a:fillRef idx="0">
+              <a:schemeClr val="dk1"/>
+            </a:fillRef>
+            <a:effectRef idx="0">
+              <a:schemeClr val="dk1"/>
+            </a:effectRef>
+            <a:fontRef idx="minor">
+              <a:schemeClr val="tx1"/>
+            </a:fontRef>
+          </p:style>
+        </p:cxnSp>
+        <p:cxnSp>
+          <p:nvCxnSpPr>
+            <p:cNvPr id="171" name="Straight Connector 170"/>
+            <p:cNvCxnSpPr/>
+            <p:nvPr/>
+          </p:nvCxnSpPr>
+          <p:spPr>
+            <a:xfrm>
+              <a:off x="9046176" y="3741662"/>
+              <a:ext cx="578057" cy="9152"/>
+            </a:xfrm>
+            <a:prstGeom prst="line">
+              <a:avLst/>
+            </a:prstGeom>
+            <a:ln>
+              <a:solidFill>
+                <a:srgbClr val="FF0000"/>
+              </a:solidFill>
+              <a:prstDash val="solid"/>
+              <a:headEnd type="triangle"/>
+            </a:ln>
+          </p:spPr>
+          <p:style>
+            <a:lnRef idx="1">
+              <a:schemeClr val="dk1"/>
+            </a:lnRef>
+            <a:fillRef idx="0">
+              <a:schemeClr val="dk1"/>
+            </a:fillRef>
+            <a:effectRef idx="0">
+              <a:schemeClr val="dk1"/>
+            </a:effectRef>
+            <a:fontRef idx="minor">
+              <a:schemeClr val="tx1"/>
+            </a:fontRef>
+          </p:style>
+        </p:cxnSp>
+        <p:sp>
+          <p:nvSpPr>
+            <p:cNvPr id="174" name="TextBox 173"/>
+            <p:cNvSpPr txBox="1"/>
+            <p:nvPr/>
+          </p:nvSpPr>
+          <p:spPr>
+            <a:xfrm>
+              <a:off x="9007142" y="3755281"/>
+              <a:ext cx="755335" cy="261610"/>
+            </a:xfrm>
+            <a:prstGeom prst="rect">
+              <a:avLst/>
+            </a:prstGeom>
+            <a:noFill/>
+          </p:spPr>
+          <p:txBody>
+            <a:bodyPr wrap="none" rtlCol="0">
+              <a:spAutoFit/>
+            </a:bodyPr>
+            <a:lstStyle/>
+            <a:p>
+              <a:r>
+                <a:rPr lang="en-US" sz="1100" dirty="0"/>
+                <a:t>{Setpoint}</a:t>
+              </a:r>
+            </a:p>
+          </p:txBody>
+        </p:sp>
+        <p:sp>
+          <p:nvSpPr>
+            <p:cNvPr id="175" name="TextBox 174"/>
+            <p:cNvSpPr txBox="1"/>
+            <p:nvPr/>
+          </p:nvSpPr>
+          <p:spPr>
+            <a:xfrm>
+              <a:off x="9579925" y="3304209"/>
+              <a:ext cx="1215397" cy="430887"/>
+            </a:xfrm>
+            <a:prstGeom prst="rect">
+              <a:avLst/>
+            </a:prstGeom>
+            <a:noFill/>
+          </p:spPr>
+          <p:txBody>
+            <a:bodyPr wrap="none" rtlCol="0">
+              <a:spAutoFit/>
+            </a:bodyPr>
+            <a:lstStyle/>
+            <a:p>
+              <a:r>
+                <a:rPr lang="en-US" sz="1100" dirty="0">
+                  <a:solidFill>
+                    <a:srgbClr val="FF0000"/>
+                  </a:solidFill>
+                </a:rPr>
+                <a:t>{Desired Setpoint,</a:t>
+              </a:r>
+            </a:p>
+            <a:p>
+              <a:r>
+                <a:rPr lang="en-US" sz="1100" dirty="0">
+                  <a:solidFill>
+                    <a:srgbClr val="FF0000"/>
+                  </a:solidFill>
+                </a:rPr>
+                <a:t>State}</a:t>
+              </a:r>
+            </a:p>
+          </p:txBody>
+        </p:sp>
+        <p:cxnSp>
+          <p:nvCxnSpPr>
+            <p:cNvPr id="178" name="Straight Connector 177"/>
+            <p:cNvCxnSpPr/>
+            <p:nvPr/>
+          </p:nvCxnSpPr>
+          <p:spPr>
+            <a:xfrm flipH="1">
+              <a:off x="10088075" y="3967513"/>
+              <a:ext cx="422848" cy="2500"/>
+            </a:xfrm>
+            <a:prstGeom prst="line">
+              <a:avLst/>
+            </a:prstGeom>
+            <a:ln cmpd="sng">
+              <a:solidFill>
+                <a:srgbClr val="FF0000"/>
+              </a:solidFill>
+              <a:prstDash val="solid"/>
+              <a:headEnd type="none"/>
+              <a:tailEnd type="triangle"/>
+            </a:ln>
+          </p:spPr>
+          <p:style>
+            <a:lnRef idx="1">
+              <a:schemeClr val="dk1"/>
+            </a:lnRef>
+            <a:fillRef idx="0">
+              <a:schemeClr val="dk1"/>
+            </a:fillRef>
+            <a:effectRef idx="0">
+              <a:schemeClr val="dk1"/>
+            </a:effectRef>
+            <a:fontRef idx="minor">
+              <a:schemeClr val="tx1"/>
+            </a:fontRef>
+          </p:style>
+        </p:cxnSp>
+        <p:sp>
+          <p:nvSpPr>
+            <p:cNvPr id="180" name="TextBox 179"/>
+            <p:cNvSpPr txBox="1"/>
+            <p:nvPr/>
+          </p:nvSpPr>
+          <p:spPr>
+            <a:xfrm>
+              <a:off x="9900003" y="3997307"/>
+              <a:ext cx="904415" cy="261610"/>
+            </a:xfrm>
+            <a:prstGeom prst="rect">
+              <a:avLst/>
+            </a:prstGeom>
+            <a:noFill/>
+          </p:spPr>
+          <p:txBody>
+            <a:bodyPr wrap="none" rtlCol="0">
+              <a:spAutoFit/>
+            </a:bodyPr>
+            <a:lstStyle/>
+            <a:p>
+              <a:r>
+                <a:rPr lang="en-US" sz="1100" dirty="0">
+                  <a:solidFill>
+                    <a:srgbClr val="FF0000"/>
+                  </a:solidFill>
+                </a:rPr>
+                <a:t>{TMY3 Data}</a:t>
+              </a:r>
+            </a:p>
+          </p:txBody>
+        </p:sp>
+        <p:sp>
+          <p:nvSpPr>
+            <p:cNvPr id="184" name="TextBox 183"/>
+            <p:cNvSpPr txBox="1"/>
+            <p:nvPr/>
+          </p:nvSpPr>
+          <p:spPr>
+            <a:xfrm>
+              <a:off x="5718940" y="1429446"/>
+              <a:ext cx="439544" cy="276999"/>
+            </a:xfrm>
+            <a:prstGeom prst="rect">
+              <a:avLst/>
+            </a:prstGeom>
+            <a:noFill/>
+          </p:spPr>
+          <p:txBody>
+            <a:bodyPr wrap="none" rtlCol="0">
+              <a:spAutoFit/>
+            </a:bodyPr>
+            <a:lstStyle/>
+            <a:p>
+              <a:r>
+                <a:rPr lang="en-US" sz="1200" dirty="0"/>
+                <a:t>ABC</a:t>
+              </a:r>
+            </a:p>
+          </p:txBody>
+        </p:sp>
+        <p:sp>
+          <p:nvSpPr>
+            <p:cNvPr id="185" name="TextBox 184"/>
+            <p:cNvSpPr txBox="1"/>
+            <p:nvPr/>
+          </p:nvSpPr>
+          <p:spPr>
+            <a:xfrm>
+              <a:off x="6662225" y="2961649"/>
+              <a:ext cx="439544" cy="276999"/>
+            </a:xfrm>
+            <a:prstGeom prst="rect">
+              <a:avLst/>
+            </a:prstGeom>
+            <a:noFill/>
+          </p:spPr>
+          <p:txBody>
+            <a:bodyPr wrap="none" rtlCol="0">
+              <a:spAutoFit/>
+            </a:bodyPr>
+            <a:lstStyle/>
+            <a:p>
+              <a:r>
+                <a:rPr lang="en-US" sz="1200" dirty="0"/>
+                <a:t>ABC</a:t>
+              </a:r>
+            </a:p>
+          </p:txBody>
+        </p:sp>
+        <p:sp>
+          <p:nvSpPr>
+            <p:cNvPr id="186" name="TextBox 185"/>
+            <p:cNvSpPr txBox="1"/>
+            <p:nvPr/>
+          </p:nvSpPr>
+          <p:spPr>
+            <a:xfrm>
+              <a:off x="7213478" y="1105539"/>
+              <a:ext cx="344966" cy="276999"/>
+            </a:xfrm>
+            <a:prstGeom prst="rect">
+              <a:avLst/>
+            </a:prstGeom>
+            <a:noFill/>
+          </p:spPr>
+          <p:txBody>
+            <a:bodyPr wrap="none" rtlCol="0">
+              <a:spAutoFit/>
+            </a:bodyPr>
+            <a:lstStyle/>
+            <a:p>
+              <a:r>
+                <a:rPr lang="en-US" sz="1200" dirty="0"/>
+                <a:t>AS</a:t>
+              </a:r>
+            </a:p>
+          </p:txBody>
+        </p:sp>
+        <p:sp>
+          <p:nvSpPr>
+            <p:cNvPr id="187" name="TextBox 186"/>
+            <p:cNvSpPr txBox="1"/>
+            <p:nvPr/>
+          </p:nvSpPr>
+          <p:spPr>
+            <a:xfrm>
+              <a:off x="7213478" y="1790386"/>
+              <a:ext cx="338554" cy="276999"/>
+            </a:xfrm>
+            <a:prstGeom prst="rect">
+              <a:avLst/>
+            </a:prstGeom>
+            <a:noFill/>
+          </p:spPr>
+          <p:txBody>
+            <a:bodyPr wrap="none" rtlCol="0">
+              <a:spAutoFit/>
+            </a:bodyPr>
+            <a:lstStyle/>
+            <a:p>
+              <a:r>
+                <a:rPr lang="en-US" sz="1200" dirty="0"/>
+                <a:t>BS</a:t>
+              </a:r>
+            </a:p>
+          </p:txBody>
+        </p:sp>
+        <p:sp>
+          <p:nvSpPr>
+            <p:cNvPr id="188" name="TextBox 187"/>
+            <p:cNvSpPr txBox="1"/>
+            <p:nvPr/>
+          </p:nvSpPr>
+          <p:spPr>
+            <a:xfrm>
+              <a:off x="7214279" y="2496080"/>
+              <a:ext cx="336952" cy="276999"/>
+            </a:xfrm>
+            <a:prstGeom prst="rect">
+              <a:avLst/>
+            </a:prstGeom>
+            <a:noFill/>
+          </p:spPr>
+          <p:txBody>
+            <a:bodyPr wrap="none" rtlCol="0">
+              <a:spAutoFit/>
+            </a:bodyPr>
+            <a:lstStyle/>
+            <a:p>
+              <a:r>
+                <a:rPr lang="en-US" sz="1200" dirty="0"/>
+                <a:t>CS</a:t>
+              </a:r>
+            </a:p>
+          </p:txBody>
+        </p:sp>
+        <p:cxnSp>
+          <p:nvCxnSpPr>
+            <p:cNvPr id="161" name="Straight Connector 160"/>
+            <p:cNvCxnSpPr>
+              <a:stCxn id="12" idx="3"/>
+              <a:endCxn id="82" idx="0"/>
+            </p:cNvCxnSpPr>
+            <p:nvPr/>
+          </p:nvCxnSpPr>
+          <p:spPr>
+            <a:xfrm>
+              <a:off x="6509126" y="3014940"/>
+              <a:ext cx="1" cy="241625"/>
+            </a:xfrm>
+            <a:prstGeom prst="line">
+              <a:avLst/>
+            </a:prstGeom>
+            <a:ln>
+              <a:solidFill>
+                <a:srgbClr val="5B9BD5"/>
+              </a:solidFill>
+            </a:ln>
+          </p:spPr>
+          <p:style>
+            <a:lnRef idx="1">
+              <a:schemeClr val="dk1"/>
+            </a:lnRef>
+            <a:fillRef idx="0">
+              <a:schemeClr val="dk1"/>
+            </a:fillRef>
+            <a:effectRef idx="0">
+              <a:schemeClr val="dk1"/>
+            </a:effectRef>
+            <a:fontRef idx="minor">
+              <a:schemeClr val="tx1"/>
+            </a:fontRef>
+          </p:style>
+        </p:cxnSp>
+        <p:grpSp>
+          <p:nvGrpSpPr>
+            <p:cNvPr id="2" name="Group 1"/>
+            <p:cNvGrpSpPr/>
+            <p:nvPr/>
+          </p:nvGrpSpPr>
+          <p:grpSpPr>
+            <a:xfrm>
+              <a:off x="623452" y="5117225"/>
+              <a:ext cx="9289029" cy="1284208"/>
+              <a:chOff x="857558" y="5271618"/>
+              <a:chExt cx="9289029" cy="1284208"/>
+            </a:xfrm>
+          </p:grpSpPr>
+          <p:sp>
+            <p:nvSpPr>
+              <p:cNvPr id="76" name="Hexagon 75"/>
+              <p:cNvSpPr/>
+              <p:nvPr/>
+            </p:nvSpPr>
+            <p:spPr>
+              <a:xfrm>
+                <a:off x="1871048" y="6390574"/>
+                <a:ext cx="81159" cy="79237"/>
+              </a:xfrm>
+              <a:prstGeom prst="hexagon">
+                <a:avLst/>
+              </a:prstGeom>
+              <a:solidFill>
+                <a:srgbClr val="7030A0"/>
+              </a:solidFill>
+            </p:spPr>
+            <p:style>
+              <a:lnRef idx="2">
+                <a:schemeClr val="dk1">
+                  <a:shade val="50000"/>
+                </a:schemeClr>
+              </a:lnRef>
+              <a:fillRef idx="1">
+                <a:schemeClr val="dk1"/>
+              </a:fillRef>
+              <a:effectRef idx="0">
+                <a:schemeClr val="dk1"/>
+              </a:effectRef>
+              <a:fontRef idx="minor">
+                <a:schemeClr val="lt1"/>
+              </a:fontRef>
+            </p:style>
+            <p:txBody>
+              <a:bodyPr rtlCol="0" anchor="ctr"/>
+              <a:lstStyle/>
+              <a:p>
+                <a:pPr algn="ctr"/>
+                <a:endParaRPr lang="en-US" sz="1200"/>
+              </a:p>
+            </p:txBody>
+          </p:sp>
+          <p:sp>
+            <p:nvSpPr>
+              <p:cNvPr id="78" name="Rectangle 77"/>
+              <p:cNvSpPr/>
+              <p:nvPr/>
+            </p:nvSpPr>
+            <p:spPr>
+              <a:xfrm>
+                <a:off x="908644" y="6106276"/>
+                <a:ext cx="101448" cy="68792"/>
+              </a:xfrm>
+              <a:prstGeom prst="rect">
+                <a:avLst/>
+              </a:prstGeom>
+              <a:solidFill>
+                <a:srgbClr val="7030A0"/>
+              </a:solidFill>
+              <a:ln>
+                <a:solidFill>
+                  <a:schemeClr val="tx1"/>
+                </a:solidFill>
+              </a:ln>
+            </p:spPr>
+            <p:style>
+              <a:lnRef idx="2">
+                <a:schemeClr val="accent1">
+                  <a:shade val="50000"/>
+                </a:schemeClr>
+              </a:lnRef>
+              <a:fillRef idx="1">
+                <a:schemeClr val="accent1"/>
+              </a:fillRef>
+              <a:effectRef idx="0">
+                <a:schemeClr val="accent1"/>
+              </a:effectRef>
+              <a:fontRef idx="minor">
+                <a:schemeClr val="lt1"/>
+              </a:fontRef>
+            </p:style>
+            <p:txBody>
+              <a:bodyPr rtlCol="0" anchor="ctr"/>
+              <a:lstStyle/>
+              <a:p>
+                <a:pPr algn="ctr"/>
+                <a:endParaRPr lang="en-US" sz="1200"/>
+              </a:p>
+            </p:txBody>
+          </p:sp>
+          <p:sp>
+            <p:nvSpPr>
+              <p:cNvPr id="79" name="Isosceles Triangle 78"/>
+              <p:cNvSpPr/>
+              <p:nvPr/>
+            </p:nvSpPr>
+            <p:spPr>
+              <a:xfrm>
+                <a:off x="3632428" y="5560628"/>
+                <a:ext cx="101448" cy="107084"/>
+              </a:xfrm>
+              <a:prstGeom prst="triangle">
+                <a:avLst/>
+              </a:prstGeom>
+            </p:spPr>
+            <p:style>
+              <a:lnRef idx="2">
+                <a:schemeClr val="dk1">
+                  <a:shade val="50000"/>
+                </a:schemeClr>
+              </a:lnRef>
+              <a:fillRef idx="1">
+                <a:schemeClr val="dk1"/>
+              </a:fillRef>
+              <a:effectRef idx="0">
+                <a:schemeClr val="dk1"/>
+              </a:effectRef>
+              <a:fontRef idx="minor">
+                <a:schemeClr val="lt1"/>
+              </a:fontRef>
+            </p:style>
+            <p:txBody>
+              <a:bodyPr rtlCol="0" anchor="ctr"/>
+              <a:lstStyle/>
+              <a:p>
+                <a:pPr algn="ctr"/>
+                <a:endParaRPr lang="en-US" sz="1200"/>
+              </a:p>
+            </p:txBody>
+          </p:sp>
+          <p:sp>
+            <p:nvSpPr>
+              <p:cNvPr id="80" name="Rectangle 79"/>
+              <p:cNvSpPr/>
+              <p:nvPr/>
+            </p:nvSpPr>
+            <p:spPr>
+              <a:xfrm>
+                <a:off x="3630220" y="5821522"/>
+                <a:ext cx="101448" cy="107084"/>
+              </a:xfrm>
+              <a:prstGeom prst="rect">
+                <a:avLst/>
+              </a:prstGeom>
+              <a:solidFill>
+                <a:srgbClr val="ED7D31"/>
+              </a:solidFill>
+            </p:spPr>
+            <p:style>
+              <a:lnRef idx="2">
+                <a:schemeClr val="dk1">
+                  <a:shade val="50000"/>
+                </a:schemeClr>
+              </a:lnRef>
+              <a:fillRef idx="1">
+                <a:schemeClr val="dk1"/>
+              </a:fillRef>
+              <a:effectRef idx="0">
+                <a:schemeClr val="dk1"/>
+              </a:effectRef>
+              <a:fontRef idx="minor">
+                <a:schemeClr val="lt1"/>
+              </a:fontRef>
+            </p:style>
+            <p:txBody>
+              <a:bodyPr rtlCol="0" anchor="ctr"/>
+              <a:lstStyle/>
+              <a:p>
+                <a:pPr algn="ctr"/>
+                <a:endParaRPr lang="en-US" sz="1200"/>
+              </a:p>
+            </p:txBody>
+          </p:sp>
+          <p:sp>
+            <p:nvSpPr>
+              <p:cNvPr id="81" name="Oval 80"/>
+              <p:cNvSpPr/>
+              <p:nvPr/>
+            </p:nvSpPr>
+            <p:spPr>
+              <a:xfrm>
+                <a:off x="3629416" y="6087464"/>
+                <a:ext cx="101448" cy="107084"/>
+              </a:xfrm>
+              <a:prstGeom prst="ellipse">
+                <a:avLst/>
+              </a:prstGeom>
+              <a:solidFill>
+                <a:srgbClr val="5B9BD5"/>
+              </a:solidFill>
+            </p:spPr>
+            <p:style>
+              <a:lnRef idx="2">
+                <a:schemeClr val="dk1">
+                  <a:shade val="50000"/>
+                </a:schemeClr>
+              </a:lnRef>
+              <a:fillRef idx="1">
+                <a:schemeClr val="dk1"/>
+              </a:fillRef>
+              <a:effectRef idx="0">
+                <a:schemeClr val="dk1"/>
+              </a:effectRef>
+              <a:fontRef idx="minor">
+                <a:schemeClr val="lt1"/>
+              </a:fontRef>
+            </p:style>
+            <p:txBody>
+              <a:bodyPr rtlCol="0" anchor="ctr"/>
+              <a:lstStyle/>
+              <a:p>
+                <a:pPr algn="ctr"/>
+                <a:endParaRPr lang="en-US" sz="1200"/>
+              </a:p>
+            </p:txBody>
+          </p:sp>
+          <p:sp>
+            <p:nvSpPr>
+              <p:cNvPr id="83" name="Diamond 82"/>
+              <p:cNvSpPr/>
+              <p:nvPr/>
+            </p:nvSpPr>
+            <p:spPr>
+              <a:xfrm>
+                <a:off x="857558" y="5782484"/>
+                <a:ext cx="182607" cy="182607"/>
+              </a:xfrm>
+              <a:prstGeom prst="diamond">
+                <a:avLst/>
+              </a:prstGeom>
+              <a:solidFill>
+                <a:srgbClr val="7030A0"/>
+              </a:solidFill>
+            </p:spPr>
+            <p:style>
+              <a:lnRef idx="2">
+                <a:schemeClr val="dk1">
+                  <a:shade val="50000"/>
+                </a:schemeClr>
+              </a:lnRef>
+              <a:fillRef idx="1">
+                <a:schemeClr val="dk1"/>
+              </a:fillRef>
+              <a:effectRef idx="0">
+                <a:schemeClr val="dk1"/>
+              </a:effectRef>
+              <a:fontRef idx="minor">
+                <a:schemeClr val="lt1"/>
+              </a:fontRef>
+            </p:style>
+            <p:txBody>
+              <a:bodyPr rtlCol="0" anchor="ctr"/>
+              <a:lstStyle/>
+              <a:p>
+                <a:pPr algn="ctr"/>
+                <a:endParaRPr lang="en-US" sz="1200"/>
+              </a:p>
+            </p:txBody>
+          </p:sp>
+          <p:sp>
+            <p:nvSpPr>
+              <p:cNvPr id="87" name="Parallelogram 86"/>
+              <p:cNvSpPr/>
+              <p:nvPr/>
+            </p:nvSpPr>
+            <p:spPr>
+              <a:xfrm>
+                <a:off x="863325" y="5506425"/>
+                <a:ext cx="152172" cy="172489"/>
+              </a:xfrm>
+              <a:prstGeom prst="parallelogram">
+                <a:avLst/>
+              </a:prstGeom>
+              <a:solidFill>
+                <a:srgbClr val="CC66FF"/>
+              </a:solidFill>
+            </p:spPr>
+            <p:style>
+              <a:lnRef idx="2">
+                <a:schemeClr val="dk1">
+                  <a:shade val="50000"/>
+                </a:schemeClr>
+              </a:lnRef>
+              <a:fillRef idx="1">
+                <a:schemeClr val="dk1"/>
+              </a:fillRef>
+              <a:effectRef idx="0">
+                <a:schemeClr val="dk1"/>
+              </a:effectRef>
+              <a:fontRef idx="minor">
+                <a:schemeClr val="lt1"/>
+              </a:fontRef>
+            </p:style>
+            <p:txBody>
+              <a:bodyPr rtlCol="0" anchor="ctr"/>
+              <a:lstStyle/>
+              <a:p>
+                <a:pPr algn="ctr"/>
+                <a:endParaRPr lang="en-US" sz="1200"/>
+              </a:p>
+            </p:txBody>
+          </p:sp>
+          <p:cxnSp>
+            <p:nvCxnSpPr>
+              <p:cNvPr id="88" name="Straight Connector 87"/>
+              <p:cNvCxnSpPr/>
+              <p:nvPr/>
+            </p:nvCxnSpPr>
+            <p:spPr>
+              <a:xfrm flipV="1">
+                <a:off x="4971420" y="5976255"/>
+                <a:ext cx="184419" cy="1"/>
+              </a:xfrm>
+              <a:prstGeom prst="line">
+                <a:avLst/>
+              </a:prstGeom>
+              <a:ln w="25400" cmpd="dbl">
+                <a:solidFill>
+                  <a:srgbClr val="5B9BD5"/>
+                </a:solidFill>
+              </a:ln>
+            </p:spPr>
+            <p:style>
+              <a:lnRef idx="1">
+                <a:schemeClr val="dk1"/>
+              </a:lnRef>
+              <a:fillRef idx="0">
+                <a:schemeClr val="dk1"/>
+              </a:fillRef>
+              <a:effectRef idx="0">
+                <a:schemeClr val="dk1"/>
+              </a:effectRef>
+              <a:fontRef idx="minor">
+                <a:schemeClr val="tx1"/>
+              </a:fontRef>
+            </p:style>
+          </p:cxnSp>
+          <p:cxnSp>
+            <p:nvCxnSpPr>
+              <p:cNvPr id="89" name="Straight Connector 88"/>
+              <p:cNvCxnSpPr/>
+              <p:nvPr/>
+            </p:nvCxnSpPr>
+            <p:spPr>
+              <a:xfrm flipH="1">
+                <a:off x="6129055" y="5636873"/>
+                <a:ext cx="250214" cy="657"/>
+              </a:xfrm>
+              <a:prstGeom prst="line">
+                <a:avLst/>
+              </a:prstGeom>
+              <a:ln>
+                <a:solidFill>
+                  <a:srgbClr val="5B9BD5"/>
+                </a:solidFill>
+              </a:ln>
+            </p:spPr>
+            <p:style>
+              <a:lnRef idx="1">
+                <a:schemeClr val="dk1"/>
+              </a:lnRef>
+              <a:fillRef idx="0">
+                <a:schemeClr val="dk1"/>
+              </a:fillRef>
+              <a:effectRef idx="0">
+                <a:schemeClr val="dk1"/>
+              </a:effectRef>
+              <a:fontRef idx="minor">
+                <a:schemeClr val="tx1"/>
+              </a:fontRef>
+            </p:style>
+          </p:cxnSp>
+          <p:sp>
+            <p:nvSpPr>
+              <p:cNvPr id="92" name="Double Brace 91"/>
+              <p:cNvSpPr/>
+              <p:nvPr/>
+            </p:nvSpPr>
+            <p:spPr>
+              <a:xfrm>
+                <a:off x="5022688" y="5514540"/>
+                <a:ext cx="70947" cy="244668"/>
+              </a:xfrm>
+              <a:prstGeom prst="bracePair">
+                <a:avLst/>
+              </a:prstGeom>
+              <a:ln w="12700"/>
+            </p:spPr>
+            <p:style>
+              <a:lnRef idx="1">
+                <a:schemeClr val="dk1"/>
+              </a:lnRef>
+              <a:fillRef idx="0">
+                <a:schemeClr val="dk1"/>
+              </a:fillRef>
+              <a:effectRef idx="0">
+                <a:schemeClr val="dk1"/>
+              </a:effectRef>
+              <a:fontRef idx="minor">
+                <a:schemeClr val="tx1"/>
+              </a:fontRef>
+            </p:style>
+            <p:txBody>
+              <a:bodyPr rtlCol="0" anchor="ctr"/>
+              <a:lstStyle/>
+              <a:p>
+                <a:pPr algn="ctr"/>
+                <a:endParaRPr lang="en-US" sz="1200"/>
+              </a:p>
+            </p:txBody>
+          </p:sp>
+          <p:sp>
+            <p:nvSpPr>
+              <p:cNvPr id="93" name="TextBox 92"/>
+              <p:cNvSpPr txBox="1"/>
+              <p:nvPr/>
+            </p:nvSpPr>
+            <p:spPr>
+              <a:xfrm>
+                <a:off x="1061423" y="5484702"/>
+                <a:ext cx="1274708" cy="253916"/>
+              </a:xfrm>
+              <a:prstGeom prst="rect">
+                <a:avLst/>
+              </a:prstGeom>
+              <a:noFill/>
+            </p:spPr>
+            <p:txBody>
+              <a:bodyPr wrap="none" rtlCol="0">
+                <a:spAutoFit/>
+              </a:bodyPr>
+              <a:lstStyle/>
+              <a:p>
+                <a:r>
+                  <a:rPr lang="en-US" sz="1050" dirty="0"/>
+                  <a:t>PV Panel (+inverter)</a:t>
+                </a:r>
+              </a:p>
+            </p:txBody>
+          </p:sp>
+          <p:sp>
+            <p:nvSpPr>
+              <p:cNvPr id="94" name="TextBox 93"/>
+              <p:cNvSpPr txBox="1"/>
+              <p:nvPr/>
+            </p:nvSpPr>
+            <p:spPr>
+              <a:xfrm>
+                <a:off x="1072306" y="5782919"/>
+                <a:ext cx="1168910" cy="253916"/>
+              </a:xfrm>
+              <a:prstGeom prst="rect">
+                <a:avLst/>
+              </a:prstGeom>
+              <a:noFill/>
+            </p:spPr>
+            <p:txBody>
+              <a:bodyPr wrap="none" rtlCol="0">
+                <a:spAutoFit/>
+              </a:bodyPr>
+              <a:lstStyle/>
+              <a:p>
+                <a:r>
+                  <a:rPr lang="en-US" sz="1050" dirty="0"/>
+                  <a:t>Dummy Grid Load</a:t>
+                </a:r>
+              </a:p>
+            </p:txBody>
+          </p:sp>
+          <p:sp>
+            <p:nvSpPr>
+              <p:cNvPr id="95" name="TextBox 94"/>
+              <p:cNvSpPr txBox="1"/>
+              <p:nvPr/>
+            </p:nvSpPr>
+            <p:spPr>
+              <a:xfrm>
+                <a:off x="1077762" y="6038232"/>
+                <a:ext cx="1566454" cy="253916"/>
+              </a:xfrm>
+              <a:prstGeom prst="rect">
+                <a:avLst/>
+              </a:prstGeom>
+              <a:noFill/>
+            </p:spPr>
+            <p:txBody>
+              <a:bodyPr wrap="none" rtlCol="0">
+                <a:spAutoFit/>
+              </a:bodyPr>
+              <a:lstStyle/>
+              <a:p>
+                <a:r>
+                  <a:rPr lang="en-US" sz="1050" dirty="0"/>
+                  <a:t>Controllable Load (HVAC)</a:t>
+                </a:r>
+              </a:p>
+            </p:txBody>
+          </p:sp>
+          <p:sp>
+            <p:nvSpPr>
+              <p:cNvPr id="96" name="TextBox 95"/>
+              <p:cNvSpPr txBox="1"/>
+              <p:nvPr/>
+            </p:nvSpPr>
+            <p:spPr>
+              <a:xfrm>
+                <a:off x="1974802" y="6294216"/>
+                <a:ext cx="1338828" cy="261610"/>
+              </a:xfrm>
+              <a:prstGeom prst="rect">
+                <a:avLst/>
+              </a:prstGeom>
+              <a:noFill/>
+            </p:spPr>
+            <p:txBody>
+              <a:bodyPr wrap="none" rtlCol="0">
+                <a:spAutoFit/>
+              </a:bodyPr>
+              <a:lstStyle/>
+              <a:p>
+                <a:r>
+                  <a:rPr lang="en-US" sz="1050" dirty="0"/>
+                  <a:t>Uncontrollable Load</a:t>
+                </a:r>
+              </a:p>
+            </p:txBody>
+          </p:sp>
+          <p:sp>
+            <p:nvSpPr>
+              <p:cNvPr id="97" name="TextBox 96"/>
+              <p:cNvSpPr txBox="1"/>
+              <p:nvPr/>
+            </p:nvSpPr>
+            <p:spPr>
+              <a:xfrm>
+                <a:off x="1810933" y="5271619"/>
+                <a:ext cx="777777" cy="261610"/>
+              </a:xfrm>
+              <a:prstGeom prst="rect">
+                <a:avLst/>
+              </a:prstGeom>
+              <a:noFill/>
+            </p:spPr>
+            <p:txBody>
+              <a:bodyPr wrap="none" rtlCol="0">
+                <a:spAutoFit/>
+              </a:bodyPr>
+              <a:lstStyle/>
+              <a:p>
+                <a:r>
+                  <a:rPr lang="en-US" sz="1050" b="1" dirty="0"/>
+                  <a:t>Resources</a:t>
+                </a:r>
+              </a:p>
+            </p:txBody>
+          </p:sp>
+          <p:sp>
+            <p:nvSpPr>
+              <p:cNvPr id="98" name="TextBox 97"/>
+              <p:cNvSpPr txBox="1"/>
+              <p:nvPr/>
+            </p:nvSpPr>
+            <p:spPr>
+              <a:xfrm>
+                <a:off x="5942598" y="5284308"/>
+                <a:ext cx="1229824" cy="253916"/>
+              </a:xfrm>
+              <a:prstGeom prst="rect">
+                <a:avLst/>
+              </a:prstGeom>
+              <a:noFill/>
+            </p:spPr>
+            <p:txBody>
+              <a:bodyPr wrap="none" rtlCol="0">
+                <a:spAutoFit/>
+              </a:bodyPr>
+              <a:lstStyle/>
+              <a:p>
+                <a:r>
+                  <a:rPr lang="en-US" sz="1050" b="1" dirty="0"/>
+                  <a:t>Logical Connectors</a:t>
+                </a:r>
+              </a:p>
+            </p:txBody>
+          </p:sp>
+          <p:sp>
+            <p:nvSpPr>
+              <p:cNvPr id="99" name="TextBox 98"/>
+              <p:cNvSpPr txBox="1"/>
+              <p:nvPr/>
+            </p:nvSpPr>
+            <p:spPr>
+              <a:xfrm>
+                <a:off x="4831594" y="5273286"/>
+                <a:ext cx="478016" cy="261610"/>
+              </a:xfrm>
+              <a:prstGeom prst="rect">
+                <a:avLst/>
+              </a:prstGeom>
+              <a:noFill/>
+            </p:spPr>
+            <p:txBody>
+              <a:bodyPr wrap="none" rtlCol="0">
+                <a:spAutoFit/>
+              </a:bodyPr>
+              <a:lstStyle/>
+              <a:p>
+                <a:r>
+                  <a:rPr lang="en-US" sz="1050" b="1" dirty="0"/>
+                  <a:t>Links</a:t>
+                </a:r>
+              </a:p>
+            </p:txBody>
+          </p:sp>
+          <p:sp>
+            <p:nvSpPr>
+              <p:cNvPr id="100" name="TextBox 99"/>
+              <p:cNvSpPr txBox="1"/>
+              <p:nvPr/>
+            </p:nvSpPr>
+            <p:spPr>
+              <a:xfrm>
+                <a:off x="3527945" y="5271619"/>
+                <a:ext cx="554960" cy="261610"/>
+              </a:xfrm>
+              <a:prstGeom prst="rect">
+                <a:avLst/>
+              </a:prstGeom>
+              <a:noFill/>
+            </p:spPr>
+            <p:txBody>
+              <a:bodyPr wrap="none" rtlCol="0">
+                <a:spAutoFit/>
+              </a:bodyPr>
+              <a:lstStyle/>
+              <a:p>
+                <a:r>
+                  <a:rPr lang="en-US" sz="1050" b="1" dirty="0"/>
+                  <a:t>Nodes</a:t>
+                </a:r>
+              </a:p>
+            </p:txBody>
+          </p:sp>
+          <p:sp>
+            <p:nvSpPr>
+              <p:cNvPr id="101" name="TextBox 100"/>
+              <p:cNvSpPr txBox="1"/>
+              <p:nvPr/>
+            </p:nvSpPr>
+            <p:spPr>
+              <a:xfrm>
+                <a:off x="3788714" y="5508414"/>
+                <a:ext cx="984565" cy="253916"/>
+              </a:xfrm>
+              <a:prstGeom prst="rect">
+                <a:avLst/>
+              </a:prstGeom>
+              <a:noFill/>
+            </p:spPr>
+            <p:txBody>
+              <a:bodyPr wrap="none" rtlCol="0">
+                <a:spAutoFit/>
+              </a:bodyPr>
+              <a:lstStyle/>
+              <a:p>
+                <a:r>
+                  <a:rPr lang="en-US" sz="1050" dirty="0"/>
+                  <a:t>Meter (triplex)</a:t>
+                </a:r>
+              </a:p>
+            </p:txBody>
+          </p:sp>
+          <p:sp>
+            <p:nvSpPr>
+              <p:cNvPr id="102" name="TextBox 101"/>
+              <p:cNvSpPr txBox="1"/>
+              <p:nvPr/>
+            </p:nvSpPr>
+            <p:spPr>
+              <a:xfrm>
+                <a:off x="3788714" y="5771377"/>
+                <a:ext cx="938077" cy="253916"/>
+              </a:xfrm>
+              <a:prstGeom prst="rect">
+                <a:avLst/>
+              </a:prstGeom>
+              <a:noFill/>
+            </p:spPr>
+            <p:txBody>
+              <a:bodyPr wrap="none" rtlCol="0">
+                <a:spAutoFit/>
+              </a:bodyPr>
+              <a:lstStyle/>
+              <a:p>
+                <a:r>
+                  <a:rPr lang="en-US" sz="1050" dirty="0"/>
+                  <a:t>Node (triplex)</a:t>
+                </a:r>
+              </a:p>
+            </p:txBody>
+          </p:sp>
+          <p:sp>
+            <p:nvSpPr>
+              <p:cNvPr id="103" name="TextBox 102"/>
+              <p:cNvSpPr txBox="1"/>
+              <p:nvPr/>
+            </p:nvSpPr>
+            <p:spPr>
+              <a:xfrm>
+                <a:off x="3788714" y="6038348"/>
+                <a:ext cx="1253869" cy="253916"/>
+              </a:xfrm>
+              <a:prstGeom prst="rect">
+                <a:avLst/>
+              </a:prstGeom>
+              <a:noFill/>
+            </p:spPr>
+            <p:txBody>
+              <a:bodyPr wrap="none" rtlCol="0">
+                <a:spAutoFit/>
+              </a:bodyPr>
+              <a:lstStyle/>
+              <a:p>
+                <a:r>
+                  <a:rPr lang="en-US" sz="1050" dirty="0"/>
+                  <a:t>Node (three-phase)</a:t>
+                </a:r>
+              </a:p>
+            </p:txBody>
+          </p:sp>
+          <p:sp>
+            <p:nvSpPr>
+              <p:cNvPr id="108" name="TextBox 107"/>
+              <p:cNvSpPr txBox="1"/>
+              <p:nvPr/>
+            </p:nvSpPr>
+            <p:spPr>
+              <a:xfrm>
+                <a:off x="5202434" y="5863637"/>
+                <a:ext cx="907621" cy="261610"/>
+              </a:xfrm>
+              <a:prstGeom prst="rect">
+                <a:avLst/>
+              </a:prstGeom>
+              <a:noFill/>
+            </p:spPr>
+            <p:txBody>
+              <a:bodyPr wrap="none" rtlCol="0">
+                <a:spAutoFit/>
+              </a:bodyPr>
+              <a:lstStyle/>
+              <a:p>
+                <a:r>
+                  <a:rPr lang="en-US" sz="1050" dirty="0"/>
+                  <a:t>Triplex cable</a:t>
+                </a:r>
+              </a:p>
+            </p:txBody>
+          </p:sp>
+          <p:sp>
+            <p:nvSpPr>
+              <p:cNvPr id="109" name="TextBox 108"/>
+              <p:cNvSpPr txBox="1"/>
+              <p:nvPr/>
+            </p:nvSpPr>
+            <p:spPr>
+              <a:xfrm>
+                <a:off x="5206156" y="5533310"/>
+                <a:ext cx="898003" cy="261610"/>
+              </a:xfrm>
+              <a:prstGeom prst="rect">
+                <a:avLst/>
+              </a:prstGeom>
+              <a:noFill/>
+            </p:spPr>
+            <p:txBody>
+              <a:bodyPr wrap="none" rtlCol="0">
+                <a:spAutoFit/>
+              </a:bodyPr>
+              <a:lstStyle/>
+              <a:p>
+                <a:r>
+                  <a:rPr lang="en-US" sz="1050" dirty="0"/>
+                  <a:t>Transformer</a:t>
+                </a:r>
+              </a:p>
+            </p:txBody>
+          </p:sp>
+          <p:sp>
+            <p:nvSpPr>
+              <p:cNvPr id="110" name="TextBox 109"/>
+              <p:cNvSpPr txBox="1"/>
+              <p:nvPr/>
+            </p:nvSpPr>
+            <p:spPr>
+              <a:xfrm>
+                <a:off x="6415118" y="5533310"/>
+                <a:ext cx="854721" cy="261610"/>
+              </a:xfrm>
+              <a:prstGeom prst="rect">
+                <a:avLst/>
+              </a:prstGeom>
+              <a:noFill/>
+            </p:spPr>
+            <p:txBody>
+              <a:bodyPr wrap="none" rtlCol="0">
+                <a:spAutoFit/>
+              </a:bodyPr>
+              <a:lstStyle/>
+              <a:p>
+                <a:r>
+                  <a:rPr lang="en-US" sz="1050" dirty="0"/>
+                  <a:t>Power Flow</a:t>
+                </a:r>
+              </a:p>
+            </p:txBody>
+          </p:sp>
+          <p:sp>
+            <p:nvSpPr>
+              <p:cNvPr id="122" name="TextBox 121"/>
+              <p:cNvSpPr txBox="1"/>
+              <p:nvPr/>
+            </p:nvSpPr>
+            <p:spPr>
+              <a:xfrm>
+                <a:off x="8663294" y="5284308"/>
+                <a:ext cx="1242648" cy="253916"/>
+              </a:xfrm>
+              <a:prstGeom prst="rect">
+                <a:avLst/>
+              </a:prstGeom>
+              <a:noFill/>
+            </p:spPr>
+            <p:txBody>
+              <a:bodyPr wrap="none" rtlCol="0">
+                <a:spAutoFit/>
+              </a:bodyPr>
+              <a:lstStyle/>
+              <a:p>
+                <a:r>
+                  <a:rPr lang="en-US" sz="1050" b="1" dirty="0"/>
+                  <a:t>Transactive Agents</a:t>
+                </a:r>
+              </a:p>
+            </p:txBody>
+          </p:sp>
+          <p:sp>
+            <p:nvSpPr>
+              <p:cNvPr id="127" name="Rectangle 126"/>
+              <p:cNvSpPr/>
+              <p:nvPr/>
+            </p:nvSpPr>
+            <p:spPr>
+              <a:xfrm>
+                <a:off x="7648975" y="5586481"/>
+                <a:ext cx="146826" cy="126810"/>
+              </a:xfrm>
+              <a:prstGeom prst="rect">
+                <a:avLst/>
+              </a:prstGeom>
+              <a:solidFill>
+                <a:srgbClr val="C55A11"/>
+              </a:solidFill>
+              <a:ln>
+                <a:noFill/>
+              </a:ln>
+            </p:spPr>
+            <p:style>
+              <a:lnRef idx="3">
+                <a:schemeClr val="lt1"/>
+              </a:lnRef>
+              <a:fillRef idx="1">
+                <a:schemeClr val="accent1"/>
+              </a:fillRef>
+              <a:effectRef idx="1">
+                <a:schemeClr val="accent1"/>
+              </a:effectRef>
+              <a:fontRef idx="minor">
+                <a:schemeClr val="lt1"/>
+              </a:fontRef>
+            </p:style>
+            <p:txBody>
+              <a:bodyPr rtlCol="0" anchor="ctr"/>
+              <a:lstStyle/>
+              <a:p>
+                <a:pPr algn="ctr"/>
+                <a:endParaRPr lang="en-US" sz="1200"/>
+              </a:p>
+            </p:txBody>
+          </p:sp>
+          <p:cxnSp>
+            <p:nvCxnSpPr>
+              <p:cNvPr id="128" name="Straight Connector 127"/>
+              <p:cNvCxnSpPr/>
+              <p:nvPr/>
+            </p:nvCxnSpPr>
+            <p:spPr>
+              <a:xfrm flipH="1">
+                <a:off x="6128001" y="5972712"/>
+                <a:ext cx="250214" cy="657"/>
+              </a:xfrm>
+              <a:prstGeom prst="line">
+                <a:avLst/>
+              </a:prstGeom>
+              <a:ln>
+                <a:solidFill>
+                  <a:srgbClr val="ED7D31"/>
+                </a:solidFill>
+                <a:prstDash val="sysDash"/>
+              </a:ln>
+            </p:spPr>
+            <p:style>
+              <a:lnRef idx="1">
+                <a:schemeClr val="dk1"/>
+              </a:lnRef>
+              <a:fillRef idx="0">
+                <a:schemeClr val="dk1"/>
+              </a:fillRef>
+              <a:effectRef idx="0">
+                <a:schemeClr val="dk1"/>
+              </a:effectRef>
+              <a:fontRef idx="minor">
+                <a:schemeClr val="tx1"/>
+              </a:fontRef>
+            </p:style>
+          </p:cxnSp>
+          <p:sp>
+            <p:nvSpPr>
+              <p:cNvPr id="129" name="TextBox 128"/>
+              <p:cNvSpPr txBox="1"/>
+              <p:nvPr/>
+            </p:nvSpPr>
+            <p:spPr>
+              <a:xfrm>
+                <a:off x="6415118" y="5873816"/>
+                <a:ext cx="452368" cy="261610"/>
+              </a:xfrm>
+              <a:prstGeom prst="rect">
+                <a:avLst/>
+              </a:prstGeom>
+              <a:noFill/>
+            </p:spPr>
+            <p:txBody>
+              <a:bodyPr wrap="none" rtlCol="0">
+                <a:spAutoFit/>
+              </a:bodyPr>
+              <a:lstStyle/>
+              <a:p>
+                <a:r>
+                  <a:rPr lang="en-US" sz="1050" dirty="0"/>
+                  <a:t>Data</a:t>
+                </a:r>
+              </a:p>
+            </p:txBody>
+          </p:sp>
+          <p:sp>
+            <p:nvSpPr>
+              <p:cNvPr id="130" name="TextBox 129"/>
+              <p:cNvSpPr txBox="1"/>
+              <p:nvPr/>
+            </p:nvSpPr>
+            <p:spPr>
+              <a:xfrm>
+                <a:off x="7806230" y="5533310"/>
+                <a:ext cx="848309" cy="261610"/>
+              </a:xfrm>
+              <a:prstGeom prst="rect">
+                <a:avLst/>
+              </a:prstGeom>
+              <a:noFill/>
+            </p:spPr>
+            <p:txBody>
+              <a:bodyPr wrap="none" rtlCol="0">
+                <a:spAutoFit/>
+              </a:bodyPr>
+              <a:lstStyle/>
+              <a:p>
+                <a:r>
+                  <a:rPr lang="en-US" sz="1050" dirty="0"/>
+                  <a:t>Thermostat</a:t>
+                </a:r>
+              </a:p>
+            </p:txBody>
+          </p:sp>
+          <p:sp>
+            <p:nvSpPr>
+              <p:cNvPr id="131" name="TextBox 130"/>
+              <p:cNvSpPr txBox="1"/>
+              <p:nvPr/>
+            </p:nvSpPr>
+            <p:spPr>
+              <a:xfrm>
+                <a:off x="7457569" y="5271618"/>
+                <a:ext cx="1074333" cy="261610"/>
+              </a:xfrm>
+              <a:prstGeom prst="rect">
+                <a:avLst/>
+              </a:prstGeom>
+              <a:noFill/>
+            </p:spPr>
+            <p:txBody>
+              <a:bodyPr wrap="none" rtlCol="0">
+                <a:spAutoFit/>
+              </a:bodyPr>
+              <a:lstStyle/>
+              <a:p>
+                <a:r>
+                  <a:rPr lang="en-US" sz="1050" b="1" dirty="0" err="1"/>
+                  <a:t>LocalController</a:t>
+                </a:r>
+                <a:endParaRPr lang="en-US" sz="1050" b="1" dirty="0"/>
+              </a:p>
+            </p:txBody>
+          </p:sp>
+          <p:sp>
+            <p:nvSpPr>
+              <p:cNvPr id="134" name="Oval 133"/>
+              <p:cNvSpPr/>
+              <p:nvPr/>
+            </p:nvSpPr>
+            <p:spPr>
+              <a:xfrm>
+                <a:off x="8743013" y="5530929"/>
+                <a:ext cx="198984" cy="206424"/>
+              </a:xfrm>
+              <a:prstGeom prst="ellipse">
+                <a:avLst/>
+              </a:prstGeom>
+              <a:solidFill>
+                <a:srgbClr val="99CC00"/>
+              </a:solidFill>
+              <a:ln>
+                <a:noFill/>
+              </a:ln>
+            </p:spPr>
+            <p:style>
+              <a:lnRef idx="2">
+                <a:schemeClr val="accent6">
+                  <a:shade val="50000"/>
+                </a:schemeClr>
+              </a:lnRef>
+              <a:fillRef idx="1">
+                <a:schemeClr val="accent6"/>
+              </a:fillRef>
+              <a:effectRef idx="0">
+                <a:schemeClr val="accent6"/>
+              </a:effectRef>
+              <a:fontRef idx="minor">
+                <a:schemeClr val="lt1"/>
+              </a:fontRef>
+            </p:style>
+            <p:txBody>
+              <a:bodyPr rtlCol="0" anchor="ctr"/>
+              <a:lstStyle/>
+              <a:p>
+                <a:pPr algn="ctr"/>
+                <a:endParaRPr lang="en-US" sz="1200"/>
+              </a:p>
+            </p:txBody>
+          </p:sp>
+          <p:sp>
+            <p:nvSpPr>
+              <p:cNvPr id="136" name="Rectangle 135"/>
+              <p:cNvSpPr/>
+              <p:nvPr/>
+            </p:nvSpPr>
+            <p:spPr>
+              <a:xfrm>
+                <a:off x="8742504" y="5935958"/>
+                <a:ext cx="198984" cy="206424"/>
+              </a:xfrm>
+              <a:prstGeom prst="rect">
+                <a:avLst/>
+              </a:prstGeom>
+              <a:solidFill>
+                <a:srgbClr val="99CC00"/>
+              </a:solidFill>
+              <a:ln>
+                <a:noFill/>
+              </a:ln>
+            </p:spPr>
+            <p:style>
+              <a:lnRef idx="2">
+                <a:schemeClr val="accent6">
+                  <a:shade val="50000"/>
+                </a:schemeClr>
+              </a:lnRef>
+              <a:fillRef idx="1">
+                <a:schemeClr val="accent6"/>
+              </a:fillRef>
+              <a:effectRef idx="0">
+                <a:schemeClr val="accent6"/>
+              </a:effectRef>
+              <a:fontRef idx="minor">
+                <a:schemeClr val="lt1"/>
+              </a:fontRef>
+            </p:style>
+            <p:txBody>
+              <a:bodyPr rtlCol="0" anchor="ctr"/>
+              <a:lstStyle/>
+              <a:p>
+                <a:pPr algn="ctr"/>
+                <a:endParaRPr lang="en-US" sz="1200"/>
+              </a:p>
+            </p:txBody>
+          </p:sp>
+          <p:sp>
+            <p:nvSpPr>
+              <p:cNvPr id="139" name="TextBox 138"/>
+              <p:cNvSpPr txBox="1"/>
+              <p:nvPr/>
+            </p:nvSpPr>
+            <p:spPr>
+              <a:xfrm>
+                <a:off x="8924778" y="5537714"/>
+                <a:ext cx="1221809" cy="261610"/>
+              </a:xfrm>
+              <a:prstGeom prst="rect">
+                <a:avLst/>
+              </a:prstGeom>
+              <a:noFill/>
+            </p:spPr>
+            <p:txBody>
+              <a:bodyPr wrap="none" rtlCol="0">
+                <a:spAutoFit/>
+              </a:bodyPr>
+              <a:lstStyle/>
+              <a:p>
+                <a:r>
+                  <a:rPr lang="en-US" sz="1050" dirty="0"/>
+                  <a:t>Bidding Controller</a:t>
+                </a:r>
+              </a:p>
+            </p:txBody>
+          </p:sp>
+          <p:sp>
+            <p:nvSpPr>
+              <p:cNvPr id="140" name="TextBox 139"/>
+              <p:cNvSpPr txBox="1"/>
+              <p:nvPr/>
+            </p:nvSpPr>
+            <p:spPr>
+              <a:xfrm>
+                <a:off x="8942937" y="5935909"/>
+                <a:ext cx="625492" cy="261610"/>
+              </a:xfrm>
+              <a:prstGeom prst="rect">
+                <a:avLst/>
+              </a:prstGeom>
+              <a:noFill/>
+            </p:spPr>
+            <p:txBody>
+              <a:bodyPr wrap="none" rtlCol="0">
+                <a:spAutoFit/>
+              </a:bodyPr>
+              <a:lstStyle/>
+              <a:p>
+                <a:r>
+                  <a:rPr lang="en-US" sz="1050" dirty="0"/>
+                  <a:t>Auction</a:t>
+                </a:r>
+              </a:p>
+            </p:txBody>
+          </p:sp>
+          <p:sp>
+            <p:nvSpPr>
+              <p:cNvPr id="159" name="TextBox 158"/>
+              <p:cNvSpPr txBox="1"/>
+              <p:nvPr/>
+            </p:nvSpPr>
+            <p:spPr>
+              <a:xfrm>
+                <a:off x="7409651" y="5820915"/>
+                <a:ext cx="1465466" cy="261610"/>
+              </a:xfrm>
+              <a:prstGeom prst="rect">
+                <a:avLst/>
+              </a:prstGeom>
+              <a:noFill/>
+            </p:spPr>
+            <p:txBody>
+              <a:bodyPr wrap="none" rtlCol="0">
+                <a:spAutoFit/>
+              </a:bodyPr>
+              <a:lstStyle/>
+              <a:p>
+                <a:r>
+                  <a:rPr lang="en-US" sz="1050" b="1" dirty="0" err="1"/>
+                  <a:t>SupervisoryController</a:t>
+                </a:r>
+                <a:endParaRPr lang="en-US" sz="1050" b="1" dirty="0"/>
+              </a:p>
+            </p:txBody>
+          </p:sp>
+          <p:sp>
+            <p:nvSpPr>
+              <p:cNvPr id="160" name="Isosceles Triangle 159"/>
+              <p:cNvSpPr/>
+              <p:nvPr/>
+            </p:nvSpPr>
+            <p:spPr>
+              <a:xfrm>
+                <a:off x="7665684" y="6116982"/>
+                <a:ext cx="114129" cy="53542"/>
+              </a:xfrm>
+              <a:prstGeom prst="triangle">
+                <a:avLst/>
+              </a:prstGeom>
+              <a:solidFill>
+                <a:srgbClr val="FFC000"/>
+              </a:solidFill>
+              <a:ln>
+                <a:solidFill>
+                  <a:schemeClr val="tx1"/>
+                </a:solidFill>
+              </a:ln>
+            </p:spPr>
+            <p:style>
+              <a:lnRef idx="2">
+                <a:schemeClr val="accent1">
+                  <a:shade val="50000"/>
+                </a:schemeClr>
+              </a:lnRef>
+              <a:fillRef idx="1">
+                <a:schemeClr val="accent1"/>
+              </a:fillRef>
+              <a:effectRef idx="0">
+                <a:schemeClr val="accent1"/>
+              </a:effectRef>
+              <a:fontRef idx="minor">
+                <a:schemeClr val="lt1"/>
+              </a:fontRef>
+            </p:style>
+            <p:txBody>
+              <a:bodyPr rtlCol="0" anchor="ctr"/>
+              <a:lstStyle/>
+              <a:p>
+                <a:pPr algn="ctr"/>
+                <a:endParaRPr lang="en-US" sz="1200"/>
+              </a:p>
+            </p:txBody>
+          </p:sp>
+          <p:sp>
+            <p:nvSpPr>
+              <p:cNvPr id="163" name="Rectangle 162"/>
+              <p:cNvSpPr/>
+              <p:nvPr/>
+            </p:nvSpPr>
+            <p:spPr>
+              <a:xfrm>
+                <a:off x="9650857" y="5931876"/>
+                <a:ext cx="351797" cy="178715"/>
+              </a:xfrm>
+              <a:prstGeom prst="rect">
+                <a:avLst/>
+              </a:prstGeom>
+              <a:gradFill>
+                <a:gsLst>
+                  <a:gs pos="0">
+                    <a:schemeClr val="accent1">
+                      <a:lumMod val="5000"/>
+                      <a:lumOff val="95000"/>
+                    </a:schemeClr>
+                  </a:gs>
+                  <a:gs pos="74000">
+                    <a:schemeClr val="accent1">
+                      <a:lumMod val="45000"/>
+                      <a:lumOff val="55000"/>
+                    </a:schemeClr>
+                  </a:gs>
+                  <a:gs pos="83000">
+                    <a:schemeClr val="accent1">
+                      <a:lumMod val="45000"/>
+                      <a:lumOff val="55000"/>
+                    </a:schemeClr>
+                  </a:gs>
+                  <a:gs pos="100000">
+                    <a:schemeClr val="accent1">
+                      <a:lumMod val="30000"/>
+                      <a:lumOff val="70000"/>
+                    </a:schemeClr>
+                  </a:gs>
+                </a:gsLst>
+                <a:lin ang="5400000" scaled="1"/>
+              </a:gradFill>
+              <a:ln cap="rnd"/>
+            </p:spPr>
+            <p:style>
+              <a:lnRef idx="2">
+                <a:schemeClr val="accent1">
+                  <a:shade val="50000"/>
+                </a:schemeClr>
+              </a:lnRef>
+              <a:fillRef idx="1">
+                <a:schemeClr val="accent1"/>
+              </a:fillRef>
+              <a:effectRef idx="0">
+                <a:schemeClr val="accent1"/>
+              </a:effectRef>
+              <a:fontRef idx="minor">
+                <a:schemeClr val="lt1"/>
+              </a:fontRef>
+            </p:style>
+            <p:txBody>
+              <a:bodyPr lIns="0" tIns="0" rIns="0" bIns="0" rtlCol="0" anchor="ctr"/>
+              <a:lstStyle/>
+              <a:p>
+                <a:pPr algn="ctr"/>
+                <a:r>
+                  <a:rPr lang="en-US" sz="600" dirty="0">
+                    <a:solidFill>
+                      <a:schemeClr val="tx1"/>
+                    </a:solidFill>
+                  </a:rPr>
+                  <a:t>Weather</a:t>
+                </a:r>
+              </a:p>
+            </p:txBody>
+          </p:sp>
+          <p:sp>
+            <p:nvSpPr>
+              <p:cNvPr id="137" name="TextBox 136"/>
+              <p:cNvSpPr txBox="1"/>
+              <p:nvPr/>
+            </p:nvSpPr>
+            <p:spPr>
+              <a:xfrm>
+                <a:off x="2572070" y="5484247"/>
+                <a:ext cx="867545" cy="253916"/>
+              </a:xfrm>
+              <a:prstGeom prst="rect">
+                <a:avLst/>
+              </a:prstGeom>
+              <a:noFill/>
+            </p:spPr>
+            <p:txBody>
+              <a:bodyPr wrap="none" rtlCol="0">
+                <a:spAutoFit/>
+              </a:bodyPr>
+              <a:lstStyle/>
+              <a:p>
+                <a:r>
+                  <a:rPr lang="en-US" sz="1050" dirty="0"/>
+                  <a:t>Bulk Power</a:t>
+                </a:r>
+              </a:p>
+            </p:txBody>
+          </p:sp>
+        </p:grpSp>
+        <p:sp>
+          <p:nvSpPr>
+            <p:cNvPr id="9" name="TextBox 8"/>
+            <p:cNvSpPr txBox="1"/>
+            <p:nvPr/>
+          </p:nvSpPr>
+          <p:spPr>
+            <a:xfrm>
+              <a:off x="398277" y="1096993"/>
+              <a:ext cx="4205980" cy="3970318"/>
+            </a:xfrm>
+            <a:prstGeom prst="rect">
+              <a:avLst/>
+            </a:prstGeom>
+            <a:noFill/>
+          </p:spPr>
+          <p:txBody>
+            <a:bodyPr wrap="square" rtlCol="0">
+              <a:spAutoFit/>
+            </a:bodyPr>
+            <a:lstStyle/>
+            <a:p>
+              <a:r>
+                <a:rPr lang="en-US" sz="1400" dirty="0"/>
+                <a:t>30 houses divided among three phases on one distribution transformer.</a:t>
+              </a:r>
+            </a:p>
+            <a:p>
+              <a:endParaRPr lang="en-US" sz="1400" dirty="0"/>
+            </a:p>
+            <a:p>
+              <a:r>
+                <a:rPr lang="en-US" sz="1400" dirty="0"/>
+                <a:t>The distribution system has one uncontrollable load (Resource) and one source of bulk power (Resource).</a:t>
+              </a:r>
+            </a:p>
+            <a:p>
+              <a:endParaRPr lang="en-US" sz="1400" dirty="0"/>
+            </a:p>
+            <a:p>
+              <a:r>
+                <a:rPr lang="en-US" sz="1400" dirty="0"/>
+                <a:t>There is a weather feed of TMY3 Data for a single locale (Weather).</a:t>
+              </a:r>
+            </a:p>
+            <a:p>
+              <a:endParaRPr lang="en-US" sz="1400" dirty="0"/>
+            </a:p>
+            <a:p>
+              <a:r>
+                <a:rPr lang="en-US" sz="1400" dirty="0"/>
+                <a:t>Each house has:</a:t>
+              </a:r>
+            </a:p>
+            <a:p>
+              <a:pPr marL="285750" indent="-285750">
+                <a:buFont typeface="Arial" panose="020B0604020202020204" pitchFamily="34" charset="0"/>
+                <a:buChar char="•"/>
+              </a:pPr>
+              <a:r>
+                <a:rPr lang="en-US" sz="1400" dirty="0"/>
+                <a:t>A solar panel (Resource)</a:t>
+              </a:r>
+            </a:p>
+            <a:p>
+              <a:pPr marL="285750" indent="-285750">
+                <a:buFont typeface="Arial" panose="020B0604020202020204" pitchFamily="34" charset="0"/>
+                <a:buChar char="•"/>
+              </a:pPr>
+              <a:r>
+                <a:rPr lang="en-US" sz="1400" dirty="0"/>
+                <a:t>A controllable load – HVAC (Resource)</a:t>
+              </a:r>
+            </a:p>
+            <a:p>
+              <a:pPr marL="285750" indent="-285750">
+                <a:buFont typeface="Arial" panose="020B0604020202020204" pitchFamily="34" charset="0"/>
+                <a:buChar char="•"/>
+              </a:pPr>
+              <a:r>
+                <a:rPr lang="en-US" sz="1400" dirty="0"/>
+                <a:t>A non-controllable load (Resource)</a:t>
+              </a:r>
+            </a:p>
+            <a:p>
+              <a:pPr marL="285750" indent="-285750">
+                <a:buFont typeface="Arial" panose="020B0604020202020204" pitchFamily="34" charset="0"/>
+                <a:buChar char="•"/>
+              </a:pPr>
+              <a:r>
+                <a:rPr lang="en-US" sz="1400" dirty="0"/>
+                <a:t>A home automation system (</a:t>
+              </a:r>
+              <a:r>
+                <a:rPr lang="en-US" sz="1400" dirty="0" err="1"/>
+                <a:t>SupervisoryController</a:t>
+              </a:r>
+              <a:r>
+                <a:rPr lang="en-US" sz="1400" dirty="0"/>
+                <a:t>)</a:t>
+              </a:r>
+            </a:p>
+            <a:p>
+              <a:pPr marL="285750" indent="-285750">
+                <a:buFont typeface="Arial" panose="020B0604020202020204" pitchFamily="34" charset="0"/>
+                <a:buChar char="•"/>
+              </a:pPr>
+              <a:r>
+                <a:rPr lang="en-US" sz="1400" dirty="0"/>
+                <a:t>A thermostat (</a:t>
+              </a:r>
+              <a:r>
+                <a:rPr lang="en-US" sz="1400" dirty="0" err="1"/>
+                <a:t>LocalController</a:t>
+              </a:r>
+              <a:r>
+                <a:rPr lang="en-US" sz="1400" dirty="0"/>
+                <a:t>)</a:t>
+              </a:r>
+            </a:p>
+            <a:p>
+              <a:pPr marL="285750" indent="-285750">
+                <a:buFont typeface="Arial" panose="020B0604020202020204" pitchFamily="34" charset="0"/>
+                <a:buChar char="•"/>
+              </a:pPr>
+              <a:r>
+                <a:rPr lang="en-US" sz="1400" dirty="0"/>
+                <a:t>A transactive agent (</a:t>
+              </a:r>
+              <a:r>
+                <a:rPr lang="en-US" sz="1400" dirty="0" err="1"/>
+                <a:t>TransactiveAgent</a:t>
+              </a:r>
+              <a:r>
+                <a:rPr lang="en-US" sz="1400" dirty="0"/>
+                <a:t>) </a:t>
+              </a:r>
+            </a:p>
+          </p:txBody>
+        </p:sp>
+        <p:sp>
+          <p:nvSpPr>
+            <p:cNvPr id="167" name="Left Brace 166"/>
+            <p:cNvSpPr/>
+            <p:nvPr/>
+          </p:nvSpPr>
+          <p:spPr>
+            <a:xfrm rot="16200000">
+              <a:off x="6302576" y="1817914"/>
+              <a:ext cx="379178" cy="3445273"/>
+            </a:xfrm>
+            <a:prstGeom prst="leftBrace">
+              <a:avLst>
+                <a:gd name="adj1" fmla="val 51072"/>
+                <a:gd name="adj2" fmla="val 50000"/>
+              </a:avLst>
+            </a:prstGeom>
+          </p:spPr>
+          <p:style>
+            <a:lnRef idx="1">
+              <a:schemeClr val="dk1"/>
+            </a:lnRef>
+            <a:fillRef idx="0">
+              <a:schemeClr val="dk1"/>
+            </a:fillRef>
+            <a:effectRef idx="0">
+              <a:schemeClr val="dk1"/>
+            </a:effectRef>
+            <a:fontRef idx="minor">
+              <a:schemeClr val="tx1"/>
+            </a:fontRef>
+          </p:style>
+          <p:txBody>
+            <a:bodyPr rtlCol="0" anchor="ctr"/>
+            <a:lstStyle/>
+            <a:p>
+              <a:pPr algn="ctr"/>
+              <a:endParaRPr lang="en-US"/>
+            </a:p>
+          </p:txBody>
+        </p:sp>
+        <p:sp>
+          <p:nvSpPr>
+            <p:cNvPr id="168" name="TextBox 167"/>
+            <p:cNvSpPr txBox="1"/>
+            <p:nvPr/>
+          </p:nvSpPr>
+          <p:spPr>
+            <a:xfrm>
+              <a:off x="6236389" y="3647559"/>
+              <a:ext cx="585417" cy="369332"/>
+            </a:xfrm>
+            <a:prstGeom prst="rect">
+              <a:avLst/>
+            </a:prstGeom>
+            <a:noFill/>
+          </p:spPr>
+          <p:txBody>
+            <a:bodyPr wrap="none" rtlCol="0">
+              <a:spAutoFit/>
+            </a:bodyPr>
+            <a:lstStyle/>
+            <a:p>
+              <a:r>
+                <a:rPr lang="en-US" dirty="0"/>
+                <a:t>Grid</a:t>
+              </a:r>
+            </a:p>
+          </p:txBody>
+        </p:sp>
+        <p:sp>
+          <p:nvSpPr>
+            <p:cNvPr id="118" name="Diamond 117"/>
+            <p:cNvSpPr/>
+            <p:nvPr/>
+          </p:nvSpPr>
+          <p:spPr>
+            <a:xfrm>
+              <a:off x="4687717" y="2102004"/>
+              <a:ext cx="274320" cy="274320"/>
+            </a:xfrm>
+            <a:prstGeom prst="diamond">
+              <a:avLst/>
+            </a:prstGeom>
+            <a:solidFill>
+              <a:srgbClr val="CC66FF"/>
+            </a:solidFill>
+          </p:spPr>
+          <p:style>
+            <a:lnRef idx="2">
+              <a:schemeClr val="dk1">
+                <a:shade val="50000"/>
+              </a:schemeClr>
+            </a:lnRef>
+            <a:fillRef idx="1">
+              <a:schemeClr val="dk1"/>
+            </a:fillRef>
+            <a:effectRef idx="0">
+              <a:schemeClr val="dk1"/>
+            </a:effectRef>
+            <a:fontRef idx="minor">
+              <a:schemeClr val="lt1"/>
+            </a:fontRef>
+          </p:style>
+          <p:txBody>
+            <a:bodyPr rtlCol="0" anchor="ctr"/>
+            <a:lstStyle/>
+            <a:p>
+              <a:pPr algn="ctr"/>
+              <a:endParaRPr lang="en-US"/>
+            </a:p>
+          </p:txBody>
+        </p:sp>
+        <p:cxnSp>
+          <p:nvCxnSpPr>
+            <p:cNvPr id="119" name="Straight Connector 118"/>
+            <p:cNvCxnSpPr>
+              <a:stCxn id="6" idx="2"/>
+              <a:endCxn id="118" idx="3"/>
+            </p:cNvCxnSpPr>
+            <p:nvPr/>
+          </p:nvCxnSpPr>
+          <p:spPr>
+            <a:xfrm flipH="1">
+              <a:off x="4962037" y="2227083"/>
+              <a:ext cx="273252" cy="12081"/>
+            </a:xfrm>
+            <a:prstGeom prst="line">
+              <a:avLst/>
+            </a:prstGeom>
+            <a:ln>
+              <a:solidFill>
+                <a:srgbClr val="5B9BD5"/>
+              </a:solidFill>
+            </a:ln>
+          </p:spPr>
+          <p:style>
+            <a:lnRef idx="1">
+              <a:schemeClr val="dk1"/>
+            </a:lnRef>
+            <a:fillRef idx="0">
+              <a:schemeClr val="dk1"/>
+            </a:fillRef>
+            <a:effectRef idx="0">
+              <a:schemeClr val="dk1"/>
+            </a:effectRef>
+            <a:fontRef idx="minor">
+              <a:schemeClr val="tx1"/>
+            </a:fontRef>
+          </p:style>
+        </p:cxnSp>
+        <p:sp>
+          <p:nvSpPr>
+            <p:cNvPr id="124" name="Diamond 123"/>
+            <p:cNvSpPr/>
+            <p:nvPr/>
+          </p:nvSpPr>
+          <p:spPr>
+            <a:xfrm>
+              <a:off x="2164210" y="5372867"/>
+              <a:ext cx="185808" cy="185808"/>
+            </a:xfrm>
+            <a:prstGeom prst="diamond">
+              <a:avLst/>
+            </a:prstGeom>
+            <a:solidFill>
+              <a:srgbClr val="CC66FF"/>
+            </a:solidFill>
+          </p:spPr>
+          <p:style>
+            <a:lnRef idx="2">
+              <a:schemeClr val="dk1">
+                <a:shade val="50000"/>
+              </a:schemeClr>
+            </a:lnRef>
+            <a:fillRef idx="1">
+              <a:schemeClr val="dk1"/>
+            </a:fillRef>
+            <a:effectRef idx="0">
+              <a:schemeClr val="dk1"/>
+            </a:effectRef>
+            <a:fontRef idx="minor">
+              <a:schemeClr val="lt1"/>
+            </a:fontRef>
+          </p:style>
+          <p:txBody>
+            <a:bodyPr rtlCol="0" anchor="ctr"/>
+            <a:lstStyle/>
+            <a:p>
+              <a:pPr algn="ctr"/>
+              <a:endParaRPr lang="en-US"/>
+            </a:p>
+          </p:txBody>
+        </p:sp>
+        <p:pic>
+          <p:nvPicPr>
+            <p:cNvPr id="121" name="Picture 120">
+              <a:extLst>
+                <a:ext uri="{FF2B5EF4-FFF2-40B4-BE49-F238E27FC236}">
+                  <a16:creationId xmlns:a16="http://schemas.microsoft.com/office/drawing/2014/main" id="{7AE4AA09-BF0E-471B-85AA-79CDCF23E037}"/>
+                </a:ext>
+              </a:extLst>
+            </p:cNvPr>
+            <p:cNvPicPr>
+              <a:picLocks noChangeAspect="1"/>
+            </p:cNvPicPr>
+            <p:nvPr/>
+          </p:nvPicPr>
+          <p:blipFill>
+            <a:blip r:embed="rId3"/>
+            <a:stretch>
+              <a:fillRect/>
+            </a:stretch>
+          </p:blipFill>
+          <p:spPr>
+            <a:xfrm>
+              <a:off x="10722379" y="3681127"/>
+              <a:ext cx="597166" cy="650444"/>
+            </a:xfrm>
+            <a:prstGeom prst="rect">
+              <a:avLst/>
+            </a:prstGeom>
+          </p:spPr>
+        </p:pic>
+        <p:sp>
+          <p:nvSpPr>
+            <p:cNvPr id="142" name="TextBox 141">
+              <a:extLst>
+                <a:ext uri="{FF2B5EF4-FFF2-40B4-BE49-F238E27FC236}">
+                  <a16:creationId xmlns:a16="http://schemas.microsoft.com/office/drawing/2014/main" id="{17D452CA-4C8E-425E-A1F4-F3B2057A9C9D}"/>
+                </a:ext>
+              </a:extLst>
+            </p:cNvPr>
+            <p:cNvSpPr txBox="1"/>
+            <p:nvPr/>
+          </p:nvSpPr>
+          <p:spPr>
+            <a:xfrm>
+              <a:off x="10564210" y="4313487"/>
+              <a:ext cx="809837" cy="261610"/>
+            </a:xfrm>
+            <a:prstGeom prst="rect">
+              <a:avLst/>
+            </a:prstGeom>
+            <a:noFill/>
+          </p:spPr>
+          <p:txBody>
+            <a:bodyPr wrap="none" rtlCol="0">
+              <a:spAutoFit/>
+            </a:bodyPr>
+            <a:lstStyle/>
+            <a:p>
+              <a:r>
+                <a:rPr lang="en-US" sz="1100" dirty="0"/>
+                <a:t>{Weather}</a:t>
               </a:r>
             </a:p>
           </p:txBody>
         </p:sp>
       </p:grpSp>
-      <p:sp>
-        <p:nvSpPr>
-          <p:cNvPr id="9" name="TextBox 8"/>
-          <p:cNvSpPr txBox="1"/>
-          <p:nvPr/>
-        </p:nvSpPr>
-        <p:spPr>
-          <a:xfrm>
-            <a:off x="398277" y="1096993"/>
-            <a:ext cx="4205980" cy="3970318"/>
-          </a:xfrm>
-          <a:prstGeom prst="rect">
-            <a:avLst/>
-          </a:prstGeom>
-          <a:noFill/>
-        </p:spPr>
-        <p:txBody>
-          <a:bodyPr wrap="square" rtlCol="0">
-            <a:spAutoFit/>
-          </a:bodyPr>
-          <a:lstStyle/>
-          <a:p>
-            <a:r>
-              <a:rPr lang="en-US" sz="1400" dirty="0"/>
-              <a:t>30 houses divided among three phases on one distribution transformer.</a:t>
-            </a:r>
-          </a:p>
-          <a:p>
-            <a:endParaRPr lang="en-US" sz="1400" dirty="0"/>
-          </a:p>
-          <a:p>
-            <a:r>
-              <a:rPr lang="en-US" sz="1400" dirty="0"/>
-              <a:t>The distribution system has one uncontrollable load (Resource) and one source of bulk power (Resource).</a:t>
-            </a:r>
-          </a:p>
-          <a:p>
-            <a:endParaRPr lang="en-US" sz="1400" dirty="0"/>
-          </a:p>
-          <a:p>
-            <a:r>
-              <a:rPr lang="en-US" sz="1400" dirty="0"/>
-              <a:t>There is a weather feed of TMY3 Data for a single locale (Weather).</a:t>
-            </a:r>
-          </a:p>
-          <a:p>
-            <a:endParaRPr lang="en-US" sz="1400" dirty="0"/>
-          </a:p>
-          <a:p>
-            <a:r>
-              <a:rPr lang="en-US" sz="1400" dirty="0"/>
-              <a:t>Each house has:</a:t>
-            </a:r>
-          </a:p>
-          <a:p>
-            <a:pPr marL="285750" indent="-285750">
-              <a:buFont typeface="Arial" panose="020B0604020202020204" pitchFamily="34" charset="0"/>
-              <a:buChar char="•"/>
-            </a:pPr>
-            <a:r>
-              <a:rPr lang="en-US" sz="1400" dirty="0"/>
-              <a:t>A solar panel (Resource)</a:t>
-            </a:r>
-          </a:p>
-          <a:p>
-            <a:pPr marL="285750" indent="-285750">
-              <a:buFont typeface="Arial" panose="020B0604020202020204" pitchFamily="34" charset="0"/>
-              <a:buChar char="•"/>
-            </a:pPr>
-            <a:r>
-              <a:rPr lang="en-US" sz="1400" dirty="0"/>
-              <a:t>A controllable load – HVAC (Resource)</a:t>
-            </a:r>
-          </a:p>
-          <a:p>
-            <a:pPr marL="285750" indent="-285750">
-              <a:buFont typeface="Arial" panose="020B0604020202020204" pitchFamily="34" charset="0"/>
-              <a:buChar char="•"/>
-            </a:pPr>
-            <a:r>
-              <a:rPr lang="en-US" sz="1400" dirty="0"/>
-              <a:t>A non-controllable load (Resource)</a:t>
-            </a:r>
-          </a:p>
-          <a:p>
-            <a:pPr marL="285750" indent="-285750">
-              <a:buFont typeface="Arial" panose="020B0604020202020204" pitchFamily="34" charset="0"/>
-              <a:buChar char="•"/>
-            </a:pPr>
-            <a:r>
-              <a:rPr lang="en-US" sz="1400" dirty="0"/>
-              <a:t>A home automation system (</a:t>
-            </a:r>
-            <a:r>
-              <a:rPr lang="en-US" sz="1400" dirty="0" err="1"/>
-              <a:t>SupervisoryController</a:t>
-            </a:r>
-            <a:r>
-              <a:rPr lang="en-US" sz="1400" dirty="0"/>
-              <a:t>)</a:t>
-            </a:r>
-          </a:p>
-          <a:p>
-            <a:pPr marL="285750" indent="-285750">
-              <a:buFont typeface="Arial" panose="020B0604020202020204" pitchFamily="34" charset="0"/>
-              <a:buChar char="•"/>
-            </a:pPr>
-            <a:r>
-              <a:rPr lang="en-US" sz="1400" dirty="0"/>
-              <a:t>A thermostat (</a:t>
-            </a:r>
-            <a:r>
-              <a:rPr lang="en-US" sz="1400" dirty="0" err="1"/>
-              <a:t>LocalController</a:t>
-            </a:r>
-            <a:r>
-              <a:rPr lang="en-US" sz="1400" dirty="0"/>
-              <a:t>)</a:t>
-            </a:r>
-          </a:p>
-          <a:p>
-            <a:pPr marL="285750" indent="-285750">
-              <a:buFont typeface="Arial" panose="020B0604020202020204" pitchFamily="34" charset="0"/>
-              <a:buChar char="•"/>
-            </a:pPr>
-            <a:r>
-              <a:rPr lang="en-US" sz="1400" dirty="0"/>
-              <a:t>A transactive agent (</a:t>
-            </a:r>
-            <a:r>
-              <a:rPr lang="en-US" sz="1400" dirty="0" err="1"/>
-              <a:t>TransactiveAgent</a:t>
-            </a:r>
-            <a:r>
-              <a:rPr lang="en-US" sz="1400" dirty="0"/>
-              <a:t>) </a:t>
-            </a:r>
-          </a:p>
-        </p:txBody>
-      </p:sp>
-      <p:sp>
-        <p:nvSpPr>
-          <p:cNvPr id="167" name="Left Brace 166"/>
-          <p:cNvSpPr/>
-          <p:nvPr/>
-        </p:nvSpPr>
-        <p:spPr>
-          <a:xfrm rot="16200000">
-            <a:off x="6302576" y="1817914"/>
-            <a:ext cx="379178" cy="3445273"/>
-          </a:xfrm>
-          <a:prstGeom prst="leftBrace">
-            <a:avLst>
-              <a:gd name="adj1" fmla="val 51072"/>
-              <a:gd name="adj2" fmla="val 50000"/>
-            </a:avLst>
-          </a:prstGeom>
-        </p:spPr>
-        <p:style>
-          <a:lnRef idx="1">
-            <a:schemeClr val="dk1"/>
-          </a:lnRef>
-          <a:fillRef idx="0">
-            <a:schemeClr val="dk1"/>
-          </a:fillRef>
-          <a:effectRef idx="0">
-            <a:schemeClr val="dk1"/>
-          </a:effectRef>
-          <a:fontRef idx="minor">
-            <a:schemeClr val="tx1"/>
-          </a:fontRef>
-        </p:style>
-        <p:txBody>
-          <a:bodyPr rtlCol="0" anchor="ctr"/>
-          <a:lstStyle/>
-          <a:p>
-            <a:pPr algn="ctr"/>
-            <a:endParaRPr lang="en-US"/>
-          </a:p>
-        </p:txBody>
-      </p:sp>
-      <p:sp>
-        <p:nvSpPr>
-          <p:cNvPr id="168" name="TextBox 167"/>
-          <p:cNvSpPr txBox="1"/>
-          <p:nvPr/>
-        </p:nvSpPr>
-        <p:spPr>
-          <a:xfrm>
-            <a:off x="6236389" y="3647559"/>
-            <a:ext cx="585417" cy="369332"/>
-          </a:xfrm>
-          <a:prstGeom prst="rect">
-            <a:avLst/>
-          </a:prstGeom>
-          <a:noFill/>
-        </p:spPr>
-        <p:txBody>
-          <a:bodyPr wrap="none" rtlCol="0">
-            <a:spAutoFit/>
-          </a:bodyPr>
-          <a:lstStyle/>
-          <a:p>
-            <a:r>
-              <a:rPr lang="en-US" dirty="0"/>
-              <a:t>Grid</a:t>
-            </a:r>
-          </a:p>
-        </p:txBody>
-      </p:sp>
-      <p:sp>
-        <p:nvSpPr>
-          <p:cNvPr id="118" name="Diamond 117"/>
-          <p:cNvSpPr/>
-          <p:nvPr/>
-        </p:nvSpPr>
-        <p:spPr>
-          <a:xfrm>
-            <a:off x="4687717" y="2102004"/>
-            <a:ext cx="274320" cy="274320"/>
-          </a:xfrm>
-          <a:prstGeom prst="diamond">
-            <a:avLst/>
-          </a:prstGeom>
-          <a:solidFill>
-            <a:srgbClr val="CC66FF"/>
-          </a:solidFill>
-        </p:spPr>
-        <p:style>
-          <a:lnRef idx="2">
-            <a:schemeClr val="dk1">
-              <a:shade val="50000"/>
-            </a:schemeClr>
-          </a:lnRef>
-          <a:fillRef idx="1">
-            <a:schemeClr val="dk1"/>
-          </a:fillRef>
-          <a:effectRef idx="0">
-            <a:schemeClr val="dk1"/>
-          </a:effectRef>
-          <a:fontRef idx="minor">
-            <a:schemeClr val="lt1"/>
-          </a:fontRef>
-        </p:style>
-        <p:txBody>
-          <a:bodyPr rtlCol="0" anchor="ctr"/>
-          <a:lstStyle/>
-          <a:p>
-            <a:pPr algn="ctr"/>
-            <a:endParaRPr lang="en-US"/>
-          </a:p>
-        </p:txBody>
-      </p:sp>
-      <p:cxnSp>
-        <p:nvCxnSpPr>
-          <p:cNvPr id="119" name="Straight Connector 118"/>
-          <p:cNvCxnSpPr>
-            <a:stCxn id="6" idx="2"/>
-            <a:endCxn id="118" idx="3"/>
-          </p:cNvCxnSpPr>
-          <p:nvPr/>
-        </p:nvCxnSpPr>
-        <p:spPr>
-          <a:xfrm flipH="1">
-            <a:off x="4962037" y="2227083"/>
-            <a:ext cx="273252" cy="12081"/>
-          </a:xfrm>
-          <a:prstGeom prst="line">
-            <a:avLst/>
-          </a:prstGeom>
-          <a:ln>
-            <a:solidFill>
-              <a:srgbClr val="5B9BD5"/>
-            </a:solidFill>
-          </a:ln>
-        </p:spPr>
-        <p:style>
-          <a:lnRef idx="1">
-            <a:schemeClr val="dk1"/>
-          </a:lnRef>
-          <a:fillRef idx="0">
-            <a:schemeClr val="dk1"/>
-          </a:fillRef>
-          <a:effectRef idx="0">
-            <a:schemeClr val="dk1"/>
-          </a:effectRef>
-          <a:fontRef idx="minor">
-            <a:schemeClr val="tx1"/>
-          </a:fontRef>
-        </p:style>
-      </p:cxnSp>
-      <p:sp>
-        <p:nvSpPr>
-          <p:cNvPr id="124" name="Diamond 123"/>
-          <p:cNvSpPr/>
-          <p:nvPr/>
-        </p:nvSpPr>
-        <p:spPr>
-          <a:xfrm>
-            <a:off x="2164210" y="5372867"/>
-            <a:ext cx="185808" cy="185808"/>
-          </a:xfrm>
-          <a:prstGeom prst="diamond">
-            <a:avLst/>
-          </a:prstGeom>
-          <a:solidFill>
-            <a:srgbClr val="CC66FF"/>
-          </a:solidFill>
-        </p:spPr>
-        <p:style>
-          <a:lnRef idx="2">
-            <a:schemeClr val="dk1">
-              <a:shade val="50000"/>
-            </a:schemeClr>
-          </a:lnRef>
-          <a:fillRef idx="1">
-            <a:schemeClr val="dk1"/>
-          </a:fillRef>
-          <a:effectRef idx="0">
-            <a:schemeClr val="dk1"/>
-          </a:effectRef>
-          <a:fontRef idx="minor">
-            <a:schemeClr val="lt1"/>
-          </a:fontRef>
-        </p:style>
-        <p:txBody>
-          <a:bodyPr rtlCol="0" anchor="ctr"/>
-          <a:lstStyle/>
-          <a:p>
-            <a:pPr algn="ctr"/>
-            <a:endParaRPr lang="en-US"/>
-          </a:p>
-        </p:txBody>
-      </p:sp>
     </p:spTree>
     <p:extLst>
       <p:ext uri="{BB962C8B-B14F-4D97-AF65-F5344CB8AC3E}">
